--- a/5_seminar/Contents_Part_02/slides/slides_II_3.pptx
+++ b/5_seminar/Contents_Part_02/slides/slides_II_3.pptx
@@ -5,7 +5,7 @@
     <p:sldMasterId id="2147483648" r:id="rId1"/>
   </p:sldMasterIdLst>
   <p:notesMasterIdLst>
-    <p:notesMasterId r:id="rId19"/>
+    <p:notesMasterId r:id="rId23"/>
   </p:notesMasterIdLst>
   <p:sldIdLst>
     <p:sldId id="303" r:id="rId2"/>
@@ -16,15 +16,19 @@
     <p:sldId id="351" r:id="rId7"/>
     <p:sldId id="352" r:id="rId8"/>
     <p:sldId id="353" r:id="rId9"/>
-    <p:sldId id="354" r:id="rId10"/>
-    <p:sldId id="355" r:id="rId11"/>
-    <p:sldId id="343" r:id="rId12"/>
-    <p:sldId id="347" r:id="rId13"/>
-    <p:sldId id="328" r:id="rId14"/>
-    <p:sldId id="345" r:id="rId15"/>
-    <p:sldId id="344" r:id="rId16"/>
-    <p:sldId id="346" r:id="rId17"/>
-    <p:sldId id="342" r:id="rId18"/>
+    <p:sldId id="356" r:id="rId10"/>
+    <p:sldId id="354" r:id="rId11"/>
+    <p:sldId id="355" r:id="rId12"/>
+    <p:sldId id="357" r:id="rId13"/>
+    <p:sldId id="358" r:id="rId14"/>
+    <p:sldId id="359" r:id="rId15"/>
+    <p:sldId id="343" r:id="rId16"/>
+    <p:sldId id="347" r:id="rId17"/>
+    <p:sldId id="328" r:id="rId18"/>
+    <p:sldId id="345" r:id="rId19"/>
+    <p:sldId id="344" r:id="rId20"/>
+    <p:sldId id="346" r:id="rId21"/>
+    <p:sldId id="342" r:id="rId22"/>
   </p:sldIdLst>
   <p:sldSz cx="12192000" cy="6858000"/>
   <p:notesSz cx="6858000" cy="9144000"/>
@@ -224,7 +228,7 @@
           <a:p>
             <a:fld id="{7A5B87F2-13FD-4A24-9F19-39B31C60B536}" type="datetimeFigureOut">
               <a:rPr lang="en-US" smtClean="0"/>
-              <a:t>4/27/2021</a:t>
+              <a:t>4/28/2021</a:t>
             </a:fld>
             <a:endParaRPr lang="en-US"/>
           </a:p>
@@ -670,7 +674,411 @@
           <a:p>
             <a:fld id="{20A41429-B750-4047-B563-2878417A70E7}" type="slidenum">
               <a:rPr lang="en-US" smtClean="0"/>
+              <a:t>12</a:t>
+            </a:fld>
+            <a:endParaRPr lang="en-US"/>
+          </a:p>
+        </p:txBody>
+      </p:sp>
+    </p:spTree>
+    <p:extLst>
+      <p:ext uri="{BB962C8B-B14F-4D97-AF65-F5344CB8AC3E}">
+        <p14:creationId xmlns:p14="http://schemas.microsoft.com/office/powerpoint/2010/main" val="881028609"/>
+      </p:ext>
+    </p:extLst>
+  </p:cSld>
+  <p:clrMapOvr>
+    <a:masterClrMapping/>
+  </p:clrMapOvr>
+</p:notes>
+</file>
+
+<file path=ppt/notesSlides/notesSlide11.xml><?xml version="1.0" encoding="utf-8"?>
+<p:notes xmlns:a="http://schemas.openxmlformats.org/drawingml/2006/main" xmlns:r="http://schemas.openxmlformats.org/officeDocument/2006/relationships" xmlns:p="http://schemas.openxmlformats.org/presentationml/2006/main">
+  <p:cSld>
+    <p:spTree>
+      <p:nvGrpSpPr>
+        <p:cNvPr id="1" name=""/>
+        <p:cNvGrpSpPr/>
+        <p:nvPr/>
+      </p:nvGrpSpPr>
+      <p:grpSpPr>
+        <a:xfrm>
+          <a:off x="0" y="0"/>
+          <a:ext cx="0" cy="0"/>
+          <a:chOff x="0" y="0"/>
+          <a:chExt cx="0" cy="0"/>
+        </a:xfrm>
+      </p:grpSpPr>
+      <p:sp>
+        <p:nvSpPr>
+          <p:cNvPr id="2" name="Folienbildplatzhalter 1"/>
+          <p:cNvSpPr>
+            <a:spLocks noGrp="1" noRot="1" noChangeAspect="1"/>
+          </p:cNvSpPr>
+          <p:nvPr>
+            <p:ph type="sldImg"/>
+          </p:nvPr>
+        </p:nvSpPr>
+        <p:spPr/>
+      </p:sp>
+      <p:sp>
+        <p:nvSpPr>
+          <p:cNvPr id="3" name="Notizenplatzhalter 2"/>
+          <p:cNvSpPr>
+            <a:spLocks noGrp="1"/>
+          </p:cNvSpPr>
+          <p:nvPr>
+            <p:ph type="body" idx="1"/>
+          </p:nvPr>
+        </p:nvSpPr>
+        <p:spPr/>
+        <p:txBody>
+          <a:bodyPr/>
+          <a:lstStyle/>
+          <a:p>
+            <a:pPr marL="0" marR="0" lvl="0" indent="0" algn="l" defTabSz="914400" rtl="0" eaLnBrk="1" fontAlgn="auto" latinLnBrk="0" hangingPunct="1">
+              <a:lnSpc>
+                <a:spcPct val="100000"/>
+              </a:lnSpc>
+              <a:spcBef>
+                <a:spcPts val="0"/>
+              </a:spcBef>
+              <a:spcAft>
+                <a:spcPts val="0"/>
+              </a:spcAft>
+              <a:buClrTx/>
+              <a:buSzTx/>
+              <a:buFontTx/>
+              <a:buNone/>
+              <a:tabLst/>
+              <a:defRPr/>
+            </a:pPr>
+            <a:endParaRPr lang="en-US"/>
+          </a:p>
+        </p:txBody>
+      </p:sp>
+      <p:sp>
+        <p:nvSpPr>
+          <p:cNvPr id="4" name="Foliennummernplatzhalter 3"/>
+          <p:cNvSpPr>
+            <a:spLocks noGrp="1"/>
+          </p:cNvSpPr>
+          <p:nvPr>
+            <p:ph type="sldNum" sz="quarter" idx="10"/>
+          </p:nvPr>
+        </p:nvSpPr>
+        <p:spPr/>
+        <p:txBody>
+          <a:bodyPr/>
+          <a:lstStyle/>
+          <a:p>
+            <a:fld id="{20A41429-B750-4047-B563-2878417A70E7}" type="slidenum">
+              <a:rPr lang="en-US" smtClean="0"/>
               <a:t>13</a:t>
+            </a:fld>
+            <a:endParaRPr lang="en-US"/>
+          </a:p>
+        </p:txBody>
+      </p:sp>
+    </p:spTree>
+    <p:extLst>
+      <p:ext uri="{BB962C8B-B14F-4D97-AF65-F5344CB8AC3E}">
+        <p14:creationId xmlns:p14="http://schemas.microsoft.com/office/powerpoint/2010/main" val="1736889101"/>
+      </p:ext>
+    </p:extLst>
+  </p:cSld>
+  <p:clrMapOvr>
+    <a:masterClrMapping/>
+  </p:clrMapOvr>
+</p:notes>
+</file>
+
+<file path=ppt/notesSlides/notesSlide12.xml><?xml version="1.0" encoding="utf-8"?>
+<p:notes xmlns:a="http://schemas.openxmlformats.org/drawingml/2006/main" xmlns:r="http://schemas.openxmlformats.org/officeDocument/2006/relationships" xmlns:p="http://schemas.openxmlformats.org/presentationml/2006/main">
+  <p:cSld>
+    <p:spTree>
+      <p:nvGrpSpPr>
+        <p:cNvPr id="1" name=""/>
+        <p:cNvGrpSpPr/>
+        <p:nvPr/>
+      </p:nvGrpSpPr>
+      <p:grpSpPr>
+        <a:xfrm>
+          <a:off x="0" y="0"/>
+          <a:ext cx="0" cy="0"/>
+          <a:chOff x="0" y="0"/>
+          <a:chExt cx="0" cy="0"/>
+        </a:xfrm>
+      </p:grpSpPr>
+      <p:sp>
+        <p:nvSpPr>
+          <p:cNvPr id="2" name="Folienbildplatzhalter 1"/>
+          <p:cNvSpPr>
+            <a:spLocks noGrp="1" noRot="1" noChangeAspect="1"/>
+          </p:cNvSpPr>
+          <p:nvPr>
+            <p:ph type="sldImg"/>
+          </p:nvPr>
+        </p:nvSpPr>
+        <p:spPr/>
+      </p:sp>
+      <p:sp>
+        <p:nvSpPr>
+          <p:cNvPr id="3" name="Notizenplatzhalter 2"/>
+          <p:cNvSpPr>
+            <a:spLocks noGrp="1"/>
+          </p:cNvSpPr>
+          <p:nvPr>
+            <p:ph type="body" idx="1"/>
+          </p:nvPr>
+        </p:nvSpPr>
+        <p:spPr/>
+        <p:txBody>
+          <a:bodyPr/>
+          <a:lstStyle/>
+          <a:p>
+            <a:pPr marL="0" marR="0" lvl="0" indent="0" algn="l" defTabSz="914400" rtl="0" eaLnBrk="1" fontAlgn="auto" latinLnBrk="0" hangingPunct="1">
+              <a:lnSpc>
+                <a:spcPct val="100000"/>
+              </a:lnSpc>
+              <a:spcBef>
+                <a:spcPts val="0"/>
+              </a:spcBef>
+              <a:spcAft>
+                <a:spcPts val="0"/>
+              </a:spcAft>
+              <a:buClrTx/>
+              <a:buSzTx/>
+              <a:buFontTx/>
+              <a:buNone/>
+              <a:tabLst/>
+              <a:defRPr/>
+            </a:pPr>
+            <a:endParaRPr lang="en-US"/>
+          </a:p>
+        </p:txBody>
+      </p:sp>
+      <p:sp>
+        <p:nvSpPr>
+          <p:cNvPr id="4" name="Foliennummernplatzhalter 3"/>
+          <p:cNvSpPr>
+            <a:spLocks noGrp="1"/>
+          </p:cNvSpPr>
+          <p:nvPr>
+            <p:ph type="sldNum" sz="quarter" idx="10"/>
+          </p:nvPr>
+        </p:nvSpPr>
+        <p:spPr/>
+        <p:txBody>
+          <a:bodyPr/>
+          <a:lstStyle/>
+          <a:p>
+            <a:fld id="{20A41429-B750-4047-B563-2878417A70E7}" type="slidenum">
+              <a:rPr lang="en-US" smtClean="0"/>
+              <a:t>14</a:t>
+            </a:fld>
+            <a:endParaRPr lang="en-US"/>
+          </a:p>
+        </p:txBody>
+      </p:sp>
+    </p:spTree>
+    <p:extLst>
+      <p:ext uri="{BB962C8B-B14F-4D97-AF65-F5344CB8AC3E}">
+        <p14:creationId xmlns:p14="http://schemas.microsoft.com/office/powerpoint/2010/main" val="1121431671"/>
+      </p:ext>
+    </p:extLst>
+  </p:cSld>
+  <p:clrMapOvr>
+    <a:masterClrMapping/>
+  </p:clrMapOvr>
+</p:notes>
+</file>
+
+<file path=ppt/notesSlides/notesSlide13.xml><?xml version="1.0" encoding="utf-8"?>
+<p:notes xmlns:a="http://schemas.openxmlformats.org/drawingml/2006/main" xmlns:r="http://schemas.openxmlformats.org/officeDocument/2006/relationships" xmlns:p="http://schemas.openxmlformats.org/presentationml/2006/main">
+  <p:cSld>
+    <p:spTree>
+      <p:nvGrpSpPr>
+        <p:cNvPr id="1" name=""/>
+        <p:cNvGrpSpPr/>
+        <p:nvPr/>
+      </p:nvGrpSpPr>
+      <p:grpSpPr>
+        <a:xfrm>
+          <a:off x="0" y="0"/>
+          <a:ext cx="0" cy="0"/>
+          <a:chOff x="0" y="0"/>
+          <a:chExt cx="0" cy="0"/>
+        </a:xfrm>
+      </p:grpSpPr>
+      <p:sp>
+        <p:nvSpPr>
+          <p:cNvPr id="2" name="Folienbildplatzhalter 1"/>
+          <p:cNvSpPr>
+            <a:spLocks noGrp="1" noRot="1" noChangeAspect="1"/>
+          </p:cNvSpPr>
+          <p:nvPr>
+            <p:ph type="sldImg"/>
+          </p:nvPr>
+        </p:nvSpPr>
+        <p:spPr/>
+      </p:sp>
+      <p:sp>
+        <p:nvSpPr>
+          <p:cNvPr id="3" name="Notizenplatzhalter 2"/>
+          <p:cNvSpPr>
+            <a:spLocks noGrp="1"/>
+          </p:cNvSpPr>
+          <p:nvPr>
+            <p:ph type="body" idx="1"/>
+          </p:nvPr>
+        </p:nvSpPr>
+        <p:spPr/>
+        <p:txBody>
+          <a:bodyPr/>
+          <a:lstStyle/>
+          <a:p>
+            <a:pPr marL="0" marR="0" lvl="0" indent="0" algn="l" defTabSz="914400" rtl="0" eaLnBrk="1" fontAlgn="auto" latinLnBrk="0" hangingPunct="1">
+              <a:lnSpc>
+                <a:spcPct val="100000"/>
+              </a:lnSpc>
+              <a:spcBef>
+                <a:spcPts val="0"/>
+              </a:spcBef>
+              <a:spcAft>
+                <a:spcPts val="0"/>
+              </a:spcAft>
+              <a:buClrTx/>
+              <a:buSzTx/>
+              <a:buFontTx/>
+              <a:buNone/>
+              <a:tabLst/>
+              <a:defRPr/>
+            </a:pPr>
+            <a:endParaRPr lang="en-US"/>
+          </a:p>
+        </p:txBody>
+      </p:sp>
+      <p:sp>
+        <p:nvSpPr>
+          <p:cNvPr id="4" name="Foliennummernplatzhalter 3"/>
+          <p:cNvSpPr>
+            <a:spLocks noGrp="1"/>
+          </p:cNvSpPr>
+          <p:nvPr>
+            <p:ph type="sldNum" sz="quarter" idx="10"/>
+          </p:nvPr>
+        </p:nvSpPr>
+        <p:spPr/>
+        <p:txBody>
+          <a:bodyPr/>
+          <a:lstStyle/>
+          <a:p>
+            <a:fld id="{20A41429-B750-4047-B563-2878417A70E7}" type="slidenum">
+              <a:rPr lang="en-US" smtClean="0"/>
+              <a:t>16</a:t>
+            </a:fld>
+            <a:endParaRPr lang="en-US"/>
+          </a:p>
+        </p:txBody>
+      </p:sp>
+    </p:spTree>
+    <p:extLst>
+      <p:ext uri="{BB962C8B-B14F-4D97-AF65-F5344CB8AC3E}">
+        <p14:creationId xmlns:p14="http://schemas.microsoft.com/office/powerpoint/2010/main" val="3126241391"/>
+      </p:ext>
+    </p:extLst>
+  </p:cSld>
+  <p:clrMapOvr>
+    <a:masterClrMapping/>
+  </p:clrMapOvr>
+</p:notes>
+</file>
+
+<file path=ppt/notesSlides/notesSlide14.xml><?xml version="1.0" encoding="utf-8"?>
+<p:notes xmlns:a="http://schemas.openxmlformats.org/drawingml/2006/main" xmlns:r="http://schemas.openxmlformats.org/officeDocument/2006/relationships" xmlns:p="http://schemas.openxmlformats.org/presentationml/2006/main">
+  <p:cSld>
+    <p:spTree>
+      <p:nvGrpSpPr>
+        <p:cNvPr id="1" name=""/>
+        <p:cNvGrpSpPr/>
+        <p:nvPr/>
+      </p:nvGrpSpPr>
+      <p:grpSpPr>
+        <a:xfrm>
+          <a:off x="0" y="0"/>
+          <a:ext cx="0" cy="0"/>
+          <a:chOff x="0" y="0"/>
+          <a:chExt cx="0" cy="0"/>
+        </a:xfrm>
+      </p:grpSpPr>
+      <p:sp>
+        <p:nvSpPr>
+          <p:cNvPr id="2" name="Folienbildplatzhalter 1"/>
+          <p:cNvSpPr>
+            <a:spLocks noGrp="1" noRot="1" noChangeAspect="1"/>
+          </p:cNvSpPr>
+          <p:nvPr>
+            <p:ph type="sldImg"/>
+          </p:nvPr>
+        </p:nvSpPr>
+        <p:spPr/>
+      </p:sp>
+      <p:sp>
+        <p:nvSpPr>
+          <p:cNvPr id="3" name="Notizenplatzhalter 2"/>
+          <p:cNvSpPr>
+            <a:spLocks noGrp="1"/>
+          </p:cNvSpPr>
+          <p:nvPr>
+            <p:ph type="body" idx="1"/>
+          </p:nvPr>
+        </p:nvSpPr>
+        <p:spPr/>
+        <p:txBody>
+          <a:bodyPr/>
+          <a:lstStyle/>
+          <a:p>
+            <a:pPr marL="0" marR="0" lvl="0" indent="0" algn="l" defTabSz="914400" rtl="0" eaLnBrk="1" fontAlgn="auto" latinLnBrk="0" hangingPunct="1">
+              <a:lnSpc>
+                <a:spcPct val="100000"/>
+              </a:lnSpc>
+              <a:spcBef>
+                <a:spcPts val="0"/>
+              </a:spcBef>
+              <a:spcAft>
+                <a:spcPts val="0"/>
+              </a:spcAft>
+              <a:buClrTx/>
+              <a:buSzTx/>
+              <a:buFontTx/>
+              <a:buNone/>
+              <a:tabLst/>
+              <a:defRPr/>
+            </a:pPr>
+            <a:endParaRPr lang="en-US"/>
+          </a:p>
+        </p:txBody>
+      </p:sp>
+      <p:sp>
+        <p:nvSpPr>
+          <p:cNvPr id="4" name="Foliennummernplatzhalter 3"/>
+          <p:cNvSpPr>
+            <a:spLocks noGrp="1"/>
+          </p:cNvSpPr>
+          <p:nvPr>
+            <p:ph type="sldNum" sz="quarter" idx="10"/>
+          </p:nvPr>
+        </p:nvSpPr>
+        <p:spPr/>
+        <p:txBody>
+          <a:bodyPr/>
+          <a:lstStyle/>
+          <a:p>
+            <a:fld id="{20A41429-B750-4047-B563-2878417A70E7}" type="slidenum">
+              <a:rPr lang="en-US" smtClean="0"/>
+              <a:t>17</a:t>
             </a:fld>
             <a:endParaRPr lang="en-US"/>
           </a:p>
@@ -1383,41 +1791,6 @@
           <a:bodyPr/>
           <a:lstStyle/>
           <a:p>
-            <a:r>
-              <a:rPr lang="en-US"/>
-              <a:t>Word embedding mapping from word space to n dimensional vector space,</a:t>
-            </a:r>
-            <a:r>
-              <a:rPr lang="en-US" baseline="0"/>
-              <a:t> </a:t>
-            </a:r>
-            <a:r>
-              <a:rPr lang="en-GB" sz="1200" b="0" i="0" u="none" strike="noStrike" kern="1200" baseline="0">
-                <a:solidFill>
-                  <a:schemeClr val="tx1"/>
-                </a:solidFill>
-                <a:latin typeface="+mn-lt"/>
-                <a:ea typeface="+mn-ea"/>
-                <a:cs typeface="+mn-cs"/>
-              </a:rPr>
-              <a:t>projecting the textual contents into Vector Space</a:t>
-            </a:r>
-          </a:p>
-          <a:p>
-            <a:r>
-              <a:rPr lang="en-GB" sz="1200" b="0" i="0" u="none" strike="noStrike" kern="1200" baseline="0">
-                <a:solidFill>
-                  <a:schemeClr val="tx1"/>
-                </a:solidFill>
-                <a:latin typeface="+mn-lt"/>
-                <a:ea typeface="+mn-ea"/>
-                <a:cs typeface="+mn-cs"/>
-              </a:rPr>
-              <a:t>Model, where text data is converted into vectors of numbers</a:t>
-            </a:r>
-            <a:endParaRPr lang="en-US" b="0"/>
-          </a:p>
-          <a:p>
             <a:pPr marL="0" marR="0" lvl="0" indent="0" algn="l" defTabSz="914400" rtl="0" eaLnBrk="1" fontAlgn="auto" latinLnBrk="0" hangingPunct="1">
               <a:lnSpc>
                 <a:spcPct val="100000"/>
@@ -1465,7 +1838,7 @@
     </p:spTree>
     <p:extLst>
       <p:ext uri="{BB962C8B-B14F-4D97-AF65-F5344CB8AC3E}">
-        <p14:creationId xmlns:p14="http://schemas.microsoft.com/office/powerpoint/2010/main" val="35161684"/>
+        <p14:creationId xmlns:p14="http://schemas.microsoft.com/office/powerpoint/2010/main" val="2926721445"/>
       </p:ext>
     </p:extLst>
   </p:cSld>
@@ -1519,41 +1892,6 @@
           <a:bodyPr/>
           <a:lstStyle/>
           <a:p>
-            <a:r>
-              <a:rPr lang="en-US"/>
-              <a:t>Word embedding mapping from word space to n dimensional vector space,</a:t>
-            </a:r>
-            <a:r>
-              <a:rPr lang="en-US" baseline="0"/>
-              <a:t> </a:t>
-            </a:r>
-            <a:r>
-              <a:rPr lang="en-GB" sz="1200" b="0" i="0" u="none" strike="noStrike" kern="1200" baseline="0">
-                <a:solidFill>
-                  <a:schemeClr val="tx1"/>
-                </a:solidFill>
-                <a:latin typeface="+mn-lt"/>
-                <a:ea typeface="+mn-ea"/>
-                <a:cs typeface="+mn-cs"/>
-              </a:rPr>
-              <a:t>projecting the textual contents into Vector Space</a:t>
-            </a:r>
-          </a:p>
-          <a:p>
-            <a:r>
-              <a:rPr lang="en-GB" sz="1200" b="0" i="0" u="none" strike="noStrike" kern="1200" baseline="0">
-                <a:solidFill>
-                  <a:schemeClr val="tx1"/>
-                </a:solidFill>
-                <a:latin typeface="+mn-lt"/>
-                <a:ea typeface="+mn-ea"/>
-                <a:cs typeface="+mn-cs"/>
-              </a:rPr>
-              <a:t>Model, where text data is converted into vectors of numbers</a:t>
-            </a:r>
-            <a:endParaRPr lang="en-US" b="0"/>
-          </a:p>
-          <a:p>
             <a:pPr marL="0" marR="0" lvl="0" indent="0" algn="l" defTabSz="914400" rtl="0" eaLnBrk="1" fontAlgn="auto" latinLnBrk="0" hangingPunct="1">
               <a:lnSpc>
                 <a:spcPct val="100000"/>
@@ -1601,7 +1939,7 @@
     </p:spTree>
     <p:extLst>
       <p:ext uri="{BB962C8B-B14F-4D97-AF65-F5344CB8AC3E}">
-        <p14:creationId xmlns:p14="http://schemas.microsoft.com/office/powerpoint/2010/main" val="2315562956"/>
+        <p14:creationId xmlns:p14="http://schemas.microsoft.com/office/powerpoint/2010/main" val="35161684"/>
       </p:ext>
     </p:extLst>
   </p:cSld>
@@ -1693,7 +2031,7 @@
           <a:p>
             <a:fld id="{20A41429-B750-4047-B563-2878417A70E7}" type="slidenum">
               <a:rPr lang="en-US" smtClean="0"/>
-              <a:t>12</a:t>
+              <a:t>11</a:t>
             </a:fld>
             <a:endParaRPr lang="en-US"/>
           </a:p>
@@ -1702,7 +2040,7 @@
     </p:spTree>
     <p:extLst>
       <p:ext uri="{BB962C8B-B14F-4D97-AF65-F5344CB8AC3E}">
-        <p14:creationId xmlns:p14="http://schemas.microsoft.com/office/powerpoint/2010/main" val="3126241391"/>
+        <p14:creationId xmlns:p14="http://schemas.microsoft.com/office/powerpoint/2010/main" val="2315562956"/>
       </p:ext>
     </p:extLst>
   </p:cSld>
@@ -1843,7 +2181,7 @@
           <a:p>
             <a:fld id="{5A1811BA-6AD9-41A7-B7A2-456C8523519C}" type="datetime1">
               <a:rPr lang="en-US" smtClean="0"/>
-              <a:t>4/27/2021</a:t>
+              <a:t>4/28/2021</a:t>
             </a:fld>
             <a:endParaRPr lang="en-US"/>
           </a:p>
@@ -2013,7 +2351,7 @@
           <a:p>
             <a:fld id="{B0494441-C196-4BB0-93EE-AF22360207AB}" type="datetime1">
               <a:rPr lang="en-US" smtClean="0"/>
-              <a:t>4/27/2021</a:t>
+              <a:t>4/28/2021</a:t>
             </a:fld>
             <a:endParaRPr lang="en-US"/>
           </a:p>
@@ -2193,7 +2531,7 @@
           <a:p>
             <a:fld id="{D7B9282B-C3CE-4F56-8DD1-5349F982F1D2}" type="datetime1">
               <a:rPr lang="en-US" smtClean="0"/>
-              <a:t>4/27/2021</a:t>
+              <a:t>4/28/2021</a:t>
             </a:fld>
             <a:endParaRPr lang="en-US"/>
           </a:p>
@@ -2363,7 +2701,7 @@
           <a:p>
             <a:fld id="{E6E86D6A-786F-4E85-AF3B-385015383ABA}" type="datetime1">
               <a:rPr lang="en-US" smtClean="0"/>
-              <a:t>4/27/2021</a:t>
+              <a:t>4/28/2021</a:t>
             </a:fld>
             <a:endParaRPr lang="en-US"/>
           </a:p>
@@ -2609,7 +2947,7 @@
           <a:p>
             <a:fld id="{051FFEB0-9C80-4A34-A5C7-72D52D52FC7D}" type="datetime1">
               <a:rPr lang="en-US" smtClean="0"/>
-              <a:t>4/27/2021</a:t>
+              <a:t>4/28/2021</a:t>
             </a:fld>
             <a:endParaRPr lang="en-US"/>
           </a:p>
@@ -2841,7 +3179,7 @@
           <a:p>
             <a:fld id="{084267AD-C299-471B-ABA1-D0EA94C7EDCF}" type="datetime1">
               <a:rPr lang="en-US" smtClean="0"/>
-              <a:t>4/27/2021</a:t>
+              <a:t>4/28/2021</a:t>
             </a:fld>
             <a:endParaRPr lang="en-US"/>
           </a:p>
@@ -3208,7 +3546,7 @@
           <a:p>
             <a:fld id="{6468DBC7-10F8-46A1-8CE1-DBB0A6F0EF3E}" type="datetime1">
               <a:rPr lang="en-US" smtClean="0"/>
-              <a:t>4/27/2021</a:t>
+              <a:t>4/28/2021</a:t>
             </a:fld>
             <a:endParaRPr lang="en-US"/>
           </a:p>
@@ -3326,7 +3664,7 @@
           <a:p>
             <a:fld id="{0A97ED80-8DDA-43A7-A78F-B0542D691D0E}" type="datetime1">
               <a:rPr lang="en-US" smtClean="0"/>
-              <a:t>4/27/2021</a:t>
+              <a:t>4/28/2021</a:t>
             </a:fld>
             <a:endParaRPr lang="en-US"/>
           </a:p>
@@ -3421,7 +3759,7 @@
           <a:p>
             <a:fld id="{0AF827E6-45BA-40D2-98F2-BE4FFF095577}" type="datetime1">
               <a:rPr lang="en-US" smtClean="0"/>
-              <a:t>4/27/2021</a:t>
+              <a:t>4/28/2021</a:t>
             </a:fld>
             <a:endParaRPr lang="en-US"/>
           </a:p>
@@ -3698,7 +4036,7 @@
           <a:p>
             <a:fld id="{42BD114C-22EA-4B1A-A45B-ED6465C7BB4E}" type="datetime1">
               <a:rPr lang="en-US" smtClean="0"/>
-              <a:t>4/27/2021</a:t>
+              <a:t>4/28/2021</a:t>
             </a:fld>
             <a:endParaRPr lang="en-US"/>
           </a:p>
@@ -3951,7 +4289,7 @@
           <a:p>
             <a:fld id="{F46F8903-38BE-4FD8-98FC-E4EF771B2D8C}" type="datetime1">
               <a:rPr lang="en-US" smtClean="0"/>
-              <a:t>4/27/2021</a:t>
+              <a:t>4/28/2021</a:t>
             </a:fld>
             <a:endParaRPr lang="en-US"/>
           </a:p>
@@ -4164,7 +4502,7 @@
           <a:p>
             <a:fld id="{A91AC8C7-9CA9-4E83-8CE3-AD3BE4150B39}" type="datetime1">
               <a:rPr lang="en-US" smtClean="0"/>
-              <a:t>4/27/2021</a:t>
+              <a:t>4/28/2021</a:t>
             </a:fld>
             <a:endParaRPr lang="en-US"/>
           </a:p>
@@ -4790,51 +5128,155 @@
             </a:r>
             <a:r>
               <a:rPr lang="en-US" b="1"/>
-              <a:t>Idea</a:t>
+              <a:t>Example</a:t>
             </a:r>
           </a:p>
         </p:txBody>
       </p:sp>
-      <p:sp>
-        <p:nvSpPr>
-          <p:cNvPr id="10" name="Content Placeholder 2">
+      <p:pic>
+        <p:nvPicPr>
+          <p:cNvPr id="6" name="Picture 5">
             <a:extLst>
               <a:ext uri="{FF2B5EF4-FFF2-40B4-BE49-F238E27FC236}">
-                <a16:creationId xmlns:a16="http://schemas.microsoft.com/office/drawing/2014/main" id="{67443131-1CA9-405F-8B23-66FD98AB33DC}"/>
+                <a16:creationId xmlns:a16="http://schemas.microsoft.com/office/drawing/2014/main" id="{3C3AD4D4-0ED2-43E7-B258-8F3069EB7DEF}"/>
               </a:ext>
             </a:extLst>
           </p:cNvPr>
-          <p:cNvSpPr>
-            <a:spLocks noGrp="1"/>
-          </p:cNvSpPr>
-          <p:nvPr>
-            <p:ph idx="1"/>
-          </p:nvPr>
-        </p:nvSpPr>
+          <p:cNvPicPr>
+            <a:picLocks noChangeAspect="1"/>
+          </p:cNvPicPr>
+          <p:nvPr/>
+        </p:nvPicPr>
+        <p:blipFill>
+          <a:blip r:embed="rId3"/>
+          <a:stretch>
+            <a:fillRect/>
+          </a:stretch>
+        </p:blipFill>
         <p:spPr>
           <a:xfrm>
-            <a:off x="1066798" y="1990724"/>
-            <a:ext cx="10086977" cy="4867275"/>
+            <a:off x="1066800" y="1984248"/>
+            <a:ext cx="6970776" cy="4317855"/>
           </a:xfrm>
+          <a:prstGeom prst="rect">
+            <a:avLst/>
+          </a:prstGeom>
+        </p:spPr>
+      </p:pic>
+      <p:sp>
+        <p:nvSpPr>
+          <p:cNvPr id="11" name="TextBox 10">
+            <a:extLst>
+              <a:ext uri="{FF2B5EF4-FFF2-40B4-BE49-F238E27FC236}">
+                <a16:creationId xmlns:a16="http://schemas.microsoft.com/office/drawing/2014/main" id="{B0DC3A70-F33A-4B6D-9BBE-78379EFFDB81}"/>
+              </a:ext>
+            </a:extLst>
+          </p:cNvPr>
+          <p:cNvSpPr txBox="1"/>
+          <p:nvPr/>
+        </p:nvSpPr>
+        <p:spPr>
+          <a:xfrm>
+            <a:off x="8404098" y="5681816"/>
+            <a:ext cx="2949702" cy="523220"/>
+          </a:xfrm>
+          <a:prstGeom prst="rect">
+            <a:avLst/>
+          </a:prstGeom>
+          <a:noFill/>
         </p:spPr>
         <p:txBody>
-          <a:bodyPr>
-            <a:normAutofit/>
+          <a:bodyPr wrap="square">
+            <a:spAutoFit/>
           </a:bodyPr>
           <a:lstStyle/>
           <a:p>
             <a:r>
-              <a:rPr lang="de-DE"/>
-              <a:t>Approaches</a:t>
-            </a:r>
-            <a:endParaRPr lang="en-US"/>
+              <a:rPr lang="en-US" sz="1400" i="1"/>
+              <a:t>https://www.shanelynn.ie/get-busy-with-word-embeddings-introduction/</a:t>
+            </a:r>
           </a:p>
         </p:txBody>
       </p:sp>
+      <p:sp>
+        <p:nvSpPr>
+          <p:cNvPr id="7" name="TextBox 6">
+            <a:extLst>
+              <a:ext uri="{FF2B5EF4-FFF2-40B4-BE49-F238E27FC236}">
+                <a16:creationId xmlns:a16="http://schemas.microsoft.com/office/drawing/2014/main" id="{8FEE632D-A34B-4E65-8BD3-10440812B390}"/>
+              </a:ext>
+            </a:extLst>
+          </p:cNvPr>
+          <p:cNvSpPr txBox="1"/>
+          <p:nvPr/>
+        </p:nvSpPr>
+        <p:spPr>
+          <a:xfrm>
+            <a:off x="8595550" y="3608020"/>
+            <a:ext cx="2566797" cy="830997"/>
+          </a:xfrm>
+          <a:prstGeom prst="rect">
+            <a:avLst/>
+          </a:prstGeom>
+          <a:noFill/>
+        </p:spPr>
+        <p:txBody>
+          <a:bodyPr wrap="square">
+            <a:spAutoFit/>
+          </a:bodyPr>
+          <a:lstStyle/>
+          <a:p>
+            <a:pPr algn="r"/>
+            <a:r>
+              <a:rPr lang="en-US" sz="2400" i="1"/>
+              <a:t>strongly depending on training corpus</a:t>
+            </a:r>
+          </a:p>
+        </p:txBody>
+      </p:sp>
+      <p:pic>
+        <p:nvPicPr>
+          <p:cNvPr id="8" name="Graphic 7" descr="Back with solid fill">
+            <a:extLst>
+              <a:ext uri="{FF2B5EF4-FFF2-40B4-BE49-F238E27FC236}">
+                <a16:creationId xmlns:a16="http://schemas.microsoft.com/office/drawing/2014/main" id="{31FF3E61-F5F3-4EEC-A9ED-2B0ABB5BD046}"/>
+              </a:ext>
+            </a:extLst>
+          </p:cNvPr>
+          <p:cNvPicPr>
+            <a:picLocks noChangeAspect="1"/>
+          </p:cNvPicPr>
+          <p:nvPr/>
+        </p:nvPicPr>
+        <p:blipFill>
+          <a:blip r:embed="rId4">
+            <a:extLst>
+              <a:ext uri="{28A0092B-C50C-407E-A947-70E740481C1C}">
+                <a14:useLocalDpi xmlns:a14="http://schemas.microsoft.com/office/drawing/2010/main" val="0"/>
+              </a:ext>
+              <a:ext uri="{96DAC541-7B7A-43D3-8B79-37D633B846F1}">
+                <asvg:svgBlip xmlns:asvg="http://schemas.microsoft.com/office/drawing/2016/SVG/main" r:embed="rId5"/>
+              </a:ext>
+            </a:extLst>
+          </a:blip>
+          <a:stretch>
+            <a:fillRect/>
+          </a:stretch>
+        </p:blipFill>
+        <p:spPr>
+          <a:xfrm rot="16200000" flipV="1">
+            <a:off x="8610600" y="2510410"/>
+            <a:ext cx="757629" cy="946296"/>
+          </a:xfrm>
+          <a:prstGeom prst="rect">
+            <a:avLst/>
+          </a:prstGeom>
+        </p:spPr>
+      </p:pic>
     </p:spTree>
     <p:extLst>
       <p:ext uri="{BB962C8B-B14F-4D97-AF65-F5344CB8AC3E}">
-        <p14:creationId xmlns:p14="http://schemas.microsoft.com/office/powerpoint/2010/main" val="509260850"/>
+        <p14:creationId xmlns:p14="http://schemas.microsoft.com/office/powerpoint/2010/main" val="3189015994"/>
       </p:ext>
     </p:extLst>
   </p:cSld>
@@ -4863,85 +5305,6 @@
       </p:grpSpPr>
       <p:sp>
         <p:nvSpPr>
-          <p:cNvPr id="2" name="Titel 1"/>
-          <p:cNvSpPr>
-            <a:spLocks noGrp="1"/>
-          </p:cNvSpPr>
-          <p:nvPr>
-            <p:ph type="title"/>
-          </p:nvPr>
-        </p:nvSpPr>
-        <p:spPr>
-          <a:xfrm>
-            <a:off x="1066800" y="1990724"/>
-            <a:ext cx="10280650" cy="2886075"/>
-          </a:xfrm>
-        </p:spPr>
-        <p:txBody>
-          <a:bodyPr/>
-          <a:lstStyle/>
-          <a:p>
-            <a:r>
-              <a:rPr lang="en-GB" b="1">
-                <a:effectLst>
-                  <a:outerShdw blurRad="38100" dist="38100" dir="2700000" algn="tl">
-                    <a:srgbClr val="000000">
-                      <a:alpha val="43137"/>
-                    </a:srgbClr>
-                  </a:outerShdw>
-                </a:effectLst>
-              </a:rPr>
-              <a:t>Part II-3: Sentiment Analysis</a:t>
-            </a:r>
-            <a:endParaRPr lang="en-US" b="1">
-              <a:effectLst>
-                <a:outerShdw blurRad="38100" dist="38100" dir="2700000" algn="tl">
-                  <a:srgbClr val="000000">
-                    <a:alpha val="43137"/>
-                  </a:srgbClr>
-                </a:outerShdw>
-              </a:effectLst>
-            </a:endParaRPr>
-          </a:p>
-        </p:txBody>
-      </p:sp>
-      <p:sp>
-        <p:nvSpPr>
-          <p:cNvPr id="3" name="Textplatzhalter 2"/>
-          <p:cNvSpPr>
-            <a:spLocks noGrp="1"/>
-          </p:cNvSpPr>
-          <p:nvPr>
-            <p:ph type="body" idx="1"/>
-          </p:nvPr>
-        </p:nvSpPr>
-        <p:spPr>
-          <a:xfrm>
-            <a:off x="1066798" y="4876799"/>
-            <a:ext cx="10280651" cy="1212851"/>
-          </a:xfrm>
-        </p:spPr>
-        <p:txBody>
-          <a:bodyPr/>
-          <a:lstStyle/>
-          <a:p>
-            <a:r>
-              <a:rPr lang="en-US" b="1">
-                <a:effectLst>
-                  <a:outerShdw blurRad="38100" dist="38100" dir="2700000" algn="tl">
-                    <a:srgbClr val="000000">
-                      <a:alpha val="43137"/>
-                    </a:srgbClr>
-                  </a:outerShdw>
-                </a:effectLst>
-              </a:rPr>
-              <a:t>Feature Collection</a:t>
-            </a:r>
-          </a:p>
-        </p:txBody>
-      </p:sp>
-      <p:sp>
-        <p:nvSpPr>
           <p:cNvPr id="4" name="Foliennummernplatzhalter 3"/>
           <p:cNvSpPr>
             <a:spLocks noGrp="1"/>
@@ -4963,10 +5326,156 @@
           </a:p>
         </p:txBody>
       </p:sp>
+      <p:sp>
+        <p:nvSpPr>
+          <p:cNvPr id="9" name="Titel 1">
+            <a:extLst>
+              <a:ext uri="{FF2B5EF4-FFF2-40B4-BE49-F238E27FC236}">
+                <a16:creationId xmlns:a16="http://schemas.microsoft.com/office/drawing/2014/main" id="{7807725C-718A-4D77-AD01-05225CF68388}"/>
+              </a:ext>
+            </a:extLst>
+          </p:cNvPr>
+          <p:cNvSpPr>
+            <a:spLocks noGrp="1"/>
+          </p:cNvSpPr>
+          <p:nvPr>
+            <p:ph type="title"/>
+          </p:nvPr>
+        </p:nvSpPr>
+        <p:spPr>
+          <a:xfrm>
+            <a:off x="1066800" y="561524"/>
+            <a:ext cx="10287000" cy="1129164"/>
+          </a:xfrm>
+        </p:spPr>
+        <p:txBody>
+          <a:bodyPr/>
+          <a:lstStyle/>
+          <a:p>
+            <a:r>
+              <a:rPr lang="en-US"/>
+              <a:t>Word Embeddings  </a:t>
+            </a:r>
+            <a:r>
+              <a:rPr lang="en-US" b="1"/>
+              <a:t>Approaches</a:t>
+            </a:r>
+          </a:p>
+        </p:txBody>
+      </p:sp>
+      <p:sp>
+        <p:nvSpPr>
+          <p:cNvPr id="10" name="Content Placeholder 2">
+            <a:extLst>
+              <a:ext uri="{FF2B5EF4-FFF2-40B4-BE49-F238E27FC236}">
+                <a16:creationId xmlns:a16="http://schemas.microsoft.com/office/drawing/2014/main" id="{67443131-1CA9-405F-8B23-66FD98AB33DC}"/>
+              </a:ext>
+            </a:extLst>
+          </p:cNvPr>
+          <p:cNvSpPr>
+            <a:spLocks noGrp="1"/>
+          </p:cNvSpPr>
+          <p:nvPr>
+            <p:ph idx="1"/>
+          </p:nvPr>
+        </p:nvSpPr>
+        <p:spPr>
+          <a:xfrm>
+            <a:off x="1066798" y="1990724"/>
+            <a:ext cx="10086977" cy="4867275"/>
+          </a:xfrm>
+        </p:spPr>
+        <p:txBody>
+          <a:bodyPr>
+            <a:normAutofit/>
+          </a:bodyPr>
+          <a:lstStyle/>
+          <a:p>
+            <a:r>
+              <a:rPr lang="de-DE" b="1"/>
+              <a:t>Approaches</a:t>
+            </a:r>
+            <a:r>
+              <a:rPr lang="de-DE"/>
+              <a:t>: various possibilities, often adopted from general dimensionality reduction</a:t>
+            </a:r>
+          </a:p>
+          <a:p>
+            <a:pPr lvl="1"/>
+            <a:r>
+              <a:rPr lang="de-DE"/>
+              <a:t>Unifying idea: data observed in (extremely) high-dimensional space but truly much lower-dimensional   </a:t>
+            </a:r>
+            <a:r>
+              <a:rPr lang="de-DE" b="1">
+                <a:solidFill>
+                  <a:srgbClr val="66CCFF"/>
+                </a:solidFill>
+                <a:sym typeface="Symbol" panose="05050102010706020507" pitchFamily="18" charset="2"/>
+              </a:rPr>
+              <a:t>   </a:t>
+            </a:r>
+            <a:r>
+              <a:rPr lang="de-DE">
+                <a:sym typeface="Symbol" panose="05050102010706020507" pitchFamily="18" charset="2"/>
+              </a:rPr>
+              <a:t>retrieve principal dimensions</a:t>
+            </a:r>
+          </a:p>
+          <a:p>
+            <a:pPr lvl="1"/>
+            <a:r>
+              <a:rPr lang="de-DE" b="1">
+                <a:solidFill>
+                  <a:srgbClr val="66CCFF"/>
+                </a:solidFill>
+                <a:sym typeface="Symbol" panose="05050102010706020507" pitchFamily="18" charset="2"/>
+              </a:rPr>
+              <a:t>GloVe</a:t>
+            </a:r>
+          </a:p>
+          <a:p>
+            <a:pPr lvl="1"/>
+            <a:r>
+              <a:rPr lang="de-DE">
+                <a:sym typeface="Symbol" panose="05050102010706020507" pitchFamily="18" charset="2"/>
+              </a:rPr>
+              <a:t>Word2vec</a:t>
+            </a:r>
+          </a:p>
+          <a:p>
+            <a:pPr lvl="1"/>
+            <a:r>
+              <a:rPr lang="de-DE">
+                <a:sym typeface="Symbol" panose="05050102010706020507" pitchFamily="18" charset="2"/>
+              </a:rPr>
+              <a:t>fastText</a:t>
+            </a:r>
+          </a:p>
+          <a:p>
+            <a:pPr lvl="1"/>
+            <a:r>
+              <a:rPr lang="en-US"/>
+              <a:t>t-distributed stochastic neighbor embedding (t-SNE)</a:t>
+            </a:r>
+          </a:p>
+          <a:p>
+            <a:pPr lvl="1"/>
+            <a:r>
+              <a:rPr lang="en-US"/>
+              <a:t>...</a:t>
+            </a:r>
+          </a:p>
+          <a:p>
+            <a:pPr lvl="1"/>
+            <a:endParaRPr lang="en-US"/>
+          </a:p>
+        </p:txBody>
+      </p:sp>
     </p:spTree>
     <p:extLst>
       <p:ext uri="{BB962C8B-B14F-4D97-AF65-F5344CB8AC3E}">
-        <p14:creationId xmlns:p14="http://schemas.microsoft.com/office/powerpoint/2010/main" val="1178518354"/>
+        <p14:creationId xmlns:p14="http://schemas.microsoft.com/office/powerpoint/2010/main" val="509260850"/>
       </p:ext>
     </p:extLst>
   </p:cSld>
@@ -5044,6 +5553,2190 @@
           <a:p>
             <a:r>
               <a:rPr lang="en-US"/>
+              <a:t>Word Embeddings  </a:t>
+            </a:r>
+            <a:r>
+              <a:rPr lang="en-US" b="1"/>
+              <a:t>GloVe</a:t>
+            </a:r>
+          </a:p>
+        </p:txBody>
+      </p:sp>
+      <p:sp>
+        <p:nvSpPr>
+          <p:cNvPr id="10" name="Content Placeholder 2">
+            <a:extLst>
+              <a:ext uri="{FF2B5EF4-FFF2-40B4-BE49-F238E27FC236}">
+                <a16:creationId xmlns:a16="http://schemas.microsoft.com/office/drawing/2014/main" id="{67443131-1CA9-405F-8B23-66FD98AB33DC}"/>
+              </a:ext>
+            </a:extLst>
+          </p:cNvPr>
+          <p:cNvSpPr>
+            <a:spLocks noGrp="1"/>
+          </p:cNvSpPr>
+          <p:nvPr>
+            <p:ph idx="1"/>
+          </p:nvPr>
+        </p:nvSpPr>
+        <p:spPr>
+          <a:xfrm>
+            <a:off x="1066798" y="1990724"/>
+            <a:ext cx="10086977" cy="4867275"/>
+          </a:xfrm>
+        </p:spPr>
+        <p:txBody>
+          <a:bodyPr>
+            <a:normAutofit/>
+          </a:bodyPr>
+          <a:lstStyle/>
+          <a:p>
+            <a:r>
+              <a:rPr lang="de-DE" b="1"/>
+              <a:t>GloVe</a:t>
+            </a:r>
+            <a:r>
+              <a:rPr lang="de-DE"/>
+              <a:t>: </a:t>
+            </a:r>
+            <a:r>
+              <a:rPr lang="de-DE" b="1"/>
+              <a:t>Glo</a:t>
+            </a:r>
+            <a:r>
+              <a:rPr lang="de-DE"/>
+              <a:t>bal </a:t>
+            </a:r>
+            <a:r>
+              <a:rPr lang="de-DE" b="1"/>
+              <a:t>Ve</a:t>
+            </a:r>
+            <a:r>
+              <a:rPr lang="de-DE"/>
+              <a:t>ctors</a:t>
+            </a:r>
+          </a:p>
+          <a:p>
+            <a:r>
+              <a:rPr lang="de-DE"/>
+              <a:t>Developed by Stanford University (2014)</a:t>
+            </a:r>
+          </a:p>
+          <a:p>
+            <a:r>
+              <a:rPr lang="de-DE"/>
+              <a:t>Based on word co-occurrence matrix</a:t>
+            </a:r>
+          </a:p>
+          <a:p>
+            <a:pPr lvl="1"/>
+            <a:r>
+              <a:rPr lang="de-DE"/>
+              <a:t>Studying neighborhood relations between words</a:t>
+            </a:r>
+          </a:p>
+          <a:p>
+            <a:pPr lvl="1"/>
+            <a:r>
+              <a:rPr lang="de-DE"/>
+              <a:t>Defined via window size (symmetric/asymmetric)</a:t>
+            </a:r>
+            <a:endParaRPr lang="en-US"/>
+          </a:p>
+          <a:p>
+            <a:pPr lvl="1"/>
+            <a:r>
+              <a:rPr lang="en-US"/>
+              <a:t>Underlying assumption: close-lying words are more strongly linked</a:t>
+            </a:r>
+          </a:p>
+          <a:p>
+            <a:pPr lvl="1"/>
+            <a:r>
+              <a:rPr lang="en-US"/>
+              <a:t>Entry in </a:t>
+            </a:r>
+            <a:r>
+              <a:rPr lang="en-US" i="1"/>
+              <a:t>i</a:t>
+            </a:r>
+            <a:r>
+              <a:rPr lang="en-US"/>
+              <a:t>-th row &amp; </a:t>
+            </a:r>
+            <a:r>
+              <a:rPr lang="en-US" i="1"/>
+              <a:t>j</a:t>
+            </a:r>
+            <a:r>
+              <a:rPr lang="en-US"/>
+              <a:t>-th column: how likely is word </a:t>
+            </a:r>
+            <a:r>
+              <a:rPr lang="en-US" i="1"/>
+              <a:t>i</a:t>
+            </a:r>
+            <a:r>
+              <a:rPr lang="en-US"/>
+              <a:t> to appear in the context of word </a:t>
+            </a:r>
+            <a:r>
+              <a:rPr lang="en-US" i="1"/>
+              <a:t>j</a:t>
+            </a:r>
+            <a:r>
+              <a:rPr lang="en-US"/>
+              <a:t>?</a:t>
+            </a:r>
+            <a:endParaRPr lang="de-DE"/>
+          </a:p>
+        </p:txBody>
+      </p:sp>
+      <p:sp>
+        <p:nvSpPr>
+          <p:cNvPr id="5" name="TextBox 4">
+            <a:extLst>
+              <a:ext uri="{FF2B5EF4-FFF2-40B4-BE49-F238E27FC236}">
+                <a16:creationId xmlns:a16="http://schemas.microsoft.com/office/drawing/2014/main" id="{EBC809B4-7E7E-4686-9550-25B44F7E850D}"/>
+              </a:ext>
+            </a:extLst>
+          </p:cNvPr>
+          <p:cNvSpPr txBox="1"/>
+          <p:nvPr/>
+        </p:nvSpPr>
+        <p:spPr>
+          <a:xfrm>
+            <a:off x="3145536" y="5738435"/>
+            <a:ext cx="8519160" cy="461665"/>
+          </a:xfrm>
+          <a:prstGeom prst="rect">
+            <a:avLst/>
+          </a:prstGeom>
+          <a:noFill/>
+        </p:spPr>
+        <p:txBody>
+          <a:bodyPr wrap="square">
+            <a:spAutoFit/>
+          </a:bodyPr>
+          <a:lstStyle/>
+          <a:p>
+            <a:r>
+              <a:rPr lang="en-US" sz="2400" i="1"/>
+              <a:t>The  quick brown </a:t>
+            </a:r>
+            <a:r>
+              <a:rPr lang="en-US" sz="2400" b="1" i="1">
+                <a:solidFill>
+                  <a:srgbClr val="66CCFF"/>
+                </a:solidFill>
+              </a:rPr>
+              <a:t>fox</a:t>
+            </a:r>
+            <a:r>
+              <a:rPr lang="en-US" sz="2400" i="1"/>
+              <a:t> jumps over  the lazy dog.</a:t>
+            </a:r>
+          </a:p>
+        </p:txBody>
+      </p:sp>
+      <p:pic>
+        <p:nvPicPr>
+          <p:cNvPr id="6" name="Graphic 5" descr="Back with solid fill">
+            <a:extLst>
+              <a:ext uri="{FF2B5EF4-FFF2-40B4-BE49-F238E27FC236}">
+                <a16:creationId xmlns:a16="http://schemas.microsoft.com/office/drawing/2014/main" id="{A0FED472-3F1F-4672-9AA4-6424E7156190}"/>
+              </a:ext>
+            </a:extLst>
+          </p:cNvPr>
+          <p:cNvPicPr>
+            <a:picLocks noChangeAspect="1"/>
+          </p:cNvPicPr>
+          <p:nvPr/>
+        </p:nvPicPr>
+        <p:blipFill>
+          <a:blip r:embed="rId3">
+            <a:extLst>
+              <a:ext uri="{28A0092B-C50C-407E-A947-70E740481C1C}">
+                <a14:useLocalDpi xmlns:a14="http://schemas.microsoft.com/office/drawing/2010/main" val="0"/>
+              </a:ext>
+              <a:ext uri="{96DAC541-7B7A-43D3-8B79-37D633B846F1}">
+                <asvg:svgBlip xmlns:asvg="http://schemas.microsoft.com/office/drawing/2016/SVG/main" r:embed="rId4"/>
+              </a:ext>
+            </a:extLst>
+          </a:blip>
+          <a:stretch>
+            <a:fillRect/>
+          </a:stretch>
+        </p:blipFill>
+        <p:spPr>
+          <a:xfrm flipH="1" flipV="1">
+            <a:off x="2042821" y="5410054"/>
+            <a:ext cx="757629" cy="946296"/>
+          </a:xfrm>
+          <a:prstGeom prst="rect">
+            <a:avLst/>
+          </a:prstGeom>
+        </p:spPr>
+      </p:pic>
+      <p:sp>
+        <p:nvSpPr>
+          <p:cNvPr id="2" name="Parallelogram 1">
+            <a:extLst>
+              <a:ext uri="{FF2B5EF4-FFF2-40B4-BE49-F238E27FC236}">
+                <a16:creationId xmlns:a16="http://schemas.microsoft.com/office/drawing/2014/main" id="{FCAD2CAB-B1CB-4C23-B55C-D675A4576E4B}"/>
+              </a:ext>
+            </a:extLst>
+          </p:cNvPr>
+          <p:cNvSpPr/>
+          <p:nvPr/>
+        </p:nvSpPr>
+        <p:spPr>
+          <a:xfrm>
+            <a:off x="3721608" y="5758161"/>
+            <a:ext cx="3593592" cy="461665"/>
+          </a:xfrm>
+          <a:prstGeom prst="parallelogram">
+            <a:avLst>
+              <a:gd name="adj" fmla="val 17077"/>
+            </a:avLst>
+          </a:prstGeom>
+          <a:noFill/>
+          <a:ln w="28575">
+            <a:solidFill>
+              <a:srgbClr val="66CCFF"/>
+            </a:solidFill>
+          </a:ln>
+        </p:spPr>
+        <p:style>
+          <a:lnRef idx="2">
+            <a:schemeClr val="accent1">
+              <a:shade val="50000"/>
+            </a:schemeClr>
+          </a:lnRef>
+          <a:fillRef idx="1">
+            <a:schemeClr val="accent1"/>
+          </a:fillRef>
+          <a:effectRef idx="0">
+            <a:schemeClr val="accent1"/>
+          </a:effectRef>
+          <a:fontRef idx="minor">
+            <a:schemeClr val="lt1"/>
+          </a:fontRef>
+        </p:style>
+        <p:txBody>
+          <a:bodyPr rtlCol="0" anchor="ctr"/>
+          <a:lstStyle/>
+          <a:p>
+            <a:pPr algn="ctr"/>
+            <a:endParaRPr lang="en-US"/>
+          </a:p>
+        </p:txBody>
+      </p:sp>
+    </p:spTree>
+    <p:extLst>
+      <p:ext uri="{BB962C8B-B14F-4D97-AF65-F5344CB8AC3E}">
+        <p14:creationId xmlns:p14="http://schemas.microsoft.com/office/powerpoint/2010/main" val="1988707532"/>
+      </p:ext>
+    </p:extLst>
+  </p:cSld>
+  <p:clrMapOvr>
+    <a:masterClrMapping/>
+  </p:clrMapOvr>
+</p:sld>
+</file>
+
+<file path=ppt/slides/slide13.xml><?xml version="1.0" encoding="utf-8"?>
+<p:sld xmlns:a="http://schemas.openxmlformats.org/drawingml/2006/main" xmlns:r="http://schemas.openxmlformats.org/officeDocument/2006/relationships" xmlns:p="http://schemas.openxmlformats.org/presentationml/2006/main">
+  <p:cSld>
+    <p:spTree>
+      <p:nvGrpSpPr>
+        <p:cNvPr id="1" name=""/>
+        <p:cNvGrpSpPr/>
+        <p:nvPr/>
+      </p:nvGrpSpPr>
+      <p:grpSpPr>
+        <a:xfrm>
+          <a:off x="0" y="0"/>
+          <a:ext cx="0" cy="0"/>
+          <a:chOff x="0" y="0"/>
+          <a:chExt cx="0" cy="0"/>
+        </a:xfrm>
+      </p:grpSpPr>
+      <p:sp>
+        <p:nvSpPr>
+          <p:cNvPr id="4" name="Foliennummernplatzhalter 3"/>
+          <p:cNvSpPr>
+            <a:spLocks noGrp="1"/>
+          </p:cNvSpPr>
+          <p:nvPr>
+            <p:ph type="sldNum" sz="quarter" idx="12"/>
+          </p:nvPr>
+        </p:nvSpPr>
+        <p:spPr/>
+        <p:txBody>
+          <a:bodyPr/>
+          <a:lstStyle/>
+          <a:p>
+            <a:fld id="{C9E0B00B-E6DF-4183-A694-3DE28BEFB357}" type="slidenum">
+              <a:rPr lang="en-US" smtClean="0"/>
+              <a:t>13</a:t>
+            </a:fld>
+            <a:endParaRPr lang="en-US"/>
+          </a:p>
+        </p:txBody>
+      </p:sp>
+      <p:sp>
+        <p:nvSpPr>
+          <p:cNvPr id="9" name="Titel 1">
+            <a:extLst>
+              <a:ext uri="{FF2B5EF4-FFF2-40B4-BE49-F238E27FC236}">
+                <a16:creationId xmlns:a16="http://schemas.microsoft.com/office/drawing/2014/main" id="{7807725C-718A-4D77-AD01-05225CF68388}"/>
+              </a:ext>
+            </a:extLst>
+          </p:cNvPr>
+          <p:cNvSpPr>
+            <a:spLocks noGrp="1"/>
+          </p:cNvSpPr>
+          <p:nvPr>
+            <p:ph type="title"/>
+          </p:nvPr>
+        </p:nvSpPr>
+        <p:spPr>
+          <a:xfrm>
+            <a:off x="1066800" y="561524"/>
+            <a:ext cx="10287000" cy="1129164"/>
+          </a:xfrm>
+        </p:spPr>
+        <p:txBody>
+          <a:bodyPr/>
+          <a:lstStyle/>
+          <a:p>
+            <a:r>
+              <a:rPr lang="en-US"/>
+              <a:t>Word Embeddings  </a:t>
+            </a:r>
+            <a:r>
+              <a:rPr lang="en-US" b="1"/>
+              <a:t>GloVe</a:t>
+            </a:r>
+          </a:p>
+        </p:txBody>
+      </p:sp>
+      <p:sp>
+        <p:nvSpPr>
+          <p:cNvPr id="10" name="Content Placeholder 2">
+            <a:extLst>
+              <a:ext uri="{FF2B5EF4-FFF2-40B4-BE49-F238E27FC236}">
+                <a16:creationId xmlns:a16="http://schemas.microsoft.com/office/drawing/2014/main" id="{67443131-1CA9-405F-8B23-66FD98AB33DC}"/>
+              </a:ext>
+            </a:extLst>
+          </p:cNvPr>
+          <p:cNvSpPr>
+            <a:spLocks noGrp="1"/>
+          </p:cNvSpPr>
+          <p:nvPr>
+            <p:ph idx="1"/>
+          </p:nvPr>
+        </p:nvSpPr>
+        <p:spPr>
+          <a:xfrm>
+            <a:off x="1066798" y="1990724"/>
+            <a:ext cx="10086977" cy="4867275"/>
+          </a:xfrm>
+        </p:spPr>
+        <p:txBody>
+          <a:bodyPr>
+            <a:normAutofit/>
+          </a:bodyPr>
+          <a:lstStyle/>
+          <a:p>
+            <a:r>
+              <a:rPr lang="de-DE" b="1"/>
+              <a:t>Computation</a:t>
+            </a:r>
+            <a:endParaRPr lang="de-DE"/>
+          </a:p>
+          <a:p>
+            <a:pPr lvl="1"/>
+            <a:r>
+              <a:rPr lang="de-DE"/>
+              <a:t>R: package </a:t>
+            </a:r>
+            <a:r>
+              <a:rPr lang="de-DE">
+                <a:latin typeface="Consolas" panose="020B0609020204030204" pitchFamily="49" charset="0"/>
+              </a:rPr>
+              <a:t>text2vec</a:t>
+            </a:r>
+          </a:p>
+          <a:p>
+            <a:pPr lvl="1"/>
+            <a:r>
+              <a:rPr lang="de-DE"/>
+              <a:t>Most important hyperparameters: number of embedding dimensions &amp; skip-gram window size</a:t>
+            </a:r>
+          </a:p>
+          <a:p>
+            <a:r>
+              <a:rPr lang="de-DE"/>
+              <a:t>Alternatively: pre-trained embeddings</a:t>
+            </a:r>
+          </a:p>
+          <a:p>
+            <a:r>
+              <a:rPr lang="de-DE"/>
+              <a:t>Here: </a:t>
+            </a:r>
+            <a:r>
+              <a:rPr lang="de-DE" b="1"/>
+              <a:t>topic-specific</a:t>
+            </a:r>
+            <a:r>
+              <a:rPr lang="de-DE"/>
+              <a:t> embeddings</a:t>
+            </a:r>
+          </a:p>
+          <a:p>
+            <a:pPr lvl="1"/>
+            <a:r>
+              <a:rPr lang="de-DE"/>
+              <a:t>Subset corpus by topic labels</a:t>
+            </a:r>
+          </a:p>
+          <a:p>
+            <a:pPr lvl="1"/>
+            <a:r>
+              <a:rPr lang="de-DE"/>
+              <a:t>Compute embeddings for subsets</a:t>
+            </a:r>
+          </a:p>
+        </p:txBody>
+      </p:sp>
+      <p:sp>
+        <p:nvSpPr>
+          <p:cNvPr id="15" name="TextBox 14">
+            <a:extLst>
+              <a:ext uri="{FF2B5EF4-FFF2-40B4-BE49-F238E27FC236}">
+                <a16:creationId xmlns:a16="http://schemas.microsoft.com/office/drawing/2014/main" id="{DD92FB7F-C51C-445D-96DA-BD0AEE805B96}"/>
+              </a:ext>
+            </a:extLst>
+          </p:cNvPr>
+          <p:cNvSpPr txBox="1"/>
+          <p:nvPr/>
+        </p:nvSpPr>
+        <p:spPr>
+          <a:xfrm>
+            <a:off x="3255264" y="5641787"/>
+            <a:ext cx="8519160" cy="461665"/>
+          </a:xfrm>
+          <a:prstGeom prst="rect">
+            <a:avLst/>
+          </a:prstGeom>
+          <a:noFill/>
+        </p:spPr>
+        <p:txBody>
+          <a:bodyPr wrap="square">
+            <a:spAutoFit/>
+          </a:bodyPr>
+          <a:lstStyle/>
+          <a:p>
+            <a:r>
+              <a:rPr lang="de-DE" sz="2400" i="1"/>
+              <a:t>words have different meanings in different contexts</a:t>
+            </a:r>
+            <a:endParaRPr lang="en-US" sz="2400" i="1"/>
+          </a:p>
+        </p:txBody>
+      </p:sp>
+      <p:pic>
+        <p:nvPicPr>
+          <p:cNvPr id="16" name="Graphic 15" descr="Back with solid fill">
+            <a:extLst>
+              <a:ext uri="{FF2B5EF4-FFF2-40B4-BE49-F238E27FC236}">
+                <a16:creationId xmlns:a16="http://schemas.microsoft.com/office/drawing/2014/main" id="{E4E75B13-5E5B-451D-9240-4640C20EF50E}"/>
+              </a:ext>
+            </a:extLst>
+          </p:cNvPr>
+          <p:cNvPicPr>
+            <a:picLocks noChangeAspect="1"/>
+          </p:cNvPicPr>
+          <p:nvPr/>
+        </p:nvPicPr>
+        <p:blipFill>
+          <a:blip r:embed="rId3">
+            <a:extLst>
+              <a:ext uri="{28A0092B-C50C-407E-A947-70E740481C1C}">
+                <a14:useLocalDpi xmlns:a14="http://schemas.microsoft.com/office/drawing/2010/main" val="0"/>
+              </a:ext>
+              <a:ext uri="{96DAC541-7B7A-43D3-8B79-37D633B846F1}">
+                <asvg:svgBlip xmlns:asvg="http://schemas.microsoft.com/office/drawing/2016/SVG/main" r:embed="rId4"/>
+              </a:ext>
+            </a:extLst>
+          </a:blip>
+          <a:stretch>
+            <a:fillRect/>
+          </a:stretch>
+        </p:blipFill>
+        <p:spPr>
+          <a:xfrm flipH="1" flipV="1">
+            <a:off x="2148459" y="5410054"/>
+            <a:ext cx="757629" cy="946296"/>
+          </a:xfrm>
+          <a:prstGeom prst="rect">
+            <a:avLst/>
+          </a:prstGeom>
+        </p:spPr>
+      </p:pic>
+      <p:grpSp>
+        <p:nvGrpSpPr>
+          <p:cNvPr id="17" name="Group 16">
+            <a:extLst>
+              <a:ext uri="{FF2B5EF4-FFF2-40B4-BE49-F238E27FC236}">
+                <a16:creationId xmlns:a16="http://schemas.microsoft.com/office/drawing/2014/main" id="{DCA9F19B-AEAB-477B-8A75-91A2B4611553}"/>
+              </a:ext>
+            </a:extLst>
+          </p:cNvPr>
+          <p:cNvGrpSpPr/>
+          <p:nvPr/>
+        </p:nvGrpSpPr>
+        <p:grpSpPr>
+          <a:xfrm>
+            <a:off x="6524555" y="4251960"/>
+            <a:ext cx="1467302" cy="1019469"/>
+            <a:chOff x="7744962" y="3383312"/>
+            <a:chExt cx="1723325" cy="1129165"/>
+          </a:xfrm>
+        </p:grpSpPr>
+        <p:grpSp>
+          <p:nvGrpSpPr>
+            <p:cNvPr id="18" name="Group 17">
+              <a:extLst>
+                <a:ext uri="{FF2B5EF4-FFF2-40B4-BE49-F238E27FC236}">
+                  <a16:creationId xmlns:a16="http://schemas.microsoft.com/office/drawing/2014/main" id="{287038D4-944A-4123-A7CC-1220F81685F9}"/>
+                </a:ext>
+              </a:extLst>
+            </p:cNvPr>
+            <p:cNvGrpSpPr/>
+            <p:nvPr/>
+          </p:nvGrpSpPr>
+          <p:grpSpPr>
+            <a:xfrm>
+              <a:off x="7744962" y="3383312"/>
+              <a:ext cx="1723325" cy="1129165"/>
+              <a:chOff x="7744962" y="3383312"/>
+              <a:chExt cx="2073600" cy="1329801"/>
+            </a:xfrm>
+          </p:grpSpPr>
+          <p:sp>
+            <p:nvSpPr>
+              <p:cNvPr id="30" name="Rectangle 29">
+                <a:extLst>
+                  <a:ext uri="{FF2B5EF4-FFF2-40B4-BE49-F238E27FC236}">
+                    <a16:creationId xmlns:a16="http://schemas.microsoft.com/office/drawing/2014/main" id="{3009B534-A855-4078-824B-641E9A2236AB}"/>
+                  </a:ext>
+                </a:extLst>
+              </p:cNvPr>
+              <p:cNvSpPr/>
+              <p:nvPr/>
+            </p:nvSpPr>
+            <p:spPr>
+              <a:xfrm>
+                <a:off x="7744964" y="3383312"/>
+                <a:ext cx="2073598" cy="1329504"/>
+              </a:xfrm>
+              <a:prstGeom prst="rect">
+                <a:avLst/>
+              </a:prstGeom>
+              <a:solidFill>
+                <a:schemeClr val="bg2"/>
+              </a:solidFill>
+              <a:ln>
+                <a:solidFill>
+                  <a:schemeClr val="bg2"/>
+                </a:solidFill>
+              </a:ln>
+            </p:spPr>
+            <p:style>
+              <a:lnRef idx="2">
+                <a:schemeClr val="accent1">
+                  <a:shade val="50000"/>
+                </a:schemeClr>
+              </a:lnRef>
+              <a:fillRef idx="1">
+                <a:schemeClr val="accent1"/>
+              </a:fillRef>
+              <a:effectRef idx="0">
+                <a:schemeClr val="accent1"/>
+              </a:effectRef>
+              <a:fontRef idx="minor">
+                <a:schemeClr val="lt1"/>
+              </a:fontRef>
+            </p:style>
+            <p:txBody>
+              <a:bodyPr rtlCol="0" anchor="ctr"/>
+              <a:lstStyle/>
+              <a:p>
+                <a:pPr algn="ctr"/>
+                <a:endParaRPr lang="en-US" i="1">
+                  <a:solidFill>
+                    <a:sysClr val="windowText" lastClr="000000"/>
+                  </a:solidFill>
+                </a:endParaRPr>
+              </a:p>
+            </p:txBody>
+          </p:sp>
+          <p:sp>
+            <p:nvSpPr>
+              <p:cNvPr id="31" name="Rectangle 30">
+                <a:extLst>
+                  <a:ext uri="{FF2B5EF4-FFF2-40B4-BE49-F238E27FC236}">
+                    <a16:creationId xmlns:a16="http://schemas.microsoft.com/office/drawing/2014/main" id="{C04D25D8-FE5E-4A9B-BF75-438112780203}"/>
+                  </a:ext>
+                </a:extLst>
+              </p:cNvPr>
+              <p:cNvSpPr/>
+              <p:nvPr/>
+            </p:nvSpPr>
+            <p:spPr>
+              <a:xfrm>
+                <a:off x="7744962" y="3386488"/>
+                <a:ext cx="691200" cy="442800"/>
+              </a:xfrm>
+              <a:prstGeom prst="rect">
+                <a:avLst/>
+              </a:prstGeom>
+              <a:solidFill>
+                <a:schemeClr val="bg2">
+                  <a:lumMod val="90000"/>
+                </a:schemeClr>
+              </a:solidFill>
+              <a:ln>
+                <a:solidFill>
+                  <a:schemeClr val="bg2">
+                    <a:lumMod val="90000"/>
+                  </a:schemeClr>
+                </a:solidFill>
+              </a:ln>
+            </p:spPr>
+            <p:style>
+              <a:lnRef idx="2">
+                <a:schemeClr val="accent1">
+                  <a:shade val="50000"/>
+                </a:schemeClr>
+              </a:lnRef>
+              <a:fillRef idx="1">
+                <a:schemeClr val="accent1"/>
+              </a:fillRef>
+              <a:effectRef idx="0">
+                <a:schemeClr val="accent1"/>
+              </a:effectRef>
+              <a:fontRef idx="minor">
+                <a:schemeClr val="lt1"/>
+              </a:fontRef>
+            </p:style>
+            <p:txBody>
+              <a:bodyPr rtlCol="0" anchor="ctr"/>
+              <a:lstStyle/>
+              <a:p>
+                <a:pPr algn="ctr"/>
+                <a:endParaRPr lang="en-US" i="1">
+                  <a:solidFill>
+                    <a:schemeClr val="bg1"/>
+                  </a:solidFill>
+                </a:endParaRPr>
+              </a:p>
+            </p:txBody>
+          </p:sp>
+          <p:sp>
+            <p:nvSpPr>
+              <p:cNvPr id="32" name="Rectangle 31">
+                <a:extLst>
+                  <a:ext uri="{FF2B5EF4-FFF2-40B4-BE49-F238E27FC236}">
+                    <a16:creationId xmlns:a16="http://schemas.microsoft.com/office/drawing/2014/main" id="{C96408BA-ED28-4E5E-901A-97AC9B5F095E}"/>
+                  </a:ext>
+                </a:extLst>
+              </p:cNvPr>
+              <p:cNvSpPr/>
+              <p:nvPr/>
+            </p:nvSpPr>
+            <p:spPr>
+              <a:xfrm>
+                <a:off x="8436162" y="3833835"/>
+                <a:ext cx="691200" cy="442800"/>
+              </a:xfrm>
+              <a:prstGeom prst="rect">
+                <a:avLst/>
+              </a:prstGeom>
+              <a:solidFill>
+                <a:schemeClr val="bg2">
+                  <a:lumMod val="90000"/>
+                </a:schemeClr>
+              </a:solidFill>
+              <a:ln>
+                <a:solidFill>
+                  <a:schemeClr val="bg2">
+                    <a:lumMod val="90000"/>
+                  </a:schemeClr>
+                </a:solidFill>
+              </a:ln>
+            </p:spPr>
+            <p:style>
+              <a:lnRef idx="2">
+                <a:schemeClr val="accent1">
+                  <a:shade val="50000"/>
+                </a:schemeClr>
+              </a:lnRef>
+              <a:fillRef idx="1">
+                <a:schemeClr val="accent1"/>
+              </a:fillRef>
+              <a:effectRef idx="0">
+                <a:schemeClr val="accent1"/>
+              </a:effectRef>
+              <a:fontRef idx="minor">
+                <a:schemeClr val="lt1"/>
+              </a:fontRef>
+            </p:style>
+            <p:txBody>
+              <a:bodyPr rtlCol="0" anchor="ctr"/>
+              <a:lstStyle/>
+              <a:p>
+                <a:pPr algn="ctr"/>
+                <a:endParaRPr lang="en-US" i="1">
+                  <a:solidFill>
+                    <a:schemeClr val="bg1"/>
+                  </a:solidFill>
+                </a:endParaRPr>
+              </a:p>
+            </p:txBody>
+          </p:sp>
+          <p:sp>
+            <p:nvSpPr>
+              <p:cNvPr id="33" name="Rectangle 32">
+                <a:extLst>
+                  <a:ext uri="{FF2B5EF4-FFF2-40B4-BE49-F238E27FC236}">
+                    <a16:creationId xmlns:a16="http://schemas.microsoft.com/office/drawing/2014/main" id="{6EE626A9-0882-4B4A-8E3D-3D65A76F4C9B}"/>
+                  </a:ext>
+                </a:extLst>
+              </p:cNvPr>
+              <p:cNvSpPr/>
+              <p:nvPr/>
+            </p:nvSpPr>
+            <p:spPr>
+              <a:xfrm>
+                <a:off x="9127362" y="4270313"/>
+                <a:ext cx="691200" cy="442800"/>
+              </a:xfrm>
+              <a:prstGeom prst="rect">
+                <a:avLst/>
+              </a:prstGeom>
+              <a:solidFill>
+                <a:schemeClr val="bg2">
+                  <a:lumMod val="90000"/>
+                </a:schemeClr>
+              </a:solidFill>
+              <a:ln>
+                <a:solidFill>
+                  <a:schemeClr val="bg2">
+                    <a:lumMod val="90000"/>
+                  </a:schemeClr>
+                </a:solidFill>
+              </a:ln>
+            </p:spPr>
+            <p:style>
+              <a:lnRef idx="2">
+                <a:schemeClr val="accent1">
+                  <a:shade val="50000"/>
+                </a:schemeClr>
+              </a:lnRef>
+              <a:fillRef idx="1">
+                <a:schemeClr val="accent1"/>
+              </a:fillRef>
+              <a:effectRef idx="0">
+                <a:schemeClr val="accent1"/>
+              </a:effectRef>
+              <a:fontRef idx="minor">
+                <a:schemeClr val="lt1"/>
+              </a:fontRef>
+            </p:style>
+            <p:txBody>
+              <a:bodyPr rtlCol="0" anchor="ctr"/>
+              <a:lstStyle/>
+              <a:p>
+                <a:pPr algn="ctr"/>
+                <a:endParaRPr lang="en-US" i="1">
+                  <a:solidFill>
+                    <a:schemeClr val="bg1"/>
+                  </a:solidFill>
+                </a:endParaRPr>
+              </a:p>
+            </p:txBody>
+          </p:sp>
+        </p:grpSp>
+        <p:cxnSp>
+          <p:nvCxnSpPr>
+            <p:cNvPr id="19" name="Straight Connector 18">
+              <a:extLst>
+                <a:ext uri="{FF2B5EF4-FFF2-40B4-BE49-F238E27FC236}">
+                  <a16:creationId xmlns:a16="http://schemas.microsoft.com/office/drawing/2014/main" id="{5611F432-09E3-4DD6-A6E5-0A615D9B9A82}"/>
+                </a:ext>
+              </a:extLst>
+            </p:cNvPr>
+            <p:cNvCxnSpPr>
+              <a:cxnSpLocks/>
+            </p:cNvCxnSpPr>
+            <p:nvPr/>
+          </p:nvCxnSpPr>
+          <p:spPr>
+            <a:xfrm>
+              <a:off x="7888029" y="3398379"/>
+              <a:ext cx="0" cy="1105764"/>
+            </a:xfrm>
+            <a:prstGeom prst="line">
+              <a:avLst/>
+            </a:prstGeom>
+            <a:solidFill>
+              <a:schemeClr val="bg2">
+                <a:lumMod val="90000"/>
+              </a:schemeClr>
+            </a:solidFill>
+            <a:ln>
+              <a:solidFill>
+                <a:schemeClr val="bg2">
+                  <a:lumMod val="75000"/>
+                </a:schemeClr>
+              </a:solidFill>
+            </a:ln>
+          </p:spPr>
+          <p:style>
+            <a:lnRef idx="1">
+              <a:schemeClr val="accent1"/>
+            </a:lnRef>
+            <a:fillRef idx="0">
+              <a:schemeClr val="accent1"/>
+            </a:fillRef>
+            <a:effectRef idx="0">
+              <a:schemeClr val="accent1"/>
+            </a:effectRef>
+            <a:fontRef idx="minor">
+              <a:schemeClr val="tx1"/>
+            </a:fontRef>
+          </p:style>
+        </p:cxnSp>
+        <p:cxnSp>
+          <p:nvCxnSpPr>
+            <p:cNvPr id="20" name="Straight Connector 19">
+              <a:extLst>
+                <a:ext uri="{FF2B5EF4-FFF2-40B4-BE49-F238E27FC236}">
+                  <a16:creationId xmlns:a16="http://schemas.microsoft.com/office/drawing/2014/main" id="{439D3749-D547-40C8-8C6F-2C38CCAD23E3}"/>
+                </a:ext>
+              </a:extLst>
+            </p:cNvPr>
+            <p:cNvCxnSpPr>
+              <a:cxnSpLocks/>
+            </p:cNvCxnSpPr>
+            <p:nvPr/>
+          </p:nvCxnSpPr>
+          <p:spPr>
+            <a:xfrm>
+              <a:off x="8031096" y="3398379"/>
+              <a:ext cx="0" cy="1105764"/>
+            </a:xfrm>
+            <a:prstGeom prst="line">
+              <a:avLst/>
+            </a:prstGeom>
+            <a:solidFill>
+              <a:schemeClr val="bg2">
+                <a:lumMod val="90000"/>
+              </a:schemeClr>
+            </a:solidFill>
+            <a:ln>
+              <a:solidFill>
+                <a:schemeClr val="bg2">
+                  <a:lumMod val="75000"/>
+                </a:schemeClr>
+              </a:solidFill>
+            </a:ln>
+          </p:spPr>
+          <p:style>
+            <a:lnRef idx="1">
+              <a:schemeClr val="accent1"/>
+            </a:lnRef>
+            <a:fillRef idx="0">
+              <a:schemeClr val="accent1"/>
+            </a:fillRef>
+            <a:effectRef idx="0">
+              <a:schemeClr val="accent1"/>
+            </a:effectRef>
+            <a:fontRef idx="minor">
+              <a:schemeClr val="tx1"/>
+            </a:fontRef>
+          </p:style>
+        </p:cxnSp>
+        <p:cxnSp>
+          <p:nvCxnSpPr>
+            <p:cNvPr id="21" name="Straight Connector 20">
+              <a:extLst>
+                <a:ext uri="{FF2B5EF4-FFF2-40B4-BE49-F238E27FC236}">
+                  <a16:creationId xmlns:a16="http://schemas.microsoft.com/office/drawing/2014/main" id="{FE74E9DC-52E1-45C3-8098-1D2D2EEF033E}"/>
+                </a:ext>
+              </a:extLst>
+            </p:cNvPr>
+            <p:cNvCxnSpPr>
+              <a:cxnSpLocks/>
+            </p:cNvCxnSpPr>
+            <p:nvPr/>
+          </p:nvCxnSpPr>
+          <p:spPr>
+            <a:xfrm>
+              <a:off x="8317230" y="3398379"/>
+              <a:ext cx="0" cy="1105764"/>
+            </a:xfrm>
+            <a:prstGeom prst="line">
+              <a:avLst/>
+            </a:prstGeom>
+            <a:solidFill>
+              <a:schemeClr val="bg2">
+                <a:lumMod val="90000"/>
+              </a:schemeClr>
+            </a:solidFill>
+            <a:ln>
+              <a:solidFill>
+                <a:schemeClr val="bg2">
+                  <a:lumMod val="75000"/>
+                </a:schemeClr>
+              </a:solidFill>
+            </a:ln>
+          </p:spPr>
+          <p:style>
+            <a:lnRef idx="1">
+              <a:schemeClr val="accent1"/>
+            </a:lnRef>
+            <a:fillRef idx="0">
+              <a:schemeClr val="accent1"/>
+            </a:fillRef>
+            <a:effectRef idx="0">
+              <a:schemeClr val="accent1"/>
+            </a:effectRef>
+            <a:fontRef idx="minor">
+              <a:schemeClr val="tx1"/>
+            </a:fontRef>
+          </p:style>
+        </p:cxnSp>
+        <p:cxnSp>
+          <p:nvCxnSpPr>
+            <p:cNvPr id="22" name="Straight Connector 21">
+              <a:extLst>
+                <a:ext uri="{FF2B5EF4-FFF2-40B4-BE49-F238E27FC236}">
+                  <a16:creationId xmlns:a16="http://schemas.microsoft.com/office/drawing/2014/main" id="{9C59123E-0144-4024-ADB0-E744C6C97430}"/>
+                </a:ext>
+              </a:extLst>
+            </p:cNvPr>
+            <p:cNvCxnSpPr>
+              <a:cxnSpLocks/>
+            </p:cNvCxnSpPr>
+            <p:nvPr/>
+          </p:nvCxnSpPr>
+          <p:spPr>
+            <a:xfrm>
+              <a:off x="8461384" y="3398379"/>
+              <a:ext cx="0" cy="1105764"/>
+            </a:xfrm>
+            <a:prstGeom prst="line">
+              <a:avLst/>
+            </a:prstGeom>
+            <a:solidFill>
+              <a:schemeClr val="bg2">
+                <a:lumMod val="90000"/>
+              </a:schemeClr>
+            </a:solidFill>
+            <a:ln>
+              <a:solidFill>
+                <a:schemeClr val="bg2">
+                  <a:lumMod val="75000"/>
+                </a:schemeClr>
+              </a:solidFill>
+            </a:ln>
+          </p:spPr>
+          <p:style>
+            <a:lnRef idx="1">
+              <a:schemeClr val="accent1"/>
+            </a:lnRef>
+            <a:fillRef idx="0">
+              <a:schemeClr val="accent1"/>
+            </a:fillRef>
+            <a:effectRef idx="0">
+              <a:schemeClr val="accent1"/>
+            </a:effectRef>
+            <a:fontRef idx="minor">
+              <a:schemeClr val="tx1"/>
+            </a:fontRef>
+          </p:style>
+        </p:cxnSp>
+        <p:cxnSp>
+          <p:nvCxnSpPr>
+            <p:cNvPr id="23" name="Straight Connector 22">
+              <a:extLst>
+                <a:ext uri="{FF2B5EF4-FFF2-40B4-BE49-F238E27FC236}">
+                  <a16:creationId xmlns:a16="http://schemas.microsoft.com/office/drawing/2014/main" id="{7779D89A-1029-4F3B-AD0E-001BA69DAD69}"/>
+                </a:ext>
+              </a:extLst>
+            </p:cNvPr>
+            <p:cNvCxnSpPr>
+              <a:cxnSpLocks/>
+            </p:cNvCxnSpPr>
+            <p:nvPr/>
+          </p:nvCxnSpPr>
+          <p:spPr>
+            <a:xfrm>
+              <a:off x="8605538" y="3398379"/>
+              <a:ext cx="0" cy="1105764"/>
+            </a:xfrm>
+            <a:prstGeom prst="line">
+              <a:avLst/>
+            </a:prstGeom>
+            <a:solidFill>
+              <a:schemeClr val="bg2">
+                <a:lumMod val="90000"/>
+              </a:schemeClr>
+            </a:solidFill>
+            <a:ln>
+              <a:solidFill>
+                <a:schemeClr val="bg2">
+                  <a:lumMod val="75000"/>
+                </a:schemeClr>
+              </a:solidFill>
+            </a:ln>
+          </p:spPr>
+          <p:style>
+            <a:lnRef idx="1">
+              <a:schemeClr val="accent1"/>
+            </a:lnRef>
+            <a:fillRef idx="0">
+              <a:schemeClr val="accent1"/>
+            </a:fillRef>
+            <a:effectRef idx="0">
+              <a:schemeClr val="accent1"/>
+            </a:effectRef>
+            <a:fontRef idx="minor">
+              <a:schemeClr val="tx1"/>
+            </a:fontRef>
+          </p:style>
+        </p:cxnSp>
+        <p:cxnSp>
+          <p:nvCxnSpPr>
+            <p:cNvPr id="24" name="Straight Connector 23">
+              <a:extLst>
+                <a:ext uri="{FF2B5EF4-FFF2-40B4-BE49-F238E27FC236}">
+                  <a16:creationId xmlns:a16="http://schemas.microsoft.com/office/drawing/2014/main" id="{98E7C5F7-61D3-4CC5-BE81-AE1BFE6A9C95}"/>
+                </a:ext>
+              </a:extLst>
+            </p:cNvPr>
+            <p:cNvCxnSpPr>
+              <a:cxnSpLocks/>
+            </p:cNvCxnSpPr>
+            <p:nvPr/>
+          </p:nvCxnSpPr>
+          <p:spPr>
+            <a:xfrm>
+              <a:off x="8749692" y="3398379"/>
+              <a:ext cx="0" cy="1105764"/>
+            </a:xfrm>
+            <a:prstGeom prst="line">
+              <a:avLst/>
+            </a:prstGeom>
+            <a:solidFill>
+              <a:schemeClr val="bg2">
+                <a:lumMod val="90000"/>
+              </a:schemeClr>
+            </a:solidFill>
+            <a:ln>
+              <a:solidFill>
+                <a:schemeClr val="bg2">
+                  <a:lumMod val="75000"/>
+                </a:schemeClr>
+              </a:solidFill>
+            </a:ln>
+          </p:spPr>
+          <p:style>
+            <a:lnRef idx="1">
+              <a:schemeClr val="accent1"/>
+            </a:lnRef>
+            <a:fillRef idx="0">
+              <a:schemeClr val="accent1"/>
+            </a:fillRef>
+            <a:effectRef idx="0">
+              <a:schemeClr val="accent1"/>
+            </a:effectRef>
+            <a:fontRef idx="minor">
+              <a:schemeClr val="tx1"/>
+            </a:fontRef>
+          </p:style>
+        </p:cxnSp>
+        <p:cxnSp>
+          <p:nvCxnSpPr>
+            <p:cNvPr id="25" name="Straight Connector 24">
+              <a:extLst>
+                <a:ext uri="{FF2B5EF4-FFF2-40B4-BE49-F238E27FC236}">
+                  <a16:creationId xmlns:a16="http://schemas.microsoft.com/office/drawing/2014/main" id="{B8A97AED-9EA1-4F0A-BEC8-319A92F1BB3D}"/>
+                </a:ext>
+              </a:extLst>
+            </p:cNvPr>
+            <p:cNvCxnSpPr>
+              <a:cxnSpLocks/>
+            </p:cNvCxnSpPr>
+            <p:nvPr/>
+          </p:nvCxnSpPr>
+          <p:spPr>
+            <a:xfrm>
+              <a:off x="8893845" y="3398379"/>
+              <a:ext cx="0" cy="1105764"/>
+            </a:xfrm>
+            <a:prstGeom prst="line">
+              <a:avLst/>
+            </a:prstGeom>
+            <a:solidFill>
+              <a:schemeClr val="bg2">
+                <a:lumMod val="90000"/>
+              </a:schemeClr>
+            </a:solidFill>
+            <a:ln>
+              <a:solidFill>
+                <a:schemeClr val="bg2">
+                  <a:lumMod val="75000"/>
+                </a:schemeClr>
+              </a:solidFill>
+            </a:ln>
+          </p:spPr>
+          <p:style>
+            <a:lnRef idx="1">
+              <a:schemeClr val="accent1"/>
+            </a:lnRef>
+            <a:fillRef idx="0">
+              <a:schemeClr val="accent1"/>
+            </a:fillRef>
+            <a:effectRef idx="0">
+              <a:schemeClr val="accent1"/>
+            </a:effectRef>
+            <a:fontRef idx="minor">
+              <a:schemeClr val="tx1"/>
+            </a:fontRef>
+          </p:style>
+        </p:cxnSp>
+        <p:cxnSp>
+          <p:nvCxnSpPr>
+            <p:cNvPr id="26" name="Straight Connector 25">
+              <a:extLst>
+                <a:ext uri="{FF2B5EF4-FFF2-40B4-BE49-F238E27FC236}">
+                  <a16:creationId xmlns:a16="http://schemas.microsoft.com/office/drawing/2014/main" id="{338AB9B1-48F0-4D50-B771-70AAA36F2AA7}"/>
+                </a:ext>
+              </a:extLst>
+            </p:cNvPr>
+            <p:cNvCxnSpPr>
+              <a:cxnSpLocks/>
+            </p:cNvCxnSpPr>
+            <p:nvPr/>
+          </p:nvCxnSpPr>
+          <p:spPr>
+            <a:xfrm>
+              <a:off x="9041511" y="3398379"/>
+              <a:ext cx="0" cy="1105764"/>
+            </a:xfrm>
+            <a:prstGeom prst="line">
+              <a:avLst/>
+            </a:prstGeom>
+            <a:solidFill>
+              <a:schemeClr val="bg2">
+                <a:lumMod val="90000"/>
+              </a:schemeClr>
+            </a:solidFill>
+            <a:ln>
+              <a:solidFill>
+                <a:schemeClr val="bg2">
+                  <a:lumMod val="75000"/>
+                </a:schemeClr>
+              </a:solidFill>
+            </a:ln>
+          </p:spPr>
+          <p:style>
+            <a:lnRef idx="1">
+              <a:schemeClr val="accent1"/>
+            </a:lnRef>
+            <a:fillRef idx="0">
+              <a:schemeClr val="accent1"/>
+            </a:fillRef>
+            <a:effectRef idx="0">
+              <a:schemeClr val="accent1"/>
+            </a:effectRef>
+            <a:fontRef idx="minor">
+              <a:schemeClr val="tx1"/>
+            </a:fontRef>
+          </p:style>
+        </p:cxnSp>
+        <p:cxnSp>
+          <p:nvCxnSpPr>
+            <p:cNvPr id="27" name="Straight Connector 26">
+              <a:extLst>
+                <a:ext uri="{FF2B5EF4-FFF2-40B4-BE49-F238E27FC236}">
+                  <a16:creationId xmlns:a16="http://schemas.microsoft.com/office/drawing/2014/main" id="{E4E1478D-9AED-4AE7-9291-9E75C2E7AC38}"/>
+                </a:ext>
+              </a:extLst>
+            </p:cNvPr>
+            <p:cNvCxnSpPr>
+              <a:cxnSpLocks/>
+            </p:cNvCxnSpPr>
+            <p:nvPr/>
+          </p:nvCxnSpPr>
+          <p:spPr>
+            <a:xfrm>
+              <a:off x="9181066" y="3398379"/>
+              <a:ext cx="0" cy="1105764"/>
+            </a:xfrm>
+            <a:prstGeom prst="line">
+              <a:avLst/>
+            </a:prstGeom>
+            <a:solidFill>
+              <a:schemeClr val="bg2">
+                <a:lumMod val="90000"/>
+              </a:schemeClr>
+            </a:solidFill>
+            <a:ln>
+              <a:solidFill>
+                <a:schemeClr val="bg2">
+                  <a:lumMod val="75000"/>
+                </a:schemeClr>
+              </a:solidFill>
+            </a:ln>
+          </p:spPr>
+          <p:style>
+            <a:lnRef idx="1">
+              <a:schemeClr val="accent1"/>
+            </a:lnRef>
+            <a:fillRef idx="0">
+              <a:schemeClr val="accent1"/>
+            </a:fillRef>
+            <a:effectRef idx="0">
+              <a:schemeClr val="accent1"/>
+            </a:effectRef>
+            <a:fontRef idx="minor">
+              <a:schemeClr val="tx1"/>
+            </a:fontRef>
+          </p:style>
+        </p:cxnSp>
+        <p:cxnSp>
+          <p:nvCxnSpPr>
+            <p:cNvPr id="28" name="Straight Connector 27">
+              <a:extLst>
+                <a:ext uri="{FF2B5EF4-FFF2-40B4-BE49-F238E27FC236}">
+                  <a16:creationId xmlns:a16="http://schemas.microsoft.com/office/drawing/2014/main" id="{A333DC50-1494-47AA-A87B-C48F1D77F3A9}"/>
+                </a:ext>
+              </a:extLst>
+            </p:cNvPr>
+            <p:cNvCxnSpPr>
+              <a:cxnSpLocks/>
+            </p:cNvCxnSpPr>
+            <p:nvPr/>
+          </p:nvCxnSpPr>
+          <p:spPr>
+            <a:xfrm>
+              <a:off x="8174163" y="3398379"/>
+              <a:ext cx="0" cy="1105764"/>
+            </a:xfrm>
+            <a:prstGeom prst="line">
+              <a:avLst/>
+            </a:prstGeom>
+            <a:solidFill>
+              <a:schemeClr val="bg2">
+                <a:lumMod val="90000"/>
+              </a:schemeClr>
+            </a:solidFill>
+            <a:ln>
+              <a:solidFill>
+                <a:schemeClr val="bg2">
+                  <a:lumMod val="75000"/>
+                </a:schemeClr>
+              </a:solidFill>
+            </a:ln>
+          </p:spPr>
+          <p:style>
+            <a:lnRef idx="1">
+              <a:schemeClr val="accent1"/>
+            </a:lnRef>
+            <a:fillRef idx="0">
+              <a:schemeClr val="accent1"/>
+            </a:fillRef>
+            <a:effectRef idx="0">
+              <a:schemeClr val="accent1"/>
+            </a:effectRef>
+            <a:fontRef idx="minor">
+              <a:schemeClr val="tx1"/>
+            </a:fontRef>
+          </p:style>
+        </p:cxnSp>
+        <p:cxnSp>
+          <p:nvCxnSpPr>
+            <p:cNvPr id="29" name="Straight Connector 28">
+              <a:extLst>
+                <a:ext uri="{FF2B5EF4-FFF2-40B4-BE49-F238E27FC236}">
+                  <a16:creationId xmlns:a16="http://schemas.microsoft.com/office/drawing/2014/main" id="{14F163B9-A275-4DD3-B848-7F3BD814999B}"/>
+                </a:ext>
+              </a:extLst>
+            </p:cNvPr>
+            <p:cNvCxnSpPr>
+              <a:cxnSpLocks/>
+            </p:cNvCxnSpPr>
+            <p:nvPr/>
+          </p:nvCxnSpPr>
+          <p:spPr>
+            <a:xfrm>
+              <a:off x="9324134" y="3398379"/>
+              <a:ext cx="0" cy="1105764"/>
+            </a:xfrm>
+            <a:prstGeom prst="line">
+              <a:avLst/>
+            </a:prstGeom>
+            <a:solidFill>
+              <a:schemeClr val="bg2">
+                <a:lumMod val="90000"/>
+              </a:schemeClr>
+            </a:solidFill>
+            <a:ln>
+              <a:solidFill>
+                <a:schemeClr val="bg2">
+                  <a:lumMod val="75000"/>
+                </a:schemeClr>
+              </a:solidFill>
+            </a:ln>
+          </p:spPr>
+          <p:style>
+            <a:lnRef idx="1">
+              <a:schemeClr val="accent1"/>
+            </a:lnRef>
+            <a:fillRef idx="0">
+              <a:schemeClr val="accent1"/>
+            </a:fillRef>
+            <a:effectRef idx="0">
+              <a:schemeClr val="accent1"/>
+            </a:effectRef>
+            <a:fontRef idx="minor">
+              <a:schemeClr val="tx1"/>
+            </a:fontRef>
+          </p:style>
+        </p:cxnSp>
+      </p:grpSp>
+    </p:spTree>
+    <p:extLst>
+      <p:ext uri="{BB962C8B-B14F-4D97-AF65-F5344CB8AC3E}">
+        <p14:creationId xmlns:p14="http://schemas.microsoft.com/office/powerpoint/2010/main" val="2340078688"/>
+      </p:ext>
+    </p:extLst>
+  </p:cSld>
+  <p:clrMapOvr>
+    <a:masterClrMapping/>
+  </p:clrMapOvr>
+</p:sld>
+</file>
+
+<file path=ppt/slides/slide14.xml><?xml version="1.0" encoding="utf-8"?>
+<p:sld xmlns:a="http://schemas.openxmlformats.org/drawingml/2006/main" xmlns:r="http://schemas.openxmlformats.org/officeDocument/2006/relationships" xmlns:p="http://schemas.openxmlformats.org/presentationml/2006/main">
+  <p:cSld>
+    <p:spTree>
+      <p:nvGrpSpPr>
+        <p:cNvPr id="1" name=""/>
+        <p:cNvGrpSpPr/>
+        <p:nvPr/>
+      </p:nvGrpSpPr>
+      <p:grpSpPr>
+        <a:xfrm>
+          <a:off x="0" y="0"/>
+          <a:ext cx="0" cy="0"/>
+          <a:chOff x="0" y="0"/>
+          <a:chExt cx="0" cy="0"/>
+        </a:xfrm>
+      </p:grpSpPr>
+      <p:sp>
+        <p:nvSpPr>
+          <p:cNvPr id="4" name="Foliennummernplatzhalter 3"/>
+          <p:cNvSpPr>
+            <a:spLocks noGrp="1"/>
+          </p:cNvSpPr>
+          <p:nvPr>
+            <p:ph type="sldNum" sz="quarter" idx="12"/>
+          </p:nvPr>
+        </p:nvSpPr>
+        <p:spPr/>
+        <p:txBody>
+          <a:bodyPr/>
+          <a:lstStyle/>
+          <a:p>
+            <a:fld id="{C9E0B00B-E6DF-4183-A694-3DE28BEFB357}" type="slidenum">
+              <a:rPr lang="en-US" smtClean="0"/>
+              <a:t>14</a:t>
+            </a:fld>
+            <a:endParaRPr lang="en-US"/>
+          </a:p>
+        </p:txBody>
+      </p:sp>
+      <p:sp>
+        <p:nvSpPr>
+          <p:cNvPr id="9" name="Titel 1">
+            <a:extLst>
+              <a:ext uri="{FF2B5EF4-FFF2-40B4-BE49-F238E27FC236}">
+                <a16:creationId xmlns:a16="http://schemas.microsoft.com/office/drawing/2014/main" id="{7807725C-718A-4D77-AD01-05225CF68388}"/>
+              </a:ext>
+            </a:extLst>
+          </p:cNvPr>
+          <p:cNvSpPr>
+            <a:spLocks noGrp="1"/>
+          </p:cNvSpPr>
+          <p:nvPr>
+            <p:ph type="title"/>
+          </p:nvPr>
+        </p:nvSpPr>
+        <p:spPr>
+          <a:xfrm>
+            <a:off x="1066800" y="561524"/>
+            <a:ext cx="10287000" cy="1129164"/>
+          </a:xfrm>
+        </p:spPr>
+        <p:txBody>
+          <a:bodyPr/>
+          <a:lstStyle/>
+          <a:p>
+            <a:r>
+              <a:rPr lang="en-US"/>
+              <a:t>Word Embeddings  </a:t>
+            </a:r>
+            <a:r>
+              <a:rPr lang="en-US" b="1"/>
+              <a:t>Embeddings vs BOW</a:t>
+            </a:r>
+          </a:p>
+        </p:txBody>
+      </p:sp>
+      <p:sp>
+        <p:nvSpPr>
+          <p:cNvPr id="10" name="Content Placeholder 2">
+            <a:extLst>
+              <a:ext uri="{FF2B5EF4-FFF2-40B4-BE49-F238E27FC236}">
+                <a16:creationId xmlns:a16="http://schemas.microsoft.com/office/drawing/2014/main" id="{67443131-1CA9-405F-8B23-66FD98AB33DC}"/>
+              </a:ext>
+            </a:extLst>
+          </p:cNvPr>
+          <p:cNvSpPr>
+            <a:spLocks noGrp="1"/>
+          </p:cNvSpPr>
+          <p:nvPr>
+            <p:ph idx="1"/>
+          </p:nvPr>
+        </p:nvSpPr>
+        <p:spPr>
+          <a:xfrm>
+            <a:off x="1066798" y="1990724"/>
+            <a:ext cx="10086977" cy="4867275"/>
+          </a:xfrm>
+        </p:spPr>
+        <p:txBody>
+          <a:bodyPr>
+            <a:normAutofit/>
+          </a:bodyPr>
+          <a:lstStyle/>
+          <a:p>
+            <a:r>
+              <a:rPr lang="de-DE"/>
+              <a:t>Both result </a:t>
+            </a:r>
+            <a:r>
+              <a:rPr lang="en-US"/>
+              <a:t>in vector representations for each word in a corpus.</a:t>
+            </a:r>
+          </a:p>
+          <a:p>
+            <a:pPr lvl="1"/>
+            <a:r>
+              <a:rPr lang="en-US" b="1"/>
+              <a:t>BOW</a:t>
+            </a:r>
+          </a:p>
+          <a:p>
+            <a:pPr lvl="2"/>
+            <a:r>
+              <a:rPr lang="en-US"/>
+              <a:t> 	Easy to understand and implement</a:t>
+            </a:r>
+          </a:p>
+          <a:p>
+            <a:pPr lvl="2"/>
+            <a:r>
+              <a:rPr lang="de-DE"/>
+              <a:t>       	Feasible for any corpus</a:t>
+            </a:r>
+          </a:p>
+          <a:p>
+            <a:pPr lvl="2"/>
+            <a:r>
+              <a:rPr lang="de-DE"/>
+              <a:t>       	No accounting for order, semantics</a:t>
+            </a:r>
+          </a:p>
+          <a:p>
+            <a:pPr lvl="2"/>
+            <a:r>
+              <a:rPr lang="de-DE"/>
+              <a:t>       	High-dimensional representations</a:t>
+            </a:r>
+          </a:p>
+          <a:p>
+            <a:pPr lvl="1"/>
+            <a:r>
+              <a:rPr lang="de-DE" b="1"/>
+              <a:t>Embeddings</a:t>
+            </a:r>
+          </a:p>
+          <a:p>
+            <a:pPr lvl="2"/>
+            <a:r>
+              <a:rPr lang="de-DE"/>
+              <a:t>       	Capturing semantics and heeding word order</a:t>
+            </a:r>
+          </a:p>
+          <a:p>
+            <a:pPr lvl="2"/>
+            <a:r>
+              <a:rPr lang="de-DE"/>
+              <a:t>       	Low-dimensional representations</a:t>
+            </a:r>
+          </a:p>
+          <a:p>
+            <a:pPr lvl="2"/>
+            <a:r>
+              <a:rPr lang="de-DE"/>
+              <a:t>       	Large and „high-quality“ corpus required for meaningful embeddings</a:t>
+            </a:r>
+          </a:p>
+          <a:p>
+            <a:pPr lvl="2"/>
+            <a:r>
+              <a:rPr lang="de-DE"/>
+              <a:t>       	Pre-trained models often computationally demanding and not applicable    </a:t>
+            </a:r>
+            <a:br>
+              <a:rPr lang="de-DE"/>
+            </a:br>
+            <a:r>
+              <a:rPr lang="de-DE"/>
+              <a:t>       	to tasks with different domain (</a:t>
+            </a:r>
+            <a:r>
+              <a:rPr lang="en-US"/>
+              <a:t>null vector for unknown words)</a:t>
+            </a:r>
+            <a:endParaRPr lang="de-DE"/>
+          </a:p>
+          <a:p>
+            <a:pPr lvl="1"/>
+            <a:endParaRPr lang="de-DE"/>
+          </a:p>
+        </p:txBody>
+      </p:sp>
+      <p:sp>
+        <p:nvSpPr>
+          <p:cNvPr id="34" name="TextBox 33">
+            <a:extLst>
+              <a:ext uri="{FF2B5EF4-FFF2-40B4-BE49-F238E27FC236}">
+                <a16:creationId xmlns:a16="http://schemas.microsoft.com/office/drawing/2014/main" id="{8C7E4E0D-C4CE-4090-A83A-CB4BEB3F0332}"/>
+              </a:ext>
+            </a:extLst>
+          </p:cNvPr>
+          <p:cNvSpPr txBox="1"/>
+          <p:nvPr/>
+        </p:nvSpPr>
+        <p:spPr>
+          <a:xfrm>
+            <a:off x="8610600" y="3758039"/>
+            <a:ext cx="2743200" cy="830997"/>
+          </a:xfrm>
+          <a:prstGeom prst="rect">
+            <a:avLst/>
+          </a:prstGeom>
+          <a:noFill/>
+        </p:spPr>
+        <p:txBody>
+          <a:bodyPr wrap="square">
+            <a:spAutoFit/>
+          </a:bodyPr>
+          <a:lstStyle/>
+          <a:p>
+            <a:pPr algn="r"/>
+            <a:r>
+              <a:rPr lang="en-US" sz="2400" i="1"/>
+              <a:t>both suffer from the cold-start problem</a:t>
+            </a:r>
+          </a:p>
+        </p:txBody>
+      </p:sp>
+      <p:pic>
+        <p:nvPicPr>
+          <p:cNvPr id="3" name="Graphic 2" descr="Lightning bolt with solid fill">
+            <a:extLst>
+              <a:ext uri="{FF2B5EF4-FFF2-40B4-BE49-F238E27FC236}">
+                <a16:creationId xmlns:a16="http://schemas.microsoft.com/office/drawing/2014/main" id="{C8450D8E-5339-4AB8-92D8-B1C50FF58787}"/>
+              </a:ext>
+            </a:extLst>
+          </p:cNvPr>
+          <p:cNvPicPr>
+            <a:picLocks noChangeAspect="1"/>
+          </p:cNvPicPr>
+          <p:nvPr/>
+        </p:nvPicPr>
+        <p:blipFill>
+          <a:blip r:embed="rId3">
+            <a:extLst>
+              <a:ext uri="{28A0092B-C50C-407E-A947-70E740481C1C}">
+                <a14:useLocalDpi xmlns:a14="http://schemas.microsoft.com/office/drawing/2010/main" val="0"/>
+              </a:ext>
+              <a:ext uri="{96DAC541-7B7A-43D3-8B79-37D633B846F1}">
+                <asvg:svgBlip xmlns:asvg="http://schemas.microsoft.com/office/drawing/2016/SVG/main" r:embed="rId4"/>
+              </a:ext>
+            </a:extLst>
+          </a:blip>
+          <a:stretch>
+            <a:fillRect/>
+          </a:stretch>
+        </p:blipFill>
+        <p:spPr>
+          <a:xfrm>
+            <a:off x="7833360" y="3716337"/>
+            <a:ext cx="914400" cy="914400"/>
+          </a:xfrm>
+          <a:prstGeom prst="rect">
+            <a:avLst/>
+          </a:prstGeom>
+        </p:spPr>
+      </p:pic>
+      <p:pic>
+        <p:nvPicPr>
+          <p:cNvPr id="8" name="Graphic 7" descr="Badge Follow with solid fill">
+            <a:extLst>
+              <a:ext uri="{FF2B5EF4-FFF2-40B4-BE49-F238E27FC236}">
+                <a16:creationId xmlns:a16="http://schemas.microsoft.com/office/drawing/2014/main" id="{C9DBFFF4-1628-4654-8CEF-D567E7C3C4B1}"/>
+              </a:ext>
+            </a:extLst>
+          </p:cNvPr>
+          <p:cNvPicPr>
+            <a:picLocks noChangeAspect="1"/>
+          </p:cNvPicPr>
+          <p:nvPr/>
+        </p:nvPicPr>
+        <p:blipFill>
+          <a:blip r:embed="rId5" cstate="print">
+            <a:extLst>
+              <a:ext uri="{28A0092B-C50C-407E-A947-70E740481C1C}">
+                <a14:useLocalDpi xmlns:a14="http://schemas.microsoft.com/office/drawing/2010/main" val="0"/>
+              </a:ext>
+              <a:ext uri="{96DAC541-7B7A-43D3-8B79-37D633B846F1}">
+                <asvg:svgBlip xmlns:asvg="http://schemas.microsoft.com/office/drawing/2016/SVG/main" r:embed="rId6"/>
+              </a:ext>
+            </a:extLst>
+          </a:blip>
+          <a:stretch>
+            <a:fillRect/>
+          </a:stretch>
+        </p:blipFill>
+        <p:spPr>
+          <a:xfrm>
+            <a:off x="2390310" y="2820759"/>
+            <a:ext cx="360000" cy="360000"/>
+          </a:xfrm>
+          <a:prstGeom prst="rect">
+            <a:avLst/>
+          </a:prstGeom>
+        </p:spPr>
+      </p:pic>
+      <p:pic>
+        <p:nvPicPr>
+          <p:cNvPr id="12" name="Graphic 11" descr="Forbidden with solid fill">
+            <a:extLst>
+              <a:ext uri="{FF2B5EF4-FFF2-40B4-BE49-F238E27FC236}">
+                <a16:creationId xmlns:a16="http://schemas.microsoft.com/office/drawing/2014/main" id="{5D930E14-899A-44F9-B223-B98AAAADA54E}"/>
+              </a:ext>
+            </a:extLst>
+          </p:cNvPr>
+          <p:cNvPicPr>
+            <a:picLocks noChangeAspect="1"/>
+          </p:cNvPicPr>
+          <p:nvPr/>
+        </p:nvPicPr>
+        <p:blipFill>
+          <a:blip r:embed="rId7" cstate="print">
+            <a:extLst>
+              <a:ext uri="{28A0092B-C50C-407E-A947-70E740481C1C}">
+                <a14:useLocalDpi xmlns:a14="http://schemas.microsoft.com/office/drawing/2010/main" val="0"/>
+              </a:ext>
+              <a:ext uri="{96DAC541-7B7A-43D3-8B79-37D633B846F1}">
+                <asvg:svgBlip xmlns:asvg="http://schemas.microsoft.com/office/drawing/2016/SVG/main" r:embed="rId8"/>
+              </a:ext>
+            </a:extLst>
+          </a:blip>
+          <a:stretch>
+            <a:fillRect/>
+          </a:stretch>
+        </p:blipFill>
+        <p:spPr>
+          <a:xfrm>
+            <a:off x="2390310" y="3488707"/>
+            <a:ext cx="360000" cy="360000"/>
+          </a:xfrm>
+          <a:prstGeom prst="rect">
+            <a:avLst/>
+          </a:prstGeom>
+        </p:spPr>
+      </p:pic>
+      <p:pic>
+        <p:nvPicPr>
+          <p:cNvPr id="36" name="Graphic 35" descr="Badge Follow with solid fill">
+            <a:extLst>
+              <a:ext uri="{FF2B5EF4-FFF2-40B4-BE49-F238E27FC236}">
+                <a16:creationId xmlns:a16="http://schemas.microsoft.com/office/drawing/2014/main" id="{C2FD5166-81F6-4822-89EF-CB4CEEDA4DC7}"/>
+              </a:ext>
+            </a:extLst>
+          </p:cNvPr>
+          <p:cNvPicPr>
+            <a:picLocks noChangeAspect="1"/>
+          </p:cNvPicPr>
+          <p:nvPr/>
+        </p:nvPicPr>
+        <p:blipFill>
+          <a:blip r:embed="rId5" cstate="print">
+            <a:extLst>
+              <a:ext uri="{28A0092B-C50C-407E-A947-70E740481C1C}">
+                <a14:useLocalDpi xmlns:a14="http://schemas.microsoft.com/office/drawing/2010/main" val="0"/>
+              </a:ext>
+              <a:ext uri="{96DAC541-7B7A-43D3-8B79-37D633B846F1}">
+                <asvg:svgBlip xmlns:asvg="http://schemas.microsoft.com/office/drawing/2016/SVG/main" r:embed="rId6"/>
+              </a:ext>
+            </a:extLst>
+          </a:blip>
+          <a:stretch>
+            <a:fillRect/>
+          </a:stretch>
+        </p:blipFill>
+        <p:spPr>
+          <a:xfrm>
+            <a:off x="2388276" y="3167746"/>
+            <a:ext cx="360000" cy="360000"/>
+          </a:xfrm>
+          <a:prstGeom prst="rect">
+            <a:avLst/>
+          </a:prstGeom>
+        </p:spPr>
+      </p:pic>
+      <p:pic>
+        <p:nvPicPr>
+          <p:cNvPr id="39" name="Graphic 38" descr="Forbidden with solid fill">
+            <a:extLst>
+              <a:ext uri="{FF2B5EF4-FFF2-40B4-BE49-F238E27FC236}">
+                <a16:creationId xmlns:a16="http://schemas.microsoft.com/office/drawing/2014/main" id="{8064103C-9EE5-44FF-BB93-1E2746454D2B}"/>
+              </a:ext>
+            </a:extLst>
+          </p:cNvPr>
+          <p:cNvPicPr>
+            <a:picLocks noChangeAspect="1"/>
+          </p:cNvPicPr>
+          <p:nvPr/>
+        </p:nvPicPr>
+        <p:blipFill>
+          <a:blip r:embed="rId7" cstate="print">
+            <a:extLst>
+              <a:ext uri="{28A0092B-C50C-407E-A947-70E740481C1C}">
+                <a14:useLocalDpi xmlns:a14="http://schemas.microsoft.com/office/drawing/2010/main" val="0"/>
+              </a:ext>
+              <a:ext uri="{96DAC541-7B7A-43D3-8B79-37D633B846F1}">
+                <asvg:svgBlip xmlns:asvg="http://schemas.microsoft.com/office/drawing/2016/SVG/main" r:embed="rId8"/>
+              </a:ext>
+            </a:extLst>
+          </a:blip>
+          <a:stretch>
+            <a:fillRect/>
+          </a:stretch>
+        </p:blipFill>
+        <p:spPr>
+          <a:xfrm>
+            <a:off x="2390310" y="3822681"/>
+            <a:ext cx="360000" cy="360000"/>
+          </a:xfrm>
+          <a:prstGeom prst="rect">
+            <a:avLst/>
+          </a:prstGeom>
+        </p:spPr>
+      </p:pic>
+      <p:pic>
+        <p:nvPicPr>
+          <p:cNvPr id="40" name="Graphic 39" descr="Badge Follow with solid fill">
+            <a:extLst>
+              <a:ext uri="{FF2B5EF4-FFF2-40B4-BE49-F238E27FC236}">
+                <a16:creationId xmlns:a16="http://schemas.microsoft.com/office/drawing/2014/main" id="{6EA0442F-5687-42F1-9875-C54976E9AC16}"/>
+              </a:ext>
+            </a:extLst>
+          </p:cNvPr>
+          <p:cNvPicPr>
+            <a:picLocks noChangeAspect="1"/>
+          </p:cNvPicPr>
+          <p:nvPr/>
+        </p:nvPicPr>
+        <p:blipFill>
+          <a:blip r:embed="rId5" cstate="print">
+            <a:extLst>
+              <a:ext uri="{28A0092B-C50C-407E-A947-70E740481C1C}">
+                <a14:useLocalDpi xmlns:a14="http://schemas.microsoft.com/office/drawing/2010/main" val="0"/>
+              </a:ext>
+              <a:ext uri="{96DAC541-7B7A-43D3-8B79-37D633B846F1}">
+                <asvg:svgBlip xmlns:asvg="http://schemas.microsoft.com/office/drawing/2016/SVG/main" r:embed="rId6"/>
+              </a:ext>
+            </a:extLst>
+          </a:blip>
+          <a:stretch>
+            <a:fillRect/>
+          </a:stretch>
+        </p:blipFill>
+        <p:spPr>
+          <a:xfrm>
+            <a:off x="2388276" y="4574621"/>
+            <a:ext cx="360000" cy="360000"/>
+          </a:xfrm>
+          <a:prstGeom prst="rect">
+            <a:avLst/>
+          </a:prstGeom>
+        </p:spPr>
+      </p:pic>
+      <p:pic>
+        <p:nvPicPr>
+          <p:cNvPr id="41" name="Graphic 40" descr="Forbidden with solid fill">
+            <a:extLst>
+              <a:ext uri="{FF2B5EF4-FFF2-40B4-BE49-F238E27FC236}">
+                <a16:creationId xmlns:a16="http://schemas.microsoft.com/office/drawing/2014/main" id="{B0D81DE2-7789-4C92-8056-017763A70FFA}"/>
+              </a:ext>
+            </a:extLst>
+          </p:cNvPr>
+          <p:cNvPicPr>
+            <a:picLocks noChangeAspect="1"/>
+          </p:cNvPicPr>
+          <p:nvPr/>
+        </p:nvPicPr>
+        <p:blipFill>
+          <a:blip r:embed="rId7" cstate="print">
+            <a:extLst>
+              <a:ext uri="{28A0092B-C50C-407E-A947-70E740481C1C}">
+                <a14:useLocalDpi xmlns:a14="http://schemas.microsoft.com/office/drawing/2010/main" val="0"/>
+              </a:ext>
+              <a:ext uri="{96DAC541-7B7A-43D3-8B79-37D633B846F1}">
+                <asvg:svgBlip xmlns:asvg="http://schemas.microsoft.com/office/drawing/2016/SVG/main" r:embed="rId8"/>
+              </a:ext>
+            </a:extLst>
+          </a:blip>
+          <a:stretch>
+            <a:fillRect/>
+          </a:stretch>
+        </p:blipFill>
+        <p:spPr>
+          <a:xfrm>
+            <a:off x="2388276" y="5242569"/>
+            <a:ext cx="360000" cy="360000"/>
+          </a:xfrm>
+          <a:prstGeom prst="rect">
+            <a:avLst/>
+          </a:prstGeom>
+        </p:spPr>
+      </p:pic>
+      <p:pic>
+        <p:nvPicPr>
+          <p:cNvPr id="42" name="Graphic 41" descr="Badge Follow with solid fill">
+            <a:extLst>
+              <a:ext uri="{FF2B5EF4-FFF2-40B4-BE49-F238E27FC236}">
+                <a16:creationId xmlns:a16="http://schemas.microsoft.com/office/drawing/2014/main" id="{43320A35-5283-41C3-B9A6-4DBF53EE60E0}"/>
+              </a:ext>
+            </a:extLst>
+          </p:cNvPr>
+          <p:cNvPicPr>
+            <a:picLocks noChangeAspect="1"/>
+          </p:cNvPicPr>
+          <p:nvPr/>
+        </p:nvPicPr>
+        <p:blipFill>
+          <a:blip r:embed="rId5" cstate="print">
+            <a:extLst>
+              <a:ext uri="{28A0092B-C50C-407E-A947-70E740481C1C}">
+                <a14:useLocalDpi xmlns:a14="http://schemas.microsoft.com/office/drawing/2010/main" val="0"/>
+              </a:ext>
+              <a:ext uri="{96DAC541-7B7A-43D3-8B79-37D633B846F1}">
+                <asvg:svgBlip xmlns:asvg="http://schemas.microsoft.com/office/drawing/2016/SVG/main" r:embed="rId6"/>
+              </a:ext>
+            </a:extLst>
+          </a:blip>
+          <a:stretch>
+            <a:fillRect/>
+          </a:stretch>
+        </p:blipFill>
+        <p:spPr>
+          <a:xfrm>
+            <a:off x="2388276" y="4908595"/>
+            <a:ext cx="360000" cy="360000"/>
+          </a:xfrm>
+          <a:prstGeom prst="rect">
+            <a:avLst/>
+          </a:prstGeom>
+        </p:spPr>
+      </p:pic>
+      <p:pic>
+        <p:nvPicPr>
+          <p:cNvPr id="43" name="Graphic 42" descr="Forbidden with solid fill">
+            <a:extLst>
+              <a:ext uri="{FF2B5EF4-FFF2-40B4-BE49-F238E27FC236}">
+                <a16:creationId xmlns:a16="http://schemas.microsoft.com/office/drawing/2014/main" id="{083D364B-93F0-4060-B750-FBE1E71DAC76}"/>
+              </a:ext>
+            </a:extLst>
+          </p:cNvPr>
+          <p:cNvPicPr>
+            <a:picLocks noChangeAspect="1"/>
+          </p:cNvPicPr>
+          <p:nvPr/>
+        </p:nvPicPr>
+        <p:blipFill>
+          <a:blip r:embed="rId7" cstate="print">
+            <a:extLst>
+              <a:ext uri="{28A0092B-C50C-407E-A947-70E740481C1C}">
+                <a14:useLocalDpi xmlns:a14="http://schemas.microsoft.com/office/drawing/2010/main" val="0"/>
+              </a:ext>
+              <a:ext uri="{96DAC541-7B7A-43D3-8B79-37D633B846F1}">
+                <asvg:svgBlip xmlns:asvg="http://schemas.microsoft.com/office/drawing/2016/SVG/main" r:embed="rId8"/>
+              </a:ext>
+            </a:extLst>
+          </a:blip>
+          <a:stretch>
+            <a:fillRect/>
+          </a:stretch>
+        </p:blipFill>
+        <p:spPr>
+          <a:xfrm>
+            <a:off x="2388276" y="5576543"/>
+            <a:ext cx="360000" cy="360000"/>
+          </a:xfrm>
+          <a:prstGeom prst="rect">
+            <a:avLst/>
+          </a:prstGeom>
+        </p:spPr>
+      </p:pic>
+    </p:spTree>
+    <p:extLst>
+      <p:ext uri="{BB962C8B-B14F-4D97-AF65-F5344CB8AC3E}">
+        <p14:creationId xmlns:p14="http://schemas.microsoft.com/office/powerpoint/2010/main" val="3235775798"/>
+      </p:ext>
+    </p:extLst>
+  </p:cSld>
+  <p:clrMapOvr>
+    <a:masterClrMapping/>
+  </p:clrMapOvr>
+</p:sld>
+</file>
+
+<file path=ppt/slides/slide15.xml><?xml version="1.0" encoding="utf-8"?>
+<p:sld xmlns:a="http://schemas.openxmlformats.org/drawingml/2006/main" xmlns:r="http://schemas.openxmlformats.org/officeDocument/2006/relationships" xmlns:p="http://schemas.openxmlformats.org/presentationml/2006/main">
+  <p:cSld>
+    <p:spTree>
+      <p:nvGrpSpPr>
+        <p:cNvPr id="1" name=""/>
+        <p:cNvGrpSpPr/>
+        <p:nvPr/>
+      </p:nvGrpSpPr>
+      <p:grpSpPr>
+        <a:xfrm>
+          <a:off x="0" y="0"/>
+          <a:ext cx="0" cy="0"/>
+          <a:chOff x="0" y="0"/>
+          <a:chExt cx="0" cy="0"/>
+        </a:xfrm>
+      </p:grpSpPr>
+      <p:sp>
+        <p:nvSpPr>
+          <p:cNvPr id="2" name="Titel 1"/>
+          <p:cNvSpPr>
+            <a:spLocks noGrp="1"/>
+          </p:cNvSpPr>
+          <p:nvPr>
+            <p:ph type="title"/>
+          </p:nvPr>
+        </p:nvSpPr>
+        <p:spPr>
+          <a:xfrm>
+            <a:off x="1066800" y="1990724"/>
+            <a:ext cx="10280650" cy="2886075"/>
+          </a:xfrm>
+        </p:spPr>
+        <p:txBody>
+          <a:bodyPr/>
+          <a:lstStyle/>
+          <a:p>
+            <a:r>
+              <a:rPr lang="en-GB" b="1">
+                <a:effectLst>
+                  <a:outerShdw blurRad="38100" dist="38100" dir="2700000" algn="tl">
+                    <a:srgbClr val="000000">
+                      <a:alpha val="43137"/>
+                    </a:srgbClr>
+                  </a:outerShdw>
+                </a:effectLst>
+              </a:rPr>
+              <a:t>Part II-3: Sentiment Analysis</a:t>
+            </a:r>
+            <a:endParaRPr lang="en-US" b="1">
+              <a:effectLst>
+                <a:outerShdw blurRad="38100" dist="38100" dir="2700000" algn="tl">
+                  <a:srgbClr val="000000">
+                    <a:alpha val="43137"/>
+                  </a:srgbClr>
+                </a:outerShdw>
+              </a:effectLst>
+            </a:endParaRPr>
+          </a:p>
+        </p:txBody>
+      </p:sp>
+      <p:sp>
+        <p:nvSpPr>
+          <p:cNvPr id="3" name="Textplatzhalter 2"/>
+          <p:cNvSpPr>
+            <a:spLocks noGrp="1"/>
+          </p:cNvSpPr>
+          <p:nvPr>
+            <p:ph type="body" idx="1"/>
+          </p:nvPr>
+        </p:nvSpPr>
+        <p:spPr>
+          <a:xfrm>
+            <a:off x="1066798" y="4876799"/>
+            <a:ext cx="10280651" cy="1212851"/>
+          </a:xfrm>
+        </p:spPr>
+        <p:txBody>
+          <a:bodyPr/>
+          <a:lstStyle/>
+          <a:p>
+            <a:r>
+              <a:rPr lang="en-US" b="1">
+                <a:effectLst>
+                  <a:outerShdw blurRad="38100" dist="38100" dir="2700000" algn="tl">
+                    <a:srgbClr val="000000">
+                      <a:alpha val="43137"/>
+                    </a:srgbClr>
+                  </a:outerShdw>
+                </a:effectLst>
+              </a:rPr>
+              <a:t>Feature Collection</a:t>
+            </a:r>
+          </a:p>
+        </p:txBody>
+      </p:sp>
+      <p:sp>
+        <p:nvSpPr>
+          <p:cNvPr id="4" name="Foliennummernplatzhalter 3"/>
+          <p:cNvSpPr>
+            <a:spLocks noGrp="1"/>
+          </p:cNvSpPr>
+          <p:nvPr>
+            <p:ph type="sldNum" sz="quarter" idx="12"/>
+          </p:nvPr>
+        </p:nvSpPr>
+        <p:spPr/>
+        <p:txBody>
+          <a:bodyPr/>
+          <a:lstStyle/>
+          <a:p>
+            <a:fld id="{C9E0B00B-E6DF-4183-A694-3DE28BEFB357}" type="slidenum">
+              <a:rPr lang="en-US" smtClean="0"/>
+              <a:t>15</a:t>
+            </a:fld>
+            <a:endParaRPr lang="en-US"/>
+          </a:p>
+        </p:txBody>
+      </p:sp>
+    </p:spTree>
+    <p:extLst>
+      <p:ext uri="{BB962C8B-B14F-4D97-AF65-F5344CB8AC3E}">
+        <p14:creationId xmlns:p14="http://schemas.microsoft.com/office/powerpoint/2010/main" val="1178518354"/>
+      </p:ext>
+    </p:extLst>
+  </p:cSld>
+  <p:clrMapOvr>
+    <a:masterClrMapping/>
+  </p:clrMapOvr>
+</p:sld>
+</file>
+
+<file path=ppt/slides/slide16.xml><?xml version="1.0" encoding="utf-8"?>
+<p:sld xmlns:a="http://schemas.openxmlformats.org/drawingml/2006/main" xmlns:r="http://schemas.openxmlformats.org/officeDocument/2006/relationships" xmlns:p="http://schemas.openxmlformats.org/presentationml/2006/main">
+  <p:cSld>
+    <p:spTree>
+      <p:nvGrpSpPr>
+        <p:cNvPr id="1" name=""/>
+        <p:cNvGrpSpPr/>
+        <p:nvPr/>
+      </p:nvGrpSpPr>
+      <p:grpSpPr>
+        <a:xfrm>
+          <a:off x="0" y="0"/>
+          <a:ext cx="0" cy="0"/>
+          <a:chOff x="0" y="0"/>
+          <a:chExt cx="0" cy="0"/>
+        </a:xfrm>
+      </p:grpSpPr>
+      <p:sp>
+        <p:nvSpPr>
+          <p:cNvPr id="4" name="Foliennummernplatzhalter 3"/>
+          <p:cNvSpPr>
+            <a:spLocks noGrp="1"/>
+          </p:cNvSpPr>
+          <p:nvPr>
+            <p:ph type="sldNum" sz="quarter" idx="12"/>
+          </p:nvPr>
+        </p:nvSpPr>
+        <p:spPr/>
+        <p:txBody>
+          <a:bodyPr/>
+          <a:lstStyle/>
+          <a:p>
+            <a:fld id="{C9E0B00B-E6DF-4183-A694-3DE28BEFB357}" type="slidenum">
+              <a:rPr lang="en-US" smtClean="0"/>
+              <a:t>16</a:t>
+            </a:fld>
+            <a:endParaRPr lang="en-US"/>
+          </a:p>
+        </p:txBody>
+      </p:sp>
+      <p:sp>
+        <p:nvSpPr>
+          <p:cNvPr id="9" name="Titel 1">
+            <a:extLst>
+              <a:ext uri="{FF2B5EF4-FFF2-40B4-BE49-F238E27FC236}">
+                <a16:creationId xmlns:a16="http://schemas.microsoft.com/office/drawing/2014/main" id="{7807725C-718A-4D77-AD01-05225CF68388}"/>
+              </a:ext>
+            </a:extLst>
+          </p:cNvPr>
+          <p:cNvSpPr>
+            <a:spLocks noGrp="1"/>
+          </p:cNvSpPr>
+          <p:nvPr>
+            <p:ph type="title"/>
+          </p:nvPr>
+        </p:nvSpPr>
+        <p:spPr>
+          <a:xfrm>
+            <a:off x="1066800" y="561524"/>
+            <a:ext cx="10287000" cy="1129164"/>
+          </a:xfrm>
+        </p:spPr>
+        <p:txBody>
+          <a:bodyPr/>
+          <a:lstStyle/>
+          <a:p>
+            <a:r>
+              <a:rPr lang="en-US"/>
               <a:t>Feature Collection  </a:t>
             </a:r>
             <a:r>
@@ -5055,10 +7748,10 @@
       </p:sp>
       <p:grpSp>
         <p:nvGrpSpPr>
-          <p:cNvPr id="2" name="Group 1">
+          <p:cNvPr id="3" name="Group 2">
             <a:extLst>
               <a:ext uri="{FF2B5EF4-FFF2-40B4-BE49-F238E27FC236}">
-                <a16:creationId xmlns:a16="http://schemas.microsoft.com/office/drawing/2014/main" id="{D9842F89-D227-4815-B644-6CE8C6ED301F}"/>
+                <a16:creationId xmlns:a16="http://schemas.microsoft.com/office/drawing/2014/main" id="{DB55DD79-D548-4341-A41F-E4BAC63991B5}"/>
               </a:ext>
             </a:extLst>
           </p:cNvPr>
@@ -8462,7 +11155,7 @@
 </p:sld>
 </file>
 
-<file path=ppt/slides/slide13.xml><?xml version="1.0" encoding="utf-8"?>
+<file path=ppt/slides/slide17.xml><?xml version="1.0" encoding="utf-8"?>
 <p:sld xmlns:a="http://schemas.openxmlformats.org/drawingml/2006/main" xmlns:r="http://schemas.openxmlformats.org/officeDocument/2006/relationships" xmlns:p="http://schemas.openxmlformats.org/presentationml/2006/main">
   <p:cSld>
     <p:spTree>
@@ -8496,7 +11189,7 @@
           <a:p>
             <a:fld id="{C9E0B00B-E6DF-4183-A694-3DE28BEFB357}" type="slidenum">
               <a:rPr lang="en-US" smtClean="0"/>
-              <a:t>13</a:t>
+              <a:t>17</a:t>
             </a:fld>
             <a:endParaRPr lang="en-US"/>
           </a:p>
@@ -9819,7 +12512,7 @@
 </p:sld>
 </file>
 
-<file path=ppt/slides/slide14.xml><?xml version="1.0" encoding="utf-8"?>
+<file path=ppt/slides/slide18.xml><?xml version="1.0" encoding="utf-8"?>
 <p:sld xmlns:a="http://schemas.openxmlformats.org/drawingml/2006/main" xmlns:r="http://schemas.openxmlformats.org/officeDocument/2006/relationships" xmlns:p="http://schemas.openxmlformats.org/presentationml/2006/main">
   <p:cSld>
     <p:spTree>
@@ -9932,7 +12625,7 @@
           <a:p>
             <a:fld id="{C9E0B00B-E6DF-4183-A694-3DE28BEFB357}" type="slidenum">
               <a:rPr lang="en-US" smtClean="0"/>
-              <a:t>14</a:t>
+              <a:t>18</a:t>
             </a:fld>
             <a:endParaRPr lang="en-US"/>
           </a:p>
@@ -9951,7 +12644,7 @@
 </p:sld>
 </file>
 
-<file path=ppt/slides/slide15.xml><?xml version="1.0" encoding="utf-8"?>
+<file path=ppt/slides/slide19.xml><?xml version="1.0" encoding="utf-8"?>
 <p:sld xmlns:a="http://schemas.openxmlformats.org/drawingml/2006/main" xmlns:r="http://schemas.openxmlformats.org/officeDocument/2006/relationships" xmlns:p="http://schemas.openxmlformats.org/presentationml/2006/main">
   <p:cSld>
     <p:spTree>
@@ -10064,7 +12757,7 @@
           <a:p>
             <a:fld id="{C9E0B00B-E6DF-4183-A694-3DE28BEFB357}" type="slidenum">
               <a:rPr lang="en-US" smtClean="0"/>
-              <a:t>15</a:t>
+              <a:t>19</a:t>
             </a:fld>
             <a:endParaRPr lang="en-US"/>
           </a:p>
@@ -10074,345 +12767,6 @@
     <p:extLst>
       <p:ext uri="{BB962C8B-B14F-4D97-AF65-F5344CB8AC3E}">
         <p14:creationId xmlns:p14="http://schemas.microsoft.com/office/powerpoint/2010/main" val="3533798371"/>
-      </p:ext>
-    </p:extLst>
-  </p:cSld>
-  <p:clrMapOvr>
-    <a:masterClrMapping/>
-  </p:clrMapOvr>
-</p:sld>
-</file>
-
-<file path=ppt/slides/slide16.xml><?xml version="1.0" encoding="utf-8"?>
-<p:sld xmlns:a="http://schemas.openxmlformats.org/drawingml/2006/main" xmlns:r="http://schemas.openxmlformats.org/officeDocument/2006/relationships" xmlns:p="http://schemas.openxmlformats.org/presentationml/2006/main">
-  <p:cSld>
-    <p:spTree>
-      <p:nvGrpSpPr>
-        <p:cNvPr id="1" name=""/>
-        <p:cNvGrpSpPr/>
-        <p:nvPr/>
-      </p:nvGrpSpPr>
-      <p:grpSpPr>
-        <a:xfrm>
-          <a:off x="0" y="0"/>
-          <a:ext cx="0" cy="0"/>
-          <a:chOff x="0" y="0"/>
-          <a:chExt cx="0" cy="0"/>
-        </a:xfrm>
-      </p:grpSpPr>
-      <p:sp>
-        <p:nvSpPr>
-          <p:cNvPr id="2" name="Titel 1"/>
-          <p:cNvSpPr>
-            <a:spLocks noGrp="1"/>
-          </p:cNvSpPr>
-          <p:nvPr>
-            <p:ph type="title"/>
-          </p:nvPr>
-        </p:nvSpPr>
-        <p:spPr>
-          <a:xfrm>
-            <a:off x="1066800" y="1990724"/>
-            <a:ext cx="10280650" cy="2886075"/>
-          </a:xfrm>
-        </p:spPr>
-        <p:txBody>
-          <a:bodyPr/>
-          <a:lstStyle/>
-          <a:p>
-            <a:r>
-              <a:rPr lang="en-GB" b="1">
-                <a:effectLst>
-                  <a:outerShdw blurRad="38100" dist="38100" dir="2700000" algn="tl">
-                    <a:srgbClr val="000000">
-                      <a:alpha val="43137"/>
-                    </a:srgbClr>
-                  </a:outerShdw>
-                </a:effectLst>
-              </a:rPr>
-              <a:t>Part II-3: Sentiment Analysis</a:t>
-            </a:r>
-            <a:endParaRPr lang="en-US" b="1">
-              <a:effectLst>
-                <a:outerShdw blurRad="38100" dist="38100" dir="2700000" algn="tl">
-                  <a:srgbClr val="000000">
-                    <a:alpha val="43137"/>
-                  </a:srgbClr>
-                </a:outerShdw>
-              </a:effectLst>
-            </a:endParaRPr>
-          </a:p>
-        </p:txBody>
-      </p:sp>
-      <p:sp>
-        <p:nvSpPr>
-          <p:cNvPr id="3" name="Textplatzhalter 2"/>
-          <p:cNvSpPr>
-            <a:spLocks noGrp="1"/>
-          </p:cNvSpPr>
-          <p:nvPr>
-            <p:ph type="body" idx="1"/>
-          </p:nvPr>
-        </p:nvSpPr>
-        <p:spPr>
-          <a:xfrm>
-            <a:off x="1066798" y="4876799"/>
-            <a:ext cx="10280651" cy="1212851"/>
-          </a:xfrm>
-        </p:spPr>
-        <p:txBody>
-          <a:bodyPr/>
-          <a:lstStyle/>
-          <a:p>
-            <a:r>
-              <a:rPr lang="en-US" b="1">
-                <a:effectLst>
-                  <a:outerShdw blurRad="38100" dist="38100" dir="2700000" algn="tl">
-                    <a:srgbClr val="000000">
-                      <a:alpha val="43137"/>
-                    </a:srgbClr>
-                  </a:outerShdw>
-                </a:effectLst>
-              </a:rPr>
-              <a:t>Literature and References</a:t>
-            </a:r>
-          </a:p>
-        </p:txBody>
-      </p:sp>
-      <p:sp>
-        <p:nvSpPr>
-          <p:cNvPr id="4" name="Foliennummernplatzhalter 3"/>
-          <p:cNvSpPr>
-            <a:spLocks noGrp="1"/>
-          </p:cNvSpPr>
-          <p:nvPr>
-            <p:ph type="sldNum" sz="quarter" idx="12"/>
-          </p:nvPr>
-        </p:nvSpPr>
-        <p:spPr/>
-        <p:txBody>
-          <a:bodyPr/>
-          <a:lstStyle/>
-          <a:p>
-            <a:fld id="{C9E0B00B-E6DF-4183-A694-3DE28BEFB357}" type="slidenum">
-              <a:rPr lang="en-US" smtClean="0"/>
-              <a:t>16</a:t>
-            </a:fld>
-            <a:endParaRPr lang="en-US"/>
-          </a:p>
-        </p:txBody>
-      </p:sp>
-    </p:spTree>
-    <p:extLst>
-      <p:ext uri="{BB962C8B-B14F-4D97-AF65-F5344CB8AC3E}">
-        <p14:creationId xmlns:p14="http://schemas.microsoft.com/office/powerpoint/2010/main" val="3564882128"/>
-      </p:ext>
-    </p:extLst>
-  </p:cSld>
-  <p:clrMapOvr>
-    <a:masterClrMapping/>
-  </p:clrMapOvr>
-</p:sld>
-</file>
-
-<file path=ppt/slides/slide17.xml><?xml version="1.0" encoding="utf-8"?>
-<p:sld xmlns:a="http://schemas.openxmlformats.org/drawingml/2006/main" xmlns:r="http://schemas.openxmlformats.org/officeDocument/2006/relationships" xmlns:p="http://schemas.openxmlformats.org/presentationml/2006/main">
-  <p:cSld>
-    <p:spTree>
-      <p:nvGrpSpPr>
-        <p:cNvPr id="1" name=""/>
-        <p:cNvGrpSpPr/>
-        <p:nvPr/>
-      </p:nvGrpSpPr>
-      <p:grpSpPr>
-        <a:xfrm>
-          <a:off x="0" y="0"/>
-          <a:ext cx="0" cy="0"/>
-          <a:chOff x="0" y="0"/>
-          <a:chExt cx="0" cy="0"/>
-        </a:xfrm>
-      </p:grpSpPr>
-      <p:sp>
-        <p:nvSpPr>
-          <p:cNvPr id="3" name="Content Placeholder 2">
-            <a:extLst>
-              <a:ext uri="{FF2B5EF4-FFF2-40B4-BE49-F238E27FC236}">
-                <a16:creationId xmlns:a16="http://schemas.microsoft.com/office/drawing/2014/main" id="{FA1390B1-7E9D-43A0-87DA-DCA86641596C}"/>
-              </a:ext>
-            </a:extLst>
-          </p:cNvPr>
-          <p:cNvSpPr>
-            <a:spLocks noGrp="1"/>
-          </p:cNvSpPr>
-          <p:nvPr>
-            <p:ph idx="1"/>
-          </p:nvPr>
-        </p:nvSpPr>
-        <p:spPr>
-          <a:xfrm>
-            <a:off x="1066800" y="548640"/>
-            <a:ext cx="10287000" cy="5628323"/>
-          </a:xfrm>
-        </p:spPr>
-        <p:txBody>
-          <a:bodyPr>
-            <a:normAutofit/>
-          </a:bodyPr>
-          <a:lstStyle/>
-          <a:p>
-            <a:pPr marL="0" indent="0">
-              <a:buNone/>
-            </a:pPr>
-            <a:r>
-              <a:rPr lang="en-US" sz="2000"/>
-              <a:t>Eisenstein, J. (2019): Introduction to Natural Language Processing, MIT Press.</a:t>
-            </a:r>
-          </a:p>
-          <a:p>
-            <a:pPr marL="0" indent="0">
-              <a:buNone/>
-            </a:pPr>
-            <a:r>
-              <a:rPr lang="en-US" sz="2000"/>
-              <a:t>Liddy, E.D. (2001): Natural Language Processing, </a:t>
-            </a:r>
-            <a:r>
-              <a:rPr lang="en-US" sz="2000" i="1"/>
-              <a:t>in</a:t>
-            </a:r>
-            <a:r>
-              <a:rPr lang="en-US" sz="2000"/>
-              <a:t>: Encyclopedia of Library and Information Science, 2</a:t>
-            </a:r>
-            <a:r>
-              <a:rPr lang="en-US" sz="2000" baseline="30000"/>
-              <a:t>nd</a:t>
-            </a:r>
-            <a:r>
-              <a:rPr lang="en-US" sz="2000"/>
-              <a:t> ed., NY. Marcel Decker, Inc.</a:t>
-            </a:r>
-          </a:p>
-          <a:p>
-            <a:pPr marL="0" indent="0">
-              <a:buNone/>
-            </a:pPr>
-            <a:r>
-              <a:rPr lang="en-US" sz="2000"/>
-              <a:t>Nadkarni, P. M., Ohno-Machado, L., and Chapman W. (2011): Natural Language Processing: An Introduction. </a:t>
-            </a:r>
-            <a:r>
-              <a:rPr lang="en-US" sz="2000" i="1"/>
-              <a:t>Journal of the American Medical Informatics Association</a:t>
-            </a:r>
-            <a:r>
-              <a:rPr lang="en-US" sz="2000"/>
-              <a:t> </a:t>
-            </a:r>
-            <a:r>
-              <a:rPr lang="en-US" sz="2000" i="1"/>
-              <a:t>18(5)</a:t>
-            </a:r>
-            <a:r>
-              <a:rPr lang="en-US" sz="2000"/>
-              <a:t>, 544–551, https://doi.org/10.1136/amiajnl-2011-000464. </a:t>
-            </a:r>
-          </a:p>
-          <a:p>
-            <a:pPr marL="0" indent="0">
-              <a:buNone/>
-            </a:pPr>
-            <a:r>
-              <a:rPr lang="en-US" sz="2000"/>
-              <a:t>Vayansky, I., and Kumar S.A.P. (2020): A Review of Ttopic Modeling Methods. </a:t>
-            </a:r>
-            <a:r>
-              <a:rPr lang="en-US" sz="2000" i="1"/>
-              <a:t>Information Systems</a:t>
-            </a:r>
-            <a:r>
-              <a:rPr lang="en-US" sz="2000"/>
-              <a:t>, doi: https://doi.org/10.1016/j.is.2020.101582.</a:t>
-            </a:r>
-          </a:p>
-          <a:p>
-            <a:pPr marL="0" indent="0">
-              <a:buNone/>
-            </a:pPr>
-            <a:r>
-              <a:rPr lang="en-US" sz="2000"/>
-              <a:t>Benoit, K., Watanabe, K., Wang, H., Nulty, P., Obeng, A., Müller, S., and Matsuo, A. (2018): quanteda: An R package for the Quantitative Analysis of Textual Data. </a:t>
-            </a:r>
-            <a:r>
-              <a:rPr lang="en-US" sz="2000" i="1"/>
-              <a:t>Journal of Open Source Software</a:t>
-            </a:r>
-            <a:r>
-              <a:rPr lang="en-US" sz="2000"/>
-              <a:t> </a:t>
-            </a:r>
-            <a:r>
-              <a:rPr lang="en-US" sz="2000" i="1"/>
-              <a:t>3(30)</a:t>
-            </a:r>
-            <a:r>
-              <a:rPr lang="en-US" sz="2000"/>
-              <a:t>, 774,  https://doi.org/10.21105/joss.00774.</a:t>
-            </a:r>
-          </a:p>
-          <a:p>
-            <a:pPr marL="0" indent="0">
-              <a:buNone/>
-            </a:pPr>
-            <a:endParaRPr lang="en-US" sz="2000"/>
-          </a:p>
-          <a:p>
-            <a:pPr marL="0" indent="0">
-              <a:buNone/>
-            </a:pPr>
-            <a:endParaRPr lang="en-US" sz="2000"/>
-          </a:p>
-          <a:p>
-            <a:pPr marL="0" indent="0">
-              <a:buNone/>
-            </a:pPr>
-            <a:endParaRPr lang="en-US" sz="2000"/>
-          </a:p>
-        </p:txBody>
-      </p:sp>
-      <p:sp>
-        <p:nvSpPr>
-          <p:cNvPr id="4" name="Slide Number Placeholder 3">
-            <a:extLst>
-              <a:ext uri="{FF2B5EF4-FFF2-40B4-BE49-F238E27FC236}">
-                <a16:creationId xmlns:a16="http://schemas.microsoft.com/office/drawing/2014/main" id="{50955CD9-AF86-42B8-87B9-3C611402B212}"/>
-              </a:ext>
-            </a:extLst>
-          </p:cNvPr>
-          <p:cNvSpPr>
-            <a:spLocks noGrp="1"/>
-          </p:cNvSpPr>
-          <p:nvPr>
-            <p:ph type="sldNum" sz="quarter" idx="12"/>
-          </p:nvPr>
-        </p:nvSpPr>
-        <p:spPr/>
-        <p:txBody>
-          <a:bodyPr/>
-          <a:lstStyle/>
-          <a:p>
-            <a:fld id="{C9E0B00B-E6DF-4183-A694-3DE28BEFB357}" type="slidenum">
-              <a:rPr lang="en-US" smtClean="0"/>
-              <a:t>17</a:t>
-            </a:fld>
-            <a:endParaRPr lang="en-US"/>
-          </a:p>
-        </p:txBody>
-      </p:sp>
-    </p:spTree>
-    <p:extLst>
-      <p:ext uri="{BB962C8B-B14F-4D97-AF65-F5344CB8AC3E}">
-        <p14:creationId xmlns:p14="http://schemas.microsoft.com/office/powerpoint/2010/main" val="2130856695"/>
       </p:ext>
     </p:extLst>
   </p:cSld>
@@ -10610,6 +12964,288 @@
     <p:extLst>
       <p:ext uri="{BB962C8B-B14F-4D97-AF65-F5344CB8AC3E}">
         <p14:creationId xmlns:p14="http://schemas.microsoft.com/office/powerpoint/2010/main" val="2992156361"/>
+      </p:ext>
+    </p:extLst>
+  </p:cSld>
+  <p:clrMapOvr>
+    <a:masterClrMapping/>
+  </p:clrMapOvr>
+</p:sld>
+</file>
+
+<file path=ppt/slides/slide20.xml><?xml version="1.0" encoding="utf-8"?>
+<p:sld xmlns:a="http://schemas.openxmlformats.org/drawingml/2006/main" xmlns:r="http://schemas.openxmlformats.org/officeDocument/2006/relationships" xmlns:p="http://schemas.openxmlformats.org/presentationml/2006/main">
+  <p:cSld>
+    <p:spTree>
+      <p:nvGrpSpPr>
+        <p:cNvPr id="1" name=""/>
+        <p:cNvGrpSpPr/>
+        <p:nvPr/>
+      </p:nvGrpSpPr>
+      <p:grpSpPr>
+        <a:xfrm>
+          <a:off x="0" y="0"/>
+          <a:ext cx="0" cy="0"/>
+          <a:chOff x="0" y="0"/>
+          <a:chExt cx="0" cy="0"/>
+        </a:xfrm>
+      </p:grpSpPr>
+      <p:sp>
+        <p:nvSpPr>
+          <p:cNvPr id="2" name="Titel 1"/>
+          <p:cNvSpPr>
+            <a:spLocks noGrp="1"/>
+          </p:cNvSpPr>
+          <p:nvPr>
+            <p:ph type="title"/>
+          </p:nvPr>
+        </p:nvSpPr>
+        <p:spPr>
+          <a:xfrm>
+            <a:off x="1066800" y="1990724"/>
+            <a:ext cx="10280650" cy="2886075"/>
+          </a:xfrm>
+        </p:spPr>
+        <p:txBody>
+          <a:bodyPr/>
+          <a:lstStyle/>
+          <a:p>
+            <a:r>
+              <a:rPr lang="en-GB" b="1">
+                <a:effectLst>
+                  <a:outerShdw blurRad="38100" dist="38100" dir="2700000" algn="tl">
+                    <a:srgbClr val="000000">
+                      <a:alpha val="43137"/>
+                    </a:srgbClr>
+                  </a:outerShdw>
+                </a:effectLst>
+              </a:rPr>
+              <a:t>Part II-3: Sentiment Analysis</a:t>
+            </a:r>
+            <a:endParaRPr lang="en-US" b="1">
+              <a:effectLst>
+                <a:outerShdw blurRad="38100" dist="38100" dir="2700000" algn="tl">
+                  <a:srgbClr val="000000">
+                    <a:alpha val="43137"/>
+                  </a:srgbClr>
+                </a:outerShdw>
+              </a:effectLst>
+            </a:endParaRPr>
+          </a:p>
+        </p:txBody>
+      </p:sp>
+      <p:sp>
+        <p:nvSpPr>
+          <p:cNvPr id="3" name="Textplatzhalter 2"/>
+          <p:cNvSpPr>
+            <a:spLocks noGrp="1"/>
+          </p:cNvSpPr>
+          <p:nvPr>
+            <p:ph type="body" idx="1"/>
+          </p:nvPr>
+        </p:nvSpPr>
+        <p:spPr>
+          <a:xfrm>
+            <a:off x="1066798" y="4876799"/>
+            <a:ext cx="10280651" cy="1212851"/>
+          </a:xfrm>
+        </p:spPr>
+        <p:txBody>
+          <a:bodyPr/>
+          <a:lstStyle/>
+          <a:p>
+            <a:r>
+              <a:rPr lang="en-US" b="1">
+                <a:effectLst>
+                  <a:outerShdw blurRad="38100" dist="38100" dir="2700000" algn="tl">
+                    <a:srgbClr val="000000">
+                      <a:alpha val="43137"/>
+                    </a:srgbClr>
+                  </a:outerShdw>
+                </a:effectLst>
+              </a:rPr>
+              <a:t>Literature and References</a:t>
+            </a:r>
+          </a:p>
+        </p:txBody>
+      </p:sp>
+      <p:sp>
+        <p:nvSpPr>
+          <p:cNvPr id="4" name="Foliennummernplatzhalter 3"/>
+          <p:cNvSpPr>
+            <a:spLocks noGrp="1"/>
+          </p:cNvSpPr>
+          <p:nvPr>
+            <p:ph type="sldNum" sz="quarter" idx="12"/>
+          </p:nvPr>
+        </p:nvSpPr>
+        <p:spPr/>
+        <p:txBody>
+          <a:bodyPr/>
+          <a:lstStyle/>
+          <a:p>
+            <a:fld id="{C9E0B00B-E6DF-4183-A694-3DE28BEFB357}" type="slidenum">
+              <a:rPr lang="en-US" smtClean="0"/>
+              <a:t>20</a:t>
+            </a:fld>
+            <a:endParaRPr lang="en-US"/>
+          </a:p>
+        </p:txBody>
+      </p:sp>
+    </p:spTree>
+    <p:extLst>
+      <p:ext uri="{BB962C8B-B14F-4D97-AF65-F5344CB8AC3E}">
+        <p14:creationId xmlns:p14="http://schemas.microsoft.com/office/powerpoint/2010/main" val="3564882128"/>
+      </p:ext>
+    </p:extLst>
+  </p:cSld>
+  <p:clrMapOvr>
+    <a:masterClrMapping/>
+  </p:clrMapOvr>
+</p:sld>
+</file>
+
+<file path=ppt/slides/slide21.xml><?xml version="1.0" encoding="utf-8"?>
+<p:sld xmlns:a="http://schemas.openxmlformats.org/drawingml/2006/main" xmlns:r="http://schemas.openxmlformats.org/officeDocument/2006/relationships" xmlns:p="http://schemas.openxmlformats.org/presentationml/2006/main">
+  <p:cSld>
+    <p:spTree>
+      <p:nvGrpSpPr>
+        <p:cNvPr id="1" name=""/>
+        <p:cNvGrpSpPr/>
+        <p:nvPr/>
+      </p:nvGrpSpPr>
+      <p:grpSpPr>
+        <a:xfrm>
+          <a:off x="0" y="0"/>
+          <a:ext cx="0" cy="0"/>
+          <a:chOff x="0" y="0"/>
+          <a:chExt cx="0" cy="0"/>
+        </a:xfrm>
+      </p:grpSpPr>
+      <p:sp>
+        <p:nvSpPr>
+          <p:cNvPr id="3" name="Content Placeholder 2">
+            <a:extLst>
+              <a:ext uri="{FF2B5EF4-FFF2-40B4-BE49-F238E27FC236}">
+                <a16:creationId xmlns:a16="http://schemas.microsoft.com/office/drawing/2014/main" id="{FA1390B1-7E9D-43A0-87DA-DCA86641596C}"/>
+              </a:ext>
+            </a:extLst>
+          </p:cNvPr>
+          <p:cNvSpPr>
+            <a:spLocks noGrp="1"/>
+          </p:cNvSpPr>
+          <p:nvPr>
+            <p:ph idx="1"/>
+          </p:nvPr>
+        </p:nvSpPr>
+        <p:spPr>
+          <a:xfrm>
+            <a:off x="1066800" y="548640"/>
+            <a:ext cx="10287000" cy="5628323"/>
+          </a:xfrm>
+        </p:spPr>
+        <p:txBody>
+          <a:bodyPr>
+            <a:normAutofit/>
+          </a:bodyPr>
+          <a:lstStyle/>
+          <a:p>
+            <a:pPr marL="0" indent="0">
+              <a:buNone/>
+            </a:pPr>
+            <a:r>
+              <a:rPr lang="en-US" sz="2000"/>
+              <a:t>Miner, G., Elder IV, J., Fast, A., Hill, T., Nisbet, R. and Delen, D. (2012): Practical Text Mining and Statistical Analysis for Non-Structured Text Data Applications, Academic Press. </a:t>
+            </a:r>
+          </a:p>
+          <a:p>
+            <a:pPr marL="0" indent="0">
+              <a:buNone/>
+            </a:pPr>
+            <a:r>
+              <a:rPr lang="en-US" sz="2000"/>
+              <a:t>Pennington, J., Socher, R., and Manning, C. (2014): GloVe. Global Vectors for Word Representation. </a:t>
+            </a:r>
+            <a:r>
+              <a:rPr lang="en-US" sz="2000" i="1"/>
+              <a:t>Proceedings of the 2014 Conference on Empirical Methods in Natural Language Processing (EMNLP)</a:t>
+            </a:r>
+            <a:r>
+              <a:rPr lang="en-US" sz="2000"/>
+              <a:t>, pp. 1532–1543.</a:t>
+            </a:r>
+          </a:p>
+          <a:p>
+            <a:pPr marL="0" indent="0">
+              <a:buNone/>
+            </a:pPr>
+            <a:r>
+              <a:rPr lang="en-US" sz="2000"/>
+              <a:t>Pennington, J., Socher, R., and Manning, C. (2014): Pre-trained word vectors. https://nlp.stanford.edu/projects/glove.</a:t>
+            </a:r>
+          </a:p>
+          <a:p>
+            <a:pPr marL="0" indent="0">
+              <a:buNone/>
+            </a:pPr>
+            <a:r>
+              <a:rPr lang="en-US" sz="2000"/>
+              <a:t>Sarkar, D. (2016): Text Analytics with Python. A Practitioner's Guide to Natural Language Processing, Apress.</a:t>
+            </a:r>
+          </a:p>
+          <a:p>
+            <a:pPr marL="0" indent="0">
+              <a:buNone/>
+            </a:pPr>
+            <a:endParaRPr lang="en-US" sz="2000"/>
+          </a:p>
+          <a:p>
+            <a:pPr marL="0" indent="0">
+              <a:buNone/>
+            </a:pPr>
+            <a:endParaRPr lang="en-US" sz="2000"/>
+          </a:p>
+          <a:p>
+            <a:pPr marL="0" indent="0">
+              <a:buNone/>
+            </a:pPr>
+            <a:endParaRPr lang="en-US" sz="2000"/>
+          </a:p>
+        </p:txBody>
+      </p:sp>
+      <p:sp>
+        <p:nvSpPr>
+          <p:cNvPr id="4" name="Slide Number Placeholder 3">
+            <a:extLst>
+              <a:ext uri="{FF2B5EF4-FFF2-40B4-BE49-F238E27FC236}">
+                <a16:creationId xmlns:a16="http://schemas.microsoft.com/office/drawing/2014/main" id="{50955CD9-AF86-42B8-87B9-3C611402B212}"/>
+              </a:ext>
+            </a:extLst>
+          </p:cNvPr>
+          <p:cNvSpPr>
+            <a:spLocks noGrp="1"/>
+          </p:cNvSpPr>
+          <p:nvPr>
+            <p:ph type="sldNum" sz="quarter" idx="12"/>
+          </p:nvPr>
+        </p:nvSpPr>
+        <p:spPr/>
+        <p:txBody>
+          <a:bodyPr/>
+          <a:lstStyle/>
+          <a:p>
+            <a:fld id="{C9E0B00B-E6DF-4183-A694-3DE28BEFB357}" type="slidenum">
+              <a:rPr lang="en-US" smtClean="0"/>
+              <a:t>21</a:t>
+            </a:fld>
+            <a:endParaRPr lang="en-US"/>
+          </a:p>
+        </p:txBody>
+      </p:sp>
+    </p:spTree>
+    <p:extLst>
+      <p:ext uri="{BB962C8B-B14F-4D97-AF65-F5344CB8AC3E}">
+        <p14:creationId xmlns:p14="http://schemas.microsoft.com/office/powerpoint/2010/main" val="2130856695"/>
       </p:ext>
     </p:extLst>
   </p:cSld>
@@ -13652,6 +16288,272 @@
           </a:p>
         </p:txBody>
       </p:sp>
+      <p:sp>
+        <p:nvSpPr>
+          <p:cNvPr id="10" name="Content Placeholder 2">
+            <a:extLst>
+              <a:ext uri="{FF2B5EF4-FFF2-40B4-BE49-F238E27FC236}">
+                <a16:creationId xmlns:a16="http://schemas.microsoft.com/office/drawing/2014/main" id="{67443131-1CA9-405F-8B23-66FD98AB33DC}"/>
+              </a:ext>
+            </a:extLst>
+          </p:cNvPr>
+          <p:cNvSpPr>
+            <a:spLocks noGrp="1"/>
+          </p:cNvSpPr>
+          <p:nvPr>
+            <p:ph idx="1"/>
+          </p:nvPr>
+        </p:nvSpPr>
+        <p:spPr>
+          <a:xfrm>
+            <a:off x="1066798" y="1990724"/>
+            <a:ext cx="10086977" cy="4867275"/>
+          </a:xfrm>
+        </p:spPr>
+        <p:txBody>
+          <a:bodyPr>
+            <a:normAutofit/>
+          </a:bodyPr>
+          <a:lstStyle/>
+          <a:p>
+            <a:r>
+              <a:rPr lang="de-DE"/>
+              <a:t>Word embeddings </a:t>
+            </a:r>
+            <a:r>
+              <a:rPr lang="de-DE" i="1"/>
+              <a:t>aka </a:t>
+            </a:r>
+            <a:r>
+              <a:rPr lang="de-DE"/>
+              <a:t>word vectors </a:t>
+            </a:r>
+            <a:r>
+              <a:rPr lang="de-DE" i="1"/>
+              <a:t>aka</a:t>
+            </a:r>
+            <a:r>
+              <a:rPr lang="de-DE"/>
+              <a:t> word representations</a:t>
+            </a:r>
+          </a:p>
+          <a:p>
+            <a:r>
+              <a:rPr lang="de-DE" b="1"/>
+              <a:t>Idea: </a:t>
+            </a:r>
+            <a:r>
+              <a:rPr lang="en-GB"/>
+              <a:t>model the semantic importance of a word in a numeric form</a:t>
+            </a:r>
+            <a:br>
+              <a:rPr lang="en-GB"/>
+            </a:br>
+            <a:br>
+              <a:rPr lang="en-GB"/>
+            </a:br>
+            <a:br>
+              <a:rPr lang="en-GB"/>
+            </a:br>
+            <a:r>
+              <a:rPr lang="en-GB"/>
+              <a:t> </a:t>
+            </a:r>
+          </a:p>
+          <a:p>
+            <a:r>
+              <a:rPr lang="en-GB"/>
+              <a:t>Unsupervised learning task</a:t>
+            </a:r>
+            <a:endParaRPr lang="de-DE"/>
+          </a:p>
+          <a:p>
+            <a:r>
+              <a:rPr lang="de-DE"/>
+              <a:t>Also achieved by BOW/TF-IDF, but: </a:t>
+            </a:r>
+            <a:r>
+              <a:rPr lang="de-DE" b="1"/>
+              <a:t>high dimensionality</a:t>
+            </a:r>
+          </a:p>
+          <a:p>
+            <a:r>
+              <a:rPr lang="de-DE" b="1"/>
+              <a:t>Goal: </a:t>
+            </a:r>
+            <a:r>
+              <a:rPr lang="de-DE"/>
+              <a:t>dense representation</a:t>
+            </a:r>
+            <a:endParaRPr lang="en-US" dirty="0"/>
+          </a:p>
+        </p:txBody>
+      </p:sp>
+      <p:sp>
+        <p:nvSpPr>
+          <p:cNvPr id="5" name="TextBox 4">
+            <a:extLst>
+              <a:ext uri="{FF2B5EF4-FFF2-40B4-BE49-F238E27FC236}">
+                <a16:creationId xmlns:a16="http://schemas.microsoft.com/office/drawing/2014/main" id="{041308FF-1418-4DFC-B73B-AC2DFEB1D7CD}"/>
+              </a:ext>
+            </a:extLst>
+          </p:cNvPr>
+          <p:cNvSpPr txBox="1"/>
+          <p:nvPr/>
+        </p:nvSpPr>
+        <p:spPr>
+          <a:xfrm>
+            <a:off x="2834640" y="3319537"/>
+            <a:ext cx="8519160" cy="461665"/>
+          </a:xfrm>
+          <a:prstGeom prst="rect">
+            <a:avLst/>
+          </a:prstGeom>
+          <a:noFill/>
+        </p:spPr>
+        <p:txBody>
+          <a:bodyPr wrap="square">
+            <a:spAutoFit/>
+          </a:bodyPr>
+          <a:lstStyle/>
+          <a:p>
+            <a:r>
+              <a:rPr lang="en-US" sz="2400" i="1"/>
+              <a:t>we wish to embed words into the continuous space of real numbers</a:t>
+            </a:r>
+          </a:p>
+        </p:txBody>
+      </p:sp>
+      <p:pic>
+        <p:nvPicPr>
+          <p:cNvPr id="6" name="Graphic 5" descr="Back with solid fill">
+            <a:extLst>
+              <a:ext uri="{FF2B5EF4-FFF2-40B4-BE49-F238E27FC236}">
+                <a16:creationId xmlns:a16="http://schemas.microsoft.com/office/drawing/2014/main" id="{DF7E8ADD-34C2-4EB5-869A-9750931B60A6}"/>
+              </a:ext>
+            </a:extLst>
+          </p:cNvPr>
+          <p:cNvPicPr>
+            <a:picLocks noChangeAspect="1"/>
+          </p:cNvPicPr>
+          <p:nvPr/>
+        </p:nvPicPr>
+        <p:blipFill>
+          <a:blip r:embed="rId3">
+            <a:extLst>
+              <a:ext uri="{28A0092B-C50C-407E-A947-70E740481C1C}">
+                <a14:useLocalDpi xmlns:a14="http://schemas.microsoft.com/office/drawing/2010/main" val="0"/>
+              </a:ext>
+              <a:ext uri="{96DAC541-7B7A-43D3-8B79-37D633B846F1}">
+                <asvg:svgBlip xmlns:asvg="http://schemas.microsoft.com/office/drawing/2016/SVG/main" r:embed="rId4"/>
+              </a:ext>
+            </a:extLst>
+          </a:blip>
+          <a:stretch>
+            <a:fillRect/>
+          </a:stretch>
+        </p:blipFill>
+        <p:spPr>
+          <a:xfrm flipH="1" flipV="1">
+            <a:off x="1691259" y="3077222"/>
+            <a:ext cx="757629" cy="946296"/>
+          </a:xfrm>
+          <a:prstGeom prst="rect">
+            <a:avLst/>
+          </a:prstGeom>
+        </p:spPr>
+      </p:pic>
+    </p:spTree>
+    <p:extLst>
+      <p:ext uri="{BB962C8B-B14F-4D97-AF65-F5344CB8AC3E}">
+        <p14:creationId xmlns:p14="http://schemas.microsoft.com/office/powerpoint/2010/main" val="3988050869"/>
+      </p:ext>
+    </p:extLst>
+  </p:cSld>
+  <p:clrMapOvr>
+    <a:masterClrMapping/>
+  </p:clrMapOvr>
+</p:sld>
+</file>
+
+<file path=ppt/slides/slide9.xml><?xml version="1.0" encoding="utf-8"?>
+<p:sld xmlns:a="http://schemas.openxmlformats.org/drawingml/2006/main" xmlns:r="http://schemas.openxmlformats.org/officeDocument/2006/relationships" xmlns:p="http://schemas.openxmlformats.org/presentationml/2006/main">
+  <p:cSld>
+    <p:spTree>
+      <p:nvGrpSpPr>
+        <p:cNvPr id="1" name=""/>
+        <p:cNvGrpSpPr/>
+        <p:nvPr/>
+      </p:nvGrpSpPr>
+      <p:grpSpPr>
+        <a:xfrm>
+          <a:off x="0" y="0"/>
+          <a:ext cx="0" cy="0"/>
+          <a:chOff x="0" y="0"/>
+          <a:chExt cx="0" cy="0"/>
+        </a:xfrm>
+      </p:grpSpPr>
+      <p:sp>
+        <p:nvSpPr>
+          <p:cNvPr id="4" name="Foliennummernplatzhalter 3"/>
+          <p:cNvSpPr>
+            <a:spLocks noGrp="1"/>
+          </p:cNvSpPr>
+          <p:nvPr>
+            <p:ph type="sldNum" sz="quarter" idx="12"/>
+          </p:nvPr>
+        </p:nvSpPr>
+        <p:spPr/>
+        <p:txBody>
+          <a:bodyPr/>
+          <a:lstStyle/>
+          <a:p>
+            <a:fld id="{C9E0B00B-E6DF-4183-A694-3DE28BEFB357}" type="slidenum">
+              <a:rPr lang="en-US" smtClean="0"/>
+              <a:t>9</a:t>
+            </a:fld>
+            <a:endParaRPr lang="en-US"/>
+          </a:p>
+        </p:txBody>
+      </p:sp>
+      <p:sp>
+        <p:nvSpPr>
+          <p:cNvPr id="9" name="Titel 1">
+            <a:extLst>
+              <a:ext uri="{FF2B5EF4-FFF2-40B4-BE49-F238E27FC236}">
+                <a16:creationId xmlns:a16="http://schemas.microsoft.com/office/drawing/2014/main" id="{7807725C-718A-4D77-AD01-05225CF68388}"/>
+              </a:ext>
+            </a:extLst>
+          </p:cNvPr>
+          <p:cNvSpPr>
+            <a:spLocks noGrp="1"/>
+          </p:cNvSpPr>
+          <p:nvPr>
+            <p:ph type="title"/>
+          </p:nvPr>
+        </p:nvSpPr>
+        <p:spPr>
+          <a:xfrm>
+            <a:off x="1066800" y="561524"/>
+            <a:ext cx="10287000" cy="1129164"/>
+          </a:xfrm>
+        </p:spPr>
+        <p:txBody>
+          <a:bodyPr/>
+          <a:lstStyle/>
+          <a:p>
+            <a:r>
+              <a:rPr lang="en-US"/>
+              <a:t>Word Embeddings  </a:t>
+            </a:r>
+            <a:r>
+              <a:rPr lang="en-US" b="1"/>
+              <a:t>Idea</a:t>
+            </a:r>
+          </a:p>
+        </p:txBody>
+      </p:sp>
       <mc:AlternateContent xmlns:mc="http://schemas.openxmlformats.org/markup-compatibility/2006">
         <mc:Choice xmlns:a14="http://schemas.microsoft.com/office/drawing/2010/main" Requires="a14">
           <p:sp>
@@ -13683,34 +16585,6 @@
               <a:lstStyle/>
               <a:p>
                 <a:r>
-                  <a:rPr lang="de-DE"/>
-                  <a:t>Idea of embeddings</a:t>
-                </a:r>
-                <a:r>
-                  <a:rPr lang="de-DE" b="1"/>
-                  <a:t>: </a:t>
-                </a:r>
-                <a:r>
-                  <a:rPr lang="en-GB"/>
-                  <a:t>model the </a:t>
-                </a:r>
-                <a:r>
-                  <a:rPr lang="en-GB" b="1"/>
-                  <a:t>semantic</a:t>
-                </a:r>
-                <a:r>
-                  <a:rPr lang="en-GB"/>
-                  <a:t> importance of a word in a numeric form </a:t>
-                </a:r>
-              </a:p>
-              <a:p>
-                <a:r>
-                  <a:rPr lang="en-GB"/>
-                  <a:t>Unsupervised learning approach</a:t>
-                </a:r>
-              </a:p>
-              <a:p>
-                <a:r>
                   <a:rPr lang="en-GB" b="1"/>
                   <a:t>Dimensionality reduction</a:t>
                 </a:r>
@@ -13719,8 +16593,12 @@
               <a:p>
                 <a:pPr lvl="1"/>
                 <a:r>
+                  <a:rPr lang="en-US"/>
+                  <a:t>Making </a:t>
+                </a:r>
+                <a:r>
                   <a:rPr lang="en-US" dirty="0"/>
-                  <a:t>Make use of the co-occurrence matrix </a:t>
+                  <a:t>use of the co-occurrence matrix </a:t>
                 </a:r>
               </a:p>
               <a:p>
@@ -13746,7 +16624,7 @@
                 </a:br>
                 <a:r>
                   <a:rPr lang="en-US"/>
-                  <a:t>same </a:t>
+                  <a:t>similar </a:t>
                 </a:r>
                 <a:r>
                   <a:rPr lang="en-US" dirty="0"/>
@@ -13756,20 +16634,33 @@
                   <a:rPr lang="en-US"/>
                   <a:t>vector space</a:t>
                 </a:r>
+                <a:br>
+                  <a:rPr lang="en-US"/>
+                </a:br>
+                <a:br>
+                  <a:rPr lang="en-US"/>
+                </a:br>
+                <a:br>
+                  <a:rPr lang="en-US"/>
+                </a:br>
                 <a:endParaRPr lang="en-US" dirty="0"/>
               </a:p>
               <a:p>
                 <a:r>
                   <a:rPr lang="en-GB"/>
-                  <a:t>Enable </a:t>
+                  <a:t>Enabling mathematical </a:t>
                 </a:r>
                 <a:r>
                   <a:rPr lang="en-GB" dirty="0"/>
-                  <a:t>performing mathematical operations on it:</a:t>
+                  <a:t>operations </a:t>
+                </a:r>
+                <a:r>
+                  <a:rPr lang="en-GB"/>
+                  <a:t>on the vocabulary:</a:t>
                 </a:r>
               </a:p>
               <a:p>
-                <a:pPr lvl="2"/>
+                <a:pPr lvl="1"/>
                 <a14:m>
                   <m:oMath xmlns:m="http://schemas.openxmlformats.org/officeDocument/2006/math">
                     <m:r>
@@ -13826,17 +16717,19 @@
                     </m:sSup>
                   </m:oMath>
                 </a14:m>
-                <a:endParaRPr lang="en-GB" dirty="0"/>
+                <a:endParaRPr lang="de-DE" b="0" i="1">
+                  <a:latin typeface="Cambria Math" panose="02040503050406030204" pitchFamily="18" charset="0"/>
+                </a:endParaRPr>
               </a:p>
               <a:p>
-                <a:pPr lvl="2"/>
+                <a:pPr lvl="1"/>
                 <a14:m>
                   <m:oMath xmlns:m="http://schemas.openxmlformats.org/officeDocument/2006/math">
                     <m:r>
                       <m:rPr>
                         <m:sty m:val="p"/>
                       </m:rPr>
-                      <a:rPr lang="el-GR" i="1">
+                      <a:rPr lang="el-GR" i="1" smtClean="0">
                         <a:latin typeface="Cambria Math" panose="02040503050406030204" pitchFamily="18" charset="0"/>
                       </a:rPr>
                       <m:t>ϕ</m:t>
@@ -14071,132 +16964,12 @@
           </p:sp>
         </mc:Fallback>
       </mc:AlternateContent>
-    </p:spTree>
-    <p:extLst>
-      <p:ext uri="{BB962C8B-B14F-4D97-AF65-F5344CB8AC3E}">
-        <p14:creationId xmlns:p14="http://schemas.microsoft.com/office/powerpoint/2010/main" val="3988050869"/>
-      </p:ext>
-    </p:extLst>
-  </p:cSld>
-  <p:clrMapOvr>
-    <a:masterClrMapping/>
-  </p:clrMapOvr>
-</p:sld>
-</file>
-
-<file path=ppt/slides/slide9.xml><?xml version="1.0" encoding="utf-8"?>
-<p:sld xmlns:a="http://schemas.openxmlformats.org/drawingml/2006/main" xmlns:r="http://schemas.openxmlformats.org/officeDocument/2006/relationships" xmlns:p="http://schemas.openxmlformats.org/presentationml/2006/main">
-  <p:cSld>
-    <p:spTree>
-      <p:nvGrpSpPr>
-        <p:cNvPr id="1" name=""/>
-        <p:cNvGrpSpPr/>
-        <p:nvPr/>
-      </p:nvGrpSpPr>
-      <p:grpSpPr>
-        <a:xfrm>
-          <a:off x="0" y="0"/>
-          <a:ext cx="0" cy="0"/>
-          <a:chOff x="0" y="0"/>
-          <a:chExt cx="0" cy="0"/>
-        </a:xfrm>
-      </p:grpSpPr>
-      <p:sp>
-        <p:nvSpPr>
-          <p:cNvPr id="4" name="Foliennummernplatzhalter 3"/>
-          <p:cNvSpPr>
-            <a:spLocks noGrp="1"/>
-          </p:cNvSpPr>
-          <p:nvPr>
-            <p:ph type="sldNum" sz="quarter" idx="12"/>
-          </p:nvPr>
-        </p:nvSpPr>
-        <p:spPr/>
-        <p:txBody>
-          <a:bodyPr/>
-          <a:lstStyle/>
-          <a:p>
-            <a:fld id="{C9E0B00B-E6DF-4183-A694-3DE28BEFB357}" type="slidenum">
-              <a:rPr lang="en-US" smtClean="0"/>
-              <a:t>9</a:t>
-            </a:fld>
-            <a:endParaRPr lang="en-US"/>
-          </a:p>
-        </p:txBody>
-      </p:sp>
-      <p:sp>
-        <p:nvSpPr>
-          <p:cNvPr id="9" name="Titel 1">
+      <p:sp>
+        <p:nvSpPr>
+          <p:cNvPr id="5" name="TextBox 4">
             <a:extLst>
               <a:ext uri="{FF2B5EF4-FFF2-40B4-BE49-F238E27FC236}">
-                <a16:creationId xmlns:a16="http://schemas.microsoft.com/office/drawing/2014/main" id="{7807725C-718A-4D77-AD01-05225CF68388}"/>
-              </a:ext>
-            </a:extLst>
-          </p:cNvPr>
-          <p:cNvSpPr>
-            <a:spLocks noGrp="1"/>
-          </p:cNvSpPr>
-          <p:nvPr>
-            <p:ph type="title"/>
-          </p:nvPr>
-        </p:nvSpPr>
-        <p:spPr>
-          <a:xfrm>
-            <a:off x="1066800" y="561524"/>
-            <a:ext cx="10287000" cy="1129164"/>
-          </a:xfrm>
-        </p:spPr>
-        <p:txBody>
-          <a:bodyPr/>
-          <a:lstStyle/>
-          <a:p>
-            <a:r>
-              <a:rPr lang="en-US"/>
-              <a:t>Word Embeddings  </a:t>
-            </a:r>
-            <a:r>
-              <a:rPr lang="en-US" b="1"/>
-              <a:t>Idea</a:t>
-            </a:r>
-          </a:p>
-        </p:txBody>
-      </p:sp>
-      <p:pic>
-        <p:nvPicPr>
-          <p:cNvPr id="6" name="Picture 5">
-            <a:extLst>
-              <a:ext uri="{FF2B5EF4-FFF2-40B4-BE49-F238E27FC236}">
-                <a16:creationId xmlns:a16="http://schemas.microsoft.com/office/drawing/2014/main" id="{3C3AD4D4-0ED2-43E7-B258-8F3069EB7DEF}"/>
-              </a:ext>
-            </a:extLst>
-          </p:cNvPr>
-          <p:cNvPicPr>
-            <a:picLocks noChangeAspect="1"/>
-          </p:cNvPicPr>
-          <p:nvPr/>
-        </p:nvPicPr>
-        <p:blipFill>
-          <a:blip r:embed="rId3"/>
-          <a:stretch>
-            <a:fillRect/>
-          </a:stretch>
-        </p:blipFill>
-        <p:spPr>
-          <a:xfrm>
-            <a:off x="1066800" y="1984248"/>
-            <a:ext cx="6970776" cy="4317855"/>
-          </a:xfrm>
-          <a:prstGeom prst="rect">
-            <a:avLst/>
-          </a:prstGeom>
-        </p:spPr>
-      </p:pic>
-      <p:sp>
-        <p:nvSpPr>
-          <p:cNvPr id="11" name="TextBox 10">
-            <a:extLst>
-              <a:ext uri="{FF2B5EF4-FFF2-40B4-BE49-F238E27FC236}">
-                <a16:creationId xmlns:a16="http://schemas.microsoft.com/office/drawing/2014/main" id="{B0DC3A70-F33A-4B6D-9BBE-78379EFFDB81}"/>
+                <a16:creationId xmlns:a16="http://schemas.microsoft.com/office/drawing/2014/main" id="{0035780C-35DD-4440-8F63-5DA698E12D57}"/>
               </a:ext>
             </a:extLst>
           </p:cNvPr>
@@ -14205,8 +16978,8 @@
         </p:nvSpPr>
         <p:spPr>
           <a:xfrm>
-            <a:off x="8404098" y="5681816"/>
-            <a:ext cx="2949702" cy="523220"/>
+            <a:off x="3438144" y="3792686"/>
+            <a:ext cx="8519160" cy="461665"/>
           </a:xfrm>
           <a:prstGeom prst="rect">
             <a:avLst/>
@@ -14220,16 +16993,55 @@
           <a:lstStyle/>
           <a:p>
             <a:r>
-              <a:rPr lang="en-US" sz="1400" i="1"/>
-              <a:t>https://www.shanelynn.ie/get-busy-with-word-embeddings-introduction/</a:t>
+              <a:rPr lang="en-US" sz="2400" i="1"/>
+              <a:t>characterize words by their surrounding context</a:t>
             </a:r>
           </a:p>
         </p:txBody>
       </p:sp>
+      <p:pic>
+        <p:nvPicPr>
+          <p:cNvPr id="6" name="Graphic 5" descr="Back with solid fill">
+            <a:extLst>
+              <a:ext uri="{FF2B5EF4-FFF2-40B4-BE49-F238E27FC236}">
+                <a16:creationId xmlns:a16="http://schemas.microsoft.com/office/drawing/2014/main" id="{CC4ADFA2-EA28-4E70-B3FA-B23198EE9D5D}"/>
+              </a:ext>
+            </a:extLst>
+          </p:cNvPr>
+          <p:cNvPicPr>
+            <a:picLocks noChangeAspect="1"/>
+          </p:cNvPicPr>
+          <p:nvPr/>
+        </p:nvPicPr>
+        <p:blipFill>
+          <a:blip r:embed="rId4">
+            <a:extLst>
+              <a:ext uri="{28A0092B-C50C-407E-A947-70E740481C1C}">
+                <a14:useLocalDpi xmlns:a14="http://schemas.microsoft.com/office/drawing/2010/main" val="0"/>
+              </a:ext>
+              <a:ext uri="{96DAC541-7B7A-43D3-8B79-37D633B846F1}">
+                <asvg:svgBlip xmlns:asvg="http://schemas.microsoft.com/office/drawing/2016/SVG/main" r:embed="rId5"/>
+              </a:ext>
+            </a:extLst>
+          </a:blip>
+          <a:stretch>
+            <a:fillRect/>
+          </a:stretch>
+        </p:blipFill>
+        <p:spPr>
+          <a:xfrm flipH="1" flipV="1">
+            <a:off x="2294763" y="3550371"/>
+            <a:ext cx="757629" cy="946296"/>
+          </a:xfrm>
+          <a:prstGeom prst="rect">
+            <a:avLst/>
+          </a:prstGeom>
+        </p:spPr>
+      </p:pic>
     </p:spTree>
     <p:extLst>
       <p:ext uri="{BB962C8B-B14F-4D97-AF65-F5344CB8AC3E}">
-        <p14:creationId xmlns:p14="http://schemas.microsoft.com/office/powerpoint/2010/main" val="3189015994"/>
+        <p14:creationId xmlns:p14="http://schemas.microsoft.com/office/powerpoint/2010/main" val="1489072646"/>
       </p:ext>
     </p:extLst>
   </p:cSld>

--- a/5_seminar/Contents_Part_02/slides/slides_II_3.pptx
+++ b/5_seminar/Contents_Part_02/slides/slides_II_3.pptx
@@ -228,7 +228,7 @@
           <a:p>
             <a:fld id="{7A5B87F2-13FD-4A24-9F19-39B31C60B536}" type="datetimeFigureOut">
               <a:rPr lang="en-US" smtClean="0"/>
-              <a:t>4/28/2021</a:t>
+              <a:t>5/1/2021</a:t>
             </a:fld>
             <a:endParaRPr lang="en-US"/>
           </a:p>
@@ -2181,7 +2181,7 @@
           <a:p>
             <a:fld id="{5A1811BA-6AD9-41A7-B7A2-456C8523519C}" type="datetime1">
               <a:rPr lang="en-US" smtClean="0"/>
-              <a:t>4/28/2021</a:t>
+              <a:t>5/1/2021</a:t>
             </a:fld>
             <a:endParaRPr lang="en-US"/>
           </a:p>
@@ -2351,7 +2351,7 @@
           <a:p>
             <a:fld id="{B0494441-C196-4BB0-93EE-AF22360207AB}" type="datetime1">
               <a:rPr lang="en-US" smtClean="0"/>
-              <a:t>4/28/2021</a:t>
+              <a:t>5/1/2021</a:t>
             </a:fld>
             <a:endParaRPr lang="en-US"/>
           </a:p>
@@ -2531,7 +2531,7 @@
           <a:p>
             <a:fld id="{D7B9282B-C3CE-4F56-8DD1-5349F982F1D2}" type="datetime1">
               <a:rPr lang="en-US" smtClean="0"/>
-              <a:t>4/28/2021</a:t>
+              <a:t>5/1/2021</a:t>
             </a:fld>
             <a:endParaRPr lang="en-US"/>
           </a:p>
@@ -2701,7 +2701,7 @@
           <a:p>
             <a:fld id="{E6E86D6A-786F-4E85-AF3B-385015383ABA}" type="datetime1">
               <a:rPr lang="en-US" smtClean="0"/>
-              <a:t>4/28/2021</a:t>
+              <a:t>5/1/2021</a:t>
             </a:fld>
             <a:endParaRPr lang="en-US"/>
           </a:p>
@@ -2947,7 +2947,7 @@
           <a:p>
             <a:fld id="{051FFEB0-9C80-4A34-A5C7-72D52D52FC7D}" type="datetime1">
               <a:rPr lang="en-US" smtClean="0"/>
-              <a:t>4/28/2021</a:t>
+              <a:t>5/1/2021</a:t>
             </a:fld>
             <a:endParaRPr lang="en-US"/>
           </a:p>
@@ -3179,7 +3179,7 @@
           <a:p>
             <a:fld id="{084267AD-C299-471B-ABA1-D0EA94C7EDCF}" type="datetime1">
               <a:rPr lang="en-US" smtClean="0"/>
-              <a:t>4/28/2021</a:t>
+              <a:t>5/1/2021</a:t>
             </a:fld>
             <a:endParaRPr lang="en-US"/>
           </a:p>
@@ -3546,7 +3546,7 @@
           <a:p>
             <a:fld id="{6468DBC7-10F8-46A1-8CE1-DBB0A6F0EF3E}" type="datetime1">
               <a:rPr lang="en-US" smtClean="0"/>
-              <a:t>4/28/2021</a:t>
+              <a:t>5/1/2021</a:t>
             </a:fld>
             <a:endParaRPr lang="en-US"/>
           </a:p>
@@ -3664,7 +3664,7 @@
           <a:p>
             <a:fld id="{0A97ED80-8DDA-43A7-A78F-B0542D691D0E}" type="datetime1">
               <a:rPr lang="en-US" smtClean="0"/>
-              <a:t>4/28/2021</a:t>
+              <a:t>5/1/2021</a:t>
             </a:fld>
             <a:endParaRPr lang="en-US"/>
           </a:p>
@@ -3759,7 +3759,7 @@
           <a:p>
             <a:fld id="{0AF827E6-45BA-40D2-98F2-BE4FFF095577}" type="datetime1">
               <a:rPr lang="en-US" smtClean="0"/>
-              <a:t>4/28/2021</a:t>
+              <a:t>5/1/2021</a:t>
             </a:fld>
             <a:endParaRPr lang="en-US"/>
           </a:p>
@@ -4036,7 +4036,7 @@
           <a:p>
             <a:fld id="{42BD114C-22EA-4B1A-A45B-ED6465C7BB4E}" type="datetime1">
               <a:rPr lang="en-US" smtClean="0"/>
-              <a:t>4/28/2021</a:t>
+              <a:t>5/1/2021</a:t>
             </a:fld>
             <a:endParaRPr lang="en-US"/>
           </a:p>
@@ -4289,7 +4289,7 @@
           <a:p>
             <a:fld id="{F46F8903-38BE-4FD8-98FC-E4EF771B2D8C}" type="datetime1">
               <a:rPr lang="en-US" smtClean="0"/>
-              <a:t>4/28/2021</a:t>
+              <a:t>5/1/2021</a:t>
             </a:fld>
             <a:endParaRPr lang="en-US"/>
           </a:p>
@@ -4502,7 +4502,7 @@
           <a:p>
             <a:fld id="{A91AC8C7-9CA9-4E83-8CE3-AD3BE4150B39}" type="datetime1">
               <a:rPr lang="en-US" smtClean="0"/>
-              <a:t>4/28/2021</a:t>
+              <a:t>5/1/2021</a:t>
             </a:fld>
             <a:endParaRPr lang="en-US"/>
           </a:p>
@@ -7738,6 +7738,14 @@
             <a:r>
               <a:rPr lang="en-US"/>
               <a:t>Feature Collection  </a:t>
+            </a:r>
+            <a:r>
+              <a:rPr lang="en-US" b="1"/>
+              <a:t>Recall:</a:t>
+            </a:r>
+            <a:r>
+              <a:rPr lang="en-US"/>
+              <a:t> </a:t>
             </a:r>
             <a:r>
               <a:rPr lang="en-US" b="1"/>
@@ -11227,6 +11235,14 @@
             </a:r>
             <a:r>
               <a:rPr lang="en-US" b="1"/>
+              <a:t>Recall:</a:t>
+            </a:r>
+            <a:r>
+              <a:rPr lang="en-US"/>
+              <a:t> </a:t>
+            </a:r>
+            <a:r>
+              <a:rPr lang="en-US" b="1"/>
               <a:t>Task Structure</a:t>
             </a:r>
           </a:p>
@@ -16554,8 +16570,8 @@
           </a:p>
         </p:txBody>
       </p:sp>
-      <mc:AlternateContent xmlns:mc="http://schemas.openxmlformats.org/markup-compatibility/2006">
-        <mc:Choice xmlns:a14="http://schemas.microsoft.com/office/drawing/2010/main" Requires="a14">
+      <mc:AlternateContent xmlns:mc="http://schemas.openxmlformats.org/markup-compatibility/2006" xmlns:a14="http://schemas.microsoft.com/office/drawing/2010/main">
+        <mc:Choice Requires="a14">
           <p:sp>
             <p:nvSpPr>
               <p:cNvPr id="10" name="Content Placeholder 2">
@@ -16920,7 +16936,7 @@
             </p:txBody>
           </p:sp>
         </mc:Choice>
-        <mc:Fallback>
+        <mc:Fallback xmlns="">
           <p:sp>
             <p:nvSpPr>
               <p:cNvPr id="10" name="Content Placeholder 2">

--- a/5_seminar/Contents_Part_02/slides/slides_II_3.pptx
+++ b/5_seminar/Contents_Part_02/slides/slides_II_3.pptx
@@ -5,7 +5,7 @@
     <p:sldMasterId id="2147483648" r:id="rId1"/>
   </p:sldMasterIdLst>
   <p:notesMasterIdLst>
-    <p:notesMasterId r:id="rId23"/>
+    <p:notesMasterId r:id="rId34"/>
   </p:notesMasterIdLst>
   <p:sldIdLst>
     <p:sldId id="303" r:id="rId2"/>
@@ -16,19 +16,30 @@
     <p:sldId id="351" r:id="rId7"/>
     <p:sldId id="352" r:id="rId8"/>
     <p:sldId id="353" r:id="rId9"/>
-    <p:sldId id="356" r:id="rId10"/>
+    <p:sldId id="361" r:id="rId10"/>
     <p:sldId id="354" r:id="rId11"/>
     <p:sldId id="355" r:id="rId12"/>
     <p:sldId id="357" r:id="rId13"/>
     <p:sldId id="358" r:id="rId14"/>
     <p:sldId id="359" r:id="rId15"/>
-    <p:sldId id="343" r:id="rId16"/>
-    <p:sldId id="347" r:id="rId17"/>
-    <p:sldId id="328" r:id="rId18"/>
-    <p:sldId id="345" r:id="rId19"/>
-    <p:sldId id="344" r:id="rId20"/>
-    <p:sldId id="346" r:id="rId21"/>
-    <p:sldId id="342" r:id="rId22"/>
+    <p:sldId id="369" r:id="rId16"/>
+    <p:sldId id="343" r:id="rId17"/>
+    <p:sldId id="347" r:id="rId18"/>
+    <p:sldId id="328" r:id="rId19"/>
+    <p:sldId id="362" r:id="rId20"/>
+    <p:sldId id="363" r:id="rId21"/>
+    <p:sldId id="364" r:id="rId22"/>
+    <p:sldId id="365" r:id="rId23"/>
+    <p:sldId id="366" r:id="rId24"/>
+    <p:sldId id="367" r:id="rId25"/>
+    <p:sldId id="311" r:id="rId26"/>
+    <p:sldId id="323" r:id="rId27"/>
+    <p:sldId id="370" r:id="rId28"/>
+    <p:sldId id="371" r:id="rId29"/>
+    <p:sldId id="372" r:id="rId30"/>
+    <p:sldId id="344" r:id="rId31"/>
+    <p:sldId id="346" r:id="rId32"/>
+    <p:sldId id="342" r:id="rId33"/>
   </p:sldIdLst>
   <p:sldSz cx="12192000" cy="6858000"/>
   <p:notesSz cx="6858000" cy="9144000"/>
@@ -956,7 +967,7 @@
               <a:tabLst/>
               <a:defRPr/>
             </a:pPr>
-            <a:endParaRPr lang="en-US"/>
+            <a:endParaRPr lang="en-US" b="1"/>
           </a:p>
         </p:txBody>
       </p:sp>
@@ -977,7 +988,7 @@
           <a:p>
             <a:fld id="{20A41429-B750-4047-B563-2878417A70E7}" type="slidenum">
               <a:rPr lang="en-US" smtClean="0"/>
-              <a:t>16</a:t>
+              <a:t>15</a:t>
             </a:fld>
             <a:endParaRPr lang="en-US"/>
           </a:p>
@@ -986,7 +997,7 @@
     </p:spTree>
     <p:extLst>
       <p:ext uri="{BB962C8B-B14F-4D97-AF65-F5344CB8AC3E}">
-        <p14:creationId xmlns:p14="http://schemas.microsoft.com/office/powerpoint/2010/main" val="3126241391"/>
+        <p14:creationId xmlns:p14="http://schemas.microsoft.com/office/powerpoint/2010/main" val="3326452592"/>
       </p:ext>
     </p:extLst>
   </p:cSld>
@@ -1087,7 +1098,512 @@
     </p:spTree>
     <p:extLst>
       <p:ext uri="{BB962C8B-B14F-4D97-AF65-F5344CB8AC3E}">
+        <p14:creationId xmlns:p14="http://schemas.microsoft.com/office/powerpoint/2010/main" val="3126241391"/>
+      </p:ext>
+    </p:extLst>
+  </p:cSld>
+  <p:clrMapOvr>
+    <a:masterClrMapping/>
+  </p:clrMapOvr>
+</p:notes>
+</file>
+
+<file path=ppt/notesSlides/notesSlide15.xml><?xml version="1.0" encoding="utf-8"?>
+<p:notes xmlns:a="http://schemas.openxmlformats.org/drawingml/2006/main" xmlns:r="http://schemas.openxmlformats.org/officeDocument/2006/relationships" xmlns:p="http://schemas.openxmlformats.org/presentationml/2006/main">
+  <p:cSld>
+    <p:spTree>
+      <p:nvGrpSpPr>
+        <p:cNvPr id="1" name=""/>
+        <p:cNvGrpSpPr/>
+        <p:nvPr/>
+      </p:nvGrpSpPr>
+      <p:grpSpPr>
+        <a:xfrm>
+          <a:off x="0" y="0"/>
+          <a:ext cx="0" cy="0"/>
+          <a:chOff x="0" y="0"/>
+          <a:chExt cx="0" cy="0"/>
+        </a:xfrm>
+      </p:grpSpPr>
+      <p:sp>
+        <p:nvSpPr>
+          <p:cNvPr id="2" name="Folienbildplatzhalter 1"/>
+          <p:cNvSpPr>
+            <a:spLocks noGrp="1" noRot="1" noChangeAspect="1"/>
+          </p:cNvSpPr>
+          <p:nvPr>
+            <p:ph type="sldImg"/>
+          </p:nvPr>
+        </p:nvSpPr>
+        <p:spPr/>
+      </p:sp>
+      <p:sp>
+        <p:nvSpPr>
+          <p:cNvPr id="3" name="Notizenplatzhalter 2"/>
+          <p:cNvSpPr>
+            <a:spLocks noGrp="1"/>
+          </p:cNvSpPr>
+          <p:nvPr>
+            <p:ph type="body" idx="1"/>
+          </p:nvPr>
+        </p:nvSpPr>
+        <p:spPr/>
+        <p:txBody>
+          <a:bodyPr/>
+          <a:lstStyle/>
+          <a:p>
+            <a:pPr marL="0" marR="0" lvl="0" indent="0" algn="l" defTabSz="914400" rtl="0" eaLnBrk="1" fontAlgn="auto" latinLnBrk="0" hangingPunct="1">
+              <a:lnSpc>
+                <a:spcPct val="100000"/>
+              </a:lnSpc>
+              <a:spcBef>
+                <a:spcPts val="0"/>
+              </a:spcBef>
+              <a:spcAft>
+                <a:spcPts val="0"/>
+              </a:spcAft>
+              <a:buClrTx/>
+              <a:buSzTx/>
+              <a:buFontTx/>
+              <a:buNone/>
+              <a:tabLst/>
+              <a:defRPr/>
+            </a:pPr>
+            <a:endParaRPr lang="en-US"/>
+          </a:p>
+        </p:txBody>
+      </p:sp>
+      <p:sp>
+        <p:nvSpPr>
+          <p:cNvPr id="4" name="Foliennummernplatzhalter 3"/>
+          <p:cNvSpPr>
+            <a:spLocks noGrp="1"/>
+          </p:cNvSpPr>
+          <p:nvPr>
+            <p:ph type="sldNum" sz="quarter" idx="10"/>
+          </p:nvPr>
+        </p:nvSpPr>
+        <p:spPr/>
+        <p:txBody>
+          <a:bodyPr/>
+          <a:lstStyle/>
+          <a:p>
+            <a:fld id="{20A41429-B750-4047-B563-2878417A70E7}" type="slidenum">
+              <a:rPr lang="en-US" smtClean="0"/>
+              <a:t>18</a:t>
+            </a:fld>
+            <a:endParaRPr lang="en-US"/>
+          </a:p>
+        </p:txBody>
+      </p:sp>
+    </p:spTree>
+    <p:extLst>
+      <p:ext uri="{BB962C8B-B14F-4D97-AF65-F5344CB8AC3E}">
         <p14:creationId xmlns:p14="http://schemas.microsoft.com/office/powerpoint/2010/main" val="3599135782"/>
+      </p:ext>
+    </p:extLst>
+  </p:cSld>
+  <p:clrMapOvr>
+    <a:masterClrMapping/>
+  </p:clrMapOvr>
+</p:notes>
+</file>
+
+<file path=ppt/notesSlides/notesSlide16.xml><?xml version="1.0" encoding="utf-8"?>
+<p:notes xmlns:a="http://schemas.openxmlformats.org/drawingml/2006/main" xmlns:r="http://schemas.openxmlformats.org/officeDocument/2006/relationships" xmlns:p="http://schemas.openxmlformats.org/presentationml/2006/main">
+  <p:cSld>
+    <p:spTree>
+      <p:nvGrpSpPr>
+        <p:cNvPr id="1" name=""/>
+        <p:cNvGrpSpPr/>
+        <p:nvPr/>
+      </p:nvGrpSpPr>
+      <p:grpSpPr>
+        <a:xfrm>
+          <a:off x="0" y="0"/>
+          <a:ext cx="0" cy="0"/>
+          <a:chOff x="0" y="0"/>
+          <a:chExt cx="0" cy="0"/>
+        </a:xfrm>
+      </p:grpSpPr>
+      <p:sp>
+        <p:nvSpPr>
+          <p:cNvPr id="2" name="Folienbildplatzhalter 1"/>
+          <p:cNvSpPr>
+            <a:spLocks noGrp="1" noRot="1" noChangeAspect="1"/>
+          </p:cNvSpPr>
+          <p:nvPr>
+            <p:ph type="sldImg"/>
+          </p:nvPr>
+        </p:nvSpPr>
+        <p:spPr/>
+      </p:sp>
+      <p:sp>
+        <p:nvSpPr>
+          <p:cNvPr id="3" name="Notizenplatzhalter 2"/>
+          <p:cNvSpPr>
+            <a:spLocks noGrp="1"/>
+          </p:cNvSpPr>
+          <p:nvPr>
+            <p:ph type="body" idx="1"/>
+          </p:nvPr>
+        </p:nvSpPr>
+        <p:spPr/>
+        <p:txBody>
+          <a:bodyPr/>
+          <a:lstStyle/>
+          <a:p>
+            <a:pPr marL="0" marR="0" lvl="0" indent="0" algn="l" defTabSz="914400" rtl="0" eaLnBrk="1" fontAlgn="auto" latinLnBrk="0" hangingPunct="1">
+              <a:lnSpc>
+                <a:spcPct val="100000"/>
+              </a:lnSpc>
+              <a:spcBef>
+                <a:spcPts val="0"/>
+              </a:spcBef>
+              <a:spcAft>
+                <a:spcPts val="0"/>
+              </a:spcAft>
+              <a:buClrTx/>
+              <a:buSzTx/>
+              <a:buFontTx/>
+              <a:buNone/>
+              <a:tabLst/>
+              <a:defRPr/>
+            </a:pPr>
+            <a:endParaRPr lang="en-US"/>
+          </a:p>
+        </p:txBody>
+      </p:sp>
+      <p:sp>
+        <p:nvSpPr>
+          <p:cNvPr id="4" name="Foliennummernplatzhalter 3"/>
+          <p:cNvSpPr>
+            <a:spLocks noGrp="1"/>
+          </p:cNvSpPr>
+          <p:nvPr>
+            <p:ph type="sldNum" sz="quarter" idx="10"/>
+          </p:nvPr>
+        </p:nvSpPr>
+        <p:spPr/>
+        <p:txBody>
+          <a:bodyPr/>
+          <a:lstStyle/>
+          <a:p>
+            <a:fld id="{20A41429-B750-4047-B563-2878417A70E7}" type="slidenum">
+              <a:rPr lang="en-US" smtClean="0"/>
+              <a:t>20</a:t>
+            </a:fld>
+            <a:endParaRPr lang="en-US"/>
+          </a:p>
+        </p:txBody>
+      </p:sp>
+    </p:spTree>
+    <p:extLst>
+      <p:ext uri="{BB962C8B-B14F-4D97-AF65-F5344CB8AC3E}">
+        <p14:creationId xmlns:p14="http://schemas.microsoft.com/office/powerpoint/2010/main" val="935250424"/>
+      </p:ext>
+    </p:extLst>
+  </p:cSld>
+  <p:clrMapOvr>
+    <a:masterClrMapping/>
+  </p:clrMapOvr>
+</p:notes>
+</file>
+
+<file path=ppt/notesSlides/notesSlide17.xml><?xml version="1.0" encoding="utf-8"?>
+<p:notes xmlns:a="http://schemas.openxmlformats.org/drawingml/2006/main" xmlns:r="http://schemas.openxmlformats.org/officeDocument/2006/relationships" xmlns:p="http://schemas.openxmlformats.org/presentationml/2006/main">
+  <p:cSld>
+    <p:spTree>
+      <p:nvGrpSpPr>
+        <p:cNvPr id="1" name=""/>
+        <p:cNvGrpSpPr/>
+        <p:nvPr/>
+      </p:nvGrpSpPr>
+      <p:grpSpPr>
+        <a:xfrm>
+          <a:off x="0" y="0"/>
+          <a:ext cx="0" cy="0"/>
+          <a:chOff x="0" y="0"/>
+          <a:chExt cx="0" cy="0"/>
+        </a:xfrm>
+      </p:grpSpPr>
+      <p:sp>
+        <p:nvSpPr>
+          <p:cNvPr id="2" name="Folienbildplatzhalter 1"/>
+          <p:cNvSpPr>
+            <a:spLocks noGrp="1" noRot="1" noChangeAspect="1"/>
+          </p:cNvSpPr>
+          <p:nvPr>
+            <p:ph type="sldImg"/>
+          </p:nvPr>
+        </p:nvSpPr>
+        <p:spPr/>
+      </p:sp>
+      <p:sp>
+        <p:nvSpPr>
+          <p:cNvPr id="3" name="Notizenplatzhalter 2"/>
+          <p:cNvSpPr>
+            <a:spLocks noGrp="1"/>
+          </p:cNvSpPr>
+          <p:nvPr>
+            <p:ph type="body" idx="1"/>
+          </p:nvPr>
+        </p:nvSpPr>
+        <p:spPr/>
+        <p:txBody>
+          <a:bodyPr/>
+          <a:lstStyle/>
+          <a:p>
+            <a:pPr marL="0" marR="0" lvl="0" indent="0" algn="l" defTabSz="914400" rtl="0" eaLnBrk="1" fontAlgn="auto" latinLnBrk="0" hangingPunct="1">
+              <a:lnSpc>
+                <a:spcPct val="100000"/>
+              </a:lnSpc>
+              <a:spcBef>
+                <a:spcPts val="0"/>
+              </a:spcBef>
+              <a:spcAft>
+                <a:spcPts val="0"/>
+              </a:spcAft>
+              <a:buClrTx/>
+              <a:buSzTx/>
+              <a:buFontTx/>
+              <a:buNone/>
+              <a:tabLst/>
+              <a:defRPr/>
+            </a:pPr>
+            <a:endParaRPr lang="en-US"/>
+          </a:p>
+        </p:txBody>
+      </p:sp>
+      <p:sp>
+        <p:nvSpPr>
+          <p:cNvPr id="4" name="Foliennummernplatzhalter 3"/>
+          <p:cNvSpPr>
+            <a:spLocks noGrp="1"/>
+          </p:cNvSpPr>
+          <p:nvPr>
+            <p:ph type="sldNum" sz="quarter" idx="10"/>
+          </p:nvPr>
+        </p:nvSpPr>
+        <p:spPr/>
+        <p:txBody>
+          <a:bodyPr/>
+          <a:lstStyle/>
+          <a:p>
+            <a:fld id="{20A41429-B750-4047-B563-2878417A70E7}" type="slidenum">
+              <a:rPr lang="en-US" smtClean="0"/>
+              <a:t>21</a:t>
+            </a:fld>
+            <a:endParaRPr lang="en-US"/>
+          </a:p>
+        </p:txBody>
+      </p:sp>
+    </p:spTree>
+    <p:extLst>
+      <p:ext uri="{BB962C8B-B14F-4D97-AF65-F5344CB8AC3E}">
+        <p14:creationId xmlns:p14="http://schemas.microsoft.com/office/powerpoint/2010/main" val="2792564268"/>
+      </p:ext>
+    </p:extLst>
+  </p:cSld>
+  <p:clrMapOvr>
+    <a:masterClrMapping/>
+  </p:clrMapOvr>
+</p:notes>
+</file>
+
+<file path=ppt/notesSlides/notesSlide18.xml><?xml version="1.0" encoding="utf-8"?>
+<p:notes xmlns:a="http://schemas.openxmlformats.org/drawingml/2006/main" xmlns:r="http://schemas.openxmlformats.org/officeDocument/2006/relationships" xmlns:p="http://schemas.openxmlformats.org/presentationml/2006/main">
+  <p:cSld>
+    <p:spTree>
+      <p:nvGrpSpPr>
+        <p:cNvPr id="1" name=""/>
+        <p:cNvGrpSpPr/>
+        <p:nvPr/>
+      </p:nvGrpSpPr>
+      <p:grpSpPr>
+        <a:xfrm>
+          <a:off x="0" y="0"/>
+          <a:ext cx="0" cy="0"/>
+          <a:chOff x="0" y="0"/>
+          <a:chExt cx="0" cy="0"/>
+        </a:xfrm>
+      </p:grpSpPr>
+      <p:sp>
+        <p:nvSpPr>
+          <p:cNvPr id="2" name="Folienbildplatzhalter 1"/>
+          <p:cNvSpPr>
+            <a:spLocks noGrp="1" noRot="1" noChangeAspect="1"/>
+          </p:cNvSpPr>
+          <p:nvPr>
+            <p:ph type="sldImg"/>
+          </p:nvPr>
+        </p:nvSpPr>
+        <p:spPr/>
+      </p:sp>
+      <p:sp>
+        <p:nvSpPr>
+          <p:cNvPr id="3" name="Notizenplatzhalter 2"/>
+          <p:cNvSpPr>
+            <a:spLocks noGrp="1"/>
+          </p:cNvSpPr>
+          <p:nvPr>
+            <p:ph type="body" idx="1"/>
+          </p:nvPr>
+        </p:nvSpPr>
+        <p:spPr/>
+        <p:txBody>
+          <a:bodyPr/>
+          <a:lstStyle/>
+          <a:p>
+            <a:pPr marL="0" marR="0" lvl="0" indent="0" algn="l" defTabSz="914400" rtl="0" eaLnBrk="1" fontAlgn="auto" latinLnBrk="0" hangingPunct="1">
+              <a:lnSpc>
+                <a:spcPct val="100000"/>
+              </a:lnSpc>
+              <a:spcBef>
+                <a:spcPts val="0"/>
+              </a:spcBef>
+              <a:spcAft>
+                <a:spcPts val="0"/>
+              </a:spcAft>
+              <a:buClrTx/>
+              <a:buSzTx/>
+              <a:buFontTx/>
+              <a:buNone/>
+              <a:tabLst/>
+              <a:defRPr/>
+            </a:pPr>
+            <a:endParaRPr lang="en-US"/>
+          </a:p>
+        </p:txBody>
+      </p:sp>
+      <p:sp>
+        <p:nvSpPr>
+          <p:cNvPr id="4" name="Foliennummernplatzhalter 3"/>
+          <p:cNvSpPr>
+            <a:spLocks noGrp="1"/>
+          </p:cNvSpPr>
+          <p:nvPr>
+            <p:ph type="sldNum" sz="quarter" idx="10"/>
+          </p:nvPr>
+        </p:nvSpPr>
+        <p:spPr/>
+        <p:txBody>
+          <a:bodyPr/>
+          <a:lstStyle/>
+          <a:p>
+            <a:fld id="{20A41429-B750-4047-B563-2878417A70E7}" type="slidenum">
+              <a:rPr lang="en-US" smtClean="0"/>
+              <a:t>22</a:t>
+            </a:fld>
+            <a:endParaRPr lang="en-US"/>
+          </a:p>
+        </p:txBody>
+      </p:sp>
+    </p:spTree>
+    <p:extLst>
+      <p:ext uri="{BB962C8B-B14F-4D97-AF65-F5344CB8AC3E}">
+        <p14:creationId xmlns:p14="http://schemas.microsoft.com/office/powerpoint/2010/main" val="472158684"/>
+      </p:ext>
+    </p:extLst>
+  </p:cSld>
+  <p:clrMapOvr>
+    <a:masterClrMapping/>
+  </p:clrMapOvr>
+</p:notes>
+</file>
+
+<file path=ppt/notesSlides/notesSlide19.xml><?xml version="1.0" encoding="utf-8"?>
+<p:notes xmlns:a="http://schemas.openxmlformats.org/drawingml/2006/main" xmlns:r="http://schemas.openxmlformats.org/officeDocument/2006/relationships" xmlns:p="http://schemas.openxmlformats.org/presentationml/2006/main">
+  <p:cSld>
+    <p:spTree>
+      <p:nvGrpSpPr>
+        <p:cNvPr id="1" name=""/>
+        <p:cNvGrpSpPr/>
+        <p:nvPr/>
+      </p:nvGrpSpPr>
+      <p:grpSpPr>
+        <a:xfrm>
+          <a:off x="0" y="0"/>
+          <a:ext cx="0" cy="0"/>
+          <a:chOff x="0" y="0"/>
+          <a:chExt cx="0" cy="0"/>
+        </a:xfrm>
+      </p:grpSpPr>
+      <p:sp>
+        <p:nvSpPr>
+          <p:cNvPr id="2" name="Folienbildplatzhalter 1"/>
+          <p:cNvSpPr>
+            <a:spLocks noGrp="1" noRot="1" noChangeAspect="1"/>
+          </p:cNvSpPr>
+          <p:nvPr>
+            <p:ph type="sldImg"/>
+          </p:nvPr>
+        </p:nvSpPr>
+        <p:spPr/>
+      </p:sp>
+      <p:sp>
+        <p:nvSpPr>
+          <p:cNvPr id="3" name="Notizenplatzhalter 2"/>
+          <p:cNvSpPr>
+            <a:spLocks noGrp="1"/>
+          </p:cNvSpPr>
+          <p:nvPr>
+            <p:ph type="body" idx="1"/>
+          </p:nvPr>
+        </p:nvSpPr>
+        <p:spPr/>
+        <p:txBody>
+          <a:bodyPr/>
+          <a:lstStyle/>
+          <a:p>
+            <a:pPr marL="0" marR="0" lvl="0" indent="0" algn="l" defTabSz="914400" rtl="0" eaLnBrk="1" fontAlgn="auto" latinLnBrk="0" hangingPunct="1">
+              <a:lnSpc>
+                <a:spcPct val="100000"/>
+              </a:lnSpc>
+              <a:spcBef>
+                <a:spcPts val="0"/>
+              </a:spcBef>
+              <a:spcAft>
+                <a:spcPts val="0"/>
+              </a:spcAft>
+              <a:buClrTx/>
+              <a:buSzTx/>
+              <a:buFontTx/>
+              <a:buNone/>
+              <a:tabLst/>
+              <a:defRPr/>
+            </a:pPr>
+            <a:endParaRPr lang="en-US"/>
+          </a:p>
+        </p:txBody>
+      </p:sp>
+      <p:sp>
+        <p:nvSpPr>
+          <p:cNvPr id="4" name="Foliennummernplatzhalter 3"/>
+          <p:cNvSpPr>
+            <a:spLocks noGrp="1"/>
+          </p:cNvSpPr>
+          <p:nvPr>
+            <p:ph type="sldNum" sz="quarter" idx="10"/>
+          </p:nvPr>
+        </p:nvSpPr>
+        <p:spPr/>
+        <p:txBody>
+          <a:bodyPr/>
+          <a:lstStyle/>
+          <a:p>
+            <a:fld id="{20A41429-B750-4047-B563-2878417A70E7}" type="slidenum">
+              <a:rPr lang="en-US" smtClean="0"/>
+              <a:t>23</a:t>
+            </a:fld>
+            <a:endParaRPr lang="en-US"/>
+          </a:p>
+        </p:txBody>
+      </p:sp>
+    </p:spTree>
+    <p:extLst>
+      <p:ext uri="{BB962C8B-B14F-4D97-AF65-F5344CB8AC3E}">
+        <p14:creationId xmlns:p14="http://schemas.microsoft.com/office/powerpoint/2010/main" val="2333403852"/>
       </p:ext>
     </p:extLst>
   </p:cSld>
@@ -1218,6 +1734,612 @@
     <p:extLst>
       <p:ext uri="{BB962C8B-B14F-4D97-AF65-F5344CB8AC3E}">
         <p14:creationId xmlns:p14="http://schemas.microsoft.com/office/powerpoint/2010/main" val="2839356685"/>
+      </p:ext>
+    </p:extLst>
+  </p:cSld>
+  <p:clrMapOvr>
+    <a:masterClrMapping/>
+  </p:clrMapOvr>
+</p:notes>
+</file>
+
+<file path=ppt/notesSlides/notesSlide20.xml><?xml version="1.0" encoding="utf-8"?>
+<p:notes xmlns:a="http://schemas.openxmlformats.org/drawingml/2006/main" xmlns:r="http://schemas.openxmlformats.org/officeDocument/2006/relationships" xmlns:p="http://schemas.openxmlformats.org/presentationml/2006/main">
+  <p:cSld>
+    <p:spTree>
+      <p:nvGrpSpPr>
+        <p:cNvPr id="1" name=""/>
+        <p:cNvGrpSpPr/>
+        <p:nvPr/>
+      </p:nvGrpSpPr>
+      <p:grpSpPr>
+        <a:xfrm>
+          <a:off x="0" y="0"/>
+          <a:ext cx="0" cy="0"/>
+          <a:chOff x="0" y="0"/>
+          <a:chExt cx="0" cy="0"/>
+        </a:xfrm>
+      </p:grpSpPr>
+      <p:sp>
+        <p:nvSpPr>
+          <p:cNvPr id="2" name="Folienbildplatzhalter 1"/>
+          <p:cNvSpPr>
+            <a:spLocks noGrp="1" noRot="1" noChangeAspect="1"/>
+          </p:cNvSpPr>
+          <p:nvPr>
+            <p:ph type="sldImg"/>
+          </p:nvPr>
+        </p:nvSpPr>
+        <p:spPr/>
+      </p:sp>
+      <p:sp>
+        <p:nvSpPr>
+          <p:cNvPr id="3" name="Notizenplatzhalter 2"/>
+          <p:cNvSpPr>
+            <a:spLocks noGrp="1"/>
+          </p:cNvSpPr>
+          <p:nvPr>
+            <p:ph type="body" idx="1"/>
+          </p:nvPr>
+        </p:nvSpPr>
+        <p:spPr/>
+        <p:txBody>
+          <a:bodyPr/>
+          <a:lstStyle/>
+          <a:p>
+            <a:pPr marL="0" marR="0" lvl="0" indent="0" algn="l" defTabSz="914400" rtl="0" eaLnBrk="1" fontAlgn="auto" latinLnBrk="0" hangingPunct="1">
+              <a:lnSpc>
+                <a:spcPct val="100000"/>
+              </a:lnSpc>
+              <a:spcBef>
+                <a:spcPts val="0"/>
+              </a:spcBef>
+              <a:spcAft>
+                <a:spcPts val="0"/>
+              </a:spcAft>
+              <a:buClrTx/>
+              <a:buSzTx/>
+              <a:buFontTx/>
+              <a:buNone/>
+              <a:tabLst/>
+              <a:defRPr/>
+            </a:pPr>
+            <a:endParaRPr lang="en-US"/>
+          </a:p>
+        </p:txBody>
+      </p:sp>
+      <p:sp>
+        <p:nvSpPr>
+          <p:cNvPr id="4" name="Foliennummernplatzhalter 3"/>
+          <p:cNvSpPr>
+            <a:spLocks noGrp="1"/>
+          </p:cNvSpPr>
+          <p:nvPr>
+            <p:ph type="sldNum" sz="quarter" idx="10"/>
+          </p:nvPr>
+        </p:nvSpPr>
+        <p:spPr/>
+        <p:txBody>
+          <a:bodyPr/>
+          <a:lstStyle/>
+          <a:p>
+            <a:fld id="{20A41429-B750-4047-B563-2878417A70E7}" type="slidenum">
+              <a:rPr lang="en-US" smtClean="0"/>
+              <a:t>24</a:t>
+            </a:fld>
+            <a:endParaRPr lang="en-US"/>
+          </a:p>
+        </p:txBody>
+      </p:sp>
+    </p:spTree>
+    <p:extLst>
+      <p:ext uri="{BB962C8B-B14F-4D97-AF65-F5344CB8AC3E}">
+        <p14:creationId xmlns:p14="http://schemas.microsoft.com/office/powerpoint/2010/main" val="3534439620"/>
+      </p:ext>
+    </p:extLst>
+  </p:cSld>
+  <p:clrMapOvr>
+    <a:masterClrMapping/>
+  </p:clrMapOvr>
+</p:notes>
+</file>
+
+<file path=ppt/notesSlides/notesSlide21.xml><?xml version="1.0" encoding="utf-8"?>
+<p:notes xmlns:a="http://schemas.openxmlformats.org/drawingml/2006/main" xmlns:r="http://schemas.openxmlformats.org/officeDocument/2006/relationships" xmlns:p="http://schemas.openxmlformats.org/presentationml/2006/main">
+  <p:cSld>
+    <p:spTree>
+      <p:nvGrpSpPr>
+        <p:cNvPr id="1" name=""/>
+        <p:cNvGrpSpPr/>
+        <p:nvPr/>
+      </p:nvGrpSpPr>
+      <p:grpSpPr>
+        <a:xfrm>
+          <a:off x="0" y="0"/>
+          <a:ext cx="0" cy="0"/>
+          <a:chOff x="0" y="0"/>
+          <a:chExt cx="0" cy="0"/>
+        </a:xfrm>
+      </p:grpSpPr>
+      <p:sp>
+        <p:nvSpPr>
+          <p:cNvPr id="2" name="Folienbildplatzhalter 1"/>
+          <p:cNvSpPr>
+            <a:spLocks noGrp="1" noRot="1" noChangeAspect="1"/>
+          </p:cNvSpPr>
+          <p:nvPr>
+            <p:ph type="sldImg"/>
+          </p:nvPr>
+        </p:nvSpPr>
+        <p:spPr/>
+      </p:sp>
+      <p:sp>
+        <p:nvSpPr>
+          <p:cNvPr id="3" name="Notizenplatzhalter 2"/>
+          <p:cNvSpPr>
+            <a:spLocks noGrp="1"/>
+          </p:cNvSpPr>
+          <p:nvPr>
+            <p:ph type="body" idx="1"/>
+          </p:nvPr>
+        </p:nvSpPr>
+        <p:spPr/>
+        <p:txBody>
+          <a:bodyPr/>
+          <a:lstStyle/>
+          <a:p>
+            <a:pPr marL="0" marR="0" lvl="0" indent="0" algn="l" defTabSz="914400" rtl="0" eaLnBrk="1" fontAlgn="auto" latinLnBrk="0" hangingPunct="1">
+              <a:lnSpc>
+                <a:spcPct val="100000"/>
+              </a:lnSpc>
+              <a:spcBef>
+                <a:spcPts val="0"/>
+              </a:spcBef>
+              <a:spcAft>
+                <a:spcPts val="0"/>
+              </a:spcAft>
+              <a:buClrTx/>
+              <a:buSzTx/>
+              <a:buFontTx/>
+              <a:buNone/>
+              <a:tabLst/>
+              <a:defRPr/>
+            </a:pPr>
+            <a:endParaRPr lang="en-US" b="1"/>
+          </a:p>
+        </p:txBody>
+      </p:sp>
+      <p:sp>
+        <p:nvSpPr>
+          <p:cNvPr id="4" name="Foliennummernplatzhalter 3"/>
+          <p:cNvSpPr>
+            <a:spLocks noGrp="1"/>
+          </p:cNvSpPr>
+          <p:nvPr>
+            <p:ph type="sldNum" sz="quarter" idx="10"/>
+          </p:nvPr>
+        </p:nvSpPr>
+        <p:spPr/>
+        <p:txBody>
+          <a:bodyPr/>
+          <a:lstStyle/>
+          <a:p>
+            <a:fld id="{20A41429-B750-4047-B563-2878417A70E7}" type="slidenum">
+              <a:rPr lang="en-US" smtClean="0"/>
+              <a:t>25</a:t>
+            </a:fld>
+            <a:endParaRPr lang="en-US"/>
+          </a:p>
+        </p:txBody>
+      </p:sp>
+    </p:spTree>
+    <p:extLst>
+      <p:ext uri="{BB962C8B-B14F-4D97-AF65-F5344CB8AC3E}">
+        <p14:creationId xmlns:p14="http://schemas.microsoft.com/office/powerpoint/2010/main" val="4272284150"/>
+      </p:ext>
+    </p:extLst>
+  </p:cSld>
+  <p:clrMapOvr>
+    <a:masterClrMapping/>
+  </p:clrMapOvr>
+</p:notes>
+</file>
+
+<file path=ppt/notesSlides/notesSlide22.xml><?xml version="1.0" encoding="utf-8"?>
+<p:notes xmlns:a="http://schemas.openxmlformats.org/drawingml/2006/main" xmlns:r="http://schemas.openxmlformats.org/officeDocument/2006/relationships" xmlns:p="http://schemas.openxmlformats.org/presentationml/2006/main">
+  <p:cSld>
+    <p:spTree>
+      <p:nvGrpSpPr>
+        <p:cNvPr id="1" name=""/>
+        <p:cNvGrpSpPr/>
+        <p:nvPr/>
+      </p:nvGrpSpPr>
+      <p:grpSpPr>
+        <a:xfrm>
+          <a:off x="0" y="0"/>
+          <a:ext cx="0" cy="0"/>
+          <a:chOff x="0" y="0"/>
+          <a:chExt cx="0" cy="0"/>
+        </a:xfrm>
+      </p:grpSpPr>
+      <p:sp>
+        <p:nvSpPr>
+          <p:cNvPr id="2" name="Folienbildplatzhalter 1"/>
+          <p:cNvSpPr>
+            <a:spLocks noGrp="1" noRot="1" noChangeAspect="1"/>
+          </p:cNvSpPr>
+          <p:nvPr>
+            <p:ph type="sldImg"/>
+          </p:nvPr>
+        </p:nvSpPr>
+        <p:spPr/>
+      </p:sp>
+      <p:sp>
+        <p:nvSpPr>
+          <p:cNvPr id="3" name="Notizenplatzhalter 2"/>
+          <p:cNvSpPr>
+            <a:spLocks noGrp="1"/>
+          </p:cNvSpPr>
+          <p:nvPr>
+            <p:ph type="body" idx="1"/>
+          </p:nvPr>
+        </p:nvSpPr>
+        <p:spPr/>
+        <p:txBody>
+          <a:bodyPr/>
+          <a:lstStyle/>
+          <a:p>
+            <a:pPr marL="0" marR="0" lvl="0" indent="0" algn="l" defTabSz="914400" rtl="0" eaLnBrk="1" fontAlgn="auto" latinLnBrk="0" hangingPunct="1">
+              <a:lnSpc>
+                <a:spcPct val="100000"/>
+              </a:lnSpc>
+              <a:spcBef>
+                <a:spcPts val="0"/>
+              </a:spcBef>
+              <a:spcAft>
+                <a:spcPts val="0"/>
+              </a:spcAft>
+              <a:buClrTx/>
+              <a:buSzTx/>
+              <a:buFontTx/>
+              <a:buNone/>
+              <a:tabLst/>
+              <a:defRPr/>
+            </a:pPr>
+            <a:endParaRPr lang="en-US" b="1"/>
+          </a:p>
+        </p:txBody>
+      </p:sp>
+      <p:sp>
+        <p:nvSpPr>
+          <p:cNvPr id="4" name="Foliennummernplatzhalter 3"/>
+          <p:cNvSpPr>
+            <a:spLocks noGrp="1"/>
+          </p:cNvSpPr>
+          <p:nvPr>
+            <p:ph type="sldNum" sz="quarter" idx="10"/>
+          </p:nvPr>
+        </p:nvSpPr>
+        <p:spPr/>
+        <p:txBody>
+          <a:bodyPr/>
+          <a:lstStyle/>
+          <a:p>
+            <a:fld id="{20A41429-B750-4047-B563-2878417A70E7}" type="slidenum">
+              <a:rPr lang="en-US" smtClean="0"/>
+              <a:t>26</a:t>
+            </a:fld>
+            <a:endParaRPr lang="en-US"/>
+          </a:p>
+        </p:txBody>
+      </p:sp>
+    </p:spTree>
+    <p:extLst>
+      <p:ext uri="{BB962C8B-B14F-4D97-AF65-F5344CB8AC3E}">
+        <p14:creationId xmlns:p14="http://schemas.microsoft.com/office/powerpoint/2010/main" val="338469459"/>
+      </p:ext>
+    </p:extLst>
+  </p:cSld>
+  <p:clrMapOvr>
+    <a:masterClrMapping/>
+  </p:clrMapOvr>
+</p:notes>
+</file>
+
+<file path=ppt/notesSlides/notesSlide23.xml><?xml version="1.0" encoding="utf-8"?>
+<p:notes xmlns:a="http://schemas.openxmlformats.org/drawingml/2006/main" xmlns:r="http://schemas.openxmlformats.org/officeDocument/2006/relationships" xmlns:p="http://schemas.openxmlformats.org/presentationml/2006/main">
+  <p:cSld>
+    <p:spTree>
+      <p:nvGrpSpPr>
+        <p:cNvPr id="1" name=""/>
+        <p:cNvGrpSpPr/>
+        <p:nvPr/>
+      </p:nvGrpSpPr>
+      <p:grpSpPr>
+        <a:xfrm>
+          <a:off x="0" y="0"/>
+          <a:ext cx="0" cy="0"/>
+          <a:chOff x="0" y="0"/>
+          <a:chExt cx="0" cy="0"/>
+        </a:xfrm>
+      </p:grpSpPr>
+      <p:sp>
+        <p:nvSpPr>
+          <p:cNvPr id="2" name="Folienbildplatzhalter 1"/>
+          <p:cNvSpPr>
+            <a:spLocks noGrp="1" noRot="1" noChangeAspect="1"/>
+          </p:cNvSpPr>
+          <p:nvPr>
+            <p:ph type="sldImg"/>
+          </p:nvPr>
+        </p:nvSpPr>
+        <p:spPr/>
+      </p:sp>
+      <p:sp>
+        <p:nvSpPr>
+          <p:cNvPr id="3" name="Notizenplatzhalter 2"/>
+          <p:cNvSpPr>
+            <a:spLocks noGrp="1"/>
+          </p:cNvSpPr>
+          <p:nvPr>
+            <p:ph type="body" idx="1"/>
+          </p:nvPr>
+        </p:nvSpPr>
+        <p:spPr/>
+        <p:txBody>
+          <a:bodyPr/>
+          <a:lstStyle/>
+          <a:p>
+            <a:pPr marL="0" marR="0" lvl="0" indent="0" algn="l" defTabSz="914400" rtl="0" eaLnBrk="1" fontAlgn="auto" latinLnBrk="0" hangingPunct="1">
+              <a:lnSpc>
+                <a:spcPct val="100000"/>
+              </a:lnSpc>
+              <a:spcBef>
+                <a:spcPts val="0"/>
+              </a:spcBef>
+              <a:spcAft>
+                <a:spcPts val="0"/>
+              </a:spcAft>
+              <a:buClrTx/>
+              <a:buSzTx/>
+              <a:buFontTx/>
+              <a:buNone/>
+              <a:tabLst/>
+              <a:defRPr/>
+            </a:pPr>
+            <a:endParaRPr lang="en-US"/>
+          </a:p>
+        </p:txBody>
+      </p:sp>
+      <p:sp>
+        <p:nvSpPr>
+          <p:cNvPr id="4" name="Foliennummernplatzhalter 3"/>
+          <p:cNvSpPr>
+            <a:spLocks noGrp="1"/>
+          </p:cNvSpPr>
+          <p:nvPr>
+            <p:ph type="sldNum" sz="quarter" idx="10"/>
+          </p:nvPr>
+        </p:nvSpPr>
+        <p:spPr/>
+        <p:txBody>
+          <a:bodyPr/>
+          <a:lstStyle/>
+          <a:p>
+            <a:fld id="{20A41429-B750-4047-B563-2878417A70E7}" type="slidenum">
+              <a:rPr lang="en-US" smtClean="0"/>
+              <a:t>27</a:t>
+            </a:fld>
+            <a:endParaRPr lang="en-US"/>
+          </a:p>
+        </p:txBody>
+      </p:sp>
+    </p:spTree>
+    <p:extLst>
+      <p:ext uri="{BB962C8B-B14F-4D97-AF65-F5344CB8AC3E}">
+        <p14:creationId xmlns:p14="http://schemas.microsoft.com/office/powerpoint/2010/main" val="2649526427"/>
+      </p:ext>
+    </p:extLst>
+  </p:cSld>
+  <p:clrMapOvr>
+    <a:masterClrMapping/>
+  </p:clrMapOvr>
+</p:notes>
+</file>
+
+<file path=ppt/notesSlides/notesSlide24.xml><?xml version="1.0" encoding="utf-8"?>
+<p:notes xmlns:a="http://schemas.openxmlformats.org/drawingml/2006/main" xmlns:r="http://schemas.openxmlformats.org/officeDocument/2006/relationships" xmlns:p="http://schemas.openxmlformats.org/presentationml/2006/main">
+  <p:cSld>
+    <p:spTree>
+      <p:nvGrpSpPr>
+        <p:cNvPr id="1" name=""/>
+        <p:cNvGrpSpPr/>
+        <p:nvPr/>
+      </p:nvGrpSpPr>
+      <p:grpSpPr>
+        <a:xfrm>
+          <a:off x="0" y="0"/>
+          <a:ext cx="0" cy="0"/>
+          <a:chOff x="0" y="0"/>
+          <a:chExt cx="0" cy="0"/>
+        </a:xfrm>
+      </p:grpSpPr>
+      <p:sp>
+        <p:nvSpPr>
+          <p:cNvPr id="2" name="Folienbildplatzhalter 1"/>
+          <p:cNvSpPr>
+            <a:spLocks noGrp="1" noRot="1" noChangeAspect="1"/>
+          </p:cNvSpPr>
+          <p:nvPr>
+            <p:ph type="sldImg"/>
+          </p:nvPr>
+        </p:nvSpPr>
+        <p:spPr/>
+      </p:sp>
+      <p:sp>
+        <p:nvSpPr>
+          <p:cNvPr id="3" name="Notizenplatzhalter 2"/>
+          <p:cNvSpPr>
+            <a:spLocks noGrp="1"/>
+          </p:cNvSpPr>
+          <p:nvPr>
+            <p:ph type="body" idx="1"/>
+          </p:nvPr>
+        </p:nvSpPr>
+        <p:spPr/>
+        <p:txBody>
+          <a:bodyPr/>
+          <a:lstStyle/>
+          <a:p>
+            <a:pPr marL="0" marR="0" lvl="0" indent="0" algn="l" defTabSz="914400" rtl="0" eaLnBrk="1" fontAlgn="auto" latinLnBrk="0" hangingPunct="1">
+              <a:lnSpc>
+                <a:spcPct val="100000"/>
+              </a:lnSpc>
+              <a:spcBef>
+                <a:spcPts val="0"/>
+              </a:spcBef>
+              <a:spcAft>
+                <a:spcPts val="0"/>
+              </a:spcAft>
+              <a:buClrTx/>
+              <a:buSzTx/>
+              <a:buFontTx/>
+              <a:buNone/>
+              <a:tabLst/>
+              <a:defRPr/>
+            </a:pPr>
+            <a:endParaRPr lang="en-US" b="1"/>
+          </a:p>
+        </p:txBody>
+      </p:sp>
+      <p:sp>
+        <p:nvSpPr>
+          <p:cNvPr id="4" name="Foliennummernplatzhalter 3"/>
+          <p:cNvSpPr>
+            <a:spLocks noGrp="1"/>
+          </p:cNvSpPr>
+          <p:nvPr>
+            <p:ph type="sldNum" sz="quarter" idx="10"/>
+          </p:nvPr>
+        </p:nvSpPr>
+        <p:spPr/>
+        <p:txBody>
+          <a:bodyPr/>
+          <a:lstStyle/>
+          <a:p>
+            <a:fld id="{20A41429-B750-4047-B563-2878417A70E7}" type="slidenum">
+              <a:rPr lang="en-US" smtClean="0"/>
+              <a:t>28</a:t>
+            </a:fld>
+            <a:endParaRPr lang="en-US"/>
+          </a:p>
+        </p:txBody>
+      </p:sp>
+    </p:spTree>
+    <p:extLst>
+      <p:ext uri="{BB962C8B-B14F-4D97-AF65-F5344CB8AC3E}">
+        <p14:creationId xmlns:p14="http://schemas.microsoft.com/office/powerpoint/2010/main" val="1482019712"/>
+      </p:ext>
+    </p:extLst>
+  </p:cSld>
+  <p:clrMapOvr>
+    <a:masterClrMapping/>
+  </p:clrMapOvr>
+</p:notes>
+</file>
+
+<file path=ppt/notesSlides/notesSlide25.xml><?xml version="1.0" encoding="utf-8"?>
+<p:notes xmlns:a="http://schemas.openxmlformats.org/drawingml/2006/main" xmlns:r="http://schemas.openxmlformats.org/officeDocument/2006/relationships" xmlns:p="http://schemas.openxmlformats.org/presentationml/2006/main">
+  <p:cSld>
+    <p:spTree>
+      <p:nvGrpSpPr>
+        <p:cNvPr id="1" name=""/>
+        <p:cNvGrpSpPr/>
+        <p:nvPr/>
+      </p:nvGrpSpPr>
+      <p:grpSpPr>
+        <a:xfrm>
+          <a:off x="0" y="0"/>
+          <a:ext cx="0" cy="0"/>
+          <a:chOff x="0" y="0"/>
+          <a:chExt cx="0" cy="0"/>
+        </a:xfrm>
+      </p:grpSpPr>
+      <p:sp>
+        <p:nvSpPr>
+          <p:cNvPr id="2" name="Folienbildplatzhalter 1"/>
+          <p:cNvSpPr>
+            <a:spLocks noGrp="1" noRot="1" noChangeAspect="1"/>
+          </p:cNvSpPr>
+          <p:nvPr>
+            <p:ph type="sldImg"/>
+          </p:nvPr>
+        </p:nvSpPr>
+        <p:spPr/>
+      </p:sp>
+      <p:sp>
+        <p:nvSpPr>
+          <p:cNvPr id="3" name="Notizenplatzhalter 2"/>
+          <p:cNvSpPr>
+            <a:spLocks noGrp="1"/>
+          </p:cNvSpPr>
+          <p:nvPr>
+            <p:ph type="body" idx="1"/>
+          </p:nvPr>
+        </p:nvSpPr>
+        <p:spPr/>
+        <p:txBody>
+          <a:bodyPr/>
+          <a:lstStyle/>
+          <a:p>
+            <a:pPr marL="0" marR="0" lvl="0" indent="0" algn="l" defTabSz="914400" rtl="0" eaLnBrk="1" fontAlgn="auto" latinLnBrk="0" hangingPunct="1">
+              <a:lnSpc>
+                <a:spcPct val="100000"/>
+              </a:lnSpc>
+              <a:spcBef>
+                <a:spcPts val="0"/>
+              </a:spcBef>
+              <a:spcAft>
+                <a:spcPts val="0"/>
+              </a:spcAft>
+              <a:buClrTx/>
+              <a:buSzTx/>
+              <a:buFontTx/>
+              <a:buNone/>
+              <a:tabLst/>
+              <a:defRPr/>
+            </a:pPr>
+            <a:endParaRPr lang="en-US" b="1"/>
+          </a:p>
+        </p:txBody>
+      </p:sp>
+      <p:sp>
+        <p:nvSpPr>
+          <p:cNvPr id="4" name="Foliennummernplatzhalter 3"/>
+          <p:cNvSpPr>
+            <a:spLocks noGrp="1"/>
+          </p:cNvSpPr>
+          <p:nvPr>
+            <p:ph type="sldNum" sz="quarter" idx="10"/>
+          </p:nvPr>
+        </p:nvSpPr>
+        <p:spPr/>
+        <p:txBody>
+          <a:bodyPr/>
+          <a:lstStyle/>
+          <a:p>
+            <a:fld id="{20A41429-B750-4047-B563-2878417A70E7}" type="slidenum">
+              <a:rPr lang="en-US" smtClean="0"/>
+              <a:t>29</a:t>
+            </a:fld>
+            <a:endParaRPr lang="en-US"/>
+          </a:p>
+        </p:txBody>
+      </p:sp>
+    </p:spTree>
+    <p:extLst>
+      <p:ext uri="{BB962C8B-B14F-4D97-AF65-F5344CB8AC3E}">
+        <p14:creationId xmlns:p14="http://schemas.microsoft.com/office/powerpoint/2010/main" val="1982149326"/>
       </p:ext>
     </p:extLst>
   </p:cSld>
@@ -1838,7 +2960,7 @@
     </p:spTree>
     <p:extLst>
       <p:ext uri="{BB962C8B-B14F-4D97-AF65-F5344CB8AC3E}">
-        <p14:creationId xmlns:p14="http://schemas.microsoft.com/office/powerpoint/2010/main" val="2926721445"/>
+        <p14:creationId xmlns:p14="http://schemas.microsoft.com/office/powerpoint/2010/main" val="3121272954"/>
       </p:ext>
     </p:extLst>
   </p:cSld>
@@ -5133,36 +6255,6 @@
           </a:p>
         </p:txBody>
       </p:sp>
-      <p:pic>
-        <p:nvPicPr>
-          <p:cNvPr id="6" name="Picture 5">
-            <a:extLst>
-              <a:ext uri="{FF2B5EF4-FFF2-40B4-BE49-F238E27FC236}">
-                <a16:creationId xmlns:a16="http://schemas.microsoft.com/office/drawing/2014/main" id="{3C3AD4D4-0ED2-43E7-B258-8F3069EB7DEF}"/>
-              </a:ext>
-            </a:extLst>
-          </p:cNvPr>
-          <p:cNvPicPr>
-            <a:picLocks noChangeAspect="1"/>
-          </p:cNvPicPr>
-          <p:nvPr/>
-        </p:nvPicPr>
-        <p:blipFill>
-          <a:blip r:embed="rId3"/>
-          <a:stretch>
-            <a:fillRect/>
-          </a:stretch>
-        </p:blipFill>
-        <p:spPr>
-          <a:xfrm>
-            <a:off x="1066800" y="1984248"/>
-            <a:ext cx="6970776" cy="4317855"/>
-          </a:xfrm>
-          <a:prstGeom prst="rect">
-            <a:avLst/>
-          </a:prstGeom>
-        </p:spPr>
-      </p:pic>
       <p:sp>
         <p:nvSpPr>
           <p:cNvPr id="11" name="TextBox 10">
@@ -5177,8 +6269,8 @@
         </p:nvSpPr>
         <p:spPr>
           <a:xfrm>
-            <a:off x="8404098" y="5681816"/>
-            <a:ext cx="2949702" cy="523220"/>
+            <a:off x="8138160" y="4078799"/>
+            <a:ext cx="3215640" cy="461665"/>
           </a:xfrm>
           <a:prstGeom prst="rect">
             <a:avLst/>
@@ -5191,49 +6283,354 @@
           </a:bodyPr>
           <a:lstStyle/>
           <a:p>
-            <a:r>
-              <a:rPr lang="en-US" sz="1400" i="1"/>
-              <a:t>https://www.shanelynn.ie/get-busy-with-word-embeddings-introduction/</a:t>
-            </a:r>
-          </a:p>
-        </p:txBody>
-      </p:sp>
-      <p:sp>
-        <p:nvSpPr>
-          <p:cNvPr id="7" name="TextBox 6">
-            <a:extLst>
-              <a:ext uri="{FF2B5EF4-FFF2-40B4-BE49-F238E27FC236}">
-                <a16:creationId xmlns:a16="http://schemas.microsoft.com/office/drawing/2014/main" id="{8FEE632D-A34B-4E65-8BD3-10440812B390}"/>
-              </a:ext>
-            </a:extLst>
-          </p:cNvPr>
-          <p:cNvSpPr txBox="1"/>
-          <p:nvPr/>
-        </p:nvSpPr>
-        <p:spPr>
-          <a:xfrm>
-            <a:off x="8595550" y="3608020"/>
-            <a:ext cx="2566797" cy="830997"/>
-          </a:xfrm>
-          <a:prstGeom prst="rect">
-            <a:avLst/>
-          </a:prstGeom>
-          <a:noFill/>
-        </p:spPr>
-        <p:txBody>
-          <a:bodyPr wrap="square">
-            <a:spAutoFit/>
-          </a:bodyPr>
-          <a:lstStyle/>
-          <a:p>
             <a:pPr algn="r"/>
             <a:r>
-              <a:rPr lang="en-US" sz="2400" i="1"/>
-              <a:t>strongly depending on training corpus</a:t>
-            </a:r>
-          </a:p>
-        </p:txBody>
-      </p:sp>
+              <a:rPr lang="en-US" sz="1200" i="1"/>
+              <a:t>https://towardsdatascience.com/the-magic-behind-embedding-models-c3af62f71fb</a:t>
+            </a:r>
+          </a:p>
+        </p:txBody>
+      </p:sp>
+      <mc:AlternateContent xmlns:mc="http://schemas.openxmlformats.org/markup-compatibility/2006">
+        <mc:Choice xmlns:a14="http://schemas.microsoft.com/office/drawing/2010/main" Requires="a14">
+          <p:sp>
+            <p:nvSpPr>
+              <p:cNvPr id="7" name="TextBox 6">
+                <a:extLst>
+                  <a:ext uri="{FF2B5EF4-FFF2-40B4-BE49-F238E27FC236}">
+                    <a16:creationId xmlns:a16="http://schemas.microsoft.com/office/drawing/2014/main" id="{8FEE632D-A34B-4E65-8BD3-10440812B390}"/>
+                  </a:ext>
+                </a:extLst>
+              </p:cNvPr>
+              <p:cNvSpPr txBox="1"/>
+              <p:nvPr/>
+            </p:nvSpPr>
+            <p:spPr>
+              <a:xfrm>
+                <a:off x="3491441" y="5124539"/>
+                <a:ext cx="6022933" cy="923330"/>
+              </a:xfrm>
+              <a:prstGeom prst="rect">
+                <a:avLst/>
+              </a:prstGeom>
+              <a:noFill/>
+            </p:spPr>
+            <p:txBody>
+              <a:bodyPr wrap="square">
+                <a:spAutoFit/>
+              </a:bodyPr>
+              <a:lstStyle/>
+              <a:p>
+                <a:r>
+                  <a:rPr lang="en-GB" i="1"/>
+                  <a:t>Enabling mathematical </a:t>
+                </a:r>
+                <a:r>
+                  <a:rPr lang="en-GB" i="1" dirty="0"/>
+                  <a:t>operations </a:t>
+                </a:r>
+                <a:r>
+                  <a:rPr lang="en-GB" i="1"/>
+                  <a:t>on the vocabulary:</a:t>
+                </a:r>
+              </a:p>
+              <a:p>
+                <a:pPr marL="285750" indent="-285750">
+                  <a:buFont typeface="Arial" panose="020B0604020202020204" pitchFamily="34" charset="0"/>
+                  <a:buChar char="•"/>
+                </a:pPr>
+                <a14:m>
+                  <m:oMath xmlns:m="http://schemas.openxmlformats.org/officeDocument/2006/math">
+                    <m:r>
+                      <a:rPr lang="el-GR" b="0" i="1" smtClean="0">
+                        <a:latin typeface="Cambria Math" panose="02040503050406030204" pitchFamily="18" charset="0"/>
+                      </a:rPr>
+                      <m:t>𝜙</m:t>
+                    </m:r>
+                    <m:r>
+                      <a:rPr lang="de-DE" b="0" i="1" smtClean="0">
+                        <a:latin typeface="Cambria Math" panose="02040503050406030204" pitchFamily="18" charset="0"/>
+                      </a:rPr>
+                      <m:t>: </m:t>
+                    </m:r>
+                    <m:sSup>
+                      <m:sSupPr>
+                        <m:ctrlPr>
+                          <a:rPr lang="de-DE" b="0" i="1" smtClean="0">
+                            <a:latin typeface="Cambria Math" panose="02040503050406030204" pitchFamily="18" charset="0"/>
+                          </a:rPr>
+                        </m:ctrlPr>
+                      </m:sSupPr>
+                      <m:e>
+                        <m:r>
+                          <a:rPr lang="de-DE" b="0" i="1" smtClean="0">
+                            <a:latin typeface="Cambria Math" panose="02040503050406030204" pitchFamily="18" charset="0"/>
+                          </a:rPr>
+                          <m:t>𝑊</m:t>
+                        </m:r>
+                        <m:r>
+                          <a:rPr lang="de-DE" b="0" i="1" smtClean="0">
+                            <a:latin typeface="Cambria Math" panose="02040503050406030204" pitchFamily="18" charset="0"/>
+                          </a:rPr>
+                          <m:t> → </m:t>
+                        </m:r>
+                        <m:r>
+                          <a:rPr lang="de-DE" b="0" i="1" smtClean="0">
+                            <a:latin typeface="Cambria Math" panose="02040503050406030204" pitchFamily="18" charset="0"/>
+                          </a:rPr>
+                          <m:t>𝑅</m:t>
+                        </m:r>
+                      </m:e>
+                      <m:sup>
+                        <m:r>
+                          <a:rPr lang="de-DE" b="0" i="1" smtClean="0">
+                            <a:latin typeface="Cambria Math" panose="02040503050406030204" pitchFamily="18" charset="0"/>
+                          </a:rPr>
+                          <m:t>𝑛</m:t>
+                        </m:r>
+                      </m:sup>
+                    </m:sSup>
+                  </m:oMath>
+                </a14:m>
+                <a:endParaRPr lang="de-DE" b="0" i="1">
+                  <a:latin typeface="Cambria Math" panose="02040503050406030204" pitchFamily="18" charset="0"/>
+                </a:endParaRPr>
+              </a:p>
+              <a:p>
+                <a:pPr marL="285750" indent="-285750">
+                  <a:buFont typeface="Arial" panose="020B0604020202020204" pitchFamily="34" charset="0"/>
+                  <a:buChar char="•"/>
+                </a:pPr>
+                <a14:m>
+                  <m:oMath xmlns:m="http://schemas.openxmlformats.org/officeDocument/2006/math">
+                    <m:r>
+                      <a:rPr lang="el-GR" i="1" smtClean="0">
+                        <a:latin typeface="Cambria Math" panose="02040503050406030204" pitchFamily="18" charset="0"/>
+                      </a:rPr>
+                      <m:t>𝜙</m:t>
+                    </m:r>
+                    <m:d>
+                      <m:dPr>
+                        <m:ctrlPr>
+                          <a:rPr lang="de-DE" b="0" i="1" smtClean="0">
+                            <a:latin typeface="Cambria Math" panose="02040503050406030204" pitchFamily="18" charset="0"/>
+                          </a:rPr>
+                        </m:ctrlPr>
+                      </m:dPr>
+                      <m:e>
+                        <m:r>
+                          <m:rPr>
+                            <m:nor/>
+                          </m:rPr>
+                          <a:rPr lang="de-DE" b="0" i="1" smtClean="0">
+                            <a:latin typeface="Cambria Math" panose="02040503050406030204" pitchFamily="18" charset="0"/>
+                          </a:rPr>
+                          <m:t>"</m:t>
+                        </m:r>
+                        <m:r>
+                          <m:rPr>
+                            <m:nor/>
+                          </m:rPr>
+                          <a:rPr lang="de-DE" b="0" i="1" smtClean="0">
+                            <a:latin typeface="Cambria Math" panose="02040503050406030204" pitchFamily="18" charset="0"/>
+                          </a:rPr>
+                          <m:t>king</m:t>
+                        </m:r>
+                        <m:r>
+                          <a:rPr lang="de-DE" b="0" i="1" smtClean="0">
+                            <a:latin typeface="Cambria Math" panose="02040503050406030204" pitchFamily="18" charset="0"/>
+                          </a:rPr>
+                          <m:t>"</m:t>
+                        </m:r>
+                      </m:e>
+                    </m:d>
+                    <m:r>
+                      <a:rPr lang="de-DE" b="0" i="1" smtClean="0">
+                        <a:latin typeface="Cambria Math" panose="02040503050406030204" pitchFamily="18" charset="0"/>
+                      </a:rPr>
+                      <m:t>−</m:t>
+                    </m:r>
+                    <m:r>
+                      <a:rPr lang="el-GR" i="1" smtClean="0">
+                        <a:latin typeface="Cambria Math" panose="02040503050406030204" pitchFamily="18" charset="0"/>
+                      </a:rPr>
+                      <m:t>𝜙</m:t>
+                    </m:r>
+                    <m:d>
+                      <m:dPr>
+                        <m:ctrlPr>
+                          <a:rPr lang="de-DE" i="1">
+                            <a:latin typeface="Cambria Math" panose="02040503050406030204" pitchFamily="18" charset="0"/>
+                          </a:rPr>
+                        </m:ctrlPr>
+                      </m:dPr>
+                      <m:e>
+                        <m:r>
+                          <m:rPr>
+                            <m:nor/>
+                          </m:rPr>
+                          <a:rPr lang="de-DE" i="1">
+                            <a:latin typeface="Cambria Math" panose="02040503050406030204" pitchFamily="18" charset="0"/>
+                          </a:rPr>
+                          <m:t>"</m:t>
+                        </m:r>
+                        <m:r>
+                          <m:rPr>
+                            <m:nor/>
+                          </m:rPr>
+                          <a:rPr lang="de-DE" b="0" i="1" smtClean="0">
+                            <a:latin typeface="Cambria Math" panose="02040503050406030204" pitchFamily="18" charset="0"/>
+                          </a:rPr>
+                          <m:t>man</m:t>
+                        </m:r>
+                        <m:r>
+                          <a:rPr lang="de-DE" i="1" smtClean="0">
+                            <a:latin typeface="Cambria Math" panose="02040503050406030204" pitchFamily="18" charset="0"/>
+                          </a:rPr>
+                          <m:t>"</m:t>
+                        </m:r>
+                      </m:e>
+                    </m:d>
+                    <m:r>
+                      <a:rPr lang="de-DE" b="0" i="1" smtClean="0">
+                        <a:latin typeface="Cambria Math" panose="02040503050406030204" pitchFamily="18" charset="0"/>
+                      </a:rPr>
+                      <m:t>+</m:t>
+                    </m:r>
+                    <m:r>
+                      <a:rPr lang="el-GR" i="1" smtClean="0">
+                        <a:latin typeface="Cambria Math" panose="02040503050406030204" pitchFamily="18" charset="0"/>
+                      </a:rPr>
+                      <m:t>𝜙</m:t>
+                    </m:r>
+                    <m:d>
+                      <m:dPr>
+                        <m:ctrlPr>
+                          <a:rPr lang="de-DE" i="1">
+                            <a:latin typeface="Cambria Math" panose="02040503050406030204" pitchFamily="18" charset="0"/>
+                          </a:rPr>
+                        </m:ctrlPr>
+                      </m:dPr>
+                      <m:e>
+                        <m:r>
+                          <m:rPr>
+                            <m:nor/>
+                          </m:rPr>
+                          <a:rPr lang="de-DE" i="1">
+                            <a:latin typeface="Cambria Math" panose="02040503050406030204" pitchFamily="18" charset="0"/>
+                          </a:rPr>
+                          <m:t>"</m:t>
+                        </m:r>
+                        <m:r>
+                          <a:rPr lang="de-DE" b="0" i="1" smtClean="0">
+                            <a:latin typeface="Cambria Math" panose="02040503050406030204" pitchFamily="18" charset="0"/>
+                          </a:rPr>
+                          <m:t>𝑤𝑜𝑚𝑎𝑛</m:t>
+                        </m:r>
+                        <m:r>
+                          <a:rPr lang="de-DE" i="1" smtClean="0">
+                            <a:latin typeface="Cambria Math" panose="02040503050406030204" pitchFamily="18" charset="0"/>
+                          </a:rPr>
+                          <m:t>"</m:t>
+                        </m:r>
+                      </m:e>
+                    </m:d>
+                    <m:r>
+                      <a:rPr lang="de-DE" b="0" i="1" smtClean="0">
+                        <a:latin typeface="Cambria Math" panose="02040503050406030204" pitchFamily="18" charset="0"/>
+                      </a:rPr>
+                      <m:t>=</m:t>
+                    </m:r>
+                    <m:r>
+                      <a:rPr lang="el-GR" i="1" smtClean="0">
+                        <a:latin typeface="Cambria Math" panose="02040503050406030204" pitchFamily="18" charset="0"/>
+                      </a:rPr>
+                      <m:t>𝜙</m:t>
+                    </m:r>
+                    <m:d>
+                      <m:dPr>
+                        <m:ctrlPr>
+                          <a:rPr lang="de-DE" i="1">
+                            <a:latin typeface="Cambria Math" panose="02040503050406030204" pitchFamily="18" charset="0"/>
+                          </a:rPr>
+                        </m:ctrlPr>
+                      </m:dPr>
+                      <m:e>
+                        <m:r>
+                          <m:rPr>
+                            <m:nor/>
+                          </m:rPr>
+                          <a:rPr lang="de-DE" i="1">
+                            <a:latin typeface="Cambria Math" panose="02040503050406030204" pitchFamily="18" charset="0"/>
+                          </a:rPr>
+                          <m:t>"</m:t>
+                        </m:r>
+                        <m:r>
+                          <a:rPr lang="de-DE" b="0" i="1" smtClean="0">
+                            <a:latin typeface="Cambria Math" panose="02040503050406030204" pitchFamily="18" charset="0"/>
+                          </a:rPr>
+                          <m:t>𝑞𝑢𝑒𝑒𝑛</m:t>
+                        </m:r>
+                        <m:r>
+                          <a:rPr lang="de-DE" i="1" smtClean="0">
+                            <a:latin typeface="Cambria Math" panose="02040503050406030204" pitchFamily="18" charset="0"/>
+                          </a:rPr>
+                          <m:t>"</m:t>
+                        </m:r>
+                      </m:e>
+                    </m:d>
+                  </m:oMath>
+                </a14:m>
+                <a:endParaRPr lang="en-US" i="1"/>
+              </a:p>
+            </p:txBody>
+          </p:sp>
+        </mc:Choice>
+        <mc:Fallback>
+          <p:sp>
+            <p:nvSpPr>
+              <p:cNvPr id="7" name="TextBox 6">
+                <a:extLst>
+                  <a:ext uri="{FF2B5EF4-FFF2-40B4-BE49-F238E27FC236}">
+                    <a16:creationId xmlns:a16="http://schemas.microsoft.com/office/drawing/2014/main" id="{8FEE632D-A34B-4E65-8BD3-10440812B390}"/>
+                  </a:ext>
+                </a:extLst>
+              </p:cNvPr>
+              <p:cNvSpPr txBox="1">
+                <a:spLocks noRot="1" noChangeAspect="1" noMove="1" noResize="1" noEditPoints="1" noAdjustHandles="1" noChangeArrowheads="1" noChangeShapeType="1" noTextEdit="1"/>
+              </p:cNvSpPr>
+              <p:nvPr/>
+            </p:nvSpPr>
+            <p:spPr>
+              <a:xfrm>
+                <a:off x="3491441" y="5124539"/>
+                <a:ext cx="6022933" cy="923330"/>
+              </a:xfrm>
+              <a:prstGeom prst="rect">
+                <a:avLst/>
+              </a:prstGeom>
+              <a:blipFill>
+                <a:blip r:embed="rId3"/>
+                <a:stretch>
+                  <a:fillRect l="-911" t="-3974" b="-7285"/>
+                </a:stretch>
+              </a:blipFill>
+            </p:spPr>
+            <p:txBody>
+              <a:bodyPr/>
+              <a:lstStyle/>
+              <a:p>
+                <a:r>
+                  <a:rPr lang="en-US">
+                    <a:noFill/>
+                  </a:rPr>
+                  <a:t> </a:t>
+                </a:r>
+              </a:p>
+            </p:txBody>
+          </p:sp>
+        </mc:Fallback>
+      </mc:AlternateContent>
       <p:pic>
         <p:nvPicPr>
           <p:cNvPr id="8" name="Graphic 7" descr="Back with solid fill">
@@ -5264,9 +6661,39 @@
           </a:stretch>
         </p:blipFill>
         <p:spPr>
-          <a:xfrm rot="16200000" flipV="1">
-            <a:off x="8610600" y="2510410"/>
+          <a:xfrm flipH="1" flipV="1">
+            <a:off x="2212605" y="5101573"/>
             <a:ext cx="757629" cy="946296"/>
+          </a:xfrm>
+          <a:prstGeom prst="rect">
+            <a:avLst/>
+          </a:prstGeom>
+        </p:spPr>
+      </p:pic>
+      <p:pic>
+        <p:nvPicPr>
+          <p:cNvPr id="3" name="Picture 2">
+            <a:extLst>
+              <a:ext uri="{FF2B5EF4-FFF2-40B4-BE49-F238E27FC236}">
+                <a16:creationId xmlns:a16="http://schemas.microsoft.com/office/drawing/2014/main" id="{A5593EF7-5BCC-48A6-A89D-CD9E9E90DE2A}"/>
+              </a:ext>
+            </a:extLst>
+          </p:cNvPr>
+          <p:cNvPicPr>
+            <a:picLocks noChangeAspect="1"/>
+          </p:cNvPicPr>
+          <p:nvPr/>
+        </p:nvPicPr>
+        <p:blipFill>
+          <a:blip r:embed="rId6"/>
+          <a:stretch>
+            <a:fillRect/>
+          </a:stretch>
+        </p:blipFill>
+        <p:spPr>
+          <a:xfrm>
+            <a:off x="1130808" y="2038323"/>
+            <a:ext cx="6608218" cy="2502141"/>
           </a:xfrm>
           <a:prstGeom prst="rect">
             <a:avLst/>
@@ -5705,8 +7132,8 @@
         </p:nvSpPr>
         <p:spPr>
           <a:xfrm>
-            <a:off x="3145536" y="5738435"/>
-            <a:ext cx="8519160" cy="461665"/>
+            <a:off x="3255264" y="5652369"/>
+            <a:ext cx="8409432" cy="461665"/>
           </a:xfrm>
           <a:prstGeom prst="rect">
             <a:avLst/>
@@ -5738,45 +7165,6 @@
           </a:p>
         </p:txBody>
       </p:sp>
-      <p:pic>
-        <p:nvPicPr>
-          <p:cNvPr id="6" name="Graphic 5" descr="Back with solid fill">
-            <a:extLst>
-              <a:ext uri="{FF2B5EF4-FFF2-40B4-BE49-F238E27FC236}">
-                <a16:creationId xmlns:a16="http://schemas.microsoft.com/office/drawing/2014/main" id="{A0FED472-3F1F-4672-9AA4-6424E7156190}"/>
-              </a:ext>
-            </a:extLst>
-          </p:cNvPr>
-          <p:cNvPicPr>
-            <a:picLocks noChangeAspect="1"/>
-          </p:cNvPicPr>
-          <p:nvPr/>
-        </p:nvPicPr>
-        <p:blipFill>
-          <a:blip r:embed="rId3">
-            <a:extLst>
-              <a:ext uri="{28A0092B-C50C-407E-A947-70E740481C1C}">
-                <a14:useLocalDpi xmlns:a14="http://schemas.microsoft.com/office/drawing/2010/main" val="0"/>
-              </a:ext>
-              <a:ext uri="{96DAC541-7B7A-43D3-8B79-37D633B846F1}">
-                <asvg:svgBlip xmlns:asvg="http://schemas.microsoft.com/office/drawing/2016/SVG/main" r:embed="rId4"/>
-              </a:ext>
-            </a:extLst>
-          </a:blip>
-          <a:stretch>
-            <a:fillRect/>
-          </a:stretch>
-        </p:blipFill>
-        <p:spPr>
-          <a:xfrm flipH="1" flipV="1">
-            <a:off x="2042821" y="5410054"/>
-            <a:ext cx="757629" cy="946296"/>
-          </a:xfrm>
-          <a:prstGeom prst="rect">
-            <a:avLst/>
-          </a:prstGeom>
-        </p:spPr>
-      </p:pic>
       <p:sp>
         <p:nvSpPr>
           <p:cNvPr id="2" name="Parallelogram 1">
@@ -5791,7 +7179,7 @@
         </p:nvSpPr>
         <p:spPr>
           <a:xfrm>
-            <a:off x="3721608" y="5758161"/>
+            <a:off x="3866388" y="5652369"/>
             <a:ext cx="3593592" cy="461665"/>
           </a:xfrm>
           <a:prstGeom prst="parallelogram">
@@ -5831,6 +7219,45 @@
           </a:p>
         </p:txBody>
       </p:sp>
+      <p:pic>
+        <p:nvPicPr>
+          <p:cNvPr id="12" name="Graphic 11" descr="Back with solid fill">
+            <a:extLst>
+              <a:ext uri="{FF2B5EF4-FFF2-40B4-BE49-F238E27FC236}">
+                <a16:creationId xmlns:a16="http://schemas.microsoft.com/office/drawing/2014/main" id="{A21F10E5-3485-4392-8235-4DE528DF1723}"/>
+              </a:ext>
+            </a:extLst>
+          </p:cNvPr>
+          <p:cNvPicPr>
+            <a:picLocks noChangeAspect="1"/>
+          </p:cNvPicPr>
+          <p:nvPr/>
+        </p:nvPicPr>
+        <p:blipFill>
+          <a:blip r:embed="rId3">
+            <a:extLst>
+              <a:ext uri="{28A0092B-C50C-407E-A947-70E740481C1C}">
+                <a14:useLocalDpi xmlns:a14="http://schemas.microsoft.com/office/drawing/2010/main" val="0"/>
+              </a:ext>
+              <a:ext uri="{96DAC541-7B7A-43D3-8B79-37D633B846F1}">
+                <asvg:svgBlip xmlns:asvg="http://schemas.microsoft.com/office/drawing/2016/SVG/main" r:embed="rId4"/>
+              </a:ext>
+            </a:extLst>
+          </a:blip>
+          <a:stretch>
+            <a:fillRect/>
+          </a:stretch>
+        </p:blipFill>
+        <p:spPr>
+          <a:xfrm flipH="1" flipV="1">
+            <a:off x="2148459" y="5410054"/>
+            <a:ext cx="757629" cy="946296"/>
+          </a:xfrm>
+          <a:prstGeom prst="rect">
+            <a:avLst/>
+          </a:prstGeom>
+        </p:spPr>
+      </p:pic>
     </p:spTree>
     <p:extLst>
       <p:ext uri="{BB962C8B-B14F-4D97-AF65-F5344CB8AC3E}">
@@ -7556,85 +8983,6 @@
       </p:grpSpPr>
       <p:sp>
         <p:nvSpPr>
-          <p:cNvPr id="2" name="Titel 1"/>
-          <p:cNvSpPr>
-            <a:spLocks noGrp="1"/>
-          </p:cNvSpPr>
-          <p:nvPr>
-            <p:ph type="title"/>
-          </p:nvPr>
-        </p:nvSpPr>
-        <p:spPr>
-          <a:xfrm>
-            <a:off x="1066800" y="1990724"/>
-            <a:ext cx="10280650" cy="2886075"/>
-          </a:xfrm>
-        </p:spPr>
-        <p:txBody>
-          <a:bodyPr/>
-          <a:lstStyle/>
-          <a:p>
-            <a:r>
-              <a:rPr lang="en-GB" b="1">
-                <a:effectLst>
-                  <a:outerShdw blurRad="38100" dist="38100" dir="2700000" algn="tl">
-                    <a:srgbClr val="000000">
-                      <a:alpha val="43137"/>
-                    </a:srgbClr>
-                  </a:outerShdw>
-                </a:effectLst>
-              </a:rPr>
-              <a:t>Part II-3: Sentiment Analysis</a:t>
-            </a:r>
-            <a:endParaRPr lang="en-US" b="1">
-              <a:effectLst>
-                <a:outerShdw blurRad="38100" dist="38100" dir="2700000" algn="tl">
-                  <a:srgbClr val="000000">
-                    <a:alpha val="43137"/>
-                  </a:srgbClr>
-                </a:outerShdw>
-              </a:effectLst>
-            </a:endParaRPr>
-          </a:p>
-        </p:txBody>
-      </p:sp>
-      <p:sp>
-        <p:nvSpPr>
-          <p:cNvPr id="3" name="Textplatzhalter 2"/>
-          <p:cNvSpPr>
-            <a:spLocks noGrp="1"/>
-          </p:cNvSpPr>
-          <p:nvPr>
-            <p:ph type="body" idx="1"/>
-          </p:nvPr>
-        </p:nvSpPr>
-        <p:spPr>
-          <a:xfrm>
-            <a:off x="1066798" y="4876799"/>
-            <a:ext cx="10280651" cy="1212851"/>
-          </a:xfrm>
-        </p:spPr>
-        <p:txBody>
-          <a:bodyPr/>
-          <a:lstStyle/>
-          <a:p>
-            <a:r>
-              <a:rPr lang="en-US" b="1">
-                <a:effectLst>
-                  <a:outerShdw blurRad="38100" dist="38100" dir="2700000" algn="tl">
-                    <a:srgbClr val="000000">
-                      <a:alpha val="43137"/>
-                    </a:srgbClr>
-                  </a:outerShdw>
-                </a:effectLst>
-              </a:rPr>
-              <a:t>Feature Collection</a:t>
-            </a:r>
-          </a:p>
-        </p:txBody>
-      </p:sp>
-      <p:sp>
-        <p:nvSpPr>
           <p:cNvPr id="4" name="Foliennummernplatzhalter 3"/>
           <p:cNvSpPr>
             <a:spLocks noGrp="1"/>
@@ -7656,10 +9004,149 @@
           </a:p>
         </p:txBody>
       </p:sp>
+      <p:sp>
+        <p:nvSpPr>
+          <p:cNvPr id="12" name="Titel 1">
+            <a:extLst>
+              <a:ext uri="{FF2B5EF4-FFF2-40B4-BE49-F238E27FC236}">
+                <a16:creationId xmlns:a16="http://schemas.microsoft.com/office/drawing/2014/main" id="{478EA67A-3C39-4D0A-996A-C363F30A14B2}"/>
+              </a:ext>
+            </a:extLst>
+          </p:cNvPr>
+          <p:cNvSpPr>
+            <a:spLocks noGrp="1"/>
+          </p:cNvSpPr>
+          <p:nvPr>
+            <p:ph type="title"/>
+          </p:nvPr>
+        </p:nvSpPr>
+        <p:spPr>
+          <a:xfrm>
+            <a:off x="1066800" y="561524"/>
+            <a:ext cx="10287000" cy="1129164"/>
+          </a:xfrm>
+        </p:spPr>
+        <p:txBody>
+          <a:bodyPr/>
+          <a:lstStyle/>
+          <a:p>
+            <a:r>
+              <a:rPr lang="en-US"/>
+              <a:t>ML Background  </a:t>
+            </a:r>
+            <a:r>
+              <a:rPr lang="en-US" b="1"/>
+              <a:t>Example</a:t>
+            </a:r>
+          </a:p>
+        </p:txBody>
+      </p:sp>
+      <p:sp>
+        <p:nvSpPr>
+          <p:cNvPr id="7" name="Rectangle 6">
+            <a:extLst>
+              <a:ext uri="{FF2B5EF4-FFF2-40B4-BE49-F238E27FC236}">
+                <a16:creationId xmlns:a16="http://schemas.microsoft.com/office/drawing/2014/main" id="{399D5C87-EDAB-4C4B-A55D-E6DBDD9D5ABA}"/>
+              </a:ext>
+            </a:extLst>
+          </p:cNvPr>
+          <p:cNvSpPr/>
+          <p:nvPr/>
+        </p:nvSpPr>
+        <p:spPr>
+          <a:xfrm>
+            <a:off x="3228976" y="1992993"/>
+            <a:ext cx="8153400" cy="2872013"/>
+          </a:xfrm>
+          <a:prstGeom prst="rect">
+            <a:avLst/>
+          </a:prstGeom>
+          <a:solidFill>
+            <a:schemeClr val="bg2"/>
+          </a:solidFill>
+          <a:ln w="19050">
+            <a:solidFill>
+              <a:schemeClr val="bg2"/>
+            </a:solidFill>
+          </a:ln>
+        </p:spPr>
+        <p:style>
+          <a:lnRef idx="2">
+            <a:schemeClr val="dk1"/>
+          </a:lnRef>
+          <a:fillRef idx="1">
+            <a:schemeClr val="lt1"/>
+          </a:fillRef>
+          <a:effectRef idx="0">
+            <a:schemeClr val="dk1"/>
+          </a:effectRef>
+          <a:fontRef idx="minor">
+            <a:schemeClr val="dk1"/>
+          </a:fontRef>
+        </p:style>
+        <p:txBody>
+          <a:bodyPr rtlCol="0" anchor="ctr"/>
+          <a:lstStyle/>
+          <a:p>
+            <a:r>
+              <a:rPr lang="de-DE" sz="4000" b="1">
+                <a:solidFill>
+                  <a:schemeClr val="tx1"/>
+                </a:solidFill>
+              </a:rPr>
+              <a:t>Demo 8: Word Embeddings</a:t>
+            </a:r>
+            <a:endParaRPr lang="en-US" sz="4000" b="1">
+              <a:solidFill>
+                <a:schemeClr val="tx1"/>
+              </a:solidFill>
+            </a:endParaRPr>
+          </a:p>
+        </p:txBody>
+      </p:sp>
+      <p:pic>
+        <p:nvPicPr>
+          <p:cNvPr id="9" name="Graphic 8" descr="Play with solid fill">
+            <a:extLst>
+              <a:ext uri="{FF2B5EF4-FFF2-40B4-BE49-F238E27FC236}">
+                <a16:creationId xmlns:a16="http://schemas.microsoft.com/office/drawing/2014/main" id="{5987626F-A389-40EE-AED1-4EC2BDAD023F}"/>
+              </a:ext>
+            </a:extLst>
+          </p:cNvPr>
+          <p:cNvPicPr>
+            <a:picLocks noChangeAspect="1"/>
+          </p:cNvPicPr>
+          <p:nvPr/>
+        </p:nvPicPr>
+        <p:blipFill>
+          <a:blip r:embed="rId3">
+            <a:extLst>
+              <a:ext uri="{28A0092B-C50C-407E-A947-70E740481C1C}">
+                <a14:useLocalDpi xmlns:a14="http://schemas.microsoft.com/office/drawing/2010/main" val="0"/>
+              </a:ext>
+              <a:ext uri="{96DAC541-7B7A-43D3-8B79-37D633B846F1}">
+                <asvg:svgBlip xmlns:asvg="http://schemas.microsoft.com/office/drawing/2016/SVG/main" r:embed="rId4"/>
+              </a:ext>
+            </a:extLst>
+          </a:blip>
+          <a:stretch>
+            <a:fillRect/>
+          </a:stretch>
+        </p:blipFill>
+        <p:spPr>
+          <a:xfrm>
+            <a:off x="923914" y="2276468"/>
+            <a:ext cx="2305062" cy="2305062"/>
+          </a:xfrm>
+          <a:prstGeom prst="rect">
+            <a:avLst/>
+          </a:prstGeom>
+        </p:spPr>
+      </p:pic>
     </p:spTree>
     <p:extLst>
       <p:ext uri="{BB962C8B-B14F-4D97-AF65-F5344CB8AC3E}">
-        <p14:creationId xmlns:p14="http://schemas.microsoft.com/office/powerpoint/2010/main" val="1178518354"/>
+        <p14:creationId xmlns:p14="http://schemas.microsoft.com/office/powerpoint/2010/main" val="3109376481"/>
       </p:ext>
     </p:extLst>
   </p:cSld>
@@ -7688,6 +9175,85 @@
       </p:grpSpPr>
       <p:sp>
         <p:nvSpPr>
+          <p:cNvPr id="2" name="Titel 1"/>
+          <p:cNvSpPr>
+            <a:spLocks noGrp="1"/>
+          </p:cNvSpPr>
+          <p:nvPr>
+            <p:ph type="title"/>
+          </p:nvPr>
+        </p:nvSpPr>
+        <p:spPr>
+          <a:xfrm>
+            <a:off x="1066800" y="1990724"/>
+            <a:ext cx="10280650" cy="2886075"/>
+          </a:xfrm>
+        </p:spPr>
+        <p:txBody>
+          <a:bodyPr/>
+          <a:lstStyle/>
+          <a:p>
+            <a:r>
+              <a:rPr lang="en-GB" b="1">
+                <a:effectLst>
+                  <a:outerShdw blurRad="38100" dist="38100" dir="2700000" algn="tl">
+                    <a:srgbClr val="000000">
+                      <a:alpha val="43137"/>
+                    </a:srgbClr>
+                  </a:outerShdw>
+                </a:effectLst>
+              </a:rPr>
+              <a:t>Part II-3: Sentiment Analysis</a:t>
+            </a:r>
+            <a:endParaRPr lang="en-US" b="1">
+              <a:effectLst>
+                <a:outerShdw blurRad="38100" dist="38100" dir="2700000" algn="tl">
+                  <a:srgbClr val="000000">
+                    <a:alpha val="43137"/>
+                  </a:srgbClr>
+                </a:outerShdw>
+              </a:effectLst>
+            </a:endParaRPr>
+          </a:p>
+        </p:txBody>
+      </p:sp>
+      <p:sp>
+        <p:nvSpPr>
+          <p:cNvPr id="3" name="Textplatzhalter 2"/>
+          <p:cNvSpPr>
+            <a:spLocks noGrp="1"/>
+          </p:cNvSpPr>
+          <p:nvPr>
+            <p:ph type="body" idx="1"/>
+          </p:nvPr>
+        </p:nvSpPr>
+        <p:spPr>
+          <a:xfrm>
+            <a:off x="1066798" y="4876799"/>
+            <a:ext cx="10280651" cy="1212851"/>
+          </a:xfrm>
+        </p:spPr>
+        <p:txBody>
+          <a:bodyPr/>
+          <a:lstStyle/>
+          <a:p>
+            <a:r>
+              <a:rPr lang="en-US" b="1">
+                <a:effectLst>
+                  <a:outerShdw blurRad="38100" dist="38100" dir="2700000" algn="tl">
+                    <a:srgbClr val="000000">
+                      <a:alpha val="43137"/>
+                    </a:srgbClr>
+                  </a:outerShdw>
+                </a:effectLst>
+              </a:rPr>
+              <a:t>Feature Collection</a:t>
+            </a:r>
+          </a:p>
+        </p:txBody>
+      </p:sp>
+      <p:sp>
+        <p:nvSpPr>
           <p:cNvPr id="4" name="Foliennummernplatzhalter 3"/>
           <p:cNvSpPr>
             <a:spLocks noGrp="1"/>
@@ -7704,6 +9270,59 @@
             <a:fld id="{C9E0B00B-E6DF-4183-A694-3DE28BEFB357}" type="slidenum">
               <a:rPr lang="en-US" smtClean="0"/>
               <a:t>16</a:t>
+            </a:fld>
+            <a:endParaRPr lang="en-US"/>
+          </a:p>
+        </p:txBody>
+      </p:sp>
+    </p:spTree>
+    <p:extLst>
+      <p:ext uri="{BB962C8B-B14F-4D97-AF65-F5344CB8AC3E}">
+        <p14:creationId xmlns:p14="http://schemas.microsoft.com/office/powerpoint/2010/main" val="1178518354"/>
+      </p:ext>
+    </p:extLst>
+  </p:cSld>
+  <p:clrMapOvr>
+    <a:masterClrMapping/>
+  </p:clrMapOvr>
+</p:sld>
+</file>
+
+<file path=ppt/slides/slide17.xml><?xml version="1.0" encoding="utf-8"?>
+<p:sld xmlns:a="http://schemas.openxmlformats.org/drawingml/2006/main" xmlns:r="http://schemas.openxmlformats.org/officeDocument/2006/relationships" xmlns:p="http://schemas.openxmlformats.org/presentationml/2006/main">
+  <p:cSld>
+    <p:spTree>
+      <p:nvGrpSpPr>
+        <p:cNvPr id="1" name=""/>
+        <p:cNvGrpSpPr/>
+        <p:nvPr/>
+      </p:nvGrpSpPr>
+      <p:grpSpPr>
+        <a:xfrm>
+          <a:off x="0" y="0"/>
+          <a:ext cx="0" cy="0"/>
+          <a:chOff x="0" y="0"/>
+          <a:chExt cx="0" cy="0"/>
+        </a:xfrm>
+      </p:grpSpPr>
+      <p:sp>
+        <p:nvSpPr>
+          <p:cNvPr id="4" name="Foliennummernplatzhalter 3"/>
+          <p:cNvSpPr>
+            <a:spLocks noGrp="1"/>
+          </p:cNvSpPr>
+          <p:nvPr>
+            <p:ph type="sldNum" sz="quarter" idx="12"/>
+          </p:nvPr>
+        </p:nvSpPr>
+        <p:spPr/>
+        <p:txBody>
+          <a:bodyPr/>
+          <a:lstStyle/>
+          <a:p>
+            <a:fld id="{C9E0B00B-E6DF-4183-A694-3DE28BEFB357}" type="slidenum">
+              <a:rPr lang="en-US" smtClean="0"/>
+              <a:t>17</a:t>
             </a:fld>
             <a:endParaRPr lang="en-US"/>
           </a:p>
@@ -11163,7 +12782,7 @@
 </p:sld>
 </file>
 
-<file path=ppt/slides/slide17.xml><?xml version="1.0" encoding="utf-8"?>
+<file path=ppt/slides/slide18.xml><?xml version="1.0" encoding="utf-8"?>
 <p:sld xmlns:a="http://schemas.openxmlformats.org/drawingml/2006/main" xmlns:r="http://schemas.openxmlformats.org/officeDocument/2006/relationships" xmlns:p="http://schemas.openxmlformats.org/presentationml/2006/main">
   <p:cSld>
     <p:spTree>
@@ -11197,7 +12816,7 @@
           <a:p>
             <a:fld id="{C9E0B00B-E6DF-4183-A694-3DE28BEFB357}" type="slidenum">
               <a:rPr lang="en-US" smtClean="0"/>
-              <a:t>17</a:t>
+              <a:t>18</a:t>
             </a:fld>
             <a:endParaRPr lang="en-US"/>
           </a:p>
@@ -12528,138 +14147,6 @@
 </p:sld>
 </file>
 
-<file path=ppt/slides/slide18.xml><?xml version="1.0" encoding="utf-8"?>
-<p:sld xmlns:a="http://schemas.openxmlformats.org/drawingml/2006/main" xmlns:r="http://schemas.openxmlformats.org/officeDocument/2006/relationships" xmlns:p="http://schemas.openxmlformats.org/presentationml/2006/main">
-  <p:cSld>
-    <p:spTree>
-      <p:nvGrpSpPr>
-        <p:cNvPr id="1" name=""/>
-        <p:cNvGrpSpPr/>
-        <p:nvPr/>
-      </p:nvGrpSpPr>
-      <p:grpSpPr>
-        <a:xfrm>
-          <a:off x="0" y="0"/>
-          <a:ext cx="0" cy="0"/>
-          <a:chOff x="0" y="0"/>
-          <a:chExt cx="0" cy="0"/>
-        </a:xfrm>
-      </p:grpSpPr>
-      <p:sp>
-        <p:nvSpPr>
-          <p:cNvPr id="2" name="Titel 1"/>
-          <p:cNvSpPr>
-            <a:spLocks noGrp="1"/>
-          </p:cNvSpPr>
-          <p:nvPr>
-            <p:ph type="title"/>
-          </p:nvPr>
-        </p:nvSpPr>
-        <p:spPr>
-          <a:xfrm>
-            <a:off x="1066800" y="1990724"/>
-            <a:ext cx="10280650" cy="2886075"/>
-          </a:xfrm>
-        </p:spPr>
-        <p:txBody>
-          <a:bodyPr/>
-          <a:lstStyle/>
-          <a:p>
-            <a:r>
-              <a:rPr lang="en-GB" b="1">
-                <a:effectLst>
-                  <a:outerShdw blurRad="38100" dist="38100" dir="2700000" algn="tl">
-                    <a:srgbClr val="000000">
-                      <a:alpha val="43137"/>
-                    </a:srgbClr>
-                  </a:outerShdw>
-                </a:effectLst>
-              </a:rPr>
-              <a:t>Part II-3: Sentiment Analysis</a:t>
-            </a:r>
-            <a:endParaRPr lang="en-US" b="1">
-              <a:effectLst>
-                <a:outerShdw blurRad="38100" dist="38100" dir="2700000" algn="tl">
-                  <a:srgbClr val="000000">
-                    <a:alpha val="43137"/>
-                  </a:srgbClr>
-                </a:outerShdw>
-              </a:effectLst>
-            </a:endParaRPr>
-          </a:p>
-        </p:txBody>
-      </p:sp>
-      <p:sp>
-        <p:nvSpPr>
-          <p:cNvPr id="3" name="Textplatzhalter 2"/>
-          <p:cNvSpPr>
-            <a:spLocks noGrp="1"/>
-          </p:cNvSpPr>
-          <p:nvPr>
-            <p:ph type="body" idx="1"/>
-          </p:nvPr>
-        </p:nvSpPr>
-        <p:spPr>
-          <a:xfrm>
-            <a:off x="1066798" y="4876799"/>
-            <a:ext cx="10280651" cy="1212851"/>
-          </a:xfrm>
-        </p:spPr>
-        <p:txBody>
-          <a:bodyPr/>
-          <a:lstStyle/>
-          <a:p>
-            <a:r>
-              <a:rPr lang="en-US" b="1">
-                <a:effectLst>
-                  <a:outerShdw blurRad="38100" dist="38100" dir="2700000" algn="tl">
-                    <a:srgbClr val="000000">
-                      <a:alpha val="43137"/>
-                    </a:srgbClr>
-                  </a:outerShdw>
-                </a:effectLst>
-              </a:rPr>
-              <a:t>Sentiment Analysis</a:t>
-            </a:r>
-          </a:p>
-        </p:txBody>
-      </p:sp>
-      <p:sp>
-        <p:nvSpPr>
-          <p:cNvPr id="4" name="Foliennummernplatzhalter 3"/>
-          <p:cNvSpPr>
-            <a:spLocks noGrp="1"/>
-          </p:cNvSpPr>
-          <p:nvPr>
-            <p:ph type="sldNum" sz="quarter" idx="12"/>
-          </p:nvPr>
-        </p:nvSpPr>
-        <p:spPr/>
-        <p:txBody>
-          <a:bodyPr/>
-          <a:lstStyle/>
-          <a:p>
-            <a:fld id="{C9E0B00B-E6DF-4183-A694-3DE28BEFB357}" type="slidenum">
-              <a:rPr lang="en-US" smtClean="0"/>
-              <a:t>18</a:t>
-            </a:fld>
-            <a:endParaRPr lang="en-US"/>
-          </a:p>
-        </p:txBody>
-      </p:sp>
-    </p:spTree>
-    <p:extLst>
-      <p:ext uri="{BB962C8B-B14F-4D97-AF65-F5344CB8AC3E}">
-        <p14:creationId xmlns:p14="http://schemas.microsoft.com/office/powerpoint/2010/main" val="491920637"/>
-      </p:ext>
-    </p:extLst>
-  </p:cSld>
-  <p:clrMapOvr>
-    <a:masterClrMapping/>
-  </p:clrMapOvr>
-</p:sld>
-</file>
-
 <file path=ppt/slides/slide19.xml><?xml version="1.0" encoding="utf-8"?>
 <p:sld xmlns:a="http://schemas.openxmlformats.org/drawingml/2006/main" xmlns:r="http://schemas.openxmlformats.org/officeDocument/2006/relationships" xmlns:p="http://schemas.openxmlformats.org/presentationml/2006/main">
   <p:cSld>
@@ -12751,7 +14238,7 @@
                   </a:outerShdw>
                 </a:effectLst>
               </a:rPr>
-              <a:t>Excursus: AutoML Pipeline</a:t>
+              <a:t>Sentiment Analysis</a:t>
             </a:r>
           </a:p>
         </p:txBody>
@@ -12782,7 +14269,7 @@
     </p:spTree>
     <p:extLst>
       <p:ext uri="{BB962C8B-B14F-4D97-AF65-F5344CB8AC3E}">
-        <p14:creationId xmlns:p14="http://schemas.microsoft.com/office/powerpoint/2010/main" val="3533798371"/>
+        <p14:creationId xmlns:p14="http://schemas.microsoft.com/office/powerpoint/2010/main" val="3847673691"/>
       </p:ext>
     </p:extLst>
   </p:cSld>
@@ -12904,7 +14391,7 @@
             </a:pPr>
             <a:r>
               <a:rPr lang="en-US"/>
-              <a:t>mlr3 Universe</a:t>
+              <a:t>Training &amp; Prediction</a:t>
             </a:r>
           </a:p>
           <a:p>
@@ -12914,7 +14401,7 @@
             </a:pPr>
             <a:r>
               <a:rPr lang="en-US"/>
-              <a:t>Evaluation</a:t>
+              <a:t>Performance Evaluation</a:t>
             </a:r>
           </a:p>
           <a:p>
@@ -13008,85 +14495,6 @@
       </p:grpSpPr>
       <p:sp>
         <p:nvSpPr>
-          <p:cNvPr id="2" name="Titel 1"/>
-          <p:cNvSpPr>
-            <a:spLocks noGrp="1"/>
-          </p:cNvSpPr>
-          <p:nvPr>
-            <p:ph type="title"/>
-          </p:nvPr>
-        </p:nvSpPr>
-        <p:spPr>
-          <a:xfrm>
-            <a:off x="1066800" y="1990724"/>
-            <a:ext cx="10280650" cy="2886075"/>
-          </a:xfrm>
-        </p:spPr>
-        <p:txBody>
-          <a:bodyPr/>
-          <a:lstStyle/>
-          <a:p>
-            <a:r>
-              <a:rPr lang="en-GB" b="1">
-                <a:effectLst>
-                  <a:outerShdw blurRad="38100" dist="38100" dir="2700000" algn="tl">
-                    <a:srgbClr val="000000">
-                      <a:alpha val="43137"/>
-                    </a:srgbClr>
-                  </a:outerShdw>
-                </a:effectLst>
-              </a:rPr>
-              <a:t>Part II-3: Sentiment Analysis</a:t>
-            </a:r>
-            <a:endParaRPr lang="en-US" b="1">
-              <a:effectLst>
-                <a:outerShdw blurRad="38100" dist="38100" dir="2700000" algn="tl">
-                  <a:srgbClr val="000000">
-                    <a:alpha val="43137"/>
-                  </a:srgbClr>
-                </a:outerShdw>
-              </a:effectLst>
-            </a:endParaRPr>
-          </a:p>
-        </p:txBody>
-      </p:sp>
-      <p:sp>
-        <p:nvSpPr>
-          <p:cNvPr id="3" name="Textplatzhalter 2"/>
-          <p:cNvSpPr>
-            <a:spLocks noGrp="1"/>
-          </p:cNvSpPr>
-          <p:nvPr>
-            <p:ph type="body" idx="1"/>
-          </p:nvPr>
-        </p:nvSpPr>
-        <p:spPr>
-          <a:xfrm>
-            <a:off x="1066798" y="4876799"/>
-            <a:ext cx="10280651" cy="1212851"/>
-          </a:xfrm>
-        </p:spPr>
-        <p:txBody>
-          <a:bodyPr/>
-          <a:lstStyle/>
-          <a:p>
-            <a:r>
-              <a:rPr lang="en-US" b="1">
-                <a:effectLst>
-                  <a:outerShdw blurRad="38100" dist="38100" dir="2700000" algn="tl">
-                    <a:srgbClr val="000000">
-                      <a:alpha val="43137"/>
-                    </a:srgbClr>
-                  </a:outerShdw>
-                </a:effectLst>
-              </a:rPr>
-              <a:t>Literature and References</a:t>
-            </a:r>
-          </a:p>
-        </p:txBody>
-      </p:sp>
-      <p:sp>
-        <p:nvSpPr>
           <p:cNvPr id="4" name="Foliennummernplatzhalter 3"/>
           <p:cNvSpPr>
             <a:spLocks noGrp="1"/>
@@ -13108,10 +14516,237 @@
           </a:p>
         </p:txBody>
       </p:sp>
+      <p:sp>
+        <p:nvSpPr>
+          <p:cNvPr id="9" name="Titel 1">
+            <a:extLst>
+              <a:ext uri="{FF2B5EF4-FFF2-40B4-BE49-F238E27FC236}">
+                <a16:creationId xmlns:a16="http://schemas.microsoft.com/office/drawing/2014/main" id="{7807725C-718A-4D77-AD01-05225CF68388}"/>
+              </a:ext>
+            </a:extLst>
+          </p:cNvPr>
+          <p:cNvSpPr>
+            <a:spLocks noGrp="1"/>
+          </p:cNvSpPr>
+          <p:nvPr>
+            <p:ph type="title"/>
+          </p:nvPr>
+        </p:nvSpPr>
+        <p:spPr>
+          <a:xfrm>
+            <a:off x="1066800" y="561524"/>
+            <a:ext cx="10287000" cy="1129164"/>
+          </a:xfrm>
+        </p:spPr>
+        <p:txBody>
+          <a:bodyPr/>
+          <a:lstStyle/>
+          <a:p>
+            <a:r>
+              <a:rPr lang="en-US"/>
+              <a:t>ML Background  </a:t>
+            </a:r>
+            <a:r>
+              <a:rPr lang="en-US" b="1"/>
+              <a:t>Overview</a:t>
+            </a:r>
+          </a:p>
+        </p:txBody>
+      </p:sp>
+      <p:sp>
+        <p:nvSpPr>
+          <p:cNvPr id="10" name="Content Placeholder 2">
+            <a:extLst>
+              <a:ext uri="{FF2B5EF4-FFF2-40B4-BE49-F238E27FC236}">
+                <a16:creationId xmlns:a16="http://schemas.microsoft.com/office/drawing/2014/main" id="{67443131-1CA9-405F-8B23-66FD98AB33DC}"/>
+              </a:ext>
+            </a:extLst>
+          </p:cNvPr>
+          <p:cNvSpPr>
+            <a:spLocks noGrp="1"/>
+          </p:cNvSpPr>
+          <p:nvPr>
+            <p:ph idx="1"/>
+          </p:nvPr>
+        </p:nvSpPr>
+        <p:spPr>
+          <a:xfrm>
+            <a:off x="1066798" y="1990724"/>
+            <a:ext cx="10086977" cy="4867275"/>
+          </a:xfrm>
+        </p:spPr>
+        <p:txBody>
+          <a:bodyPr>
+            <a:normAutofit/>
+          </a:bodyPr>
+          <a:lstStyle/>
+          <a:p>
+            <a:r>
+              <a:rPr lang="de-DE" b="1"/>
+              <a:t>Machine Learning (ML)</a:t>
+            </a:r>
+          </a:p>
+          <a:p>
+            <a:pPr lvl="1"/>
+            <a:r>
+              <a:rPr lang="de-DE" b="1">
+                <a:solidFill>
+                  <a:srgbClr val="66CCFF"/>
+                </a:solidFill>
+              </a:rPr>
+              <a:t>Supervised learning</a:t>
+            </a:r>
+          </a:p>
+          <a:p>
+            <a:pPr lvl="1"/>
+            <a:r>
+              <a:rPr lang="de-DE"/>
+              <a:t>Unsupervised learning</a:t>
+            </a:r>
+          </a:p>
+          <a:p>
+            <a:pPr lvl="1"/>
+            <a:r>
+              <a:rPr lang="de-DE"/>
+              <a:t>Reinforcement learning</a:t>
+            </a:r>
+          </a:p>
+          <a:p>
+            <a:pPr lvl="1"/>
+            <a:r>
+              <a:rPr lang="de-DE"/>
+              <a:t>Deep learning methods for all three</a:t>
+            </a:r>
+            <a:br>
+              <a:rPr lang="de-DE"/>
+            </a:br>
+            <a:endParaRPr lang="de-DE"/>
+          </a:p>
+          <a:p>
+            <a:r>
+              <a:rPr lang="de-DE"/>
+              <a:t>Supervised learning</a:t>
+            </a:r>
+          </a:p>
+          <a:p>
+            <a:pPr lvl="1"/>
+            <a:r>
+              <a:rPr lang="de-DE"/>
+              <a:t>Learn feature-target relationship from labeled data</a:t>
+            </a:r>
+          </a:p>
+          <a:p>
+            <a:pPr lvl="1"/>
+            <a:r>
+              <a:rPr lang="de-DE" b="1">
+                <a:solidFill>
+                  <a:srgbClr val="66CCFF"/>
+                </a:solidFill>
+              </a:rPr>
+              <a:t>Classification</a:t>
+            </a:r>
+            <a:r>
+              <a:rPr lang="de-DE"/>
+              <a:t>: predict class label from data features</a:t>
+            </a:r>
+          </a:p>
+          <a:p>
+            <a:pPr lvl="1"/>
+            <a:r>
+              <a:rPr lang="de-DE" b="1"/>
+              <a:t>Regression</a:t>
+            </a:r>
+            <a:r>
+              <a:rPr lang="de-DE"/>
+              <a:t>: predict continuous response from data features</a:t>
+            </a:r>
+            <a:br>
+              <a:rPr lang="de-DE"/>
+            </a:br>
+            <a:endParaRPr lang="de-DE"/>
+          </a:p>
+          <a:p>
+            <a:endParaRPr lang="de-DE"/>
+          </a:p>
+          <a:p>
+            <a:pPr lvl="1"/>
+            <a:endParaRPr lang="en-US"/>
+          </a:p>
+        </p:txBody>
+      </p:sp>
+      <p:pic>
+        <p:nvPicPr>
+          <p:cNvPr id="6" name="Picture 5">
+            <a:extLst>
+              <a:ext uri="{FF2B5EF4-FFF2-40B4-BE49-F238E27FC236}">
+                <a16:creationId xmlns:a16="http://schemas.microsoft.com/office/drawing/2014/main" id="{F3F902C6-66DE-47A8-A88D-C21851DDEF00}"/>
+              </a:ext>
+            </a:extLst>
+          </p:cNvPr>
+          <p:cNvPicPr>
+            <a:picLocks noChangeAspect="1"/>
+          </p:cNvPicPr>
+          <p:nvPr/>
+        </p:nvPicPr>
+        <p:blipFill>
+          <a:blip r:embed="rId3"/>
+          <a:stretch>
+            <a:fillRect/>
+          </a:stretch>
+        </p:blipFill>
+        <p:spPr>
+          <a:xfrm>
+            <a:off x="7896728" y="1990724"/>
+            <a:ext cx="3457072" cy="2008899"/>
+          </a:xfrm>
+          <a:prstGeom prst="rect">
+            <a:avLst/>
+          </a:prstGeom>
+        </p:spPr>
+      </p:pic>
+      <p:pic>
+        <p:nvPicPr>
+          <p:cNvPr id="44" name="Graphic 43" descr="Back with solid fill">
+            <a:extLst>
+              <a:ext uri="{FF2B5EF4-FFF2-40B4-BE49-F238E27FC236}">
+                <a16:creationId xmlns:a16="http://schemas.microsoft.com/office/drawing/2014/main" id="{18FFA9CB-BC75-4B5F-A598-61033B72E35B}"/>
+              </a:ext>
+            </a:extLst>
+          </p:cNvPr>
+          <p:cNvPicPr>
+            <a:picLocks noChangeAspect="1"/>
+          </p:cNvPicPr>
+          <p:nvPr/>
+        </p:nvPicPr>
+        <p:blipFill>
+          <a:blip r:embed="rId4">
+            <a:extLst>
+              <a:ext uri="{28A0092B-C50C-407E-A947-70E740481C1C}">
+                <a14:useLocalDpi xmlns:a14="http://schemas.microsoft.com/office/drawing/2010/main" val="0"/>
+              </a:ext>
+              <a:ext uri="{96DAC541-7B7A-43D3-8B79-37D633B846F1}">
+                <asvg:svgBlip xmlns:asvg="http://schemas.microsoft.com/office/drawing/2016/SVG/main" r:embed="rId5"/>
+              </a:ext>
+            </a:extLst>
+          </a:blip>
+          <a:stretch>
+            <a:fillRect/>
+          </a:stretch>
+        </p:blipFill>
+        <p:spPr>
+          <a:xfrm rot="16200000" flipH="1" flipV="1">
+            <a:off x="9322262" y="3826511"/>
+            <a:ext cx="757629" cy="946296"/>
+          </a:xfrm>
+          <a:prstGeom prst="rect">
+            <a:avLst/>
+          </a:prstGeom>
+        </p:spPr>
+      </p:pic>
     </p:spTree>
     <p:extLst>
       <p:ext uri="{BB962C8B-B14F-4D97-AF65-F5344CB8AC3E}">
-        <p14:creationId xmlns:p14="http://schemas.microsoft.com/office/powerpoint/2010/main" val="3564882128"/>
+        <p14:creationId xmlns:p14="http://schemas.microsoft.com/office/powerpoint/2010/main" val="645029323"/>
       </p:ext>
     </p:extLst>
   </p:cSld>
@@ -13140,104 +14775,7 @@
       </p:grpSpPr>
       <p:sp>
         <p:nvSpPr>
-          <p:cNvPr id="3" name="Content Placeholder 2">
-            <a:extLst>
-              <a:ext uri="{FF2B5EF4-FFF2-40B4-BE49-F238E27FC236}">
-                <a16:creationId xmlns:a16="http://schemas.microsoft.com/office/drawing/2014/main" id="{FA1390B1-7E9D-43A0-87DA-DCA86641596C}"/>
-              </a:ext>
-            </a:extLst>
-          </p:cNvPr>
-          <p:cNvSpPr>
-            <a:spLocks noGrp="1"/>
-          </p:cNvSpPr>
-          <p:nvPr>
-            <p:ph idx="1"/>
-          </p:nvPr>
-        </p:nvSpPr>
-        <p:spPr>
-          <a:xfrm>
-            <a:off x="1066800" y="548640"/>
-            <a:ext cx="10287000" cy="5628323"/>
-          </a:xfrm>
-        </p:spPr>
-        <p:txBody>
-          <a:bodyPr>
-            <a:normAutofit/>
-          </a:bodyPr>
-          <a:lstStyle/>
-          <a:p>
-            <a:pPr marL="0" indent="0">
-              <a:buNone/>
-            </a:pPr>
-            <a:r>
-              <a:rPr lang="en-US" sz="2000"/>
-              <a:t>Miner, G., Elder IV, J., Fast, A., Hill, T., Nisbet, R. and Delen, D. (2012): Practical Text Mining and Statistical Analysis for Non-Structured Text Data Applications, Academic Press. </a:t>
-            </a:r>
-          </a:p>
-          <a:p>
-            <a:pPr marL="0" indent="0">
-              <a:buNone/>
-            </a:pPr>
-            <a:r>
-              <a:rPr lang="en-US" sz="2000"/>
-              <a:t>Pennington, J., Socher, R., and Manning, C. (2014): GloVe. Global Vectors for Word Representation. </a:t>
-            </a:r>
-            <a:r>
-              <a:rPr lang="en-US" sz="2000" i="1"/>
-              <a:t>Proceedings of the 2014 Conference on Empirical Methods in Natural Language Processing (EMNLP)</a:t>
-            </a:r>
-            <a:r>
-              <a:rPr lang="en-US" sz="2000"/>
-              <a:t>, pp. 1532–1543.</a:t>
-            </a:r>
-          </a:p>
-          <a:p>
-            <a:pPr marL="0" indent="0">
-              <a:buNone/>
-            </a:pPr>
-            <a:r>
-              <a:rPr lang="en-US" sz="2000"/>
-              <a:t>Pennington, J., Socher, R., and Manning, C. (2014): Pre-trained word vectors. https://nlp.stanford.edu/projects/glove.</a:t>
-            </a:r>
-          </a:p>
-          <a:p>
-            <a:pPr marL="0" indent="0">
-              <a:buNone/>
-            </a:pPr>
-            <a:r>
-              <a:rPr lang="en-US" sz="2000"/>
-              <a:t>Sarkar, D. (2016): Text Analytics with Python. A Practitioner's Guide to Natural Language Processing, Apress.</a:t>
-            </a:r>
-          </a:p>
-          <a:p>
-            <a:pPr marL="0" indent="0">
-              <a:buNone/>
-            </a:pPr>
-            <a:endParaRPr lang="en-US" sz="2000"/>
-          </a:p>
-          <a:p>
-            <a:pPr marL="0" indent="0">
-              <a:buNone/>
-            </a:pPr>
-            <a:endParaRPr lang="en-US" sz="2000"/>
-          </a:p>
-          <a:p>
-            <a:pPr marL="0" indent="0">
-              <a:buNone/>
-            </a:pPr>
-            <a:endParaRPr lang="en-US" sz="2000"/>
-          </a:p>
-        </p:txBody>
-      </p:sp>
-      <p:sp>
-        <p:nvSpPr>
-          <p:cNvPr id="4" name="Slide Number Placeholder 3">
-            <a:extLst>
-              <a:ext uri="{FF2B5EF4-FFF2-40B4-BE49-F238E27FC236}">
-                <a16:creationId xmlns:a16="http://schemas.microsoft.com/office/drawing/2014/main" id="{50955CD9-AF86-42B8-87B9-3C611402B212}"/>
-              </a:ext>
-            </a:extLst>
-          </p:cNvPr>
+          <p:cNvPr id="4" name="Foliennummernplatzhalter 3"/>
           <p:cNvSpPr>
             <a:spLocks noGrp="1"/>
           </p:cNvSpPr>
@@ -13258,10 +14796,1954 @@
           </a:p>
         </p:txBody>
       </p:sp>
+      <p:sp>
+        <p:nvSpPr>
+          <p:cNvPr id="9" name="Titel 1">
+            <a:extLst>
+              <a:ext uri="{FF2B5EF4-FFF2-40B4-BE49-F238E27FC236}">
+                <a16:creationId xmlns:a16="http://schemas.microsoft.com/office/drawing/2014/main" id="{7807725C-718A-4D77-AD01-05225CF68388}"/>
+              </a:ext>
+            </a:extLst>
+          </p:cNvPr>
+          <p:cNvSpPr>
+            <a:spLocks noGrp="1"/>
+          </p:cNvSpPr>
+          <p:nvPr>
+            <p:ph type="title"/>
+          </p:nvPr>
+        </p:nvSpPr>
+        <p:spPr>
+          <a:xfrm>
+            <a:off x="1066800" y="561524"/>
+            <a:ext cx="10287000" cy="1129164"/>
+          </a:xfrm>
+        </p:spPr>
+        <p:txBody>
+          <a:bodyPr/>
+          <a:lstStyle/>
+          <a:p>
+            <a:r>
+              <a:rPr lang="en-US"/>
+              <a:t>ML Background  </a:t>
+            </a:r>
+            <a:r>
+              <a:rPr lang="en-US" b="1"/>
+              <a:t>mlr3 Package</a:t>
+            </a:r>
+          </a:p>
+        </p:txBody>
+      </p:sp>
+      <p:sp>
+        <p:nvSpPr>
+          <p:cNvPr id="10" name="Content Placeholder 2">
+            <a:extLst>
+              <a:ext uri="{FF2B5EF4-FFF2-40B4-BE49-F238E27FC236}">
+                <a16:creationId xmlns:a16="http://schemas.microsoft.com/office/drawing/2014/main" id="{67443131-1CA9-405F-8B23-66FD98AB33DC}"/>
+              </a:ext>
+            </a:extLst>
+          </p:cNvPr>
+          <p:cNvSpPr>
+            <a:spLocks noGrp="1"/>
+          </p:cNvSpPr>
+          <p:nvPr>
+            <p:ph idx="1"/>
+          </p:nvPr>
+        </p:nvSpPr>
+        <p:spPr>
+          <a:xfrm>
+            <a:off x="1066798" y="1990724"/>
+            <a:ext cx="10086977" cy="4867275"/>
+          </a:xfrm>
+        </p:spPr>
+        <p:txBody>
+          <a:bodyPr>
+            <a:normAutofit/>
+          </a:bodyPr>
+          <a:lstStyle/>
+          <a:p>
+            <a:r>
+              <a:rPr lang="de-DE" b="1">
+                <a:latin typeface="Consolas" panose="020B0609020204030204" pitchFamily="49" charset="0"/>
+              </a:rPr>
+              <a:t>mlr3</a:t>
+            </a:r>
+          </a:p>
+          <a:p>
+            <a:pPr lvl="1"/>
+            <a:r>
+              <a:rPr lang="de-DE"/>
+              <a:t>Very extensive, all-purpose ML package developed and maintained by LMU‘s Statistical Learning &amp; Data Science chair</a:t>
+            </a:r>
+          </a:p>
+          <a:p>
+            <a:pPr lvl="1"/>
+            <a:r>
+              <a:rPr lang="de-DE" b="1"/>
+              <a:t>Unifying framework</a:t>
+            </a:r>
+            <a:r>
+              <a:rPr lang="de-DE"/>
+              <a:t> for many ML functionalities</a:t>
+            </a:r>
+          </a:p>
+          <a:p>
+            <a:pPr lvl="1"/>
+            <a:r>
+              <a:rPr lang="de-DE"/>
+              <a:t>End-to-end programming from feature generation to prediction</a:t>
+            </a:r>
+          </a:p>
+          <a:p>
+            <a:r>
+              <a:rPr lang="de-DE"/>
+              <a:t>Useful sources</a:t>
+            </a:r>
+          </a:p>
+          <a:p>
+            <a:pPr lvl="1"/>
+            <a:r>
+              <a:rPr lang="de-DE"/>
+              <a:t>Introduction to Machine Learning lecture </a:t>
+            </a:r>
+            <a:br>
+              <a:rPr lang="de-DE"/>
+            </a:br>
+            <a:r>
+              <a:rPr lang="de-DE" i="1">
+                <a:hlinkClick r:id="rId3"/>
+              </a:rPr>
+              <a:t>https://introduction-to-machine-learning.netlify.app/</a:t>
+            </a:r>
+            <a:endParaRPr lang="de-DE" i="1"/>
+          </a:p>
+          <a:p>
+            <a:pPr lvl="1"/>
+            <a:r>
+              <a:rPr lang="de-DE">
+                <a:latin typeface="Consolas" panose="020B0609020204030204" pitchFamily="49" charset="0"/>
+              </a:rPr>
+              <a:t>mlr3</a:t>
+            </a:r>
+            <a:r>
+              <a:rPr lang="de-DE"/>
+              <a:t> book </a:t>
+            </a:r>
+            <a:r>
+              <a:rPr lang="de-DE" i="1">
+                <a:hlinkClick r:id="rId4"/>
+              </a:rPr>
+              <a:t>https://mlr3book.mlr-org.com/</a:t>
+            </a:r>
+            <a:endParaRPr lang="de-DE" i="1"/>
+          </a:p>
+          <a:p>
+            <a:pPr lvl="1"/>
+            <a:endParaRPr lang="en-US"/>
+          </a:p>
+        </p:txBody>
+      </p:sp>
     </p:spTree>
     <p:extLst>
       <p:ext uri="{BB962C8B-B14F-4D97-AF65-F5344CB8AC3E}">
-        <p14:creationId xmlns:p14="http://schemas.microsoft.com/office/powerpoint/2010/main" val="2130856695"/>
+        <p14:creationId xmlns:p14="http://schemas.microsoft.com/office/powerpoint/2010/main" val="2496984142"/>
+      </p:ext>
+    </p:extLst>
+  </p:cSld>
+  <p:clrMapOvr>
+    <a:masterClrMapping/>
+  </p:clrMapOvr>
+</p:sld>
+</file>
+
+<file path=ppt/slides/slide22.xml><?xml version="1.0" encoding="utf-8"?>
+<p:sld xmlns:a="http://schemas.openxmlformats.org/drawingml/2006/main" xmlns:r="http://schemas.openxmlformats.org/officeDocument/2006/relationships" xmlns:p="http://schemas.openxmlformats.org/presentationml/2006/main">
+  <p:cSld>
+    <p:spTree>
+      <p:nvGrpSpPr>
+        <p:cNvPr id="1" name=""/>
+        <p:cNvGrpSpPr/>
+        <p:nvPr/>
+      </p:nvGrpSpPr>
+      <p:grpSpPr>
+        <a:xfrm>
+          <a:off x="0" y="0"/>
+          <a:ext cx="0" cy="0"/>
+          <a:chOff x="0" y="0"/>
+          <a:chExt cx="0" cy="0"/>
+        </a:xfrm>
+      </p:grpSpPr>
+      <p:sp>
+        <p:nvSpPr>
+          <p:cNvPr id="4" name="Foliennummernplatzhalter 3"/>
+          <p:cNvSpPr>
+            <a:spLocks noGrp="1"/>
+          </p:cNvSpPr>
+          <p:nvPr>
+            <p:ph type="sldNum" sz="quarter" idx="12"/>
+          </p:nvPr>
+        </p:nvSpPr>
+        <p:spPr/>
+        <p:txBody>
+          <a:bodyPr/>
+          <a:lstStyle/>
+          <a:p>
+            <a:fld id="{C9E0B00B-E6DF-4183-A694-3DE28BEFB357}" type="slidenum">
+              <a:rPr lang="en-US" smtClean="0"/>
+              <a:t>22</a:t>
+            </a:fld>
+            <a:endParaRPr lang="en-US"/>
+          </a:p>
+        </p:txBody>
+      </p:sp>
+      <p:sp>
+        <p:nvSpPr>
+          <p:cNvPr id="9" name="Titel 1">
+            <a:extLst>
+              <a:ext uri="{FF2B5EF4-FFF2-40B4-BE49-F238E27FC236}">
+                <a16:creationId xmlns:a16="http://schemas.microsoft.com/office/drawing/2014/main" id="{7807725C-718A-4D77-AD01-05225CF68388}"/>
+              </a:ext>
+            </a:extLst>
+          </p:cNvPr>
+          <p:cNvSpPr>
+            <a:spLocks noGrp="1"/>
+          </p:cNvSpPr>
+          <p:nvPr>
+            <p:ph type="title"/>
+          </p:nvPr>
+        </p:nvSpPr>
+        <p:spPr>
+          <a:xfrm>
+            <a:off x="1066800" y="561524"/>
+            <a:ext cx="10287000" cy="1129164"/>
+          </a:xfrm>
+        </p:spPr>
+        <p:txBody>
+          <a:bodyPr/>
+          <a:lstStyle/>
+          <a:p>
+            <a:r>
+              <a:rPr lang="en-US"/>
+              <a:t>ML Background  </a:t>
+            </a:r>
+            <a:r>
+              <a:rPr lang="en-US" b="1"/>
+              <a:t>Components</a:t>
+            </a:r>
+          </a:p>
+        </p:txBody>
+      </p:sp>
+      <p:sp>
+        <p:nvSpPr>
+          <p:cNvPr id="10" name="Content Placeholder 2">
+            <a:extLst>
+              <a:ext uri="{FF2B5EF4-FFF2-40B4-BE49-F238E27FC236}">
+                <a16:creationId xmlns:a16="http://schemas.microsoft.com/office/drawing/2014/main" id="{67443131-1CA9-405F-8B23-66FD98AB33DC}"/>
+              </a:ext>
+            </a:extLst>
+          </p:cNvPr>
+          <p:cNvSpPr>
+            <a:spLocks noGrp="1"/>
+          </p:cNvSpPr>
+          <p:nvPr>
+            <p:ph idx="1"/>
+          </p:nvPr>
+        </p:nvSpPr>
+        <p:spPr>
+          <a:xfrm>
+            <a:off x="1066798" y="1990724"/>
+            <a:ext cx="10086977" cy="4867275"/>
+          </a:xfrm>
+        </p:spPr>
+        <p:txBody>
+          <a:bodyPr>
+            <a:normAutofit/>
+          </a:bodyPr>
+          <a:lstStyle/>
+          <a:p>
+            <a:r>
+              <a:rPr lang="de-DE" b="1"/>
+              <a:t>ML components</a:t>
+            </a:r>
+          </a:p>
+          <a:p>
+            <a:pPr lvl="1"/>
+            <a:r>
+              <a:rPr lang="de-DE"/>
+              <a:t>Task</a:t>
+            </a:r>
+          </a:p>
+          <a:p>
+            <a:pPr lvl="2"/>
+            <a:r>
+              <a:rPr lang="de-DE"/>
+              <a:t>Train set</a:t>
+            </a:r>
+          </a:p>
+          <a:p>
+            <a:pPr lvl="2"/>
+            <a:r>
+              <a:rPr lang="de-DE"/>
+              <a:t>Test set</a:t>
+            </a:r>
+          </a:p>
+          <a:p>
+            <a:pPr lvl="1"/>
+            <a:r>
+              <a:rPr lang="de-DE"/>
+              <a:t>Learner</a:t>
+            </a:r>
+          </a:p>
+          <a:p>
+            <a:pPr lvl="2"/>
+            <a:r>
+              <a:rPr lang="de-DE"/>
+              <a:t>Hypothesis space</a:t>
+            </a:r>
+          </a:p>
+          <a:p>
+            <a:pPr lvl="2"/>
+            <a:r>
+              <a:rPr lang="de-DE"/>
+              <a:t>Risk</a:t>
+            </a:r>
+          </a:p>
+          <a:p>
+            <a:pPr lvl="2"/>
+            <a:r>
+              <a:rPr lang="de-DE"/>
+              <a:t>Optimization</a:t>
+            </a:r>
+          </a:p>
+          <a:p>
+            <a:pPr lvl="1"/>
+            <a:r>
+              <a:rPr lang="de-DE"/>
+              <a:t>Performance measure</a:t>
+            </a:r>
+            <a:br>
+              <a:rPr lang="de-DE"/>
+            </a:br>
+            <a:endParaRPr lang="de-DE"/>
+          </a:p>
+          <a:p>
+            <a:endParaRPr lang="de-DE"/>
+          </a:p>
+          <a:p>
+            <a:pPr lvl="1"/>
+            <a:endParaRPr lang="en-US"/>
+          </a:p>
+        </p:txBody>
+      </p:sp>
+      <p:pic>
+        <p:nvPicPr>
+          <p:cNvPr id="3" name="Picture 2">
+            <a:extLst>
+              <a:ext uri="{FF2B5EF4-FFF2-40B4-BE49-F238E27FC236}">
+                <a16:creationId xmlns:a16="http://schemas.microsoft.com/office/drawing/2014/main" id="{E1FF54FB-8266-4723-83F6-78B800C0C1DD}"/>
+              </a:ext>
+            </a:extLst>
+          </p:cNvPr>
+          <p:cNvPicPr>
+            <a:picLocks noChangeAspect="1"/>
+          </p:cNvPicPr>
+          <p:nvPr/>
+        </p:nvPicPr>
+        <p:blipFill>
+          <a:blip r:embed="rId3"/>
+          <a:stretch>
+            <a:fillRect/>
+          </a:stretch>
+        </p:blipFill>
+        <p:spPr>
+          <a:xfrm>
+            <a:off x="6449036" y="1990724"/>
+            <a:ext cx="4904764" cy="3303652"/>
+          </a:xfrm>
+          <a:prstGeom prst="rect">
+            <a:avLst/>
+          </a:prstGeom>
+        </p:spPr>
+      </p:pic>
+    </p:spTree>
+    <p:extLst>
+      <p:ext uri="{BB962C8B-B14F-4D97-AF65-F5344CB8AC3E}">
+        <p14:creationId xmlns:p14="http://schemas.microsoft.com/office/powerpoint/2010/main" val="3212975137"/>
+      </p:ext>
+    </p:extLst>
+  </p:cSld>
+  <p:clrMapOvr>
+    <a:masterClrMapping/>
+  </p:clrMapOvr>
+</p:sld>
+</file>
+
+<file path=ppt/slides/slide23.xml><?xml version="1.0" encoding="utf-8"?>
+<p:sld xmlns:a="http://schemas.openxmlformats.org/drawingml/2006/main" xmlns:r="http://schemas.openxmlformats.org/officeDocument/2006/relationships" xmlns:p="http://schemas.openxmlformats.org/presentationml/2006/main">
+  <p:cSld>
+    <p:spTree>
+      <p:nvGrpSpPr>
+        <p:cNvPr id="1" name=""/>
+        <p:cNvGrpSpPr/>
+        <p:nvPr/>
+      </p:nvGrpSpPr>
+      <p:grpSpPr>
+        <a:xfrm>
+          <a:off x="0" y="0"/>
+          <a:ext cx="0" cy="0"/>
+          <a:chOff x="0" y="0"/>
+          <a:chExt cx="0" cy="0"/>
+        </a:xfrm>
+      </p:grpSpPr>
+      <p:sp>
+        <p:nvSpPr>
+          <p:cNvPr id="4" name="Foliennummernplatzhalter 3"/>
+          <p:cNvSpPr>
+            <a:spLocks noGrp="1"/>
+          </p:cNvSpPr>
+          <p:nvPr>
+            <p:ph type="sldNum" sz="quarter" idx="12"/>
+          </p:nvPr>
+        </p:nvSpPr>
+        <p:spPr/>
+        <p:txBody>
+          <a:bodyPr/>
+          <a:lstStyle/>
+          <a:p>
+            <a:fld id="{C9E0B00B-E6DF-4183-A694-3DE28BEFB357}" type="slidenum">
+              <a:rPr lang="en-US" smtClean="0"/>
+              <a:t>23</a:t>
+            </a:fld>
+            <a:endParaRPr lang="en-US"/>
+          </a:p>
+        </p:txBody>
+      </p:sp>
+      <p:sp>
+        <p:nvSpPr>
+          <p:cNvPr id="9" name="Titel 1">
+            <a:extLst>
+              <a:ext uri="{FF2B5EF4-FFF2-40B4-BE49-F238E27FC236}">
+                <a16:creationId xmlns:a16="http://schemas.microsoft.com/office/drawing/2014/main" id="{7807725C-718A-4D77-AD01-05225CF68388}"/>
+              </a:ext>
+            </a:extLst>
+          </p:cNvPr>
+          <p:cNvSpPr>
+            <a:spLocks noGrp="1"/>
+          </p:cNvSpPr>
+          <p:nvPr>
+            <p:ph type="title"/>
+          </p:nvPr>
+        </p:nvSpPr>
+        <p:spPr>
+          <a:xfrm>
+            <a:off x="1066800" y="561524"/>
+            <a:ext cx="10287000" cy="1129164"/>
+          </a:xfrm>
+        </p:spPr>
+        <p:txBody>
+          <a:bodyPr>
+            <a:normAutofit/>
+          </a:bodyPr>
+          <a:lstStyle/>
+          <a:p>
+            <a:r>
+              <a:rPr lang="en-US"/>
+              <a:t>Training &amp; Prediction  </a:t>
+            </a:r>
+            <a:r>
+              <a:rPr lang="en-US" b="1"/>
+              <a:t>Classification</a:t>
+            </a:r>
+            <a:r>
+              <a:rPr lang="en-US"/>
+              <a:t> </a:t>
+            </a:r>
+            <a:r>
+              <a:rPr lang="en-US" b="1"/>
+              <a:t>Tasks</a:t>
+            </a:r>
+          </a:p>
+        </p:txBody>
+      </p:sp>
+      <p:sp>
+        <p:nvSpPr>
+          <p:cNvPr id="10" name="Content Placeholder 2">
+            <a:extLst>
+              <a:ext uri="{FF2B5EF4-FFF2-40B4-BE49-F238E27FC236}">
+                <a16:creationId xmlns:a16="http://schemas.microsoft.com/office/drawing/2014/main" id="{67443131-1CA9-405F-8B23-66FD98AB33DC}"/>
+              </a:ext>
+            </a:extLst>
+          </p:cNvPr>
+          <p:cNvSpPr>
+            <a:spLocks noGrp="1"/>
+          </p:cNvSpPr>
+          <p:nvPr>
+            <p:ph idx="1"/>
+          </p:nvPr>
+        </p:nvSpPr>
+        <p:spPr>
+          <a:xfrm>
+            <a:off x="1066798" y="1990724"/>
+            <a:ext cx="10086977" cy="4867275"/>
+          </a:xfrm>
+        </p:spPr>
+        <p:txBody>
+          <a:bodyPr>
+            <a:normAutofit/>
+          </a:bodyPr>
+          <a:lstStyle/>
+          <a:p>
+            <a:r>
+              <a:rPr lang="de-DE"/>
+              <a:t>Components of a (classification) task</a:t>
+            </a:r>
+          </a:p>
+          <a:p>
+            <a:pPr lvl="1"/>
+            <a:r>
+              <a:rPr lang="de-DE" b="1"/>
+              <a:t>Features X</a:t>
+            </a:r>
+            <a:r>
+              <a:rPr lang="de-DE"/>
+              <a:t>: all (numeric) variables describing our observations</a:t>
+            </a:r>
+          </a:p>
+          <a:p>
+            <a:pPr lvl="1"/>
+            <a:r>
+              <a:rPr lang="de-DE" b="1"/>
+              <a:t>Target </a:t>
+            </a:r>
+            <a:r>
+              <a:rPr lang="de-DE" b="1" i="1"/>
+              <a:t>y</a:t>
+            </a:r>
+            <a:r>
+              <a:rPr lang="de-DE"/>
+              <a:t>: class label, here </a:t>
+            </a:r>
+            <a:r>
+              <a:rPr lang="de-DE">
+                <a:sym typeface="Symbol" panose="05050102010706020507" pitchFamily="18" charset="2"/>
+              </a:rPr>
+              <a:t></a:t>
+            </a:r>
+            <a:r>
+              <a:rPr lang="de-DE"/>
+              <a:t> {positive, negative}</a:t>
+            </a:r>
+            <a:br>
+              <a:rPr lang="de-DE"/>
+            </a:br>
+            <a:endParaRPr lang="de-DE"/>
+          </a:p>
+          <a:p>
+            <a:r>
+              <a:rPr lang="de-DE"/>
+              <a:t>Train-test split</a:t>
+            </a:r>
+          </a:p>
+          <a:p>
+            <a:pPr lvl="1"/>
+            <a:r>
+              <a:rPr lang="en-US"/>
+              <a:t>Fundamental ML principle: </a:t>
+            </a:r>
+            <a:r>
+              <a:rPr lang="en-US" b="1"/>
+              <a:t>dichotomy</a:t>
+            </a:r>
+            <a:r>
+              <a:rPr lang="en-US"/>
+              <a:t> </a:t>
+            </a:r>
+            <a:br>
+              <a:rPr lang="en-US"/>
+            </a:br>
+            <a:r>
+              <a:rPr lang="en-US"/>
+              <a:t>between training and test sphere</a:t>
+            </a:r>
+            <a:br>
+              <a:rPr lang="en-US"/>
+            </a:br>
+            <a:r>
+              <a:rPr lang="en-US">
+                <a:sym typeface="Symbol" panose="05050102010706020507" pitchFamily="18" charset="2"/>
+              </a:rPr>
+              <a:t></a:t>
+            </a:r>
+            <a:r>
+              <a:rPr lang="en-US"/>
+              <a:t> Avoid bias in performance estimation</a:t>
+            </a:r>
+          </a:p>
+          <a:p>
+            <a:pPr lvl="1"/>
+            <a:r>
+              <a:rPr lang="en-US"/>
+              <a:t>Train on training data, evaluate on test data</a:t>
+            </a:r>
+          </a:p>
+          <a:p>
+            <a:pPr lvl="1"/>
+            <a:r>
+              <a:rPr lang="en-US"/>
+              <a:t>Possibly create repeated splits (</a:t>
+            </a:r>
+            <a:r>
+              <a:rPr lang="en-US" b="1"/>
+              <a:t>resampling</a:t>
+            </a:r>
+            <a:r>
+              <a:rPr lang="en-US"/>
+              <a:t>)</a:t>
+            </a:r>
+            <a:br>
+              <a:rPr lang="de-DE"/>
+            </a:br>
+            <a:endParaRPr lang="de-DE"/>
+          </a:p>
+          <a:p>
+            <a:endParaRPr lang="de-DE"/>
+          </a:p>
+          <a:p>
+            <a:pPr lvl="1"/>
+            <a:endParaRPr lang="en-US"/>
+          </a:p>
+        </p:txBody>
+      </p:sp>
+      <p:grpSp>
+        <p:nvGrpSpPr>
+          <p:cNvPr id="2" name="Group 1">
+            <a:extLst>
+              <a:ext uri="{FF2B5EF4-FFF2-40B4-BE49-F238E27FC236}">
+                <a16:creationId xmlns:a16="http://schemas.microsoft.com/office/drawing/2014/main" id="{2013B164-9526-41AD-B5C6-B2D27F18CEC1}"/>
+              </a:ext>
+            </a:extLst>
+          </p:cNvPr>
+          <p:cNvGrpSpPr/>
+          <p:nvPr/>
+        </p:nvGrpSpPr>
+        <p:grpSpPr>
+          <a:xfrm>
+            <a:off x="8610600" y="4400963"/>
+            <a:ext cx="3075432" cy="1615789"/>
+            <a:chOff x="8283860" y="3693889"/>
+            <a:chExt cx="1853147" cy="959297"/>
+          </a:xfrm>
+        </p:grpSpPr>
+        <p:pic>
+          <p:nvPicPr>
+            <p:cNvPr id="6" name="Graphic 5" descr="Database with solid fill">
+              <a:extLst>
+                <a:ext uri="{FF2B5EF4-FFF2-40B4-BE49-F238E27FC236}">
+                  <a16:creationId xmlns:a16="http://schemas.microsoft.com/office/drawing/2014/main" id="{680CC440-94F5-4A20-B64C-1061114C375D}"/>
+                </a:ext>
+              </a:extLst>
+            </p:cNvPr>
+            <p:cNvPicPr>
+              <a:picLocks noChangeAspect="1"/>
+            </p:cNvPicPr>
+            <p:nvPr/>
+          </p:nvPicPr>
+          <p:blipFill>
+            <a:blip r:embed="rId3">
+              <a:extLst>
+                <a:ext uri="{28A0092B-C50C-407E-A947-70E740481C1C}">
+                  <a14:useLocalDpi xmlns:a14="http://schemas.microsoft.com/office/drawing/2010/main" val="0"/>
+                </a:ext>
+                <a:ext uri="{96DAC541-7B7A-43D3-8B79-37D633B846F1}">
+                  <asvg:svgBlip xmlns:asvg="http://schemas.microsoft.com/office/drawing/2016/SVG/main" r:embed="rId4"/>
+                </a:ext>
+              </a:extLst>
+            </a:blip>
+            <a:stretch>
+              <a:fillRect/>
+            </a:stretch>
+          </p:blipFill>
+          <p:spPr>
+            <a:xfrm>
+              <a:off x="9121699" y="3697431"/>
+              <a:ext cx="1015308" cy="955755"/>
+            </a:xfrm>
+            <a:prstGeom prst="rect">
+              <a:avLst/>
+            </a:prstGeom>
+          </p:spPr>
+        </p:pic>
+        <p:pic>
+          <p:nvPicPr>
+            <p:cNvPr id="7" name="Graphic 6" descr="Database outline">
+              <a:extLst>
+                <a:ext uri="{FF2B5EF4-FFF2-40B4-BE49-F238E27FC236}">
+                  <a16:creationId xmlns:a16="http://schemas.microsoft.com/office/drawing/2014/main" id="{CE8B9A9B-7971-4D2B-A673-3CB802DCC7E6}"/>
+                </a:ext>
+              </a:extLst>
+            </p:cNvPr>
+            <p:cNvPicPr>
+              <a:picLocks noChangeAspect="1"/>
+            </p:cNvPicPr>
+            <p:nvPr/>
+          </p:nvPicPr>
+          <p:blipFill>
+            <a:blip r:embed="rId5">
+              <a:extLst>
+                <a:ext uri="{28A0092B-C50C-407E-A947-70E740481C1C}">
+                  <a14:useLocalDpi xmlns:a14="http://schemas.microsoft.com/office/drawing/2010/main" val="0"/>
+                </a:ext>
+                <a:ext uri="{96DAC541-7B7A-43D3-8B79-37D633B846F1}">
+                  <asvg:svgBlip xmlns:asvg="http://schemas.microsoft.com/office/drawing/2016/SVG/main" r:embed="rId6"/>
+                </a:ext>
+              </a:extLst>
+            </a:blip>
+            <a:stretch>
+              <a:fillRect/>
+            </a:stretch>
+          </p:blipFill>
+          <p:spPr>
+            <a:xfrm>
+              <a:off x="8283860" y="3693889"/>
+              <a:ext cx="1015308" cy="955755"/>
+            </a:xfrm>
+            <a:prstGeom prst="rect">
+              <a:avLst/>
+            </a:prstGeom>
+          </p:spPr>
+        </p:pic>
+      </p:grpSp>
+    </p:spTree>
+    <p:extLst>
+      <p:ext uri="{BB962C8B-B14F-4D97-AF65-F5344CB8AC3E}">
+        <p14:creationId xmlns:p14="http://schemas.microsoft.com/office/powerpoint/2010/main" val="3624513398"/>
+      </p:ext>
+    </p:extLst>
+  </p:cSld>
+  <p:clrMapOvr>
+    <a:masterClrMapping/>
+  </p:clrMapOvr>
+</p:sld>
+</file>
+
+<file path=ppt/slides/slide24.xml><?xml version="1.0" encoding="utf-8"?>
+<p:sld xmlns:a="http://schemas.openxmlformats.org/drawingml/2006/main" xmlns:r="http://schemas.openxmlformats.org/officeDocument/2006/relationships" xmlns:p="http://schemas.openxmlformats.org/presentationml/2006/main">
+  <p:cSld>
+    <p:spTree>
+      <p:nvGrpSpPr>
+        <p:cNvPr id="1" name=""/>
+        <p:cNvGrpSpPr/>
+        <p:nvPr/>
+      </p:nvGrpSpPr>
+      <p:grpSpPr>
+        <a:xfrm>
+          <a:off x="0" y="0"/>
+          <a:ext cx="0" cy="0"/>
+          <a:chOff x="0" y="0"/>
+          <a:chExt cx="0" cy="0"/>
+        </a:xfrm>
+      </p:grpSpPr>
+      <p:sp>
+        <p:nvSpPr>
+          <p:cNvPr id="4" name="Foliennummernplatzhalter 3"/>
+          <p:cNvSpPr>
+            <a:spLocks noGrp="1"/>
+          </p:cNvSpPr>
+          <p:nvPr>
+            <p:ph type="sldNum" sz="quarter" idx="12"/>
+          </p:nvPr>
+        </p:nvSpPr>
+        <p:spPr/>
+        <p:txBody>
+          <a:bodyPr/>
+          <a:lstStyle/>
+          <a:p>
+            <a:fld id="{C9E0B00B-E6DF-4183-A694-3DE28BEFB357}" type="slidenum">
+              <a:rPr lang="en-US" smtClean="0"/>
+              <a:t>24</a:t>
+            </a:fld>
+            <a:endParaRPr lang="en-US"/>
+          </a:p>
+        </p:txBody>
+      </p:sp>
+      <p:sp>
+        <p:nvSpPr>
+          <p:cNvPr id="9" name="Titel 1">
+            <a:extLst>
+              <a:ext uri="{FF2B5EF4-FFF2-40B4-BE49-F238E27FC236}">
+                <a16:creationId xmlns:a16="http://schemas.microsoft.com/office/drawing/2014/main" id="{7807725C-718A-4D77-AD01-05225CF68388}"/>
+              </a:ext>
+            </a:extLst>
+          </p:cNvPr>
+          <p:cNvSpPr>
+            <a:spLocks noGrp="1"/>
+          </p:cNvSpPr>
+          <p:nvPr>
+            <p:ph type="title"/>
+          </p:nvPr>
+        </p:nvSpPr>
+        <p:spPr>
+          <a:xfrm>
+            <a:off x="1066800" y="561524"/>
+            <a:ext cx="10287000" cy="1129164"/>
+          </a:xfrm>
+        </p:spPr>
+        <p:txBody>
+          <a:bodyPr/>
+          <a:lstStyle/>
+          <a:p>
+            <a:r>
+              <a:rPr lang="en-US"/>
+              <a:t>Training &amp; Prediction  </a:t>
+            </a:r>
+            <a:r>
+              <a:rPr lang="en-US" b="1"/>
+              <a:t>Learners</a:t>
+            </a:r>
+          </a:p>
+        </p:txBody>
+      </p:sp>
+      <p:sp>
+        <p:nvSpPr>
+          <p:cNvPr id="10" name="Content Placeholder 2">
+            <a:extLst>
+              <a:ext uri="{FF2B5EF4-FFF2-40B4-BE49-F238E27FC236}">
+                <a16:creationId xmlns:a16="http://schemas.microsoft.com/office/drawing/2014/main" id="{67443131-1CA9-405F-8B23-66FD98AB33DC}"/>
+              </a:ext>
+            </a:extLst>
+          </p:cNvPr>
+          <p:cNvSpPr>
+            <a:spLocks noGrp="1"/>
+          </p:cNvSpPr>
+          <p:nvPr>
+            <p:ph idx="1"/>
+          </p:nvPr>
+        </p:nvSpPr>
+        <p:spPr>
+          <a:xfrm>
+            <a:off x="1066798" y="1990724"/>
+            <a:ext cx="10086977" cy="4867275"/>
+          </a:xfrm>
+        </p:spPr>
+        <p:txBody>
+          <a:bodyPr>
+            <a:normAutofit/>
+          </a:bodyPr>
+          <a:lstStyle/>
+          <a:p>
+            <a:r>
+              <a:rPr lang="de-DE"/>
+              <a:t>Components of a learner</a:t>
+            </a:r>
+          </a:p>
+          <a:p>
+            <a:pPr lvl="1"/>
+            <a:r>
+              <a:rPr lang="de-DE" b="1"/>
+              <a:t>Hypothesis space</a:t>
+            </a:r>
+            <a:r>
+              <a:rPr lang="de-DE"/>
+              <a:t>: </a:t>
+            </a:r>
+            <a:r>
+              <a:rPr lang="en-US"/>
+              <a:t>defines (and restricts!) what kind of model can be learned from the data</a:t>
+            </a:r>
+            <a:r>
+              <a:rPr lang="de-DE"/>
+              <a:t>, e.g.,</a:t>
+            </a:r>
+          </a:p>
+          <a:p>
+            <a:pPr lvl="2"/>
+            <a:r>
+              <a:rPr lang="de-DE"/>
+              <a:t>Logistic regression model</a:t>
+            </a:r>
+          </a:p>
+          <a:p>
+            <a:pPr lvl="2"/>
+            <a:r>
+              <a:rPr lang="de-DE"/>
+              <a:t>Decision tree</a:t>
+            </a:r>
+          </a:p>
+          <a:p>
+            <a:pPr lvl="2"/>
+            <a:r>
+              <a:rPr lang="de-DE"/>
+              <a:t>Random forest</a:t>
+            </a:r>
+          </a:p>
+          <a:p>
+            <a:pPr lvl="1"/>
+            <a:r>
+              <a:rPr lang="de-DE" b="1"/>
+              <a:t>Risk</a:t>
+            </a:r>
+            <a:r>
+              <a:rPr lang="de-DE"/>
+              <a:t>: </a:t>
+            </a:r>
+            <a:r>
+              <a:rPr lang="en-US"/>
+              <a:t>quantifies by how much our predictions deviate from the true target</a:t>
+            </a:r>
+            <a:br>
+              <a:rPr lang="en-US"/>
+            </a:br>
+            <a:r>
+              <a:rPr lang="en-US">
+                <a:sym typeface="Symbol" panose="05050102010706020507" pitchFamily="18" charset="2"/>
+              </a:rPr>
+              <a:t> To be minimized</a:t>
+            </a:r>
+          </a:p>
+          <a:p>
+            <a:pPr lvl="1"/>
+            <a:r>
+              <a:rPr lang="en-US" b="1">
+                <a:sym typeface="Symbol" panose="05050102010706020507" pitchFamily="18" charset="2"/>
+              </a:rPr>
+              <a:t>Optimization</a:t>
+            </a:r>
+            <a:r>
+              <a:rPr lang="en-US">
+                <a:sym typeface="Symbol" panose="05050102010706020507" pitchFamily="18" charset="2"/>
+              </a:rPr>
+              <a:t>: defines how to search for the best model</a:t>
+            </a:r>
+          </a:p>
+          <a:p>
+            <a:r>
+              <a:rPr lang="en-US" b="1">
+                <a:sym typeface="Symbol" panose="05050102010706020507" pitchFamily="18" charset="2"/>
+              </a:rPr>
+              <a:t>Result</a:t>
+            </a:r>
+            <a:r>
+              <a:rPr lang="en-US">
+                <a:sym typeface="Symbol" panose="05050102010706020507" pitchFamily="18" charset="2"/>
+              </a:rPr>
+              <a:t>: model with trained parameters</a:t>
+            </a:r>
+            <a:br>
+              <a:rPr lang="de-DE"/>
+            </a:br>
+            <a:endParaRPr lang="de-DE"/>
+          </a:p>
+          <a:p>
+            <a:endParaRPr lang="de-DE"/>
+          </a:p>
+          <a:p>
+            <a:pPr lvl="1"/>
+            <a:endParaRPr lang="en-US"/>
+          </a:p>
+        </p:txBody>
+      </p:sp>
+    </p:spTree>
+    <p:extLst>
+      <p:ext uri="{BB962C8B-B14F-4D97-AF65-F5344CB8AC3E}">
+        <p14:creationId xmlns:p14="http://schemas.microsoft.com/office/powerpoint/2010/main" val="1288241821"/>
+      </p:ext>
+    </p:extLst>
+  </p:cSld>
+  <p:clrMapOvr>
+    <a:masterClrMapping/>
+  </p:clrMapOvr>
+</p:sld>
+</file>
+
+<file path=ppt/slides/slide25.xml><?xml version="1.0" encoding="utf-8"?>
+<p:sld xmlns:a="http://schemas.openxmlformats.org/drawingml/2006/main" xmlns:r="http://schemas.openxmlformats.org/officeDocument/2006/relationships" xmlns:p="http://schemas.openxmlformats.org/presentationml/2006/main">
+  <p:cSld>
+    <p:spTree>
+      <p:nvGrpSpPr>
+        <p:cNvPr id="1" name=""/>
+        <p:cNvGrpSpPr/>
+        <p:nvPr/>
+      </p:nvGrpSpPr>
+      <p:grpSpPr>
+        <a:xfrm>
+          <a:off x="0" y="0"/>
+          <a:ext cx="0" cy="0"/>
+          <a:chOff x="0" y="0"/>
+          <a:chExt cx="0" cy="0"/>
+        </a:xfrm>
+      </p:grpSpPr>
+      <p:sp>
+        <p:nvSpPr>
+          <p:cNvPr id="4" name="Foliennummernplatzhalter 3"/>
+          <p:cNvSpPr>
+            <a:spLocks noGrp="1"/>
+          </p:cNvSpPr>
+          <p:nvPr>
+            <p:ph type="sldNum" sz="quarter" idx="12"/>
+          </p:nvPr>
+        </p:nvSpPr>
+        <p:spPr/>
+        <p:txBody>
+          <a:bodyPr/>
+          <a:lstStyle/>
+          <a:p>
+            <a:fld id="{C9E0B00B-E6DF-4183-A694-3DE28BEFB357}" type="slidenum">
+              <a:rPr lang="en-US" smtClean="0"/>
+              <a:t>25</a:t>
+            </a:fld>
+            <a:endParaRPr lang="en-US"/>
+          </a:p>
+        </p:txBody>
+      </p:sp>
+      <p:sp>
+        <p:nvSpPr>
+          <p:cNvPr id="12" name="Titel 1">
+            <a:extLst>
+              <a:ext uri="{FF2B5EF4-FFF2-40B4-BE49-F238E27FC236}">
+                <a16:creationId xmlns:a16="http://schemas.microsoft.com/office/drawing/2014/main" id="{478EA67A-3C39-4D0A-996A-C363F30A14B2}"/>
+              </a:ext>
+            </a:extLst>
+          </p:cNvPr>
+          <p:cNvSpPr>
+            <a:spLocks noGrp="1"/>
+          </p:cNvSpPr>
+          <p:nvPr>
+            <p:ph type="title"/>
+          </p:nvPr>
+        </p:nvSpPr>
+        <p:spPr>
+          <a:xfrm>
+            <a:off x="1066800" y="561524"/>
+            <a:ext cx="10287000" cy="1129164"/>
+          </a:xfrm>
+        </p:spPr>
+        <p:txBody>
+          <a:bodyPr/>
+          <a:lstStyle/>
+          <a:p>
+            <a:r>
+              <a:rPr lang="en-US"/>
+              <a:t>Training &amp; Prediction  </a:t>
+            </a:r>
+            <a:r>
+              <a:rPr lang="en-US" b="1"/>
+              <a:t>Example</a:t>
+            </a:r>
+          </a:p>
+        </p:txBody>
+      </p:sp>
+      <p:sp>
+        <p:nvSpPr>
+          <p:cNvPr id="7" name="Rectangle 6">
+            <a:extLst>
+              <a:ext uri="{FF2B5EF4-FFF2-40B4-BE49-F238E27FC236}">
+                <a16:creationId xmlns:a16="http://schemas.microsoft.com/office/drawing/2014/main" id="{399D5C87-EDAB-4C4B-A55D-E6DBDD9D5ABA}"/>
+              </a:ext>
+            </a:extLst>
+          </p:cNvPr>
+          <p:cNvSpPr/>
+          <p:nvPr/>
+        </p:nvSpPr>
+        <p:spPr>
+          <a:xfrm>
+            <a:off x="3228976" y="1992993"/>
+            <a:ext cx="8153400" cy="2872013"/>
+          </a:xfrm>
+          <a:prstGeom prst="rect">
+            <a:avLst/>
+          </a:prstGeom>
+          <a:solidFill>
+            <a:schemeClr val="bg2"/>
+          </a:solidFill>
+          <a:ln w="19050">
+            <a:solidFill>
+              <a:schemeClr val="bg2"/>
+            </a:solidFill>
+          </a:ln>
+        </p:spPr>
+        <p:style>
+          <a:lnRef idx="2">
+            <a:schemeClr val="dk1"/>
+          </a:lnRef>
+          <a:fillRef idx="1">
+            <a:schemeClr val="lt1"/>
+          </a:fillRef>
+          <a:effectRef idx="0">
+            <a:schemeClr val="dk1"/>
+          </a:effectRef>
+          <a:fontRef idx="minor">
+            <a:schemeClr val="dk1"/>
+          </a:fontRef>
+        </p:style>
+        <p:txBody>
+          <a:bodyPr rtlCol="0" anchor="ctr"/>
+          <a:lstStyle/>
+          <a:p>
+            <a:r>
+              <a:rPr lang="de-DE" sz="4000" b="1">
+                <a:solidFill>
+                  <a:schemeClr val="tx1"/>
+                </a:solidFill>
+              </a:rPr>
+              <a:t>Demo 9: ML Training &amp; Prediction</a:t>
+            </a:r>
+            <a:endParaRPr lang="en-US" sz="4000" b="1">
+              <a:solidFill>
+                <a:schemeClr val="tx1"/>
+              </a:solidFill>
+            </a:endParaRPr>
+          </a:p>
+        </p:txBody>
+      </p:sp>
+      <p:pic>
+        <p:nvPicPr>
+          <p:cNvPr id="9" name="Graphic 8" descr="Play with solid fill">
+            <a:extLst>
+              <a:ext uri="{FF2B5EF4-FFF2-40B4-BE49-F238E27FC236}">
+                <a16:creationId xmlns:a16="http://schemas.microsoft.com/office/drawing/2014/main" id="{5987626F-A389-40EE-AED1-4EC2BDAD023F}"/>
+              </a:ext>
+            </a:extLst>
+          </p:cNvPr>
+          <p:cNvPicPr>
+            <a:picLocks noChangeAspect="1"/>
+          </p:cNvPicPr>
+          <p:nvPr/>
+        </p:nvPicPr>
+        <p:blipFill>
+          <a:blip r:embed="rId3">
+            <a:extLst>
+              <a:ext uri="{28A0092B-C50C-407E-A947-70E740481C1C}">
+                <a14:useLocalDpi xmlns:a14="http://schemas.microsoft.com/office/drawing/2010/main" val="0"/>
+              </a:ext>
+              <a:ext uri="{96DAC541-7B7A-43D3-8B79-37D633B846F1}">
+                <asvg:svgBlip xmlns:asvg="http://schemas.microsoft.com/office/drawing/2016/SVG/main" r:embed="rId4"/>
+              </a:ext>
+            </a:extLst>
+          </a:blip>
+          <a:stretch>
+            <a:fillRect/>
+          </a:stretch>
+        </p:blipFill>
+        <p:spPr>
+          <a:xfrm>
+            <a:off x="923914" y="2276468"/>
+            <a:ext cx="2305062" cy="2305062"/>
+          </a:xfrm>
+          <a:prstGeom prst="rect">
+            <a:avLst/>
+          </a:prstGeom>
+        </p:spPr>
+      </p:pic>
+    </p:spTree>
+    <p:extLst>
+      <p:ext uri="{BB962C8B-B14F-4D97-AF65-F5344CB8AC3E}">
+        <p14:creationId xmlns:p14="http://schemas.microsoft.com/office/powerpoint/2010/main" val="3327678176"/>
+      </p:ext>
+    </p:extLst>
+  </p:cSld>
+  <p:clrMapOvr>
+    <a:masterClrMapping/>
+  </p:clrMapOvr>
+</p:sld>
+</file>
+
+<file path=ppt/slides/slide26.xml><?xml version="1.0" encoding="utf-8"?>
+<p:sld xmlns:a="http://schemas.openxmlformats.org/drawingml/2006/main" xmlns:r="http://schemas.openxmlformats.org/officeDocument/2006/relationships" xmlns:p="http://schemas.openxmlformats.org/presentationml/2006/main">
+  <p:cSld>
+    <p:spTree>
+      <p:nvGrpSpPr>
+        <p:cNvPr id="1" name=""/>
+        <p:cNvGrpSpPr/>
+        <p:nvPr/>
+      </p:nvGrpSpPr>
+      <p:grpSpPr>
+        <a:xfrm>
+          <a:off x="0" y="0"/>
+          <a:ext cx="0" cy="0"/>
+          <a:chOff x="0" y="0"/>
+          <a:chExt cx="0" cy="0"/>
+        </a:xfrm>
+      </p:grpSpPr>
+      <p:sp>
+        <p:nvSpPr>
+          <p:cNvPr id="4" name="Foliennummernplatzhalter 3"/>
+          <p:cNvSpPr>
+            <a:spLocks noGrp="1"/>
+          </p:cNvSpPr>
+          <p:nvPr>
+            <p:ph type="sldNum" sz="quarter" idx="12"/>
+          </p:nvPr>
+        </p:nvSpPr>
+        <p:spPr/>
+        <p:txBody>
+          <a:bodyPr/>
+          <a:lstStyle/>
+          <a:p>
+            <a:fld id="{C9E0B00B-E6DF-4183-A694-3DE28BEFB357}" type="slidenum">
+              <a:rPr lang="en-US" smtClean="0"/>
+              <a:t>26</a:t>
+            </a:fld>
+            <a:endParaRPr lang="en-US"/>
+          </a:p>
+        </p:txBody>
+      </p:sp>
+      <p:sp>
+        <p:nvSpPr>
+          <p:cNvPr id="12" name="Titel 1">
+            <a:extLst>
+              <a:ext uri="{FF2B5EF4-FFF2-40B4-BE49-F238E27FC236}">
+                <a16:creationId xmlns:a16="http://schemas.microsoft.com/office/drawing/2014/main" id="{478EA67A-3C39-4D0A-996A-C363F30A14B2}"/>
+              </a:ext>
+            </a:extLst>
+          </p:cNvPr>
+          <p:cNvSpPr>
+            <a:spLocks noGrp="1"/>
+          </p:cNvSpPr>
+          <p:nvPr>
+            <p:ph type="title"/>
+          </p:nvPr>
+        </p:nvSpPr>
+        <p:spPr>
+          <a:xfrm>
+            <a:off x="1066800" y="561524"/>
+            <a:ext cx="10287000" cy="1129164"/>
+          </a:xfrm>
+        </p:spPr>
+        <p:txBody>
+          <a:bodyPr/>
+          <a:lstStyle/>
+          <a:p>
+            <a:r>
+              <a:rPr lang="en-US"/>
+              <a:t>Training &amp; Prediction  </a:t>
+            </a:r>
+            <a:r>
+              <a:rPr lang="en-US" b="1"/>
+              <a:t>Exercise</a:t>
+            </a:r>
+          </a:p>
+        </p:txBody>
+      </p:sp>
+      <p:sp>
+        <p:nvSpPr>
+          <p:cNvPr id="7" name="Rectangle 6">
+            <a:extLst>
+              <a:ext uri="{FF2B5EF4-FFF2-40B4-BE49-F238E27FC236}">
+                <a16:creationId xmlns:a16="http://schemas.microsoft.com/office/drawing/2014/main" id="{399D5C87-EDAB-4C4B-A55D-E6DBDD9D5ABA}"/>
+              </a:ext>
+            </a:extLst>
+          </p:cNvPr>
+          <p:cNvSpPr/>
+          <p:nvPr/>
+        </p:nvSpPr>
+        <p:spPr>
+          <a:xfrm>
+            <a:off x="3228976" y="1992993"/>
+            <a:ext cx="8153400" cy="2872013"/>
+          </a:xfrm>
+          <a:prstGeom prst="rect">
+            <a:avLst/>
+          </a:prstGeom>
+          <a:solidFill>
+            <a:schemeClr val="bg2"/>
+          </a:solidFill>
+          <a:ln w="19050">
+            <a:solidFill>
+              <a:schemeClr val="bg2"/>
+            </a:solidFill>
+          </a:ln>
+        </p:spPr>
+        <p:style>
+          <a:lnRef idx="2">
+            <a:schemeClr val="dk1"/>
+          </a:lnRef>
+          <a:fillRef idx="1">
+            <a:schemeClr val="lt1"/>
+          </a:fillRef>
+          <a:effectRef idx="0">
+            <a:schemeClr val="dk1"/>
+          </a:effectRef>
+          <a:fontRef idx="minor">
+            <a:schemeClr val="dk1"/>
+          </a:fontRef>
+        </p:style>
+        <p:txBody>
+          <a:bodyPr rtlCol="0" anchor="ctr"/>
+          <a:lstStyle/>
+          <a:p>
+            <a:r>
+              <a:rPr lang="de-DE" sz="4000" b="1">
+                <a:solidFill>
+                  <a:schemeClr val="tx1"/>
+                </a:solidFill>
+              </a:rPr>
+              <a:t>Exercise 5: ML Training &amp; Prediction</a:t>
+            </a:r>
+            <a:endParaRPr lang="en-US" sz="4000">
+              <a:solidFill>
+                <a:schemeClr val="tx1"/>
+              </a:solidFill>
+            </a:endParaRPr>
+          </a:p>
+        </p:txBody>
+      </p:sp>
+      <p:pic>
+        <p:nvPicPr>
+          <p:cNvPr id="6" name="Graphic 5" descr="Game controller with solid fill">
+            <a:extLst>
+              <a:ext uri="{FF2B5EF4-FFF2-40B4-BE49-F238E27FC236}">
+                <a16:creationId xmlns:a16="http://schemas.microsoft.com/office/drawing/2014/main" id="{449635E3-0ECF-4549-A66D-053B46FAF69D}"/>
+              </a:ext>
+            </a:extLst>
+          </p:cNvPr>
+          <p:cNvPicPr>
+            <a:picLocks noChangeAspect="1"/>
+          </p:cNvPicPr>
+          <p:nvPr/>
+        </p:nvPicPr>
+        <p:blipFill>
+          <a:blip r:embed="rId3">
+            <a:extLst>
+              <a:ext uri="{28A0092B-C50C-407E-A947-70E740481C1C}">
+                <a14:useLocalDpi xmlns:a14="http://schemas.microsoft.com/office/drawing/2010/main" val="0"/>
+              </a:ext>
+              <a:ext uri="{96DAC541-7B7A-43D3-8B79-37D633B846F1}">
+                <asvg:svgBlip xmlns:asvg="http://schemas.microsoft.com/office/drawing/2016/SVG/main" r:embed="rId4"/>
+              </a:ext>
+            </a:extLst>
+          </a:blip>
+          <a:stretch>
+            <a:fillRect/>
+          </a:stretch>
+        </p:blipFill>
+        <p:spPr>
+          <a:xfrm>
+            <a:off x="1066800" y="2481284"/>
+            <a:ext cx="1894360" cy="1895432"/>
+          </a:xfrm>
+          <a:prstGeom prst="rect">
+            <a:avLst/>
+          </a:prstGeom>
+        </p:spPr>
+      </p:pic>
+    </p:spTree>
+    <p:extLst>
+      <p:ext uri="{BB962C8B-B14F-4D97-AF65-F5344CB8AC3E}">
+        <p14:creationId xmlns:p14="http://schemas.microsoft.com/office/powerpoint/2010/main" val="3507502316"/>
+      </p:ext>
+    </p:extLst>
+  </p:cSld>
+  <p:clrMapOvr>
+    <a:masterClrMapping/>
+  </p:clrMapOvr>
+</p:sld>
+</file>
+
+<file path=ppt/slides/slide27.xml><?xml version="1.0" encoding="utf-8"?>
+<p:sld xmlns:a="http://schemas.openxmlformats.org/drawingml/2006/main" xmlns:r="http://schemas.openxmlformats.org/officeDocument/2006/relationships" xmlns:p="http://schemas.openxmlformats.org/presentationml/2006/main">
+  <p:cSld>
+    <p:spTree>
+      <p:nvGrpSpPr>
+        <p:cNvPr id="1" name=""/>
+        <p:cNvGrpSpPr/>
+        <p:nvPr/>
+      </p:nvGrpSpPr>
+      <p:grpSpPr>
+        <a:xfrm>
+          <a:off x="0" y="0"/>
+          <a:ext cx="0" cy="0"/>
+          <a:chOff x="0" y="0"/>
+          <a:chExt cx="0" cy="0"/>
+        </a:xfrm>
+      </p:grpSpPr>
+      <p:sp>
+        <p:nvSpPr>
+          <p:cNvPr id="4" name="Foliennummernplatzhalter 3"/>
+          <p:cNvSpPr>
+            <a:spLocks noGrp="1"/>
+          </p:cNvSpPr>
+          <p:nvPr>
+            <p:ph type="sldNum" sz="quarter" idx="12"/>
+          </p:nvPr>
+        </p:nvSpPr>
+        <p:spPr/>
+        <p:txBody>
+          <a:bodyPr/>
+          <a:lstStyle/>
+          <a:p>
+            <a:fld id="{C9E0B00B-E6DF-4183-A694-3DE28BEFB357}" type="slidenum">
+              <a:rPr lang="en-US" smtClean="0"/>
+              <a:t>27</a:t>
+            </a:fld>
+            <a:endParaRPr lang="en-US"/>
+          </a:p>
+        </p:txBody>
+      </p:sp>
+      <p:sp>
+        <p:nvSpPr>
+          <p:cNvPr id="9" name="Titel 1">
+            <a:extLst>
+              <a:ext uri="{FF2B5EF4-FFF2-40B4-BE49-F238E27FC236}">
+                <a16:creationId xmlns:a16="http://schemas.microsoft.com/office/drawing/2014/main" id="{7807725C-718A-4D77-AD01-05225CF68388}"/>
+              </a:ext>
+            </a:extLst>
+          </p:cNvPr>
+          <p:cNvSpPr>
+            <a:spLocks noGrp="1"/>
+          </p:cNvSpPr>
+          <p:nvPr>
+            <p:ph type="title"/>
+          </p:nvPr>
+        </p:nvSpPr>
+        <p:spPr>
+          <a:xfrm>
+            <a:off x="1066800" y="561524"/>
+            <a:ext cx="10287000" cy="1129164"/>
+          </a:xfrm>
+        </p:spPr>
+        <p:txBody>
+          <a:bodyPr>
+            <a:normAutofit/>
+          </a:bodyPr>
+          <a:lstStyle/>
+          <a:p>
+            <a:r>
+              <a:rPr lang="en-US"/>
+              <a:t>Performance Evaluation  </a:t>
+            </a:r>
+            <a:r>
+              <a:rPr lang="en-US" b="1"/>
+              <a:t>Idea</a:t>
+            </a:r>
+          </a:p>
+        </p:txBody>
+      </p:sp>
+      <p:sp>
+        <p:nvSpPr>
+          <p:cNvPr id="10" name="Content Placeholder 2">
+            <a:extLst>
+              <a:ext uri="{FF2B5EF4-FFF2-40B4-BE49-F238E27FC236}">
+                <a16:creationId xmlns:a16="http://schemas.microsoft.com/office/drawing/2014/main" id="{67443131-1CA9-405F-8B23-66FD98AB33DC}"/>
+              </a:ext>
+            </a:extLst>
+          </p:cNvPr>
+          <p:cNvSpPr>
+            <a:spLocks noGrp="1"/>
+          </p:cNvSpPr>
+          <p:nvPr>
+            <p:ph idx="1"/>
+          </p:nvPr>
+        </p:nvSpPr>
+        <p:spPr>
+          <a:xfrm>
+            <a:off x="1066798" y="1990724"/>
+            <a:ext cx="10086977" cy="4867275"/>
+          </a:xfrm>
+        </p:spPr>
+        <p:txBody>
+          <a:bodyPr>
+            <a:normAutofit/>
+          </a:bodyPr>
+          <a:lstStyle/>
+          <a:p>
+            <a:r>
+              <a:rPr lang="de-DE"/>
+              <a:t>Components of a learner</a:t>
+            </a:r>
+          </a:p>
+          <a:p>
+            <a:pPr lvl="1"/>
+            <a:r>
+              <a:rPr lang="de-DE" b="1"/>
+              <a:t>Hypothesis space</a:t>
+            </a:r>
+            <a:r>
+              <a:rPr lang="de-DE"/>
+              <a:t>: </a:t>
+            </a:r>
+            <a:r>
+              <a:rPr lang="en-US"/>
+              <a:t>defines (and restricts!) what kind of model can be learned from the data</a:t>
+            </a:r>
+            <a:r>
+              <a:rPr lang="de-DE"/>
+              <a:t>, e.g.,</a:t>
+            </a:r>
+          </a:p>
+          <a:p>
+            <a:pPr lvl="2"/>
+            <a:r>
+              <a:rPr lang="de-DE"/>
+              <a:t>Logistic regression model</a:t>
+            </a:r>
+          </a:p>
+          <a:p>
+            <a:pPr lvl="2"/>
+            <a:r>
+              <a:rPr lang="de-DE"/>
+              <a:t>Decision tree</a:t>
+            </a:r>
+          </a:p>
+          <a:p>
+            <a:pPr lvl="2"/>
+            <a:r>
+              <a:rPr lang="de-DE"/>
+              <a:t>Random forest</a:t>
+            </a:r>
+          </a:p>
+          <a:p>
+            <a:pPr lvl="1"/>
+            <a:r>
+              <a:rPr lang="de-DE" b="1"/>
+              <a:t>Risk</a:t>
+            </a:r>
+            <a:r>
+              <a:rPr lang="de-DE"/>
+              <a:t>: </a:t>
+            </a:r>
+            <a:r>
+              <a:rPr lang="en-US"/>
+              <a:t>quantifies by how much our predictions deviate from the true target</a:t>
+            </a:r>
+            <a:br>
+              <a:rPr lang="en-US"/>
+            </a:br>
+            <a:r>
+              <a:rPr lang="en-US">
+                <a:sym typeface="Symbol" panose="05050102010706020507" pitchFamily="18" charset="2"/>
+              </a:rPr>
+              <a:t> To be minimized</a:t>
+            </a:r>
+          </a:p>
+          <a:p>
+            <a:pPr lvl="1"/>
+            <a:r>
+              <a:rPr lang="en-US" b="1">
+                <a:sym typeface="Symbol" panose="05050102010706020507" pitchFamily="18" charset="2"/>
+              </a:rPr>
+              <a:t>Optimization</a:t>
+            </a:r>
+            <a:r>
+              <a:rPr lang="en-US">
+                <a:sym typeface="Symbol" panose="05050102010706020507" pitchFamily="18" charset="2"/>
+              </a:rPr>
+              <a:t>: defines how to search for the best model</a:t>
+            </a:r>
+          </a:p>
+          <a:p>
+            <a:r>
+              <a:rPr lang="en-US" b="1">
+                <a:sym typeface="Symbol" panose="05050102010706020507" pitchFamily="18" charset="2"/>
+              </a:rPr>
+              <a:t>Result</a:t>
+            </a:r>
+            <a:r>
+              <a:rPr lang="en-US">
+                <a:sym typeface="Symbol" panose="05050102010706020507" pitchFamily="18" charset="2"/>
+              </a:rPr>
+              <a:t>: model with trained parameters</a:t>
+            </a:r>
+            <a:br>
+              <a:rPr lang="de-DE"/>
+            </a:br>
+            <a:endParaRPr lang="de-DE"/>
+          </a:p>
+          <a:p>
+            <a:endParaRPr lang="de-DE"/>
+          </a:p>
+          <a:p>
+            <a:pPr lvl="1"/>
+            <a:endParaRPr lang="en-US"/>
+          </a:p>
+        </p:txBody>
+      </p:sp>
+    </p:spTree>
+    <p:extLst>
+      <p:ext uri="{BB962C8B-B14F-4D97-AF65-F5344CB8AC3E}">
+        <p14:creationId xmlns:p14="http://schemas.microsoft.com/office/powerpoint/2010/main" val="200602647"/>
+      </p:ext>
+    </p:extLst>
+  </p:cSld>
+  <p:clrMapOvr>
+    <a:masterClrMapping/>
+  </p:clrMapOvr>
+</p:sld>
+</file>
+
+<file path=ppt/slides/slide28.xml><?xml version="1.0" encoding="utf-8"?>
+<p:sld xmlns:a="http://schemas.openxmlformats.org/drawingml/2006/main" xmlns:r="http://schemas.openxmlformats.org/officeDocument/2006/relationships" xmlns:p="http://schemas.openxmlformats.org/presentationml/2006/main">
+  <p:cSld>
+    <p:spTree>
+      <p:nvGrpSpPr>
+        <p:cNvPr id="1" name=""/>
+        <p:cNvGrpSpPr/>
+        <p:nvPr/>
+      </p:nvGrpSpPr>
+      <p:grpSpPr>
+        <a:xfrm>
+          <a:off x="0" y="0"/>
+          <a:ext cx="0" cy="0"/>
+          <a:chOff x="0" y="0"/>
+          <a:chExt cx="0" cy="0"/>
+        </a:xfrm>
+      </p:grpSpPr>
+      <p:sp>
+        <p:nvSpPr>
+          <p:cNvPr id="4" name="Foliennummernplatzhalter 3"/>
+          <p:cNvSpPr>
+            <a:spLocks noGrp="1"/>
+          </p:cNvSpPr>
+          <p:nvPr>
+            <p:ph type="sldNum" sz="quarter" idx="12"/>
+          </p:nvPr>
+        </p:nvSpPr>
+        <p:spPr/>
+        <p:txBody>
+          <a:bodyPr/>
+          <a:lstStyle/>
+          <a:p>
+            <a:fld id="{C9E0B00B-E6DF-4183-A694-3DE28BEFB357}" type="slidenum">
+              <a:rPr lang="en-US" smtClean="0"/>
+              <a:t>28</a:t>
+            </a:fld>
+            <a:endParaRPr lang="en-US"/>
+          </a:p>
+        </p:txBody>
+      </p:sp>
+      <p:sp>
+        <p:nvSpPr>
+          <p:cNvPr id="12" name="Titel 1">
+            <a:extLst>
+              <a:ext uri="{FF2B5EF4-FFF2-40B4-BE49-F238E27FC236}">
+                <a16:creationId xmlns:a16="http://schemas.microsoft.com/office/drawing/2014/main" id="{478EA67A-3C39-4D0A-996A-C363F30A14B2}"/>
+              </a:ext>
+            </a:extLst>
+          </p:cNvPr>
+          <p:cNvSpPr>
+            <a:spLocks noGrp="1"/>
+          </p:cNvSpPr>
+          <p:nvPr>
+            <p:ph type="title"/>
+          </p:nvPr>
+        </p:nvSpPr>
+        <p:spPr>
+          <a:xfrm>
+            <a:off x="1066800" y="561524"/>
+            <a:ext cx="10287000" cy="1129164"/>
+          </a:xfrm>
+        </p:spPr>
+        <p:txBody>
+          <a:bodyPr/>
+          <a:lstStyle/>
+          <a:p>
+            <a:r>
+              <a:rPr lang="en-US"/>
+              <a:t>Performance Evaluation  </a:t>
+            </a:r>
+            <a:r>
+              <a:rPr lang="en-US" b="1"/>
+              <a:t>Example</a:t>
+            </a:r>
+          </a:p>
+        </p:txBody>
+      </p:sp>
+      <p:sp>
+        <p:nvSpPr>
+          <p:cNvPr id="7" name="Rectangle 6">
+            <a:extLst>
+              <a:ext uri="{FF2B5EF4-FFF2-40B4-BE49-F238E27FC236}">
+                <a16:creationId xmlns:a16="http://schemas.microsoft.com/office/drawing/2014/main" id="{399D5C87-EDAB-4C4B-A55D-E6DBDD9D5ABA}"/>
+              </a:ext>
+            </a:extLst>
+          </p:cNvPr>
+          <p:cNvSpPr/>
+          <p:nvPr/>
+        </p:nvSpPr>
+        <p:spPr>
+          <a:xfrm>
+            <a:off x="3228976" y="1992993"/>
+            <a:ext cx="8153400" cy="2872013"/>
+          </a:xfrm>
+          <a:prstGeom prst="rect">
+            <a:avLst/>
+          </a:prstGeom>
+          <a:solidFill>
+            <a:schemeClr val="bg2"/>
+          </a:solidFill>
+          <a:ln w="19050">
+            <a:solidFill>
+              <a:schemeClr val="bg2"/>
+            </a:solidFill>
+          </a:ln>
+        </p:spPr>
+        <p:style>
+          <a:lnRef idx="2">
+            <a:schemeClr val="dk1"/>
+          </a:lnRef>
+          <a:fillRef idx="1">
+            <a:schemeClr val="lt1"/>
+          </a:fillRef>
+          <a:effectRef idx="0">
+            <a:schemeClr val="dk1"/>
+          </a:effectRef>
+          <a:fontRef idx="minor">
+            <a:schemeClr val="dk1"/>
+          </a:fontRef>
+        </p:style>
+        <p:txBody>
+          <a:bodyPr rtlCol="0" anchor="ctr"/>
+          <a:lstStyle/>
+          <a:p>
+            <a:r>
+              <a:rPr lang="de-DE" sz="4000" b="1">
+                <a:solidFill>
+                  <a:schemeClr val="tx1"/>
+                </a:solidFill>
+              </a:rPr>
+              <a:t>Demo 10: ML Evaluation</a:t>
+            </a:r>
+            <a:endParaRPr lang="en-US" sz="4000" b="1">
+              <a:solidFill>
+                <a:schemeClr val="tx1"/>
+              </a:solidFill>
+            </a:endParaRPr>
+          </a:p>
+        </p:txBody>
+      </p:sp>
+      <p:pic>
+        <p:nvPicPr>
+          <p:cNvPr id="9" name="Graphic 8" descr="Play with solid fill">
+            <a:extLst>
+              <a:ext uri="{FF2B5EF4-FFF2-40B4-BE49-F238E27FC236}">
+                <a16:creationId xmlns:a16="http://schemas.microsoft.com/office/drawing/2014/main" id="{5987626F-A389-40EE-AED1-4EC2BDAD023F}"/>
+              </a:ext>
+            </a:extLst>
+          </p:cNvPr>
+          <p:cNvPicPr>
+            <a:picLocks noChangeAspect="1"/>
+          </p:cNvPicPr>
+          <p:nvPr/>
+        </p:nvPicPr>
+        <p:blipFill>
+          <a:blip r:embed="rId3">
+            <a:extLst>
+              <a:ext uri="{28A0092B-C50C-407E-A947-70E740481C1C}">
+                <a14:useLocalDpi xmlns:a14="http://schemas.microsoft.com/office/drawing/2010/main" val="0"/>
+              </a:ext>
+              <a:ext uri="{96DAC541-7B7A-43D3-8B79-37D633B846F1}">
+                <asvg:svgBlip xmlns:asvg="http://schemas.microsoft.com/office/drawing/2016/SVG/main" r:embed="rId4"/>
+              </a:ext>
+            </a:extLst>
+          </a:blip>
+          <a:stretch>
+            <a:fillRect/>
+          </a:stretch>
+        </p:blipFill>
+        <p:spPr>
+          <a:xfrm>
+            <a:off x="923914" y="2276468"/>
+            <a:ext cx="2305062" cy="2305062"/>
+          </a:xfrm>
+          <a:prstGeom prst="rect">
+            <a:avLst/>
+          </a:prstGeom>
+        </p:spPr>
+      </p:pic>
+    </p:spTree>
+    <p:extLst>
+      <p:ext uri="{BB962C8B-B14F-4D97-AF65-F5344CB8AC3E}">
+        <p14:creationId xmlns:p14="http://schemas.microsoft.com/office/powerpoint/2010/main" val="4058031041"/>
+      </p:ext>
+    </p:extLst>
+  </p:cSld>
+  <p:clrMapOvr>
+    <a:masterClrMapping/>
+  </p:clrMapOvr>
+</p:sld>
+</file>
+
+<file path=ppt/slides/slide29.xml><?xml version="1.0" encoding="utf-8"?>
+<p:sld xmlns:a="http://schemas.openxmlformats.org/drawingml/2006/main" xmlns:r="http://schemas.openxmlformats.org/officeDocument/2006/relationships" xmlns:p="http://schemas.openxmlformats.org/presentationml/2006/main">
+  <p:cSld>
+    <p:spTree>
+      <p:nvGrpSpPr>
+        <p:cNvPr id="1" name=""/>
+        <p:cNvGrpSpPr/>
+        <p:nvPr/>
+      </p:nvGrpSpPr>
+      <p:grpSpPr>
+        <a:xfrm>
+          <a:off x="0" y="0"/>
+          <a:ext cx="0" cy="0"/>
+          <a:chOff x="0" y="0"/>
+          <a:chExt cx="0" cy="0"/>
+        </a:xfrm>
+      </p:grpSpPr>
+      <p:sp>
+        <p:nvSpPr>
+          <p:cNvPr id="4" name="Foliennummernplatzhalter 3"/>
+          <p:cNvSpPr>
+            <a:spLocks noGrp="1"/>
+          </p:cNvSpPr>
+          <p:nvPr>
+            <p:ph type="sldNum" sz="quarter" idx="12"/>
+          </p:nvPr>
+        </p:nvSpPr>
+        <p:spPr/>
+        <p:txBody>
+          <a:bodyPr/>
+          <a:lstStyle/>
+          <a:p>
+            <a:fld id="{C9E0B00B-E6DF-4183-A694-3DE28BEFB357}" type="slidenum">
+              <a:rPr lang="en-US" smtClean="0"/>
+              <a:t>29</a:t>
+            </a:fld>
+            <a:endParaRPr lang="en-US"/>
+          </a:p>
+        </p:txBody>
+      </p:sp>
+      <p:sp>
+        <p:nvSpPr>
+          <p:cNvPr id="12" name="Titel 1">
+            <a:extLst>
+              <a:ext uri="{FF2B5EF4-FFF2-40B4-BE49-F238E27FC236}">
+                <a16:creationId xmlns:a16="http://schemas.microsoft.com/office/drawing/2014/main" id="{478EA67A-3C39-4D0A-996A-C363F30A14B2}"/>
+              </a:ext>
+            </a:extLst>
+          </p:cNvPr>
+          <p:cNvSpPr>
+            <a:spLocks noGrp="1"/>
+          </p:cNvSpPr>
+          <p:nvPr>
+            <p:ph type="title"/>
+          </p:nvPr>
+        </p:nvSpPr>
+        <p:spPr>
+          <a:xfrm>
+            <a:off x="1066800" y="561524"/>
+            <a:ext cx="10287000" cy="1129164"/>
+          </a:xfrm>
+        </p:spPr>
+        <p:txBody>
+          <a:bodyPr/>
+          <a:lstStyle/>
+          <a:p>
+            <a:r>
+              <a:rPr lang="en-US"/>
+              <a:t>Performance Evaluation  </a:t>
+            </a:r>
+            <a:r>
+              <a:rPr lang="en-US" b="1"/>
+              <a:t>Exercise</a:t>
+            </a:r>
+          </a:p>
+        </p:txBody>
+      </p:sp>
+      <p:sp>
+        <p:nvSpPr>
+          <p:cNvPr id="7" name="Rectangle 6">
+            <a:extLst>
+              <a:ext uri="{FF2B5EF4-FFF2-40B4-BE49-F238E27FC236}">
+                <a16:creationId xmlns:a16="http://schemas.microsoft.com/office/drawing/2014/main" id="{399D5C87-EDAB-4C4B-A55D-E6DBDD9D5ABA}"/>
+              </a:ext>
+            </a:extLst>
+          </p:cNvPr>
+          <p:cNvSpPr/>
+          <p:nvPr/>
+        </p:nvSpPr>
+        <p:spPr>
+          <a:xfrm>
+            <a:off x="3228976" y="1992993"/>
+            <a:ext cx="8153400" cy="2872013"/>
+          </a:xfrm>
+          <a:prstGeom prst="rect">
+            <a:avLst/>
+          </a:prstGeom>
+          <a:solidFill>
+            <a:schemeClr val="bg2"/>
+          </a:solidFill>
+          <a:ln w="19050">
+            <a:solidFill>
+              <a:schemeClr val="bg2"/>
+            </a:solidFill>
+          </a:ln>
+        </p:spPr>
+        <p:style>
+          <a:lnRef idx="2">
+            <a:schemeClr val="dk1"/>
+          </a:lnRef>
+          <a:fillRef idx="1">
+            <a:schemeClr val="lt1"/>
+          </a:fillRef>
+          <a:effectRef idx="0">
+            <a:schemeClr val="dk1"/>
+          </a:effectRef>
+          <a:fontRef idx="minor">
+            <a:schemeClr val="dk1"/>
+          </a:fontRef>
+        </p:style>
+        <p:txBody>
+          <a:bodyPr rtlCol="0" anchor="ctr"/>
+          <a:lstStyle/>
+          <a:p>
+            <a:r>
+              <a:rPr lang="de-DE" sz="4000" b="1">
+                <a:solidFill>
+                  <a:schemeClr val="tx1"/>
+                </a:solidFill>
+              </a:rPr>
+              <a:t>Exercise 6: ML Evaluation</a:t>
+            </a:r>
+            <a:endParaRPr lang="en-US" sz="4000">
+              <a:solidFill>
+                <a:schemeClr val="tx1"/>
+              </a:solidFill>
+            </a:endParaRPr>
+          </a:p>
+        </p:txBody>
+      </p:sp>
+      <p:pic>
+        <p:nvPicPr>
+          <p:cNvPr id="6" name="Graphic 5" descr="Game controller with solid fill">
+            <a:extLst>
+              <a:ext uri="{FF2B5EF4-FFF2-40B4-BE49-F238E27FC236}">
+                <a16:creationId xmlns:a16="http://schemas.microsoft.com/office/drawing/2014/main" id="{449635E3-0ECF-4549-A66D-053B46FAF69D}"/>
+              </a:ext>
+            </a:extLst>
+          </p:cNvPr>
+          <p:cNvPicPr>
+            <a:picLocks noChangeAspect="1"/>
+          </p:cNvPicPr>
+          <p:nvPr/>
+        </p:nvPicPr>
+        <p:blipFill>
+          <a:blip r:embed="rId3">
+            <a:extLst>
+              <a:ext uri="{28A0092B-C50C-407E-A947-70E740481C1C}">
+                <a14:useLocalDpi xmlns:a14="http://schemas.microsoft.com/office/drawing/2010/main" val="0"/>
+              </a:ext>
+              <a:ext uri="{96DAC541-7B7A-43D3-8B79-37D633B846F1}">
+                <asvg:svgBlip xmlns:asvg="http://schemas.microsoft.com/office/drawing/2016/SVG/main" r:embed="rId4"/>
+              </a:ext>
+            </a:extLst>
+          </a:blip>
+          <a:stretch>
+            <a:fillRect/>
+          </a:stretch>
+        </p:blipFill>
+        <p:spPr>
+          <a:xfrm>
+            <a:off x="1066800" y="2481284"/>
+            <a:ext cx="1894360" cy="1895432"/>
+          </a:xfrm>
+          <a:prstGeom prst="rect">
+            <a:avLst/>
+          </a:prstGeom>
+        </p:spPr>
+      </p:pic>
+    </p:spTree>
+    <p:extLst>
+      <p:ext uri="{BB962C8B-B14F-4D97-AF65-F5344CB8AC3E}">
+        <p14:creationId xmlns:p14="http://schemas.microsoft.com/office/powerpoint/2010/main" val="34023541"/>
       </p:ext>
     </p:extLst>
   </p:cSld>
@@ -13394,6 +16876,420 @@
     <p:extLst>
       <p:ext uri="{BB962C8B-B14F-4D97-AF65-F5344CB8AC3E}">
         <p14:creationId xmlns:p14="http://schemas.microsoft.com/office/powerpoint/2010/main" val="2635496787"/>
+      </p:ext>
+    </p:extLst>
+  </p:cSld>
+  <p:clrMapOvr>
+    <a:masterClrMapping/>
+  </p:clrMapOvr>
+</p:sld>
+</file>
+
+<file path=ppt/slides/slide30.xml><?xml version="1.0" encoding="utf-8"?>
+<p:sld xmlns:a="http://schemas.openxmlformats.org/drawingml/2006/main" xmlns:r="http://schemas.openxmlformats.org/officeDocument/2006/relationships" xmlns:p="http://schemas.openxmlformats.org/presentationml/2006/main">
+  <p:cSld>
+    <p:spTree>
+      <p:nvGrpSpPr>
+        <p:cNvPr id="1" name=""/>
+        <p:cNvGrpSpPr/>
+        <p:nvPr/>
+      </p:nvGrpSpPr>
+      <p:grpSpPr>
+        <a:xfrm>
+          <a:off x="0" y="0"/>
+          <a:ext cx="0" cy="0"/>
+          <a:chOff x="0" y="0"/>
+          <a:chExt cx="0" cy="0"/>
+        </a:xfrm>
+      </p:grpSpPr>
+      <p:sp>
+        <p:nvSpPr>
+          <p:cNvPr id="2" name="Titel 1"/>
+          <p:cNvSpPr>
+            <a:spLocks noGrp="1"/>
+          </p:cNvSpPr>
+          <p:nvPr>
+            <p:ph type="title"/>
+          </p:nvPr>
+        </p:nvSpPr>
+        <p:spPr>
+          <a:xfrm>
+            <a:off x="1066800" y="1990724"/>
+            <a:ext cx="10280650" cy="2886075"/>
+          </a:xfrm>
+        </p:spPr>
+        <p:txBody>
+          <a:bodyPr/>
+          <a:lstStyle/>
+          <a:p>
+            <a:r>
+              <a:rPr lang="en-GB" b="1">
+                <a:effectLst>
+                  <a:outerShdw blurRad="38100" dist="38100" dir="2700000" algn="tl">
+                    <a:srgbClr val="000000">
+                      <a:alpha val="43137"/>
+                    </a:srgbClr>
+                  </a:outerShdw>
+                </a:effectLst>
+              </a:rPr>
+              <a:t>Part II-3: Sentiment Analysis</a:t>
+            </a:r>
+            <a:endParaRPr lang="en-US" b="1">
+              <a:effectLst>
+                <a:outerShdw blurRad="38100" dist="38100" dir="2700000" algn="tl">
+                  <a:srgbClr val="000000">
+                    <a:alpha val="43137"/>
+                  </a:srgbClr>
+                </a:outerShdw>
+              </a:effectLst>
+            </a:endParaRPr>
+          </a:p>
+        </p:txBody>
+      </p:sp>
+      <p:sp>
+        <p:nvSpPr>
+          <p:cNvPr id="3" name="Textplatzhalter 2"/>
+          <p:cNvSpPr>
+            <a:spLocks noGrp="1"/>
+          </p:cNvSpPr>
+          <p:nvPr>
+            <p:ph type="body" idx="1"/>
+          </p:nvPr>
+        </p:nvSpPr>
+        <p:spPr>
+          <a:xfrm>
+            <a:off x="1066798" y="4876799"/>
+            <a:ext cx="10280651" cy="1212851"/>
+          </a:xfrm>
+        </p:spPr>
+        <p:txBody>
+          <a:bodyPr/>
+          <a:lstStyle/>
+          <a:p>
+            <a:r>
+              <a:rPr lang="en-US" b="1">
+                <a:effectLst>
+                  <a:outerShdw blurRad="38100" dist="38100" dir="2700000" algn="tl">
+                    <a:srgbClr val="000000">
+                      <a:alpha val="43137"/>
+                    </a:srgbClr>
+                  </a:outerShdw>
+                </a:effectLst>
+              </a:rPr>
+              <a:t>Excursus: AutoML Pipeline</a:t>
+            </a:r>
+          </a:p>
+        </p:txBody>
+      </p:sp>
+      <p:sp>
+        <p:nvSpPr>
+          <p:cNvPr id="4" name="Foliennummernplatzhalter 3"/>
+          <p:cNvSpPr>
+            <a:spLocks noGrp="1"/>
+          </p:cNvSpPr>
+          <p:nvPr>
+            <p:ph type="sldNum" sz="quarter" idx="12"/>
+          </p:nvPr>
+        </p:nvSpPr>
+        <p:spPr/>
+        <p:txBody>
+          <a:bodyPr/>
+          <a:lstStyle/>
+          <a:p>
+            <a:fld id="{C9E0B00B-E6DF-4183-A694-3DE28BEFB357}" type="slidenum">
+              <a:rPr lang="en-US" smtClean="0"/>
+              <a:t>30</a:t>
+            </a:fld>
+            <a:endParaRPr lang="en-US"/>
+          </a:p>
+        </p:txBody>
+      </p:sp>
+    </p:spTree>
+    <p:extLst>
+      <p:ext uri="{BB962C8B-B14F-4D97-AF65-F5344CB8AC3E}">
+        <p14:creationId xmlns:p14="http://schemas.microsoft.com/office/powerpoint/2010/main" val="3533798371"/>
+      </p:ext>
+    </p:extLst>
+  </p:cSld>
+  <p:clrMapOvr>
+    <a:masterClrMapping/>
+  </p:clrMapOvr>
+</p:sld>
+</file>
+
+<file path=ppt/slides/slide31.xml><?xml version="1.0" encoding="utf-8"?>
+<p:sld xmlns:a="http://schemas.openxmlformats.org/drawingml/2006/main" xmlns:r="http://schemas.openxmlformats.org/officeDocument/2006/relationships" xmlns:p="http://schemas.openxmlformats.org/presentationml/2006/main">
+  <p:cSld>
+    <p:spTree>
+      <p:nvGrpSpPr>
+        <p:cNvPr id="1" name=""/>
+        <p:cNvGrpSpPr/>
+        <p:nvPr/>
+      </p:nvGrpSpPr>
+      <p:grpSpPr>
+        <a:xfrm>
+          <a:off x="0" y="0"/>
+          <a:ext cx="0" cy="0"/>
+          <a:chOff x="0" y="0"/>
+          <a:chExt cx="0" cy="0"/>
+        </a:xfrm>
+      </p:grpSpPr>
+      <p:sp>
+        <p:nvSpPr>
+          <p:cNvPr id="2" name="Titel 1"/>
+          <p:cNvSpPr>
+            <a:spLocks noGrp="1"/>
+          </p:cNvSpPr>
+          <p:nvPr>
+            <p:ph type="title"/>
+          </p:nvPr>
+        </p:nvSpPr>
+        <p:spPr>
+          <a:xfrm>
+            <a:off x="1066800" y="1990724"/>
+            <a:ext cx="10280650" cy="2886075"/>
+          </a:xfrm>
+        </p:spPr>
+        <p:txBody>
+          <a:bodyPr/>
+          <a:lstStyle/>
+          <a:p>
+            <a:r>
+              <a:rPr lang="en-GB" b="1">
+                <a:effectLst>
+                  <a:outerShdw blurRad="38100" dist="38100" dir="2700000" algn="tl">
+                    <a:srgbClr val="000000">
+                      <a:alpha val="43137"/>
+                    </a:srgbClr>
+                  </a:outerShdw>
+                </a:effectLst>
+              </a:rPr>
+              <a:t>Part II-3: Sentiment Analysis</a:t>
+            </a:r>
+            <a:endParaRPr lang="en-US" b="1">
+              <a:effectLst>
+                <a:outerShdw blurRad="38100" dist="38100" dir="2700000" algn="tl">
+                  <a:srgbClr val="000000">
+                    <a:alpha val="43137"/>
+                  </a:srgbClr>
+                </a:outerShdw>
+              </a:effectLst>
+            </a:endParaRPr>
+          </a:p>
+        </p:txBody>
+      </p:sp>
+      <p:sp>
+        <p:nvSpPr>
+          <p:cNvPr id="3" name="Textplatzhalter 2"/>
+          <p:cNvSpPr>
+            <a:spLocks noGrp="1"/>
+          </p:cNvSpPr>
+          <p:nvPr>
+            <p:ph type="body" idx="1"/>
+          </p:nvPr>
+        </p:nvSpPr>
+        <p:spPr>
+          <a:xfrm>
+            <a:off x="1066798" y="4876799"/>
+            <a:ext cx="10280651" cy="1212851"/>
+          </a:xfrm>
+        </p:spPr>
+        <p:txBody>
+          <a:bodyPr/>
+          <a:lstStyle/>
+          <a:p>
+            <a:r>
+              <a:rPr lang="en-US" b="1">
+                <a:effectLst>
+                  <a:outerShdw blurRad="38100" dist="38100" dir="2700000" algn="tl">
+                    <a:srgbClr val="000000">
+                      <a:alpha val="43137"/>
+                    </a:srgbClr>
+                  </a:outerShdw>
+                </a:effectLst>
+              </a:rPr>
+              <a:t>Literature and References</a:t>
+            </a:r>
+          </a:p>
+        </p:txBody>
+      </p:sp>
+      <p:sp>
+        <p:nvSpPr>
+          <p:cNvPr id="4" name="Foliennummernplatzhalter 3"/>
+          <p:cNvSpPr>
+            <a:spLocks noGrp="1"/>
+          </p:cNvSpPr>
+          <p:nvPr>
+            <p:ph type="sldNum" sz="quarter" idx="12"/>
+          </p:nvPr>
+        </p:nvSpPr>
+        <p:spPr/>
+        <p:txBody>
+          <a:bodyPr/>
+          <a:lstStyle/>
+          <a:p>
+            <a:fld id="{C9E0B00B-E6DF-4183-A694-3DE28BEFB357}" type="slidenum">
+              <a:rPr lang="en-US" smtClean="0"/>
+              <a:t>31</a:t>
+            </a:fld>
+            <a:endParaRPr lang="en-US"/>
+          </a:p>
+        </p:txBody>
+      </p:sp>
+    </p:spTree>
+    <p:extLst>
+      <p:ext uri="{BB962C8B-B14F-4D97-AF65-F5344CB8AC3E}">
+        <p14:creationId xmlns:p14="http://schemas.microsoft.com/office/powerpoint/2010/main" val="3564882128"/>
+      </p:ext>
+    </p:extLst>
+  </p:cSld>
+  <p:clrMapOvr>
+    <a:masterClrMapping/>
+  </p:clrMapOvr>
+</p:sld>
+</file>
+
+<file path=ppt/slides/slide32.xml><?xml version="1.0" encoding="utf-8"?>
+<p:sld xmlns:a="http://schemas.openxmlformats.org/drawingml/2006/main" xmlns:r="http://schemas.openxmlformats.org/officeDocument/2006/relationships" xmlns:p="http://schemas.openxmlformats.org/presentationml/2006/main">
+  <p:cSld>
+    <p:spTree>
+      <p:nvGrpSpPr>
+        <p:cNvPr id="1" name=""/>
+        <p:cNvGrpSpPr/>
+        <p:nvPr/>
+      </p:nvGrpSpPr>
+      <p:grpSpPr>
+        <a:xfrm>
+          <a:off x="0" y="0"/>
+          <a:ext cx="0" cy="0"/>
+          <a:chOff x="0" y="0"/>
+          <a:chExt cx="0" cy="0"/>
+        </a:xfrm>
+      </p:grpSpPr>
+      <p:sp>
+        <p:nvSpPr>
+          <p:cNvPr id="3" name="Content Placeholder 2">
+            <a:extLst>
+              <a:ext uri="{FF2B5EF4-FFF2-40B4-BE49-F238E27FC236}">
+                <a16:creationId xmlns:a16="http://schemas.microsoft.com/office/drawing/2014/main" id="{FA1390B1-7E9D-43A0-87DA-DCA86641596C}"/>
+              </a:ext>
+            </a:extLst>
+          </p:cNvPr>
+          <p:cNvSpPr>
+            <a:spLocks noGrp="1"/>
+          </p:cNvSpPr>
+          <p:nvPr>
+            <p:ph idx="1"/>
+          </p:nvPr>
+        </p:nvSpPr>
+        <p:spPr>
+          <a:xfrm>
+            <a:off x="1066800" y="548640"/>
+            <a:ext cx="10287000" cy="5628323"/>
+          </a:xfrm>
+        </p:spPr>
+        <p:txBody>
+          <a:bodyPr>
+            <a:normAutofit/>
+          </a:bodyPr>
+          <a:lstStyle/>
+          <a:p>
+            <a:pPr marL="0" indent="0">
+              <a:buNone/>
+            </a:pPr>
+            <a:r>
+              <a:rPr lang="en-US" sz="2000"/>
+              <a:t>Miner, G., Elder IV, J., Fast, A., Hill, T., Nisbet, R. and Delen, D. (2012): Practical Text Mining and Statistical Analysis for Non-Structured Text Data Applications, Academic Press. </a:t>
+            </a:r>
+          </a:p>
+          <a:p>
+            <a:pPr marL="0" indent="0">
+              <a:buNone/>
+            </a:pPr>
+            <a:r>
+              <a:rPr lang="en-US" sz="2000"/>
+              <a:t>Pennington, J., Socher, R., and Manning, C. (2014): GloVe. Global Vectors for Word Representation. </a:t>
+            </a:r>
+            <a:r>
+              <a:rPr lang="en-US" sz="2000" i="1"/>
+              <a:t>Proceedings of the 2014 Conference on Empirical Methods in Natural Language Processing (EMNLP)</a:t>
+            </a:r>
+            <a:r>
+              <a:rPr lang="en-US" sz="2000"/>
+              <a:t>, pp. 1532–1543.</a:t>
+            </a:r>
+          </a:p>
+          <a:p>
+            <a:pPr marL="0" indent="0">
+              <a:buNone/>
+            </a:pPr>
+            <a:r>
+              <a:rPr lang="en-US" sz="2000"/>
+              <a:t>Pennington, J., Socher, R., and Manning, C. (2014): Pre-trained word vectors. https://nlp.stanford.edu/projects/glove.</a:t>
+            </a:r>
+          </a:p>
+          <a:p>
+            <a:pPr marL="0" indent="0">
+              <a:buNone/>
+            </a:pPr>
+            <a:r>
+              <a:rPr lang="en-US" sz="2000"/>
+              <a:t>Sarkar, D. (2016): Text Analytics with Python. A Practitioner's Guide to Natural Language Processing, Apress.</a:t>
+            </a:r>
+          </a:p>
+          <a:p>
+            <a:pPr marL="0" indent="0">
+              <a:buNone/>
+            </a:pPr>
+            <a:endParaRPr lang="en-US" sz="2000"/>
+          </a:p>
+          <a:p>
+            <a:pPr marL="0" indent="0">
+              <a:buNone/>
+            </a:pPr>
+            <a:endParaRPr lang="en-US" sz="2000"/>
+          </a:p>
+          <a:p>
+            <a:pPr marL="0" indent="0">
+              <a:buNone/>
+            </a:pPr>
+            <a:endParaRPr lang="en-US" sz="2000"/>
+          </a:p>
+        </p:txBody>
+      </p:sp>
+      <p:sp>
+        <p:nvSpPr>
+          <p:cNvPr id="4" name="Slide Number Placeholder 3">
+            <a:extLst>
+              <a:ext uri="{FF2B5EF4-FFF2-40B4-BE49-F238E27FC236}">
+                <a16:creationId xmlns:a16="http://schemas.microsoft.com/office/drawing/2014/main" id="{50955CD9-AF86-42B8-87B9-3C611402B212}"/>
+              </a:ext>
+            </a:extLst>
+          </p:cNvPr>
+          <p:cNvSpPr>
+            <a:spLocks noGrp="1"/>
+          </p:cNvSpPr>
+          <p:nvPr>
+            <p:ph type="sldNum" sz="quarter" idx="12"/>
+          </p:nvPr>
+        </p:nvSpPr>
+        <p:spPr/>
+        <p:txBody>
+          <a:bodyPr/>
+          <a:lstStyle/>
+          <a:p>
+            <a:fld id="{C9E0B00B-E6DF-4183-A694-3DE28BEFB357}" type="slidenum">
+              <a:rPr lang="en-US" smtClean="0"/>
+              <a:t>32</a:t>
+            </a:fld>
+            <a:endParaRPr lang="en-US"/>
+          </a:p>
+        </p:txBody>
+      </p:sp>
+    </p:spTree>
+    <p:extLst>
+      <p:ext uri="{BB962C8B-B14F-4D97-AF65-F5344CB8AC3E}">
+        <p14:creationId xmlns:p14="http://schemas.microsoft.com/office/powerpoint/2010/main" val="2130856695"/>
       </p:ext>
     </p:extLst>
   </p:cSld>
@@ -16570,422 +20466,377 @@
           </a:p>
         </p:txBody>
       </p:sp>
-      <mc:AlternateContent xmlns:mc="http://schemas.openxmlformats.org/markup-compatibility/2006" xmlns:a14="http://schemas.microsoft.com/office/drawing/2010/main">
-        <mc:Choice Requires="a14">
-          <p:sp>
-            <p:nvSpPr>
-              <p:cNvPr id="10" name="Content Placeholder 2">
+      <p:sp>
+        <p:nvSpPr>
+          <p:cNvPr id="10" name="Content Placeholder 2">
+            <a:extLst>
+              <a:ext uri="{FF2B5EF4-FFF2-40B4-BE49-F238E27FC236}">
+                <a16:creationId xmlns:a16="http://schemas.microsoft.com/office/drawing/2014/main" id="{67443131-1CA9-405F-8B23-66FD98AB33DC}"/>
+              </a:ext>
+            </a:extLst>
+          </p:cNvPr>
+          <p:cNvSpPr>
+            <a:spLocks noGrp="1"/>
+          </p:cNvSpPr>
+          <p:nvPr>
+            <p:ph idx="1"/>
+          </p:nvPr>
+        </p:nvSpPr>
+        <p:spPr>
+          <a:xfrm>
+            <a:off x="1066798" y="1990724"/>
+            <a:ext cx="10086977" cy="4867275"/>
+          </a:xfrm>
+        </p:spPr>
+        <p:txBody>
+          <a:bodyPr>
+            <a:normAutofit/>
+          </a:bodyPr>
+          <a:lstStyle/>
+          <a:p>
+            <a:r>
+              <a:rPr lang="en-GB" b="1"/>
+              <a:t>Dimensionality reduction</a:t>
+            </a:r>
+          </a:p>
+          <a:p>
+            <a:r>
+              <a:rPr lang="en-US" b="1"/>
+              <a:t>Embeddings</a:t>
+            </a:r>
+            <a:r>
+              <a:rPr lang="en-US"/>
+              <a:t> / factor loadings</a:t>
+            </a:r>
+          </a:p>
+          <a:p>
+            <a:pPr lvl="1"/>
+            <a:r>
+              <a:rPr lang="en-US"/>
+              <a:t>Characterize words by their surrounding context</a:t>
+            </a:r>
+          </a:p>
+          <a:p>
+            <a:pPr lvl="1"/>
+            <a:r>
+              <a:rPr lang="en-US"/>
+              <a:t>Latent dimensions by which words can be represented</a:t>
+            </a:r>
+          </a:p>
+          <a:p>
+            <a:pPr lvl="1"/>
+            <a:r>
+              <a:rPr lang="en-US"/>
+              <a:t>Similar </a:t>
+            </a:r>
+            <a:r>
+              <a:rPr lang="en-US" dirty="0"/>
+              <a:t>meaning = similar representation in the </a:t>
+            </a:r>
+            <a:r>
+              <a:rPr lang="en-US"/>
+              <a:t>vector space</a:t>
+            </a:r>
+          </a:p>
+        </p:txBody>
+      </p:sp>
+      <p:graphicFrame>
+        <p:nvGraphicFramePr>
+          <p:cNvPr id="5" name="Tabelle 14">
+            <a:extLst>
+              <a:ext uri="{FF2B5EF4-FFF2-40B4-BE49-F238E27FC236}">
+                <a16:creationId xmlns:a16="http://schemas.microsoft.com/office/drawing/2014/main" id="{99E0E39E-6231-4B5C-A6B3-A63FBE983569}"/>
+              </a:ext>
+            </a:extLst>
+          </p:cNvPr>
+          <p:cNvGraphicFramePr>
+            <a:graphicFrameLocks noGrp="1"/>
+          </p:cNvGraphicFramePr>
+          <p:nvPr>
+            <p:extLst>
+              <p:ext uri="{D42A27DB-BD31-4B8C-83A1-F6EECF244321}">
+                <p14:modId xmlns:p14="http://schemas.microsoft.com/office/powerpoint/2010/main" val="2920315269"/>
+              </p:ext>
+            </p:extLst>
+          </p:nvPr>
+        </p:nvGraphicFramePr>
+        <p:xfrm>
+          <a:off x="1590099" y="4845628"/>
+          <a:ext cx="8102541" cy="1341120"/>
+        </p:xfrm>
+        <a:graphic>
+          <a:graphicData uri="http://schemas.openxmlformats.org/drawingml/2006/table">
+            <a:tbl>
+              <a:tblPr firstRow="1" bandRow="1">
+                <a:tableStyleId>{5940675A-B579-460E-94D1-54222C63F5DA}</a:tableStyleId>
+              </a:tblPr>
+              <a:tblGrid>
+                <a:gridCol w="2700847">
+                  <a:extLst>
+                    <a:ext uri="{9D8B030D-6E8A-4147-A177-3AD203B41FA5}">
+                      <a16:colId xmlns:a16="http://schemas.microsoft.com/office/drawing/2014/main" val="3312905602"/>
+                    </a:ext>
+                  </a:extLst>
+                </a:gridCol>
+                <a:gridCol w="2700847">
+                  <a:extLst>
+                    <a:ext uri="{9D8B030D-6E8A-4147-A177-3AD203B41FA5}">
+                      <a16:colId xmlns:a16="http://schemas.microsoft.com/office/drawing/2014/main" val="832585182"/>
+                    </a:ext>
+                  </a:extLst>
+                </a:gridCol>
+                <a:gridCol w="2700847">
+                  <a:extLst>
+                    <a:ext uri="{9D8B030D-6E8A-4147-A177-3AD203B41FA5}">
+                      <a16:colId xmlns:a16="http://schemas.microsoft.com/office/drawing/2014/main" val="1578200694"/>
+                    </a:ext>
+                  </a:extLst>
+                </a:gridCol>
+              </a:tblGrid>
+              <a:tr h="190104">
+                <a:tc>
+                  <a:txBody>
+                    <a:bodyPr/>
+                    <a:lstStyle/>
+                    <a:p>
+                      <a:r>
+                        <a:rPr lang="de-DE" sz="1600"/>
+                        <a:t>word</a:t>
+                      </a:r>
+                      <a:endParaRPr lang="en-US" sz="1600" dirty="0"/>
+                    </a:p>
+                  </a:txBody>
+                  <a:tcPr/>
+                </a:tc>
+                <a:tc>
+                  <a:txBody>
+                    <a:bodyPr/>
+                    <a:lstStyle/>
+                    <a:p>
+                      <a:r>
+                        <a:rPr lang="en-US" sz="1600"/>
+                        <a:t>embedding 1</a:t>
+                      </a:r>
+                      <a:endParaRPr lang="en-US" sz="1600" dirty="0"/>
+                    </a:p>
+                  </a:txBody>
+                  <a:tcPr/>
+                </a:tc>
+                <a:tc>
+                  <a:txBody>
+                    <a:bodyPr/>
+                    <a:lstStyle/>
+                    <a:p>
+                      <a:r>
+                        <a:rPr lang="en-US" sz="1600"/>
+                        <a:t>embedding 2</a:t>
+                      </a:r>
+                      <a:endParaRPr lang="en-US" sz="1600" dirty="0"/>
+                    </a:p>
+                  </a:txBody>
+                  <a:tcPr/>
+                </a:tc>
                 <a:extLst>
-                  <a:ext uri="{FF2B5EF4-FFF2-40B4-BE49-F238E27FC236}">
-                    <a16:creationId xmlns:a16="http://schemas.microsoft.com/office/drawing/2014/main" id="{67443131-1CA9-405F-8B23-66FD98AB33DC}"/>
+                  <a:ext uri="{0D108BD9-81ED-4DB2-BD59-A6C34878D82A}">
+                    <a16:rowId xmlns:a16="http://schemas.microsoft.com/office/drawing/2014/main" val="1109532702"/>
                   </a:ext>
                 </a:extLst>
-              </p:cNvPr>
-              <p:cNvSpPr>
-                <a:spLocks noGrp="1"/>
-              </p:cNvSpPr>
-              <p:nvPr>
-                <p:ph idx="1"/>
-              </p:nvPr>
-            </p:nvSpPr>
-            <p:spPr>
-              <a:xfrm>
-                <a:off x="1066798" y="1990724"/>
-                <a:ext cx="10086977" cy="4867275"/>
-              </a:xfrm>
-            </p:spPr>
-            <p:txBody>
-              <a:bodyPr>
-                <a:normAutofit/>
-              </a:bodyPr>
-              <a:lstStyle/>
-              <a:p>
-                <a:r>
-                  <a:rPr lang="en-GB" b="1"/>
-                  <a:t>Dimensionality reduction</a:t>
-                </a:r>
-                <a:endParaRPr lang="en-GB" b="1" dirty="0"/>
-              </a:p>
-              <a:p>
-                <a:pPr lvl="1"/>
-                <a:r>
-                  <a:rPr lang="en-US"/>
-                  <a:t>Making </a:t>
-                </a:r>
-                <a:r>
-                  <a:rPr lang="en-US" dirty="0"/>
-                  <a:t>use of the co-occurrence matrix </a:t>
-                </a:r>
-              </a:p>
-              <a:p>
-                <a:pPr lvl="1"/>
-                <a:r>
-                  <a:rPr lang="en-US" dirty="0"/>
-                  <a:t>Learned </a:t>
-                </a:r>
-                <a:r>
-                  <a:rPr lang="en-US" b="1" dirty="0"/>
-                  <a:t>representations</a:t>
-                </a:r>
-                <a:r>
-                  <a:rPr lang="en-US" dirty="0"/>
-                  <a:t> for words</a:t>
-                </a:r>
-                <a:r>
-                  <a:rPr lang="en-US"/>
-                  <a:t>: </a:t>
-                </a:r>
-                <a:br>
-                  <a:rPr lang="en-US"/>
-                </a:br>
-                <a:r>
-                  <a:rPr lang="en-US"/>
-                  <a:t>similar </a:t>
-                </a:r>
-                <a:r>
-                  <a:rPr lang="en-US" dirty="0"/>
-                  <a:t>meaning = similar representation in the </a:t>
-                </a:r>
-                <a:r>
-                  <a:rPr lang="en-US"/>
-                  <a:t>vector space</a:t>
-                </a:r>
-                <a:br>
-                  <a:rPr lang="en-US"/>
-                </a:br>
-                <a:br>
-                  <a:rPr lang="en-US"/>
-                </a:br>
-                <a:br>
-                  <a:rPr lang="en-US"/>
-                </a:br>
-                <a:endParaRPr lang="en-US" dirty="0"/>
-              </a:p>
-              <a:p>
-                <a:r>
-                  <a:rPr lang="en-GB"/>
-                  <a:t>Enabling mathematical </a:t>
-                </a:r>
-                <a:r>
-                  <a:rPr lang="en-GB" dirty="0"/>
-                  <a:t>operations </a:t>
-                </a:r>
-                <a:r>
-                  <a:rPr lang="en-GB"/>
-                  <a:t>on the vocabulary:</a:t>
-                </a:r>
-              </a:p>
-              <a:p>
-                <a:pPr lvl="1"/>
-                <a14:m>
-                  <m:oMath xmlns:m="http://schemas.openxmlformats.org/officeDocument/2006/math">
-                    <m:r>
-                      <m:rPr>
-                        <m:sty m:val="p"/>
-                      </m:rPr>
-                      <a:rPr lang="el-GR" b="0" i="1" smtClean="0">
-                        <a:latin typeface="Cambria Math" panose="02040503050406030204" pitchFamily="18" charset="0"/>
-                      </a:rPr>
-                      <m:t>ϕ</m:t>
-                    </m:r>
-                    <m:r>
-                      <a:rPr lang="de-DE" b="0" i="1" smtClean="0">
-                        <a:latin typeface="Cambria Math" panose="02040503050406030204" pitchFamily="18" charset="0"/>
-                      </a:rPr>
-                      <m:t>: </m:t>
-                    </m:r>
-                    <m:sSup>
-                      <m:sSupPr>
-                        <m:ctrlPr>
-                          <a:rPr lang="de-DE" b="0" i="1" smtClean="0">
-                            <a:latin typeface="Cambria Math" panose="02040503050406030204" pitchFamily="18" charset="0"/>
-                          </a:rPr>
-                        </m:ctrlPr>
-                      </m:sSupPr>
-                      <m:e>
-                        <m:r>
-                          <a:rPr lang="de-DE" b="0" i="1" smtClean="0">
-                            <a:latin typeface="Cambria Math" panose="02040503050406030204" pitchFamily="18" charset="0"/>
-                          </a:rPr>
-                          <m:t>𝑊</m:t>
-                        </m:r>
-                        <m:r>
-                          <a:rPr lang="de-DE" b="0" i="1" smtClean="0">
-                            <a:latin typeface="Cambria Math" panose="02040503050406030204" pitchFamily="18" charset="0"/>
-                          </a:rPr>
-                          <m:t> → </m:t>
-                        </m:r>
-                        <m:r>
-                          <a:rPr lang="de-DE" b="0" i="1" smtClean="0">
-                            <a:latin typeface="Cambria Math" panose="02040503050406030204" pitchFamily="18" charset="0"/>
-                          </a:rPr>
-                          <m:t>𝑅</m:t>
-                        </m:r>
-                      </m:e>
-                      <m:sup>
-                        <m:r>
-                          <a:rPr lang="de-DE" b="0" i="1" smtClean="0">
-                            <a:latin typeface="Cambria Math" panose="02040503050406030204" pitchFamily="18" charset="0"/>
-                          </a:rPr>
-                          <m:t>𝑛</m:t>
-                        </m:r>
-                      </m:sup>
-                    </m:sSup>
-                  </m:oMath>
-                </a14:m>
-                <a:endParaRPr lang="de-DE" b="0" i="1">
-                  <a:latin typeface="Cambria Math" panose="02040503050406030204" pitchFamily="18" charset="0"/>
-                </a:endParaRPr>
-              </a:p>
-              <a:p>
-                <a:pPr lvl="1"/>
-                <a14:m>
-                  <m:oMath xmlns:m="http://schemas.openxmlformats.org/officeDocument/2006/math">
-                    <m:r>
-                      <m:rPr>
-                        <m:sty m:val="p"/>
-                      </m:rPr>
-                      <a:rPr lang="el-GR" i="1" smtClean="0">
-                        <a:latin typeface="Cambria Math" panose="02040503050406030204" pitchFamily="18" charset="0"/>
-                      </a:rPr>
-                      <m:t>ϕ</m:t>
-                    </m:r>
-                    <m:d>
-                      <m:dPr>
-                        <m:ctrlPr>
-                          <a:rPr lang="de-DE" b="0" i="1" smtClean="0">
-                            <a:latin typeface="Cambria Math" panose="02040503050406030204" pitchFamily="18" charset="0"/>
-                          </a:rPr>
-                        </m:ctrlPr>
-                      </m:dPr>
-                      <m:e>
-                        <m:r>
-                          <m:rPr>
-                            <m:nor/>
-                          </m:rPr>
-                          <a:rPr lang="de-DE" b="0" i="0" smtClean="0">
-                            <a:latin typeface="Cambria Math" panose="02040503050406030204" pitchFamily="18" charset="0"/>
-                          </a:rPr>
-                          <m:t>"</m:t>
-                        </m:r>
-                        <m:r>
-                          <m:rPr>
-                            <m:nor/>
-                          </m:rPr>
-                          <a:rPr lang="de-DE" b="0" i="1" smtClean="0">
-                            <a:latin typeface="Cambria Math" panose="02040503050406030204" pitchFamily="18" charset="0"/>
-                          </a:rPr>
-                          <m:t>king</m:t>
-                        </m:r>
-                        <m:r>
-                          <a:rPr lang="de-DE" b="0" i="1" smtClean="0">
-                            <a:latin typeface="Cambria Math" panose="02040503050406030204" pitchFamily="18" charset="0"/>
-                          </a:rPr>
-                          <m:t>"</m:t>
-                        </m:r>
-                      </m:e>
-                    </m:d>
-                    <m:r>
-                      <a:rPr lang="de-DE" b="0" i="1" smtClean="0">
-                        <a:latin typeface="Cambria Math" panose="02040503050406030204" pitchFamily="18" charset="0"/>
-                      </a:rPr>
-                      <m:t>−</m:t>
-                    </m:r>
-                    <m:r>
-                      <m:rPr>
-                        <m:sty m:val="p"/>
-                      </m:rPr>
-                      <a:rPr lang="el-GR" i="1">
-                        <a:latin typeface="Cambria Math" panose="02040503050406030204" pitchFamily="18" charset="0"/>
-                      </a:rPr>
-                      <m:t>ϕ</m:t>
-                    </m:r>
-                    <m:d>
-                      <m:dPr>
-                        <m:ctrlPr>
-                          <a:rPr lang="de-DE" i="1">
-                            <a:latin typeface="Cambria Math" panose="02040503050406030204" pitchFamily="18" charset="0"/>
-                          </a:rPr>
-                        </m:ctrlPr>
-                      </m:dPr>
-                      <m:e>
-                        <m:r>
-                          <m:rPr>
-                            <m:nor/>
-                          </m:rPr>
-                          <a:rPr lang="de-DE">
-                            <a:latin typeface="Cambria Math" panose="02040503050406030204" pitchFamily="18" charset="0"/>
-                          </a:rPr>
-                          <m:t>"</m:t>
-                        </m:r>
-                        <m:r>
-                          <m:rPr>
-                            <m:nor/>
-                          </m:rPr>
-                          <a:rPr lang="de-DE" b="0" i="1" smtClean="0">
-                            <a:latin typeface="Cambria Math" panose="02040503050406030204" pitchFamily="18" charset="0"/>
-                          </a:rPr>
-                          <m:t>man</m:t>
-                        </m:r>
-                        <m:r>
-                          <a:rPr lang="de-DE" i="1">
-                            <a:latin typeface="Cambria Math" panose="02040503050406030204" pitchFamily="18" charset="0"/>
-                          </a:rPr>
-                          <m:t>"</m:t>
-                        </m:r>
-                      </m:e>
-                    </m:d>
-                    <m:r>
-                      <a:rPr lang="de-DE" b="0" i="1" smtClean="0">
-                        <a:latin typeface="Cambria Math" panose="02040503050406030204" pitchFamily="18" charset="0"/>
-                      </a:rPr>
-                      <m:t>+</m:t>
-                    </m:r>
-                    <m:r>
-                      <m:rPr>
-                        <m:sty m:val="p"/>
-                      </m:rPr>
-                      <a:rPr lang="el-GR" i="1">
-                        <a:latin typeface="Cambria Math" panose="02040503050406030204" pitchFamily="18" charset="0"/>
-                      </a:rPr>
-                      <m:t>ϕ</m:t>
-                    </m:r>
-                    <m:d>
-                      <m:dPr>
-                        <m:ctrlPr>
-                          <a:rPr lang="de-DE" i="1">
-                            <a:latin typeface="Cambria Math" panose="02040503050406030204" pitchFamily="18" charset="0"/>
-                          </a:rPr>
-                        </m:ctrlPr>
-                      </m:dPr>
-                      <m:e>
-                        <m:r>
-                          <m:rPr>
-                            <m:nor/>
-                          </m:rPr>
-                          <a:rPr lang="de-DE">
-                            <a:latin typeface="Cambria Math" panose="02040503050406030204" pitchFamily="18" charset="0"/>
-                          </a:rPr>
-                          <m:t>"</m:t>
-                        </m:r>
-                        <m:r>
-                          <a:rPr lang="de-DE" b="0" i="1" smtClean="0">
-                            <a:latin typeface="Cambria Math" panose="02040503050406030204" pitchFamily="18" charset="0"/>
-                          </a:rPr>
-                          <m:t>𝑤𝑜𝑚𝑎𝑛</m:t>
-                        </m:r>
-                        <m:r>
-                          <a:rPr lang="de-DE" i="1">
-                            <a:latin typeface="Cambria Math" panose="02040503050406030204" pitchFamily="18" charset="0"/>
-                          </a:rPr>
-                          <m:t>"</m:t>
-                        </m:r>
-                      </m:e>
-                    </m:d>
-                    <m:r>
-                      <a:rPr lang="de-DE" b="0" i="1" smtClean="0">
-                        <a:latin typeface="Cambria Math" panose="02040503050406030204" pitchFamily="18" charset="0"/>
-                      </a:rPr>
-                      <m:t>=</m:t>
-                    </m:r>
-                    <m:r>
-                      <m:rPr>
-                        <m:sty m:val="p"/>
-                      </m:rPr>
-                      <a:rPr lang="el-GR" i="1">
-                        <a:latin typeface="Cambria Math" panose="02040503050406030204" pitchFamily="18" charset="0"/>
-                      </a:rPr>
-                      <m:t>ϕ</m:t>
-                    </m:r>
-                    <m:d>
-                      <m:dPr>
-                        <m:ctrlPr>
-                          <a:rPr lang="de-DE" i="1">
-                            <a:latin typeface="Cambria Math" panose="02040503050406030204" pitchFamily="18" charset="0"/>
-                          </a:rPr>
-                        </m:ctrlPr>
-                      </m:dPr>
-                      <m:e>
-                        <m:r>
-                          <m:rPr>
-                            <m:nor/>
-                          </m:rPr>
-                          <a:rPr lang="de-DE">
-                            <a:latin typeface="Cambria Math" panose="02040503050406030204" pitchFamily="18" charset="0"/>
-                          </a:rPr>
-                          <m:t>"</m:t>
-                        </m:r>
-                        <m:r>
-                          <a:rPr lang="de-DE" b="0" i="1" smtClean="0">
-                            <a:latin typeface="Cambria Math" panose="02040503050406030204" pitchFamily="18" charset="0"/>
-                          </a:rPr>
-                          <m:t>𝑞𝑢𝑒𝑒𝑛</m:t>
-                        </m:r>
-                        <m:r>
-                          <a:rPr lang="de-DE" i="1">
-                            <a:latin typeface="Cambria Math" panose="02040503050406030204" pitchFamily="18" charset="0"/>
-                          </a:rPr>
-                          <m:t>"</m:t>
-                        </m:r>
-                      </m:e>
-                    </m:d>
-                  </m:oMath>
-                </a14:m>
-                <a:endParaRPr lang="en-US"/>
-              </a:p>
-            </p:txBody>
-          </p:sp>
-        </mc:Choice>
-        <mc:Fallback xmlns="">
-          <p:sp>
-            <p:nvSpPr>
-              <p:cNvPr id="10" name="Content Placeholder 2">
+              </a:tr>
+              <a:tr h="190104">
+                <a:tc>
+                  <a:txBody>
+                    <a:bodyPr/>
+                    <a:lstStyle/>
+                    <a:p>
+                      <a:r>
+                        <a:rPr lang="de-DE" sz="1600" b="1"/>
+                        <a:t>king </a:t>
+                      </a:r>
+                      <a:endParaRPr lang="en-US" sz="1600" b="1" dirty="0"/>
+                    </a:p>
+                  </a:txBody>
+                  <a:tcPr/>
+                </a:tc>
+                <a:tc>
+                  <a:txBody>
+                    <a:bodyPr/>
+                    <a:lstStyle/>
+                    <a:p>
+                      <a:r>
+                        <a:rPr lang="en-US" sz="1600"/>
+                        <a:t>0.87</a:t>
+                      </a:r>
+                      <a:endParaRPr lang="en-US" sz="1600" dirty="0"/>
+                    </a:p>
+                  </a:txBody>
+                  <a:tcPr>
+                    <a:solidFill>
+                      <a:schemeClr val="accent3"/>
+                    </a:solidFill>
+                  </a:tcPr>
+                </a:tc>
+                <a:tc>
+                  <a:txBody>
+                    <a:bodyPr/>
+                    <a:lstStyle/>
+                    <a:p>
+                      <a:r>
+                        <a:rPr lang="de-DE" sz="1600"/>
+                        <a:t>0</a:t>
+                      </a:r>
+                      <a:r>
+                        <a:rPr lang="en-US" sz="1600"/>
+                        <a:t>.73</a:t>
+                      </a:r>
+                      <a:endParaRPr lang="en-US" sz="1600" dirty="0"/>
+                    </a:p>
+                  </a:txBody>
+                  <a:tcPr>
+                    <a:solidFill>
+                      <a:schemeClr val="accent3"/>
+                    </a:solidFill>
+                  </a:tcPr>
+                </a:tc>
                 <a:extLst>
-                  <a:ext uri="{FF2B5EF4-FFF2-40B4-BE49-F238E27FC236}">
-                    <a16:creationId xmlns:a16="http://schemas.microsoft.com/office/drawing/2014/main" id="{67443131-1CA9-405F-8B23-66FD98AB33DC}"/>
+                  <a:ext uri="{0D108BD9-81ED-4DB2-BD59-A6C34878D82A}">
+                    <a16:rowId xmlns:a16="http://schemas.microsoft.com/office/drawing/2014/main" val="498164969"/>
                   </a:ext>
                 </a:extLst>
-              </p:cNvPr>
-              <p:cNvSpPr>
-                <a:spLocks noGrp="1" noRot="1" noChangeAspect="1" noMove="1" noResize="1" noEditPoints="1" noAdjustHandles="1" noChangeArrowheads="1" noChangeShapeType="1" noTextEdit="1"/>
-              </p:cNvSpPr>
-              <p:nvPr>
-                <p:ph idx="1"/>
-              </p:nvPr>
-            </p:nvSpPr>
-            <p:spPr>
-              <a:xfrm>
-                <a:off x="1066798" y="1990724"/>
-                <a:ext cx="10086977" cy="4867275"/>
-              </a:xfrm>
-              <a:blipFill>
-                <a:blip r:embed="rId3"/>
-                <a:stretch>
-                  <a:fillRect l="-1088" t="-2130"/>
-                </a:stretch>
-              </a:blipFill>
-            </p:spPr>
-            <p:txBody>
-              <a:bodyPr/>
-              <a:lstStyle/>
-              <a:p>
-                <a:r>
-                  <a:rPr lang="en-US">
-                    <a:noFill/>
-                  </a:rPr>
-                  <a:t> </a:t>
-                </a:r>
-              </a:p>
-            </p:txBody>
-          </p:sp>
-        </mc:Fallback>
-      </mc:AlternateContent>
-      <p:sp>
-        <p:nvSpPr>
-          <p:cNvPr id="5" name="TextBox 4">
+              </a:tr>
+              <a:tr h="190104">
+                <a:tc>
+                  <a:txBody>
+                    <a:bodyPr/>
+                    <a:lstStyle/>
+                    <a:p>
+                      <a:r>
+                        <a:rPr lang="en-US" sz="1600" b="1"/>
+                        <a:t>queen</a:t>
+                      </a:r>
+                      <a:endParaRPr lang="en-US" sz="1600" b="1" dirty="0"/>
+                    </a:p>
+                  </a:txBody>
+                  <a:tcPr/>
+                </a:tc>
+                <a:tc>
+                  <a:txBody>
+                    <a:bodyPr/>
+                    <a:lstStyle/>
+                    <a:p>
+                      <a:r>
+                        <a:rPr lang="en-US" sz="1600"/>
+                        <a:t>-0.12</a:t>
+                      </a:r>
+                      <a:endParaRPr lang="en-US" sz="1600" dirty="0"/>
+                    </a:p>
+                  </a:txBody>
+                  <a:tcPr>
+                    <a:solidFill>
+                      <a:schemeClr val="bg2">
+                        <a:lumMod val="90000"/>
+                      </a:schemeClr>
+                    </a:solidFill>
+                  </a:tcPr>
+                </a:tc>
+                <a:tc>
+                  <a:txBody>
+                    <a:bodyPr/>
+                    <a:lstStyle/>
+                    <a:p>
+                      <a:r>
+                        <a:rPr lang="en-US" sz="1600"/>
+                        <a:t>0.75</a:t>
+                      </a:r>
+                      <a:endParaRPr lang="en-US" sz="1600" dirty="0"/>
+                    </a:p>
+                  </a:txBody>
+                  <a:tcPr>
+                    <a:solidFill>
+                      <a:schemeClr val="accent3"/>
+                    </a:solidFill>
+                  </a:tcPr>
+                </a:tc>
+                <a:extLst>
+                  <a:ext uri="{0D108BD9-81ED-4DB2-BD59-A6C34878D82A}">
+                    <a16:rowId xmlns:a16="http://schemas.microsoft.com/office/drawing/2014/main" val="4072330047"/>
+                  </a:ext>
+                </a:extLst>
+              </a:tr>
+              <a:tr h="190104">
+                <a:tc>
+                  <a:txBody>
+                    <a:bodyPr/>
+                    <a:lstStyle/>
+                    <a:p>
+                      <a:r>
+                        <a:rPr lang="en-US" sz="1600" b="1"/>
+                        <a:t>woman</a:t>
+                      </a:r>
+                      <a:endParaRPr lang="en-US" sz="1600" b="1" dirty="0"/>
+                    </a:p>
+                  </a:txBody>
+                  <a:tcPr/>
+                </a:tc>
+                <a:tc>
+                  <a:txBody>
+                    <a:bodyPr/>
+                    <a:lstStyle/>
+                    <a:p>
+                      <a:r>
+                        <a:rPr lang="en-US" sz="1600"/>
+                        <a:t>0.03</a:t>
+                      </a:r>
+                      <a:endParaRPr lang="en-US" sz="1600" dirty="0"/>
+                    </a:p>
+                  </a:txBody>
+                  <a:tcPr>
+                    <a:solidFill>
+                      <a:schemeClr val="bg2">
+                        <a:lumMod val="90000"/>
+                      </a:schemeClr>
+                    </a:solidFill>
+                  </a:tcPr>
+                </a:tc>
+                <a:tc>
+                  <a:txBody>
+                    <a:bodyPr/>
+                    <a:lstStyle/>
+                    <a:p>
+                      <a:r>
+                        <a:rPr lang="de-DE" sz="1600"/>
+                        <a:t>-</a:t>
+                      </a:r>
+                      <a:r>
+                        <a:rPr lang="en-US" sz="1600"/>
+                        <a:t>0.08</a:t>
+                      </a:r>
+                      <a:endParaRPr lang="en-US" sz="1600" dirty="0"/>
+                    </a:p>
+                  </a:txBody>
+                  <a:tcPr>
+                    <a:solidFill>
+                      <a:schemeClr val="bg2">
+                        <a:lumMod val="90000"/>
+                      </a:schemeClr>
+                    </a:solidFill>
+                  </a:tcPr>
+                </a:tc>
+                <a:extLst>
+                  <a:ext uri="{0D108BD9-81ED-4DB2-BD59-A6C34878D82A}">
+                    <a16:rowId xmlns:a16="http://schemas.microsoft.com/office/drawing/2014/main" val="333734847"/>
+                  </a:ext>
+                </a:extLst>
+              </a:tr>
+            </a:tbl>
+          </a:graphicData>
+        </a:graphic>
+      </p:graphicFrame>
+      <p:sp>
+        <p:nvSpPr>
+          <p:cNvPr id="6" name="TextBox 5">
             <a:extLst>
               <a:ext uri="{FF2B5EF4-FFF2-40B4-BE49-F238E27FC236}">
-                <a16:creationId xmlns:a16="http://schemas.microsoft.com/office/drawing/2014/main" id="{0035780C-35DD-4440-8F63-5DA698E12D57}"/>
+                <a16:creationId xmlns:a16="http://schemas.microsoft.com/office/drawing/2014/main" id="{F0C8DDDF-5F84-4BAD-8A4B-B32B3D824B45}"/>
               </a:ext>
             </a:extLst>
           </p:cNvPr>
@@ -16994,8 +20845,8 @@
         </p:nvSpPr>
         <p:spPr>
           <a:xfrm>
-            <a:off x="3438144" y="3792686"/>
-            <a:ext cx="8519160" cy="461665"/>
+            <a:off x="4516657" y="4468746"/>
+            <a:ext cx="2249424" cy="338554"/>
           </a:xfrm>
           <a:prstGeom prst="rect">
             <a:avLst/>
@@ -17009,18 +20860,53 @@
           <a:lstStyle/>
           <a:p>
             <a:r>
-              <a:rPr lang="en-US" sz="2400" i="1"/>
-              <a:t>characterize words by their surrounding context</a:t>
+              <a:rPr lang="en-US" sz="1600" i="1"/>
+              <a:t>masculinity?</a:t>
+            </a:r>
+          </a:p>
+        </p:txBody>
+      </p:sp>
+      <p:sp>
+        <p:nvSpPr>
+          <p:cNvPr id="7" name="TextBox 6">
+            <a:extLst>
+              <a:ext uri="{FF2B5EF4-FFF2-40B4-BE49-F238E27FC236}">
+                <a16:creationId xmlns:a16="http://schemas.microsoft.com/office/drawing/2014/main" id="{9C439C56-2F86-473A-AFD6-F2E5F593BF48}"/>
+              </a:ext>
+            </a:extLst>
+          </p:cNvPr>
+          <p:cNvSpPr txBox="1"/>
+          <p:nvPr/>
+        </p:nvSpPr>
+        <p:spPr>
+          <a:xfrm>
+            <a:off x="7275097" y="4466076"/>
+            <a:ext cx="2249424" cy="338554"/>
+          </a:xfrm>
+          <a:prstGeom prst="rect">
+            <a:avLst/>
+          </a:prstGeom>
+          <a:noFill/>
+        </p:spPr>
+        <p:txBody>
+          <a:bodyPr wrap="square">
+            <a:spAutoFit/>
+          </a:bodyPr>
+          <a:lstStyle/>
+          <a:p>
+            <a:r>
+              <a:rPr lang="en-US" sz="1600" i="1"/>
+              <a:t>royalty?</a:t>
             </a:r>
           </a:p>
         </p:txBody>
       </p:sp>
       <p:pic>
         <p:nvPicPr>
-          <p:cNvPr id="6" name="Graphic 5" descr="Back with solid fill">
+          <p:cNvPr id="3" name="Graphic 2" descr="Lightbulb with solid fill">
             <a:extLst>
               <a:ext uri="{FF2B5EF4-FFF2-40B4-BE49-F238E27FC236}">
-                <a16:creationId xmlns:a16="http://schemas.microsoft.com/office/drawing/2014/main" id="{CC4ADFA2-EA28-4E70-B3FA-B23198EE9D5D}"/>
+                <a16:creationId xmlns:a16="http://schemas.microsoft.com/office/drawing/2014/main" id="{345A5C82-2453-4DB0-8BB1-2479733051D4}"/>
               </a:ext>
             </a:extLst>
           </p:cNvPr>
@@ -17030,13 +20916,13 @@
           <p:nvPr/>
         </p:nvPicPr>
         <p:blipFill>
-          <a:blip r:embed="rId4">
+          <a:blip r:embed="rId3" cstate="print">
             <a:extLst>
               <a:ext uri="{28A0092B-C50C-407E-A947-70E740481C1C}">
                 <a14:useLocalDpi xmlns:a14="http://schemas.microsoft.com/office/drawing/2010/main" val="0"/>
               </a:ext>
               <a:ext uri="{96DAC541-7B7A-43D3-8B79-37D633B846F1}">
-                <asvg:svgBlip xmlns:asvg="http://schemas.microsoft.com/office/drawing/2016/SVG/main" r:embed="rId5"/>
+                <asvg:svgBlip xmlns:asvg="http://schemas.microsoft.com/office/drawing/2016/SVG/main" r:embed="rId4"/>
               </a:ext>
             </a:extLst>
           </a:blip>
@@ -17045,9 +20931,48 @@
           </a:stretch>
         </p:blipFill>
         <p:spPr>
-          <a:xfrm flipH="1" flipV="1">
-            <a:off x="2294763" y="3550371"/>
-            <a:ext cx="757629" cy="946296"/>
+          <a:xfrm>
+            <a:off x="4263673" y="4449125"/>
+            <a:ext cx="338555" cy="338555"/>
+          </a:xfrm>
+          <a:prstGeom prst="rect">
+            <a:avLst/>
+          </a:prstGeom>
+        </p:spPr>
+      </p:pic>
+      <p:pic>
+        <p:nvPicPr>
+          <p:cNvPr id="11" name="Graphic 10" descr="Lightbulb with solid fill">
+            <a:extLst>
+              <a:ext uri="{FF2B5EF4-FFF2-40B4-BE49-F238E27FC236}">
+                <a16:creationId xmlns:a16="http://schemas.microsoft.com/office/drawing/2014/main" id="{2FE8A40D-CD7F-4D4F-A200-B5637E8C1BAE}"/>
+              </a:ext>
+            </a:extLst>
+          </p:cNvPr>
+          <p:cNvPicPr>
+            <a:picLocks noChangeAspect="1"/>
+          </p:cNvPicPr>
+          <p:nvPr/>
+        </p:nvPicPr>
+        <p:blipFill>
+          <a:blip r:embed="rId3" cstate="print">
+            <a:extLst>
+              <a:ext uri="{28A0092B-C50C-407E-A947-70E740481C1C}">
+                <a14:useLocalDpi xmlns:a14="http://schemas.microsoft.com/office/drawing/2010/main" val="0"/>
+              </a:ext>
+              <a:ext uri="{96DAC541-7B7A-43D3-8B79-37D633B846F1}">
+                <asvg:svgBlip xmlns:asvg="http://schemas.microsoft.com/office/drawing/2016/SVG/main" r:embed="rId4"/>
+              </a:ext>
+            </a:extLst>
+          </a:blip>
+          <a:stretch>
+            <a:fillRect/>
+          </a:stretch>
+        </p:blipFill>
+        <p:spPr>
+          <a:xfrm>
+            <a:off x="7019065" y="4449125"/>
+            <a:ext cx="338555" cy="338555"/>
           </a:xfrm>
           <a:prstGeom prst="rect">
             <a:avLst/>
@@ -17057,7 +20982,7 @@
     </p:spTree>
     <p:extLst>
       <p:ext uri="{BB962C8B-B14F-4D97-AF65-F5344CB8AC3E}">
-        <p14:creationId xmlns:p14="http://schemas.microsoft.com/office/powerpoint/2010/main" val="1489072646"/>
+        <p14:creationId xmlns:p14="http://schemas.microsoft.com/office/powerpoint/2010/main" val="1648910752"/>
       </p:ext>
     </p:extLst>
   </p:cSld>

--- a/5_seminar/Contents_Part_02/slides/slides_II_3.pptx
+++ b/5_seminar/Contents_Part_02/slides/slides_II_3.pptx
@@ -5,7 +5,7 @@
     <p:sldMasterId id="2147483648" r:id="rId1"/>
   </p:sldMasterIdLst>
   <p:notesMasterIdLst>
-    <p:notesMasterId r:id="rId34"/>
+    <p:notesMasterId r:id="rId39"/>
   </p:notesMasterIdLst>
   <p:sldIdLst>
     <p:sldId id="303" r:id="rId2"/>
@@ -33,13 +33,18 @@
     <p:sldId id="366" r:id="rId24"/>
     <p:sldId id="367" r:id="rId25"/>
     <p:sldId id="311" r:id="rId26"/>
-    <p:sldId id="323" r:id="rId27"/>
-    <p:sldId id="370" r:id="rId28"/>
-    <p:sldId id="371" r:id="rId29"/>
-    <p:sldId id="372" r:id="rId30"/>
-    <p:sldId id="344" r:id="rId31"/>
-    <p:sldId id="346" r:id="rId32"/>
-    <p:sldId id="342" r:id="rId33"/>
+    <p:sldId id="370" r:id="rId27"/>
+    <p:sldId id="374" r:id="rId28"/>
+    <p:sldId id="372" r:id="rId29"/>
+    <p:sldId id="375" r:id="rId30"/>
+    <p:sldId id="371" r:id="rId31"/>
+    <p:sldId id="323" r:id="rId32"/>
+    <p:sldId id="373" r:id="rId33"/>
+    <p:sldId id="344" r:id="rId34"/>
+    <p:sldId id="377" r:id="rId35"/>
+    <p:sldId id="376" r:id="rId36"/>
+    <p:sldId id="346" r:id="rId37"/>
+    <p:sldId id="342" r:id="rId38"/>
   </p:sldIdLst>
   <p:sldSz cx="12192000" cy="6858000"/>
   <p:notesSz cx="6858000" cy="9144000"/>
@@ -239,7 +244,7 @@
           <a:p>
             <a:fld id="{7A5B87F2-13FD-4A24-9F19-39B31C60B536}" type="datetimeFigureOut">
               <a:rPr lang="en-US" smtClean="0"/>
-              <a:t>5/1/2021</a:t>
+              <a:t>5/3/2021</a:t>
             </a:fld>
             <a:endParaRPr lang="en-US"/>
           </a:p>
@@ -2006,7 +2011,7 @@
               <a:tabLst/>
               <a:defRPr/>
             </a:pPr>
-            <a:endParaRPr lang="en-US" b="1"/>
+            <a:endParaRPr lang="en-US"/>
           </a:p>
         </p:txBody>
       </p:sp>
@@ -2036,7 +2041,7 @@
     </p:spTree>
     <p:extLst>
       <p:ext uri="{BB962C8B-B14F-4D97-AF65-F5344CB8AC3E}">
-        <p14:creationId xmlns:p14="http://schemas.microsoft.com/office/powerpoint/2010/main" val="338469459"/>
+        <p14:creationId xmlns:p14="http://schemas.microsoft.com/office/powerpoint/2010/main" val="2649526427"/>
       </p:ext>
     </p:extLst>
   </p:cSld>
@@ -2137,7 +2142,7 @@
     </p:spTree>
     <p:extLst>
       <p:ext uri="{BB962C8B-B14F-4D97-AF65-F5344CB8AC3E}">
-        <p14:creationId xmlns:p14="http://schemas.microsoft.com/office/powerpoint/2010/main" val="2649526427"/>
+        <p14:creationId xmlns:p14="http://schemas.microsoft.com/office/powerpoint/2010/main" val="3702680718"/>
       </p:ext>
     </p:extLst>
   </p:cSld>
@@ -2208,7 +2213,7 @@
               <a:tabLst/>
               <a:defRPr/>
             </a:pPr>
-            <a:endParaRPr lang="en-US" b="1"/>
+            <a:endParaRPr lang="en-US"/>
           </a:p>
         </p:txBody>
       </p:sp>
@@ -2238,7 +2243,7 @@
     </p:spTree>
     <p:extLst>
       <p:ext uri="{BB962C8B-B14F-4D97-AF65-F5344CB8AC3E}">
-        <p14:creationId xmlns:p14="http://schemas.microsoft.com/office/powerpoint/2010/main" val="1482019712"/>
+        <p14:creationId xmlns:p14="http://schemas.microsoft.com/office/powerpoint/2010/main" val="2178336097"/>
       </p:ext>
     </p:extLst>
   </p:cSld>
@@ -2309,7 +2314,7 @@
               <a:tabLst/>
               <a:defRPr/>
             </a:pPr>
-            <a:endParaRPr lang="en-US" b="1"/>
+            <a:endParaRPr lang="en-US"/>
           </a:p>
         </p:txBody>
       </p:sp>
@@ -2339,7 +2344,411 @@
     </p:spTree>
     <p:extLst>
       <p:ext uri="{BB962C8B-B14F-4D97-AF65-F5344CB8AC3E}">
-        <p14:creationId xmlns:p14="http://schemas.microsoft.com/office/powerpoint/2010/main" val="1982149326"/>
+        <p14:creationId xmlns:p14="http://schemas.microsoft.com/office/powerpoint/2010/main" val="3540814702"/>
+      </p:ext>
+    </p:extLst>
+  </p:cSld>
+  <p:clrMapOvr>
+    <a:masterClrMapping/>
+  </p:clrMapOvr>
+</p:notes>
+</file>
+
+<file path=ppt/notesSlides/notesSlide26.xml><?xml version="1.0" encoding="utf-8"?>
+<p:notes xmlns:a="http://schemas.openxmlformats.org/drawingml/2006/main" xmlns:r="http://schemas.openxmlformats.org/officeDocument/2006/relationships" xmlns:p="http://schemas.openxmlformats.org/presentationml/2006/main">
+  <p:cSld>
+    <p:spTree>
+      <p:nvGrpSpPr>
+        <p:cNvPr id="1" name=""/>
+        <p:cNvGrpSpPr/>
+        <p:nvPr/>
+      </p:nvGrpSpPr>
+      <p:grpSpPr>
+        <a:xfrm>
+          <a:off x="0" y="0"/>
+          <a:ext cx="0" cy="0"/>
+          <a:chOff x="0" y="0"/>
+          <a:chExt cx="0" cy="0"/>
+        </a:xfrm>
+      </p:grpSpPr>
+      <p:sp>
+        <p:nvSpPr>
+          <p:cNvPr id="2" name="Folienbildplatzhalter 1"/>
+          <p:cNvSpPr>
+            <a:spLocks noGrp="1" noRot="1" noChangeAspect="1"/>
+          </p:cNvSpPr>
+          <p:nvPr>
+            <p:ph type="sldImg"/>
+          </p:nvPr>
+        </p:nvSpPr>
+        <p:spPr/>
+      </p:sp>
+      <p:sp>
+        <p:nvSpPr>
+          <p:cNvPr id="3" name="Notizenplatzhalter 2"/>
+          <p:cNvSpPr>
+            <a:spLocks noGrp="1"/>
+          </p:cNvSpPr>
+          <p:nvPr>
+            <p:ph type="body" idx="1"/>
+          </p:nvPr>
+        </p:nvSpPr>
+        <p:spPr/>
+        <p:txBody>
+          <a:bodyPr/>
+          <a:lstStyle/>
+          <a:p>
+            <a:pPr marL="0" marR="0" lvl="0" indent="0" algn="l" defTabSz="914400" rtl="0" eaLnBrk="1" fontAlgn="auto" latinLnBrk="0" hangingPunct="1">
+              <a:lnSpc>
+                <a:spcPct val="100000"/>
+              </a:lnSpc>
+              <a:spcBef>
+                <a:spcPts val="0"/>
+              </a:spcBef>
+              <a:spcAft>
+                <a:spcPts val="0"/>
+              </a:spcAft>
+              <a:buClrTx/>
+              <a:buSzTx/>
+              <a:buFontTx/>
+              <a:buNone/>
+              <a:tabLst/>
+              <a:defRPr/>
+            </a:pPr>
+            <a:endParaRPr lang="en-US" b="1"/>
+          </a:p>
+        </p:txBody>
+      </p:sp>
+      <p:sp>
+        <p:nvSpPr>
+          <p:cNvPr id="4" name="Foliennummernplatzhalter 3"/>
+          <p:cNvSpPr>
+            <a:spLocks noGrp="1"/>
+          </p:cNvSpPr>
+          <p:nvPr>
+            <p:ph type="sldNum" sz="quarter" idx="10"/>
+          </p:nvPr>
+        </p:nvSpPr>
+        <p:spPr/>
+        <p:txBody>
+          <a:bodyPr/>
+          <a:lstStyle/>
+          <a:p>
+            <a:fld id="{20A41429-B750-4047-B563-2878417A70E7}" type="slidenum">
+              <a:rPr lang="en-US" smtClean="0"/>
+              <a:t>30</a:t>
+            </a:fld>
+            <a:endParaRPr lang="en-US"/>
+          </a:p>
+        </p:txBody>
+      </p:sp>
+    </p:spTree>
+    <p:extLst>
+      <p:ext uri="{BB962C8B-B14F-4D97-AF65-F5344CB8AC3E}">
+        <p14:creationId xmlns:p14="http://schemas.microsoft.com/office/powerpoint/2010/main" val="1482019712"/>
+      </p:ext>
+    </p:extLst>
+  </p:cSld>
+  <p:clrMapOvr>
+    <a:masterClrMapping/>
+  </p:clrMapOvr>
+</p:notes>
+</file>
+
+<file path=ppt/notesSlides/notesSlide27.xml><?xml version="1.0" encoding="utf-8"?>
+<p:notes xmlns:a="http://schemas.openxmlformats.org/drawingml/2006/main" xmlns:r="http://schemas.openxmlformats.org/officeDocument/2006/relationships" xmlns:p="http://schemas.openxmlformats.org/presentationml/2006/main">
+  <p:cSld>
+    <p:spTree>
+      <p:nvGrpSpPr>
+        <p:cNvPr id="1" name=""/>
+        <p:cNvGrpSpPr/>
+        <p:nvPr/>
+      </p:nvGrpSpPr>
+      <p:grpSpPr>
+        <a:xfrm>
+          <a:off x="0" y="0"/>
+          <a:ext cx="0" cy="0"/>
+          <a:chOff x="0" y="0"/>
+          <a:chExt cx="0" cy="0"/>
+        </a:xfrm>
+      </p:grpSpPr>
+      <p:sp>
+        <p:nvSpPr>
+          <p:cNvPr id="2" name="Folienbildplatzhalter 1"/>
+          <p:cNvSpPr>
+            <a:spLocks noGrp="1" noRot="1" noChangeAspect="1"/>
+          </p:cNvSpPr>
+          <p:nvPr>
+            <p:ph type="sldImg"/>
+          </p:nvPr>
+        </p:nvSpPr>
+        <p:spPr/>
+      </p:sp>
+      <p:sp>
+        <p:nvSpPr>
+          <p:cNvPr id="3" name="Notizenplatzhalter 2"/>
+          <p:cNvSpPr>
+            <a:spLocks noGrp="1"/>
+          </p:cNvSpPr>
+          <p:nvPr>
+            <p:ph type="body" idx="1"/>
+          </p:nvPr>
+        </p:nvSpPr>
+        <p:spPr/>
+        <p:txBody>
+          <a:bodyPr/>
+          <a:lstStyle/>
+          <a:p>
+            <a:pPr marL="0" marR="0" lvl="0" indent="0" algn="l" defTabSz="914400" rtl="0" eaLnBrk="1" fontAlgn="auto" latinLnBrk="0" hangingPunct="1">
+              <a:lnSpc>
+                <a:spcPct val="100000"/>
+              </a:lnSpc>
+              <a:spcBef>
+                <a:spcPts val="0"/>
+              </a:spcBef>
+              <a:spcAft>
+                <a:spcPts val="0"/>
+              </a:spcAft>
+              <a:buClrTx/>
+              <a:buSzTx/>
+              <a:buFontTx/>
+              <a:buNone/>
+              <a:tabLst/>
+              <a:defRPr/>
+            </a:pPr>
+            <a:endParaRPr lang="en-US" b="1"/>
+          </a:p>
+        </p:txBody>
+      </p:sp>
+      <p:sp>
+        <p:nvSpPr>
+          <p:cNvPr id="4" name="Foliennummernplatzhalter 3"/>
+          <p:cNvSpPr>
+            <a:spLocks noGrp="1"/>
+          </p:cNvSpPr>
+          <p:nvPr>
+            <p:ph type="sldNum" sz="quarter" idx="10"/>
+          </p:nvPr>
+        </p:nvSpPr>
+        <p:spPr/>
+        <p:txBody>
+          <a:bodyPr/>
+          <a:lstStyle/>
+          <a:p>
+            <a:fld id="{20A41429-B750-4047-B563-2878417A70E7}" type="slidenum">
+              <a:rPr lang="en-US" smtClean="0"/>
+              <a:t>31</a:t>
+            </a:fld>
+            <a:endParaRPr lang="en-US"/>
+          </a:p>
+        </p:txBody>
+      </p:sp>
+    </p:spTree>
+    <p:extLst>
+      <p:ext uri="{BB962C8B-B14F-4D97-AF65-F5344CB8AC3E}">
+        <p14:creationId xmlns:p14="http://schemas.microsoft.com/office/powerpoint/2010/main" val="338469459"/>
+      </p:ext>
+    </p:extLst>
+  </p:cSld>
+  <p:clrMapOvr>
+    <a:masterClrMapping/>
+  </p:clrMapOvr>
+</p:notes>
+</file>
+
+<file path=ppt/notesSlides/notesSlide28.xml><?xml version="1.0" encoding="utf-8"?>
+<p:notes xmlns:a="http://schemas.openxmlformats.org/drawingml/2006/main" xmlns:r="http://schemas.openxmlformats.org/officeDocument/2006/relationships" xmlns:p="http://schemas.openxmlformats.org/presentationml/2006/main">
+  <p:cSld>
+    <p:spTree>
+      <p:nvGrpSpPr>
+        <p:cNvPr id="1" name=""/>
+        <p:cNvGrpSpPr/>
+        <p:nvPr/>
+      </p:nvGrpSpPr>
+      <p:grpSpPr>
+        <a:xfrm>
+          <a:off x="0" y="0"/>
+          <a:ext cx="0" cy="0"/>
+          <a:chOff x="0" y="0"/>
+          <a:chExt cx="0" cy="0"/>
+        </a:xfrm>
+      </p:grpSpPr>
+      <p:sp>
+        <p:nvSpPr>
+          <p:cNvPr id="2" name="Folienbildplatzhalter 1"/>
+          <p:cNvSpPr>
+            <a:spLocks noGrp="1" noRot="1" noChangeAspect="1"/>
+          </p:cNvSpPr>
+          <p:nvPr>
+            <p:ph type="sldImg"/>
+          </p:nvPr>
+        </p:nvSpPr>
+        <p:spPr/>
+      </p:sp>
+      <p:sp>
+        <p:nvSpPr>
+          <p:cNvPr id="3" name="Notizenplatzhalter 2"/>
+          <p:cNvSpPr>
+            <a:spLocks noGrp="1"/>
+          </p:cNvSpPr>
+          <p:nvPr>
+            <p:ph type="body" idx="1"/>
+          </p:nvPr>
+        </p:nvSpPr>
+        <p:spPr/>
+        <p:txBody>
+          <a:bodyPr/>
+          <a:lstStyle/>
+          <a:p>
+            <a:pPr marL="0" marR="0" lvl="0" indent="0" algn="l" defTabSz="914400" rtl="0" eaLnBrk="1" fontAlgn="auto" latinLnBrk="0" hangingPunct="1">
+              <a:lnSpc>
+                <a:spcPct val="100000"/>
+              </a:lnSpc>
+              <a:spcBef>
+                <a:spcPts val="0"/>
+              </a:spcBef>
+              <a:spcAft>
+                <a:spcPts val="0"/>
+              </a:spcAft>
+              <a:buClrTx/>
+              <a:buSzTx/>
+              <a:buFontTx/>
+              <a:buNone/>
+              <a:tabLst/>
+              <a:defRPr/>
+            </a:pPr>
+            <a:endParaRPr lang="en-US"/>
+          </a:p>
+        </p:txBody>
+      </p:sp>
+      <p:sp>
+        <p:nvSpPr>
+          <p:cNvPr id="4" name="Foliennummernplatzhalter 3"/>
+          <p:cNvSpPr>
+            <a:spLocks noGrp="1"/>
+          </p:cNvSpPr>
+          <p:nvPr>
+            <p:ph type="sldNum" sz="quarter" idx="10"/>
+          </p:nvPr>
+        </p:nvSpPr>
+        <p:spPr/>
+        <p:txBody>
+          <a:bodyPr/>
+          <a:lstStyle/>
+          <a:p>
+            <a:fld id="{20A41429-B750-4047-B563-2878417A70E7}" type="slidenum">
+              <a:rPr lang="en-US" smtClean="0"/>
+              <a:t>32</a:t>
+            </a:fld>
+            <a:endParaRPr lang="en-US"/>
+          </a:p>
+        </p:txBody>
+      </p:sp>
+    </p:spTree>
+    <p:extLst>
+      <p:ext uri="{BB962C8B-B14F-4D97-AF65-F5344CB8AC3E}">
+        <p14:creationId xmlns:p14="http://schemas.microsoft.com/office/powerpoint/2010/main" val="64350663"/>
+      </p:ext>
+    </p:extLst>
+  </p:cSld>
+  <p:clrMapOvr>
+    <a:masterClrMapping/>
+  </p:clrMapOvr>
+</p:notes>
+</file>
+
+<file path=ppt/notesSlides/notesSlide29.xml><?xml version="1.0" encoding="utf-8"?>
+<p:notes xmlns:a="http://schemas.openxmlformats.org/drawingml/2006/main" xmlns:r="http://schemas.openxmlformats.org/officeDocument/2006/relationships" xmlns:p="http://schemas.openxmlformats.org/presentationml/2006/main">
+  <p:cSld>
+    <p:spTree>
+      <p:nvGrpSpPr>
+        <p:cNvPr id="1" name=""/>
+        <p:cNvGrpSpPr/>
+        <p:nvPr/>
+      </p:nvGrpSpPr>
+      <p:grpSpPr>
+        <a:xfrm>
+          <a:off x="0" y="0"/>
+          <a:ext cx="0" cy="0"/>
+          <a:chOff x="0" y="0"/>
+          <a:chExt cx="0" cy="0"/>
+        </a:xfrm>
+      </p:grpSpPr>
+      <p:sp>
+        <p:nvSpPr>
+          <p:cNvPr id="2" name="Folienbildplatzhalter 1"/>
+          <p:cNvSpPr>
+            <a:spLocks noGrp="1" noRot="1" noChangeAspect="1"/>
+          </p:cNvSpPr>
+          <p:nvPr>
+            <p:ph type="sldImg"/>
+          </p:nvPr>
+        </p:nvSpPr>
+        <p:spPr/>
+      </p:sp>
+      <p:sp>
+        <p:nvSpPr>
+          <p:cNvPr id="3" name="Notizenplatzhalter 2"/>
+          <p:cNvSpPr>
+            <a:spLocks noGrp="1"/>
+          </p:cNvSpPr>
+          <p:nvPr>
+            <p:ph type="body" idx="1"/>
+          </p:nvPr>
+        </p:nvSpPr>
+        <p:spPr/>
+        <p:txBody>
+          <a:bodyPr/>
+          <a:lstStyle/>
+          <a:p>
+            <a:pPr marL="0" marR="0" lvl="0" indent="0" algn="l" defTabSz="914400" rtl="0" eaLnBrk="1" fontAlgn="auto" latinLnBrk="0" hangingPunct="1">
+              <a:lnSpc>
+                <a:spcPct val="100000"/>
+              </a:lnSpc>
+              <a:spcBef>
+                <a:spcPts val="0"/>
+              </a:spcBef>
+              <a:spcAft>
+                <a:spcPts val="0"/>
+              </a:spcAft>
+              <a:buClrTx/>
+              <a:buSzTx/>
+              <a:buFontTx/>
+              <a:buNone/>
+              <a:tabLst/>
+              <a:defRPr/>
+            </a:pPr>
+            <a:endParaRPr lang="en-US"/>
+          </a:p>
+        </p:txBody>
+      </p:sp>
+      <p:sp>
+        <p:nvSpPr>
+          <p:cNvPr id="4" name="Foliennummernplatzhalter 3"/>
+          <p:cNvSpPr>
+            <a:spLocks noGrp="1"/>
+          </p:cNvSpPr>
+          <p:nvPr>
+            <p:ph type="sldNum" sz="quarter" idx="10"/>
+          </p:nvPr>
+        </p:nvSpPr>
+        <p:spPr/>
+        <p:txBody>
+          <a:bodyPr/>
+          <a:lstStyle/>
+          <a:p>
+            <a:fld id="{20A41429-B750-4047-B563-2878417A70E7}" type="slidenum">
+              <a:rPr lang="en-US" smtClean="0"/>
+              <a:t>34</a:t>
+            </a:fld>
+            <a:endParaRPr lang="en-US"/>
+          </a:p>
+        </p:txBody>
+      </p:sp>
+    </p:spTree>
+    <p:extLst>
+      <p:ext uri="{BB962C8B-B14F-4D97-AF65-F5344CB8AC3E}">
+        <p14:creationId xmlns:p14="http://schemas.microsoft.com/office/powerpoint/2010/main" val="2431068911"/>
       </p:ext>
     </p:extLst>
   </p:cSld>
@@ -2478,6 +2887,107 @@
     <p:extLst>
       <p:ext uri="{BB962C8B-B14F-4D97-AF65-F5344CB8AC3E}">
         <p14:creationId xmlns:p14="http://schemas.microsoft.com/office/powerpoint/2010/main" val="2965861074"/>
+      </p:ext>
+    </p:extLst>
+  </p:cSld>
+  <p:clrMapOvr>
+    <a:masterClrMapping/>
+  </p:clrMapOvr>
+</p:notes>
+</file>
+
+<file path=ppt/notesSlides/notesSlide30.xml><?xml version="1.0" encoding="utf-8"?>
+<p:notes xmlns:a="http://schemas.openxmlformats.org/drawingml/2006/main" xmlns:r="http://schemas.openxmlformats.org/officeDocument/2006/relationships" xmlns:p="http://schemas.openxmlformats.org/presentationml/2006/main">
+  <p:cSld>
+    <p:spTree>
+      <p:nvGrpSpPr>
+        <p:cNvPr id="1" name=""/>
+        <p:cNvGrpSpPr/>
+        <p:nvPr/>
+      </p:nvGrpSpPr>
+      <p:grpSpPr>
+        <a:xfrm>
+          <a:off x="0" y="0"/>
+          <a:ext cx="0" cy="0"/>
+          <a:chOff x="0" y="0"/>
+          <a:chExt cx="0" cy="0"/>
+        </a:xfrm>
+      </p:grpSpPr>
+      <p:sp>
+        <p:nvSpPr>
+          <p:cNvPr id="2" name="Folienbildplatzhalter 1"/>
+          <p:cNvSpPr>
+            <a:spLocks noGrp="1" noRot="1" noChangeAspect="1"/>
+          </p:cNvSpPr>
+          <p:nvPr>
+            <p:ph type="sldImg"/>
+          </p:nvPr>
+        </p:nvSpPr>
+        <p:spPr/>
+      </p:sp>
+      <p:sp>
+        <p:nvSpPr>
+          <p:cNvPr id="3" name="Notizenplatzhalter 2"/>
+          <p:cNvSpPr>
+            <a:spLocks noGrp="1"/>
+          </p:cNvSpPr>
+          <p:nvPr>
+            <p:ph type="body" idx="1"/>
+          </p:nvPr>
+        </p:nvSpPr>
+        <p:spPr/>
+        <p:txBody>
+          <a:bodyPr/>
+          <a:lstStyle/>
+          <a:p>
+            <a:pPr marL="0" marR="0" lvl="0" indent="0" algn="l" defTabSz="914400" rtl="0" eaLnBrk="1" fontAlgn="auto" latinLnBrk="0" hangingPunct="1">
+              <a:lnSpc>
+                <a:spcPct val="100000"/>
+              </a:lnSpc>
+              <a:spcBef>
+                <a:spcPts val="0"/>
+              </a:spcBef>
+              <a:spcAft>
+                <a:spcPts val="0"/>
+              </a:spcAft>
+              <a:buClrTx/>
+              <a:buSzTx/>
+              <a:buFontTx/>
+              <a:buNone/>
+              <a:tabLst/>
+              <a:defRPr/>
+            </a:pPr>
+            <a:endParaRPr lang="en-US"/>
+          </a:p>
+        </p:txBody>
+      </p:sp>
+      <p:sp>
+        <p:nvSpPr>
+          <p:cNvPr id="4" name="Foliennummernplatzhalter 3"/>
+          <p:cNvSpPr>
+            <a:spLocks noGrp="1"/>
+          </p:cNvSpPr>
+          <p:nvPr>
+            <p:ph type="sldNum" sz="quarter" idx="10"/>
+          </p:nvPr>
+        </p:nvSpPr>
+        <p:spPr/>
+        <p:txBody>
+          <a:bodyPr/>
+          <a:lstStyle/>
+          <a:p>
+            <a:fld id="{20A41429-B750-4047-B563-2878417A70E7}" type="slidenum">
+              <a:rPr lang="en-US" smtClean="0"/>
+              <a:t>35</a:t>
+            </a:fld>
+            <a:endParaRPr lang="en-US"/>
+          </a:p>
+        </p:txBody>
+      </p:sp>
+    </p:spTree>
+    <p:extLst>
+      <p:ext uri="{BB962C8B-B14F-4D97-AF65-F5344CB8AC3E}">
+        <p14:creationId xmlns:p14="http://schemas.microsoft.com/office/powerpoint/2010/main" val="1647753373"/>
       </p:ext>
     </p:extLst>
   </p:cSld>
@@ -3303,7 +3813,7 @@
           <a:p>
             <a:fld id="{5A1811BA-6AD9-41A7-B7A2-456C8523519C}" type="datetime1">
               <a:rPr lang="en-US" smtClean="0"/>
-              <a:t>5/1/2021</a:t>
+              <a:t>5/3/2021</a:t>
             </a:fld>
             <a:endParaRPr lang="en-US"/>
           </a:p>
@@ -3473,7 +3983,7 @@
           <a:p>
             <a:fld id="{B0494441-C196-4BB0-93EE-AF22360207AB}" type="datetime1">
               <a:rPr lang="en-US" smtClean="0"/>
-              <a:t>5/1/2021</a:t>
+              <a:t>5/3/2021</a:t>
             </a:fld>
             <a:endParaRPr lang="en-US"/>
           </a:p>
@@ -3653,7 +4163,7 @@
           <a:p>
             <a:fld id="{D7B9282B-C3CE-4F56-8DD1-5349F982F1D2}" type="datetime1">
               <a:rPr lang="en-US" smtClean="0"/>
-              <a:t>5/1/2021</a:t>
+              <a:t>5/3/2021</a:t>
             </a:fld>
             <a:endParaRPr lang="en-US"/>
           </a:p>
@@ -3823,7 +4333,7 @@
           <a:p>
             <a:fld id="{E6E86D6A-786F-4E85-AF3B-385015383ABA}" type="datetime1">
               <a:rPr lang="en-US" smtClean="0"/>
-              <a:t>5/1/2021</a:t>
+              <a:t>5/3/2021</a:t>
             </a:fld>
             <a:endParaRPr lang="en-US"/>
           </a:p>
@@ -4069,7 +4579,7 @@
           <a:p>
             <a:fld id="{051FFEB0-9C80-4A34-A5C7-72D52D52FC7D}" type="datetime1">
               <a:rPr lang="en-US" smtClean="0"/>
-              <a:t>5/1/2021</a:t>
+              <a:t>5/3/2021</a:t>
             </a:fld>
             <a:endParaRPr lang="en-US"/>
           </a:p>
@@ -4301,7 +4811,7 @@
           <a:p>
             <a:fld id="{084267AD-C299-471B-ABA1-D0EA94C7EDCF}" type="datetime1">
               <a:rPr lang="en-US" smtClean="0"/>
-              <a:t>5/1/2021</a:t>
+              <a:t>5/3/2021</a:t>
             </a:fld>
             <a:endParaRPr lang="en-US"/>
           </a:p>
@@ -4668,7 +5178,7 @@
           <a:p>
             <a:fld id="{6468DBC7-10F8-46A1-8CE1-DBB0A6F0EF3E}" type="datetime1">
               <a:rPr lang="en-US" smtClean="0"/>
-              <a:t>5/1/2021</a:t>
+              <a:t>5/3/2021</a:t>
             </a:fld>
             <a:endParaRPr lang="en-US"/>
           </a:p>
@@ -4786,7 +5296,7 @@
           <a:p>
             <a:fld id="{0A97ED80-8DDA-43A7-A78F-B0542D691D0E}" type="datetime1">
               <a:rPr lang="en-US" smtClean="0"/>
-              <a:t>5/1/2021</a:t>
+              <a:t>5/3/2021</a:t>
             </a:fld>
             <a:endParaRPr lang="en-US"/>
           </a:p>
@@ -4881,7 +5391,7 @@
           <a:p>
             <a:fld id="{0AF827E6-45BA-40D2-98F2-BE4FFF095577}" type="datetime1">
               <a:rPr lang="en-US" smtClean="0"/>
-              <a:t>5/1/2021</a:t>
+              <a:t>5/3/2021</a:t>
             </a:fld>
             <a:endParaRPr lang="en-US"/>
           </a:p>
@@ -5158,7 +5668,7 @@
           <a:p>
             <a:fld id="{42BD114C-22EA-4B1A-A45B-ED6465C7BB4E}" type="datetime1">
               <a:rPr lang="en-US" smtClean="0"/>
-              <a:t>5/1/2021</a:t>
+              <a:t>5/3/2021</a:t>
             </a:fld>
             <a:endParaRPr lang="en-US"/>
           </a:p>
@@ -5411,7 +5921,7 @@
           <a:p>
             <a:fld id="{F46F8903-38BE-4FD8-98FC-E4EF771B2D8C}" type="datetime1">
               <a:rPr lang="en-US" smtClean="0"/>
-              <a:t>5/1/2021</a:t>
+              <a:t>5/3/2021</a:t>
             </a:fld>
             <a:endParaRPr lang="en-US"/>
           </a:p>
@@ -5624,7 +6134,7 @@
           <a:p>
             <a:fld id="{A91AC8C7-9CA9-4E83-8CE3-AD3BE4150B39}" type="datetime1">
               <a:rPr lang="en-US" smtClean="0"/>
-              <a:t>5/1/2021</a:t>
+              <a:t>5/3/2021</a:t>
             </a:fld>
             <a:endParaRPr lang="en-US"/>
           </a:p>
@@ -6291,8 +6801,8 @@
           </a:p>
         </p:txBody>
       </p:sp>
-      <mc:AlternateContent xmlns:mc="http://schemas.openxmlformats.org/markup-compatibility/2006">
-        <mc:Choice xmlns:a14="http://schemas.microsoft.com/office/drawing/2010/main" Requires="a14">
+      <mc:AlternateContent xmlns:mc="http://schemas.openxmlformats.org/markup-compatibility/2006" xmlns:a14="http://schemas.microsoft.com/office/drawing/2010/main">
+        <mc:Choice Requires="a14">
           <p:sp>
             <p:nvSpPr>
               <p:cNvPr id="7" name="TextBox 6">
@@ -6586,7 +7096,7 @@
             </p:txBody>
           </p:sp>
         </mc:Choice>
-        <mc:Fallback>
+        <mc:Fallback xmlns="">
           <p:sp>
             <p:nvSpPr>
               <p:cNvPr id="7" name="TextBox 6">
@@ -8670,8 +9180,8 @@
         </p:blipFill>
         <p:spPr>
           <a:xfrm>
-            <a:off x="2390310" y="2820759"/>
-            <a:ext cx="360000" cy="360000"/>
+            <a:off x="2418018" y="2857704"/>
+            <a:ext cx="288000" cy="288000"/>
           </a:xfrm>
           <a:prstGeom prst="rect">
             <a:avLst/>
@@ -8709,8 +9219,8 @@
         </p:blipFill>
         <p:spPr>
           <a:xfrm>
-            <a:off x="2390310" y="3488707"/>
-            <a:ext cx="360000" cy="360000"/>
+            <a:off x="2418018" y="3525652"/>
+            <a:ext cx="288000" cy="288000"/>
           </a:xfrm>
           <a:prstGeom prst="rect">
             <a:avLst/>
@@ -8748,8 +9258,8 @@
         </p:blipFill>
         <p:spPr>
           <a:xfrm>
-            <a:off x="2388276" y="3167746"/>
-            <a:ext cx="360000" cy="360000"/>
+            <a:off x="2415984" y="3204691"/>
+            <a:ext cx="288000" cy="288000"/>
           </a:xfrm>
           <a:prstGeom prst="rect">
             <a:avLst/>
@@ -8787,8 +9297,8 @@
         </p:blipFill>
         <p:spPr>
           <a:xfrm>
-            <a:off x="2390310" y="3822681"/>
-            <a:ext cx="360000" cy="360000"/>
+            <a:off x="2418018" y="3859626"/>
+            <a:ext cx="288000" cy="288000"/>
           </a:xfrm>
           <a:prstGeom prst="rect">
             <a:avLst/>
@@ -8826,8 +9336,8 @@
         </p:blipFill>
         <p:spPr>
           <a:xfrm>
-            <a:off x="2388276" y="4574621"/>
-            <a:ext cx="360000" cy="360000"/>
+            <a:off x="2415984" y="4611566"/>
+            <a:ext cx="288000" cy="288000"/>
           </a:xfrm>
           <a:prstGeom prst="rect">
             <a:avLst/>
@@ -8865,8 +9375,8 @@
         </p:blipFill>
         <p:spPr>
           <a:xfrm>
-            <a:off x="2388276" y="5242569"/>
-            <a:ext cx="360000" cy="360000"/>
+            <a:off x="2415984" y="5279514"/>
+            <a:ext cx="288000" cy="288000"/>
           </a:xfrm>
           <a:prstGeom prst="rect">
             <a:avLst/>
@@ -8904,8 +9414,8 @@
         </p:blipFill>
         <p:spPr>
           <a:xfrm>
-            <a:off x="2388276" y="4908595"/>
-            <a:ext cx="360000" cy="360000"/>
+            <a:off x="2415984" y="4945540"/>
+            <a:ext cx="288000" cy="288000"/>
           </a:xfrm>
           <a:prstGeom prst="rect">
             <a:avLst/>
@@ -8943,8 +9453,8 @@
         </p:blipFill>
         <p:spPr>
           <a:xfrm>
-            <a:off x="2388276" y="5576543"/>
-            <a:ext cx="360000" cy="360000"/>
+            <a:off x="2415984" y="5613488"/>
+            <a:ext cx="288000" cy="288000"/>
           </a:xfrm>
           <a:prstGeom prst="rect">
             <a:avLst/>
@@ -9032,7 +9542,7 @@
           <a:p>
             <a:r>
               <a:rPr lang="en-US"/>
-              <a:t>ML Background  </a:t>
+              <a:t>Word Embeddings  </a:t>
             </a:r>
             <a:r>
               <a:rPr lang="en-US" b="1"/>
@@ -15164,6 +15674,42 @@
           </a:prstGeom>
         </p:spPr>
       </p:pic>
+      <p:sp>
+        <p:nvSpPr>
+          <p:cNvPr id="7" name="TextBox 6">
+            <a:extLst>
+              <a:ext uri="{FF2B5EF4-FFF2-40B4-BE49-F238E27FC236}">
+                <a16:creationId xmlns:a16="http://schemas.microsoft.com/office/drawing/2014/main" id="{9A8625CC-42D4-47A0-AE63-47919594ED3E}"/>
+              </a:ext>
+            </a:extLst>
+          </p:cNvPr>
+          <p:cNvSpPr txBox="1"/>
+          <p:nvPr/>
+        </p:nvSpPr>
+        <p:spPr>
+          <a:xfrm>
+            <a:off x="5948218" y="5294376"/>
+            <a:ext cx="2662382" cy="276999"/>
+          </a:xfrm>
+          <a:prstGeom prst="rect">
+            <a:avLst/>
+          </a:prstGeom>
+          <a:noFill/>
+        </p:spPr>
+        <p:txBody>
+          <a:bodyPr wrap="square">
+            <a:spAutoFit/>
+          </a:bodyPr>
+          <a:lstStyle/>
+          <a:p>
+            <a:pPr lvl="1"/>
+            <a:r>
+              <a:rPr lang="de-DE" sz="1200" i="1"/>
+              <a:t>https://mlr3book.mlr-org.com/</a:t>
+            </a:r>
+          </a:p>
+        </p:txBody>
+      </p:sp>
     </p:spTree>
     <p:extLst>
       <p:ext uri="{BB962C8B-B14F-4D97-AF65-F5344CB8AC3E}">
@@ -15647,7 +16193,7 @@
             </a:r>
             <a:r>
               <a:rPr lang="en-US"/>
-              <a:t>defines (and restricts!) what kind of model can be learned from the data</a:t>
+              <a:t>defines what kind of model can be learned</a:t>
             </a:r>
             <a:r>
               <a:rPr lang="de-DE"/>
@@ -15712,6 +16258,14 @@
                 <a:sym typeface="Symbol" panose="05050102010706020507" pitchFamily="18" charset="2"/>
               </a:rPr>
               <a:t>: defines how to search for the best model</a:t>
+            </a:r>
+          </a:p>
+          <a:p>
+            <a:r>
+              <a:rPr lang="en-US" b="1">
+                <a:sym typeface="Symbol" panose="05050102010706020507" pitchFamily="18" charset="2"/>
+              </a:rPr>
+              <a:t>Empirical risk minimization (ERM)</a:t>
             </a:r>
           </a:p>
           <a:p>
@@ -15988,6 +16542,5202 @@
       </p:sp>
       <p:sp>
         <p:nvSpPr>
+          <p:cNvPr id="9" name="Titel 1">
+            <a:extLst>
+              <a:ext uri="{FF2B5EF4-FFF2-40B4-BE49-F238E27FC236}">
+                <a16:creationId xmlns:a16="http://schemas.microsoft.com/office/drawing/2014/main" id="{7807725C-718A-4D77-AD01-05225CF68388}"/>
+              </a:ext>
+            </a:extLst>
+          </p:cNvPr>
+          <p:cNvSpPr>
+            <a:spLocks noGrp="1"/>
+          </p:cNvSpPr>
+          <p:nvPr>
+            <p:ph type="title"/>
+          </p:nvPr>
+        </p:nvSpPr>
+        <p:spPr>
+          <a:xfrm>
+            <a:off x="1066800" y="561524"/>
+            <a:ext cx="10287000" cy="1129164"/>
+          </a:xfrm>
+        </p:spPr>
+        <p:txBody>
+          <a:bodyPr>
+            <a:normAutofit/>
+          </a:bodyPr>
+          <a:lstStyle/>
+          <a:p>
+            <a:r>
+              <a:rPr lang="en-US"/>
+              <a:t>Performance Evaluation  </a:t>
+            </a:r>
+            <a:r>
+              <a:rPr lang="en-US" b="1"/>
+              <a:t>Idea</a:t>
+            </a:r>
+          </a:p>
+        </p:txBody>
+      </p:sp>
+      <p:sp>
+        <p:nvSpPr>
+          <p:cNvPr id="10" name="Content Placeholder 2">
+            <a:extLst>
+              <a:ext uri="{FF2B5EF4-FFF2-40B4-BE49-F238E27FC236}">
+                <a16:creationId xmlns:a16="http://schemas.microsoft.com/office/drawing/2014/main" id="{67443131-1CA9-405F-8B23-66FD98AB33DC}"/>
+              </a:ext>
+            </a:extLst>
+          </p:cNvPr>
+          <p:cNvSpPr>
+            <a:spLocks noGrp="1"/>
+          </p:cNvSpPr>
+          <p:nvPr>
+            <p:ph idx="1"/>
+          </p:nvPr>
+        </p:nvSpPr>
+        <p:spPr>
+          <a:xfrm>
+            <a:off x="1066798" y="1990724"/>
+            <a:ext cx="10086977" cy="4867275"/>
+          </a:xfrm>
+        </p:spPr>
+        <p:txBody>
+          <a:bodyPr>
+            <a:normAutofit/>
+          </a:bodyPr>
+          <a:lstStyle/>
+          <a:p>
+            <a:r>
+              <a:rPr lang="de-DE"/>
+              <a:t>How well does our model </a:t>
+            </a:r>
+            <a:r>
+              <a:rPr lang="de-DE" b="1"/>
+              <a:t>perform</a:t>
+            </a:r>
+            <a:r>
+              <a:rPr lang="de-DE"/>
+              <a:t> on unseen data?</a:t>
+            </a:r>
+            <a:br>
+              <a:rPr lang="de-DE"/>
+            </a:br>
+            <a:r>
+              <a:rPr lang="en-US">
+                <a:sym typeface="Symbol" panose="05050102010706020507" pitchFamily="18" charset="2"/>
+              </a:rPr>
+              <a:t> </a:t>
+            </a:r>
+            <a:r>
+              <a:rPr lang="en-US" b="1">
+                <a:sym typeface="Symbol" panose="05050102010706020507" pitchFamily="18" charset="2"/>
+              </a:rPr>
+              <a:t>Generalization</a:t>
+            </a:r>
+            <a:r>
+              <a:rPr lang="en-US">
+                <a:sym typeface="Symbol" panose="05050102010706020507" pitchFamily="18" charset="2"/>
+              </a:rPr>
+              <a:t> ability</a:t>
+            </a:r>
+            <a:br>
+              <a:rPr lang="en-US">
+                <a:sym typeface="Symbol" panose="05050102010706020507" pitchFamily="18" charset="2"/>
+              </a:rPr>
+            </a:br>
+            <a:br>
+              <a:rPr lang="en-US">
+                <a:sym typeface="Symbol" panose="05050102010706020507" pitchFamily="18" charset="2"/>
+              </a:rPr>
+            </a:br>
+            <a:br>
+              <a:rPr lang="en-US">
+                <a:sym typeface="Symbol" panose="05050102010706020507" pitchFamily="18" charset="2"/>
+              </a:rPr>
+            </a:br>
+            <a:endParaRPr lang="en-US">
+              <a:sym typeface="Symbol" panose="05050102010706020507" pitchFamily="18" charset="2"/>
+            </a:endParaRPr>
+          </a:p>
+          <a:p>
+            <a:r>
+              <a:rPr lang="de-DE"/>
+              <a:t>Measured using the test set(s)</a:t>
+            </a:r>
+          </a:p>
+          <a:p>
+            <a:r>
+              <a:rPr lang="de-DE"/>
+              <a:t>Aka </a:t>
+            </a:r>
+            <a:r>
+              <a:rPr lang="de-DE" b="1"/>
+              <a:t>outer loss </a:t>
+            </a:r>
+            <a:r>
+              <a:rPr lang="de-DE">
+                <a:sym typeface="Symbol" panose="05050102010706020507" pitchFamily="18" charset="2"/>
+              </a:rPr>
+              <a:t> inner loss used for training the model via ERM  </a:t>
+            </a:r>
+            <a:endParaRPr lang="de-DE"/>
+          </a:p>
+          <a:p>
+            <a:pPr lvl="1"/>
+            <a:r>
+              <a:rPr lang="de-DE"/>
+              <a:t>We might or might not use the same metric for both.</a:t>
+            </a:r>
+          </a:p>
+          <a:p>
+            <a:pPr lvl="1"/>
+            <a:r>
+              <a:rPr lang="de-DE"/>
+              <a:t>Various evaluation metrics exist.</a:t>
+            </a:r>
+            <a:br>
+              <a:rPr lang="de-DE"/>
+            </a:br>
+            <a:endParaRPr lang="de-DE"/>
+          </a:p>
+          <a:p>
+            <a:endParaRPr lang="de-DE"/>
+          </a:p>
+          <a:p>
+            <a:pPr lvl="1"/>
+            <a:endParaRPr lang="en-US"/>
+          </a:p>
+        </p:txBody>
+      </p:sp>
+      <p:sp>
+        <p:nvSpPr>
+          <p:cNvPr id="5" name="TextBox 4">
+            <a:extLst>
+              <a:ext uri="{FF2B5EF4-FFF2-40B4-BE49-F238E27FC236}">
+                <a16:creationId xmlns:a16="http://schemas.microsoft.com/office/drawing/2014/main" id="{CD530520-10CC-4C0E-B112-A1610A6EE2C7}"/>
+              </a:ext>
+            </a:extLst>
+          </p:cNvPr>
+          <p:cNvSpPr txBox="1"/>
+          <p:nvPr/>
+        </p:nvSpPr>
+        <p:spPr>
+          <a:xfrm>
+            <a:off x="3090672" y="3198167"/>
+            <a:ext cx="4572000" cy="461665"/>
+          </a:xfrm>
+          <a:prstGeom prst="rect">
+            <a:avLst/>
+          </a:prstGeom>
+          <a:noFill/>
+        </p:spPr>
+        <p:txBody>
+          <a:bodyPr wrap="square">
+            <a:spAutoFit/>
+          </a:bodyPr>
+          <a:lstStyle/>
+          <a:p>
+            <a:r>
+              <a:rPr lang="de-DE" sz="2400" i="1"/>
+              <a:t>typically, test error &gt; training error</a:t>
+            </a:r>
+            <a:endParaRPr lang="en-US" sz="2400" i="1"/>
+          </a:p>
+        </p:txBody>
+      </p:sp>
+      <p:pic>
+        <p:nvPicPr>
+          <p:cNvPr id="6" name="Graphic 5" descr="Back with solid fill">
+            <a:extLst>
+              <a:ext uri="{FF2B5EF4-FFF2-40B4-BE49-F238E27FC236}">
+                <a16:creationId xmlns:a16="http://schemas.microsoft.com/office/drawing/2014/main" id="{8032317C-9E76-46E7-B8E8-CCA72BA10BCC}"/>
+              </a:ext>
+            </a:extLst>
+          </p:cNvPr>
+          <p:cNvPicPr>
+            <a:picLocks noChangeAspect="1"/>
+          </p:cNvPicPr>
+          <p:nvPr/>
+        </p:nvPicPr>
+        <p:blipFill>
+          <a:blip r:embed="rId3">
+            <a:extLst>
+              <a:ext uri="{28A0092B-C50C-407E-A947-70E740481C1C}">
+                <a14:useLocalDpi xmlns:a14="http://schemas.microsoft.com/office/drawing/2010/main" val="0"/>
+              </a:ext>
+              <a:ext uri="{96DAC541-7B7A-43D3-8B79-37D633B846F1}">
+                <asvg:svgBlip xmlns:asvg="http://schemas.microsoft.com/office/drawing/2016/SVG/main" r:embed="rId4"/>
+              </a:ext>
+            </a:extLst>
+          </a:blip>
+          <a:stretch>
+            <a:fillRect/>
+          </a:stretch>
+        </p:blipFill>
+        <p:spPr>
+          <a:xfrm flipH="1" flipV="1">
+            <a:off x="2075307" y="2919339"/>
+            <a:ext cx="757629" cy="946296"/>
+          </a:xfrm>
+          <a:prstGeom prst="rect">
+            <a:avLst/>
+          </a:prstGeom>
+        </p:spPr>
+      </p:pic>
+    </p:spTree>
+    <p:extLst>
+      <p:ext uri="{BB962C8B-B14F-4D97-AF65-F5344CB8AC3E}">
+        <p14:creationId xmlns:p14="http://schemas.microsoft.com/office/powerpoint/2010/main" val="200602647"/>
+      </p:ext>
+    </p:extLst>
+  </p:cSld>
+  <p:clrMapOvr>
+    <a:masterClrMapping/>
+  </p:clrMapOvr>
+</p:sld>
+</file>
+
+<file path=ppt/slides/slide27.xml><?xml version="1.0" encoding="utf-8"?>
+<p:sld xmlns:a="http://schemas.openxmlformats.org/drawingml/2006/main" xmlns:r="http://schemas.openxmlformats.org/officeDocument/2006/relationships" xmlns:p="http://schemas.openxmlformats.org/presentationml/2006/main">
+  <p:cSld>
+    <p:spTree>
+      <p:nvGrpSpPr>
+        <p:cNvPr id="1" name=""/>
+        <p:cNvGrpSpPr/>
+        <p:nvPr/>
+      </p:nvGrpSpPr>
+      <p:grpSpPr>
+        <a:xfrm>
+          <a:off x="0" y="0"/>
+          <a:ext cx="0" cy="0"/>
+          <a:chOff x="0" y="0"/>
+          <a:chExt cx="0" cy="0"/>
+        </a:xfrm>
+      </p:grpSpPr>
+      <p:sp>
+        <p:nvSpPr>
+          <p:cNvPr id="4" name="Foliennummernplatzhalter 3"/>
+          <p:cNvSpPr>
+            <a:spLocks noGrp="1"/>
+          </p:cNvSpPr>
+          <p:nvPr>
+            <p:ph type="sldNum" sz="quarter" idx="12"/>
+          </p:nvPr>
+        </p:nvSpPr>
+        <p:spPr/>
+        <p:txBody>
+          <a:bodyPr/>
+          <a:lstStyle/>
+          <a:p>
+            <a:fld id="{C9E0B00B-E6DF-4183-A694-3DE28BEFB357}" type="slidenum">
+              <a:rPr lang="en-US" smtClean="0"/>
+              <a:t>27</a:t>
+            </a:fld>
+            <a:endParaRPr lang="en-US"/>
+          </a:p>
+        </p:txBody>
+      </p:sp>
+      <p:sp>
+        <p:nvSpPr>
+          <p:cNvPr id="9" name="Titel 1">
+            <a:extLst>
+              <a:ext uri="{FF2B5EF4-FFF2-40B4-BE49-F238E27FC236}">
+                <a16:creationId xmlns:a16="http://schemas.microsoft.com/office/drawing/2014/main" id="{7807725C-718A-4D77-AD01-05225CF68388}"/>
+              </a:ext>
+            </a:extLst>
+          </p:cNvPr>
+          <p:cNvSpPr>
+            <a:spLocks noGrp="1"/>
+          </p:cNvSpPr>
+          <p:nvPr>
+            <p:ph type="title"/>
+          </p:nvPr>
+        </p:nvSpPr>
+        <p:spPr>
+          <a:xfrm>
+            <a:off x="1066800" y="561524"/>
+            <a:ext cx="10287000" cy="1129164"/>
+          </a:xfrm>
+        </p:spPr>
+        <p:txBody>
+          <a:bodyPr>
+            <a:normAutofit/>
+          </a:bodyPr>
+          <a:lstStyle/>
+          <a:p>
+            <a:r>
+              <a:rPr lang="en-US"/>
+              <a:t>Performance Evaluation  </a:t>
+            </a:r>
+            <a:r>
+              <a:rPr lang="en-US" b="1"/>
+              <a:t>Idea</a:t>
+            </a:r>
+          </a:p>
+        </p:txBody>
+      </p:sp>
+      <p:sp>
+        <p:nvSpPr>
+          <p:cNvPr id="11" name="Rechteck 5">
+            <a:extLst>
+              <a:ext uri="{FF2B5EF4-FFF2-40B4-BE49-F238E27FC236}">
+                <a16:creationId xmlns:a16="http://schemas.microsoft.com/office/drawing/2014/main" id="{9B3E5722-DFCC-4433-AC81-537989B2E352}"/>
+              </a:ext>
+            </a:extLst>
+          </p:cNvPr>
+          <p:cNvSpPr/>
+          <p:nvPr/>
+        </p:nvSpPr>
+        <p:spPr>
+          <a:xfrm>
+            <a:off x="1066800" y="2013090"/>
+            <a:ext cx="1427747" cy="936000"/>
+          </a:xfrm>
+          <a:prstGeom prst="rect">
+            <a:avLst/>
+          </a:prstGeom>
+          <a:solidFill>
+            <a:schemeClr val="bg2"/>
+          </a:solidFill>
+          <a:ln>
+            <a:solidFill>
+              <a:schemeClr val="bg2">
+                <a:lumMod val="90000"/>
+              </a:schemeClr>
+            </a:solidFill>
+          </a:ln>
+        </p:spPr>
+        <p:style>
+          <a:lnRef idx="2">
+            <a:schemeClr val="accent1">
+              <a:shade val="50000"/>
+            </a:schemeClr>
+          </a:lnRef>
+          <a:fillRef idx="1">
+            <a:schemeClr val="accent1"/>
+          </a:fillRef>
+          <a:effectRef idx="0">
+            <a:schemeClr val="accent1"/>
+          </a:effectRef>
+          <a:fontRef idx="minor">
+            <a:schemeClr val="lt1"/>
+          </a:fontRef>
+        </p:style>
+        <p:txBody>
+          <a:bodyPr rtlCol="0" anchor="ctr"/>
+          <a:lstStyle/>
+          <a:p>
+            <a:pPr algn="ctr"/>
+            <a:endParaRPr lang="en-US"/>
+          </a:p>
+        </p:txBody>
+      </p:sp>
+      <p:sp>
+        <p:nvSpPr>
+          <p:cNvPr id="12" name="Rechteck 6">
+            <a:extLst>
+              <a:ext uri="{FF2B5EF4-FFF2-40B4-BE49-F238E27FC236}">
+                <a16:creationId xmlns:a16="http://schemas.microsoft.com/office/drawing/2014/main" id="{E47CC077-DA36-41E5-863D-544A47978CDE}"/>
+              </a:ext>
+            </a:extLst>
+          </p:cNvPr>
+          <p:cNvSpPr/>
+          <p:nvPr/>
+        </p:nvSpPr>
+        <p:spPr>
+          <a:xfrm>
+            <a:off x="1219200" y="2165490"/>
+            <a:ext cx="1427747" cy="936000"/>
+          </a:xfrm>
+          <a:prstGeom prst="rect">
+            <a:avLst/>
+          </a:prstGeom>
+          <a:solidFill>
+            <a:schemeClr val="bg2"/>
+          </a:solidFill>
+          <a:ln>
+            <a:solidFill>
+              <a:schemeClr val="bg2">
+                <a:lumMod val="90000"/>
+              </a:schemeClr>
+            </a:solidFill>
+          </a:ln>
+        </p:spPr>
+        <p:style>
+          <a:lnRef idx="2">
+            <a:schemeClr val="accent1">
+              <a:shade val="50000"/>
+            </a:schemeClr>
+          </a:lnRef>
+          <a:fillRef idx="1">
+            <a:schemeClr val="accent1"/>
+          </a:fillRef>
+          <a:effectRef idx="0">
+            <a:schemeClr val="accent1"/>
+          </a:effectRef>
+          <a:fontRef idx="minor">
+            <a:schemeClr val="lt1"/>
+          </a:fontRef>
+        </p:style>
+        <p:txBody>
+          <a:bodyPr rtlCol="0" anchor="ctr"/>
+          <a:lstStyle/>
+          <a:p>
+            <a:pPr algn="ctr"/>
+            <a:endParaRPr lang="en-US"/>
+          </a:p>
+        </p:txBody>
+      </p:sp>
+      <p:sp>
+        <p:nvSpPr>
+          <p:cNvPr id="13" name="Rechteck 7">
+            <a:extLst>
+              <a:ext uri="{FF2B5EF4-FFF2-40B4-BE49-F238E27FC236}">
+                <a16:creationId xmlns:a16="http://schemas.microsoft.com/office/drawing/2014/main" id="{BCAF1833-9E9D-4181-81CC-A2AA587DF1FF}"/>
+              </a:ext>
+            </a:extLst>
+          </p:cNvPr>
+          <p:cNvSpPr/>
+          <p:nvPr/>
+        </p:nvSpPr>
+        <p:spPr>
+          <a:xfrm>
+            <a:off x="1371600" y="2314786"/>
+            <a:ext cx="1427747" cy="936000"/>
+          </a:xfrm>
+          <a:prstGeom prst="rect">
+            <a:avLst/>
+          </a:prstGeom>
+          <a:solidFill>
+            <a:schemeClr val="bg2"/>
+          </a:solidFill>
+          <a:ln>
+            <a:solidFill>
+              <a:schemeClr val="bg2">
+                <a:lumMod val="90000"/>
+              </a:schemeClr>
+            </a:solidFill>
+          </a:ln>
+        </p:spPr>
+        <p:style>
+          <a:lnRef idx="2">
+            <a:schemeClr val="accent1">
+              <a:shade val="50000"/>
+            </a:schemeClr>
+          </a:lnRef>
+          <a:fillRef idx="1">
+            <a:schemeClr val="accent1"/>
+          </a:fillRef>
+          <a:effectRef idx="0">
+            <a:schemeClr val="accent1"/>
+          </a:effectRef>
+          <a:fontRef idx="minor">
+            <a:schemeClr val="lt1"/>
+          </a:fontRef>
+        </p:style>
+        <p:txBody>
+          <a:bodyPr rtlCol="0" anchor="ctr"/>
+          <a:lstStyle/>
+          <a:p>
+            <a:pPr algn="ctr"/>
+            <a:endParaRPr lang="en-US" dirty="0">
+              <a:solidFill>
+                <a:schemeClr val="tx1"/>
+              </a:solidFill>
+            </a:endParaRPr>
+          </a:p>
+        </p:txBody>
+      </p:sp>
+      <p:sp>
+        <p:nvSpPr>
+          <p:cNvPr id="18" name="Rechteck 5">
+            <a:extLst>
+              <a:ext uri="{FF2B5EF4-FFF2-40B4-BE49-F238E27FC236}">
+                <a16:creationId xmlns:a16="http://schemas.microsoft.com/office/drawing/2014/main" id="{87EC206F-44BD-41DD-BC54-2A39A8EAA5DA}"/>
+              </a:ext>
+            </a:extLst>
+          </p:cNvPr>
+          <p:cNvSpPr/>
+          <p:nvPr/>
+        </p:nvSpPr>
+        <p:spPr>
+          <a:xfrm>
+            <a:off x="1053723" y="3543893"/>
+            <a:ext cx="1427747" cy="936000"/>
+          </a:xfrm>
+          <a:prstGeom prst="rect">
+            <a:avLst/>
+          </a:prstGeom>
+          <a:solidFill>
+            <a:schemeClr val="bg2"/>
+          </a:solidFill>
+          <a:ln>
+            <a:solidFill>
+              <a:schemeClr val="bg2">
+                <a:lumMod val="90000"/>
+              </a:schemeClr>
+            </a:solidFill>
+          </a:ln>
+        </p:spPr>
+        <p:style>
+          <a:lnRef idx="2">
+            <a:schemeClr val="accent1">
+              <a:shade val="50000"/>
+            </a:schemeClr>
+          </a:lnRef>
+          <a:fillRef idx="1">
+            <a:schemeClr val="accent1"/>
+          </a:fillRef>
+          <a:effectRef idx="0">
+            <a:schemeClr val="accent1"/>
+          </a:effectRef>
+          <a:fontRef idx="minor">
+            <a:schemeClr val="lt1"/>
+          </a:fontRef>
+        </p:style>
+        <p:txBody>
+          <a:bodyPr rtlCol="0" anchor="ctr"/>
+          <a:lstStyle/>
+          <a:p>
+            <a:pPr algn="ctr"/>
+            <a:endParaRPr lang="en-US"/>
+          </a:p>
+        </p:txBody>
+      </p:sp>
+      <p:sp>
+        <p:nvSpPr>
+          <p:cNvPr id="19" name="Rechteck 6">
+            <a:extLst>
+              <a:ext uri="{FF2B5EF4-FFF2-40B4-BE49-F238E27FC236}">
+                <a16:creationId xmlns:a16="http://schemas.microsoft.com/office/drawing/2014/main" id="{9A9C3C71-578C-464A-8B98-B242867D19E6}"/>
+              </a:ext>
+            </a:extLst>
+          </p:cNvPr>
+          <p:cNvSpPr/>
+          <p:nvPr/>
+        </p:nvSpPr>
+        <p:spPr>
+          <a:xfrm>
+            <a:off x="1206123" y="3696293"/>
+            <a:ext cx="1427747" cy="936000"/>
+          </a:xfrm>
+          <a:prstGeom prst="rect">
+            <a:avLst/>
+          </a:prstGeom>
+          <a:solidFill>
+            <a:schemeClr val="bg2"/>
+          </a:solidFill>
+          <a:ln>
+            <a:solidFill>
+              <a:schemeClr val="bg2">
+                <a:lumMod val="90000"/>
+              </a:schemeClr>
+            </a:solidFill>
+          </a:ln>
+        </p:spPr>
+        <p:style>
+          <a:lnRef idx="2">
+            <a:schemeClr val="accent1">
+              <a:shade val="50000"/>
+            </a:schemeClr>
+          </a:lnRef>
+          <a:fillRef idx="1">
+            <a:schemeClr val="accent1"/>
+          </a:fillRef>
+          <a:effectRef idx="0">
+            <a:schemeClr val="accent1"/>
+          </a:effectRef>
+          <a:fontRef idx="minor">
+            <a:schemeClr val="lt1"/>
+          </a:fontRef>
+        </p:style>
+        <p:txBody>
+          <a:bodyPr rtlCol="0" anchor="ctr"/>
+          <a:lstStyle/>
+          <a:p>
+            <a:pPr algn="ctr"/>
+            <a:endParaRPr lang="en-US"/>
+          </a:p>
+        </p:txBody>
+      </p:sp>
+      <p:sp>
+        <p:nvSpPr>
+          <p:cNvPr id="20" name="Rechteck 7">
+            <a:extLst>
+              <a:ext uri="{FF2B5EF4-FFF2-40B4-BE49-F238E27FC236}">
+                <a16:creationId xmlns:a16="http://schemas.microsoft.com/office/drawing/2014/main" id="{CA538402-0907-460B-8807-CD809ACC7945}"/>
+              </a:ext>
+            </a:extLst>
+          </p:cNvPr>
+          <p:cNvSpPr/>
+          <p:nvPr/>
+        </p:nvSpPr>
+        <p:spPr>
+          <a:xfrm>
+            <a:off x="1358523" y="3848693"/>
+            <a:ext cx="1427747" cy="936000"/>
+          </a:xfrm>
+          <a:prstGeom prst="rect">
+            <a:avLst/>
+          </a:prstGeom>
+          <a:solidFill>
+            <a:schemeClr val="bg2"/>
+          </a:solidFill>
+          <a:ln>
+            <a:solidFill>
+              <a:schemeClr val="bg2">
+                <a:lumMod val="90000"/>
+              </a:schemeClr>
+            </a:solidFill>
+          </a:ln>
+        </p:spPr>
+        <p:style>
+          <a:lnRef idx="2">
+            <a:schemeClr val="accent1">
+              <a:shade val="50000"/>
+            </a:schemeClr>
+          </a:lnRef>
+          <a:fillRef idx="1">
+            <a:schemeClr val="accent1"/>
+          </a:fillRef>
+          <a:effectRef idx="0">
+            <a:schemeClr val="accent1"/>
+          </a:effectRef>
+          <a:fontRef idx="minor">
+            <a:schemeClr val="lt1"/>
+          </a:fontRef>
+        </p:style>
+        <p:txBody>
+          <a:bodyPr rtlCol="0" anchor="ctr"/>
+          <a:lstStyle/>
+          <a:p>
+            <a:pPr algn="ctr"/>
+            <a:endParaRPr lang="en-US" dirty="0">
+              <a:solidFill>
+                <a:schemeClr val="tx1"/>
+              </a:solidFill>
+            </a:endParaRPr>
+          </a:p>
+        </p:txBody>
+      </p:sp>
+      <p:sp>
+        <p:nvSpPr>
+          <p:cNvPr id="21" name="TextBox 20">
+            <a:extLst>
+              <a:ext uri="{FF2B5EF4-FFF2-40B4-BE49-F238E27FC236}">
+                <a16:creationId xmlns:a16="http://schemas.microsoft.com/office/drawing/2014/main" id="{0ABEADEC-F3AA-492F-B998-B01ECFFB8578}"/>
+              </a:ext>
+            </a:extLst>
+          </p:cNvPr>
+          <p:cNvSpPr txBox="1"/>
+          <p:nvPr/>
+        </p:nvSpPr>
+        <p:spPr>
+          <a:xfrm>
+            <a:off x="1358524" y="2850907"/>
+            <a:ext cx="1149097" cy="461665"/>
+          </a:xfrm>
+          <a:prstGeom prst="rect">
+            <a:avLst/>
+          </a:prstGeom>
+          <a:noFill/>
+        </p:spPr>
+        <p:txBody>
+          <a:bodyPr wrap="square">
+            <a:spAutoFit/>
+          </a:bodyPr>
+          <a:lstStyle/>
+          <a:p>
+            <a:r>
+              <a:rPr lang="de-DE" sz="2400" i="1"/>
+              <a:t>Train</a:t>
+            </a:r>
+            <a:endParaRPr lang="en-US" sz="2400" i="1"/>
+          </a:p>
+        </p:txBody>
+      </p:sp>
+      <p:sp>
+        <p:nvSpPr>
+          <p:cNvPr id="22" name="TextBox 21">
+            <a:extLst>
+              <a:ext uri="{FF2B5EF4-FFF2-40B4-BE49-F238E27FC236}">
+                <a16:creationId xmlns:a16="http://schemas.microsoft.com/office/drawing/2014/main" id="{572B1B79-892D-4203-B785-77D4522F9971}"/>
+              </a:ext>
+            </a:extLst>
+          </p:cNvPr>
+          <p:cNvSpPr txBox="1"/>
+          <p:nvPr/>
+        </p:nvSpPr>
+        <p:spPr>
+          <a:xfrm>
+            <a:off x="1358522" y="4368433"/>
+            <a:ext cx="1149097" cy="936000"/>
+          </a:xfrm>
+          <a:prstGeom prst="rect">
+            <a:avLst/>
+          </a:prstGeom>
+          <a:noFill/>
+        </p:spPr>
+        <p:txBody>
+          <a:bodyPr wrap="square">
+            <a:spAutoFit/>
+          </a:bodyPr>
+          <a:lstStyle/>
+          <a:p>
+            <a:r>
+              <a:rPr lang="de-DE" sz="2400" i="1"/>
+              <a:t>Test</a:t>
+            </a:r>
+            <a:endParaRPr lang="en-US" sz="2400" i="1"/>
+          </a:p>
+        </p:txBody>
+      </p:sp>
+      <p:sp>
+        <p:nvSpPr>
+          <p:cNvPr id="23" name="Arrow: Left 22">
+            <a:extLst>
+              <a:ext uri="{FF2B5EF4-FFF2-40B4-BE49-F238E27FC236}">
+                <a16:creationId xmlns:a16="http://schemas.microsoft.com/office/drawing/2014/main" id="{AEE68004-E003-40AE-BB32-BF1699A776E2}"/>
+              </a:ext>
+            </a:extLst>
+          </p:cNvPr>
+          <p:cNvSpPr/>
+          <p:nvPr/>
+        </p:nvSpPr>
+        <p:spPr>
+          <a:xfrm flipH="1">
+            <a:off x="2786270" y="2598120"/>
+            <a:ext cx="1498090" cy="369332"/>
+          </a:xfrm>
+          <a:prstGeom prst="leftArrow">
+            <a:avLst>
+              <a:gd name="adj1" fmla="val 16038"/>
+              <a:gd name="adj2" fmla="val 66502"/>
+            </a:avLst>
+          </a:prstGeom>
+          <a:solidFill>
+            <a:schemeClr val="bg2">
+              <a:lumMod val="90000"/>
+            </a:schemeClr>
+          </a:solidFill>
+          <a:ln>
+            <a:solidFill>
+              <a:schemeClr val="bg2">
+                <a:lumMod val="90000"/>
+              </a:schemeClr>
+            </a:solidFill>
+          </a:ln>
+        </p:spPr>
+        <p:style>
+          <a:lnRef idx="2">
+            <a:schemeClr val="accent1">
+              <a:shade val="50000"/>
+            </a:schemeClr>
+          </a:lnRef>
+          <a:fillRef idx="1">
+            <a:schemeClr val="accent1"/>
+          </a:fillRef>
+          <a:effectRef idx="0">
+            <a:schemeClr val="accent1"/>
+          </a:effectRef>
+          <a:fontRef idx="minor">
+            <a:schemeClr val="lt1"/>
+          </a:fontRef>
+        </p:style>
+        <p:txBody>
+          <a:bodyPr rtlCol="0" anchor="ctr"/>
+          <a:lstStyle/>
+          <a:p>
+            <a:pPr algn="ctr"/>
+            <a:endParaRPr lang="en-US"/>
+          </a:p>
+        </p:txBody>
+      </p:sp>
+      <p:sp>
+        <p:nvSpPr>
+          <p:cNvPr id="24" name="Arrow: Left 23">
+            <a:extLst>
+              <a:ext uri="{FF2B5EF4-FFF2-40B4-BE49-F238E27FC236}">
+                <a16:creationId xmlns:a16="http://schemas.microsoft.com/office/drawing/2014/main" id="{14C0DE24-A822-4AB3-B828-46E7B1D55A64}"/>
+              </a:ext>
+            </a:extLst>
+          </p:cNvPr>
+          <p:cNvSpPr/>
+          <p:nvPr/>
+        </p:nvSpPr>
+        <p:spPr>
+          <a:xfrm flipH="1">
+            <a:off x="2773192" y="4183767"/>
+            <a:ext cx="1498091" cy="369332"/>
+          </a:xfrm>
+          <a:prstGeom prst="leftArrow">
+            <a:avLst>
+              <a:gd name="adj1" fmla="val 16038"/>
+              <a:gd name="adj2" fmla="val 66502"/>
+            </a:avLst>
+          </a:prstGeom>
+          <a:solidFill>
+            <a:srgbClr val="66CCFF"/>
+          </a:solidFill>
+          <a:ln>
+            <a:solidFill>
+              <a:srgbClr val="66CCFF"/>
+            </a:solidFill>
+          </a:ln>
+        </p:spPr>
+        <p:style>
+          <a:lnRef idx="2">
+            <a:schemeClr val="accent1">
+              <a:shade val="50000"/>
+            </a:schemeClr>
+          </a:lnRef>
+          <a:fillRef idx="1">
+            <a:schemeClr val="accent1"/>
+          </a:fillRef>
+          <a:effectRef idx="0">
+            <a:schemeClr val="accent1"/>
+          </a:effectRef>
+          <a:fontRef idx="minor">
+            <a:schemeClr val="lt1"/>
+          </a:fontRef>
+        </p:style>
+        <p:txBody>
+          <a:bodyPr rtlCol="0" anchor="ctr"/>
+          <a:lstStyle/>
+          <a:p>
+            <a:pPr algn="ctr"/>
+            <a:endParaRPr lang="en-US"/>
+          </a:p>
+        </p:txBody>
+      </p:sp>
+      <p:grpSp>
+        <p:nvGrpSpPr>
+          <p:cNvPr id="25" name="Group 24">
+            <a:extLst>
+              <a:ext uri="{FF2B5EF4-FFF2-40B4-BE49-F238E27FC236}">
+                <a16:creationId xmlns:a16="http://schemas.microsoft.com/office/drawing/2014/main" id="{D363218D-6E40-4417-8723-71DFD1FB2CCB}"/>
+              </a:ext>
+            </a:extLst>
+          </p:cNvPr>
+          <p:cNvGrpSpPr/>
+          <p:nvPr/>
+        </p:nvGrpSpPr>
+        <p:grpSpPr>
+          <a:xfrm>
+            <a:off x="4284360" y="2314786"/>
+            <a:ext cx="2256647" cy="936000"/>
+            <a:chOff x="6096000" y="2090365"/>
+            <a:chExt cx="5257801" cy="3453747"/>
+          </a:xfrm>
+        </p:grpSpPr>
+        <p:sp>
+          <p:nvSpPr>
+            <p:cNvPr id="26" name="Rectangle 25">
+              <a:extLst>
+                <a:ext uri="{FF2B5EF4-FFF2-40B4-BE49-F238E27FC236}">
+                  <a16:creationId xmlns:a16="http://schemas.microsoft.com/office/drawing/2014/main" id="{DFBB3546-0684-43B9-85B8-D2E9E76F48A5}"/>
+                </a:ext>
+              </a:extLst>
+            </p:cNvPr>
+            <p:cNvSpPr/>
+            <p:nvPr/>
+          </p:nvSpPr>
+          <p:spPr>
+            <a:xfrm>
+              <a:off x="6096000" y="2090365"/>
+              <a:ext cx="2267121" cy="3441762"/>
+            </a:xfrm>
+            <a:prstGeom prst="rect">
+              <a:avLst/>
+            </a:prstGeom>
+            <a:solidFill>
+              <a:schemeClr val="bg2">
+                <a:lumMod val="90000"/>
+              </a:schemeClr>
+            </a:solidFill>
+            <a:ln>
+              <a:solidFill>
+                <a:schemeClr val="bg2">
+                  <a:lumMod val="90000"/>
+                </a:schemeClr>
+              </a:solidFill>
+            </a:ln>
+          </p:spPr>
+          <p:style>
+            <a:lnRef idx="2">
+              <a:schemeClr val="accent1">
+                <a:shade val="50000"/>
+              </a:schemeClr>
+            </a:lnRef>
+            <a:fillRef idx="1">
+              <a:schemeClr val="accent1"/>
+            </a:fillRef>
+            <a:effectRef idx="0">
+              <a:schemeClr val="accent1"/>
+            </a:effectRef>
+            <a:fontRef idx="minor">
+              <a:schemeClr val="lt1"/>
+            </a:fontRef>
+          </p:style>
+          <p:txBody>
+            <a:bodyPr rtlCol="0" anchor="ctr"/>
+            <a:lstStyle/>
+            <a:p>
+              <a:pPr algn="ctr"/>
+              <a:endParaRPr lang="en-US" i="1">
+                <a:solidFill>
+                  <a:schemeClr val="bg1"/>
+                </a:solidFill>
+              </a:endParaRPr>
+            </a:p>
+          </p:txBody>
+        </p:sp>
+        <p:cxnSp>
+          <p:nvCxnSpPr>
+            <p:cNvPr id="27" name="Straight Connector 26">
+              <a:extLst>
+                <a:ext uri="{FF2B5EF4-FFF2-40B4-BE49-F238E27FC236}">
+                  <a16:creationId xmlns:a16="http://schemas.microsoft.com/office/drawing/2014/main" id="{74D75E69-459E-4102-930E-8C2D5EFE1C05}"/>
+                </a:ext>
+              </a:extLst>
+            </p:cNvPr>
+            <p:cNvCxnSpPr>
+              <a:cxnSpLocks/>
+            </p:cNvCxnSpPr>
+            <p:nvPr/>
+          </p:nvCxnSpPr>
+          <p:spPr>
+            <a:xfrm>
+              <a:off x="6651589" y="2098629"/>
+              <a:ext cx="0" cy="3427202"/>
+            </a:xfrm>
+            <a:prstGeom prst="line">
+              <a:avLst/>
+            </a:prstGeom>
+            <a:solidFill>
+              <a:schemeClr val="bg2">
+                <a:lumMod val="90000"/>
+              </a:schemeClr>
+            </a:solidFill>
+            <a:ln>
+              <a:solidFill>
+                <a:schemeClr val="bg2">
+                  <a:lumMod val="75000"/>
+                </a:schemeClr>
+              </a:solidFill>
+            </a:ln>
+          </p:spPr>
+          <p:style>
+            <a:lnRef idx="1">
+              <a:schemeClr val="accent1"/>
+            </a:lnRef>
+            <a:fillRef idx="0">
+              <a:schemeClr val="accent1"/>
+            </a:fillRef>
+            <a:effectRef idx="0">
+              <a:schemeClr val="accent1"/>
+            </a:effectRef>
+            <a:fontRef idx="minor">
+              <a:schemeClr val="tx1"/>
+            </a:fontRef>
+          </p:style>
+        </p:cxnSp>
+        <p:cxnSp>
+          <p:nvCxnSpPr>
+            <p:cNvPr id="28" name="Straight Connector 27">
+              <a:extLst>
+                <a:ext uri="{FF2B5EF4-FFF2-40B4-BE49-F238E27FC236}">
+                  <a16:creationId xmlns:a16="http://schemas.microsoft.com/office/drawing/2014/main" id="{B84006C3-7846-4D22-9AF7-1073D907367E}"/>
+                </a:ext>
+              </a:extLst>
+            </p:cNvPr>
+            <p:cNvCxnSpPr>
+              <a:cxnSpLocks/>
+            </p:cNvCxnSpPr>
+            <p:nvPr/>
+          </p:nvCxnSpPr>
+          <p:spPr>
+            <a:xfrm>
+              <a:off x="7815431" y="2107773"/>
+              <a:ext cx="0" cy="3427202"/>
+            </a:xfrm>
+            <a:prstGeom prst="line">
+              <a:avLst/>
+            </a:prstGeom>
+            <a:solidFill>
+              <a:schemeClr val="bg2">
+                <a:lumMod val="90000"/>
+              </a:schemeClr>
+            </a:solidFill>
+            <a:ln>
+              <a:solidFill>
+                <a:schemeClr val="bg2">
+                  <a:lumMod val="75000"/>
+                </a:schemeClr>
+              </a:solidFill>
+            </a:ln>
+          </p:spPr>
+          <p:style>
+            <a:lnRef idx="1">
+              <a:schemeClr val="accent1"/>
+            </a:lnRef>
+            <a:fillRef idx="0">
+              <a:schemeClr val="accent1"/>
+            </a:fillRef>
+            <a:effectRef idx="0">
+              <a:schemeClr val="accent1"/>
+            </a:effectRef>
+            <a:fontRef idx="minor">
+              <a:schemeClr val="tx1"/>
+            </a:fontRef>
+          </p:style>
+        </p:cxnSp>
+        <p:cxnSp>
+          <p:nvCxnSpPr>
+            <p:cNvPr id="29" name="Straight Connector 28">
+              <a:extLst>
+                <a:ext uri="{FF2B5EF4-FFF2-40B4-BE49-F238E27FC236}">
+                  <a16:creationId xmlns:a16="http://schemas.microsoft.com/office/drawing/2014/main" id="{F7D29756-9797-4DE1-BC60-0F79635FBA0D}"/>
+                </a:ext>
+              </a:extLst>
+            </p:cNvPr>
+            <p:cNvCxnSpPr>
+              <a:cxnSpLocks/>
+            </p:cNvCxnSpPr>
+            <p:nvPr/>
+          </p:nvCxnSpPr>
+          <p:spPr>
+            <a:xfrm>
+              <a:off x="7254575" y="2107773"/>
+              <a:ext cx="0" cy="3427202"/>
+            </a:xfrm>
+            <a:prstGeom prst="line">
+              <a:avLst/>
+            </a:prstGeom>
+            <a:solidFill>
+              <a:schemeClr val="bg2">
+                <a:lumMod val="90000"/>
+              </a:schemeClr>
+            </a:solidFill>
+            <a:ln>
+              <a:solidFill>
+                <a:schemeClr val="bg2">
+                  <a:lumMod val="75000"/>
+                </a:schemeClr>
+              </a:solidFill>
+            </a:ln>
+          </p:spPr>
+          <p:style>
+            <a:lnRef idx="1">
+              <a:schemeClr val="accent1"/>
+            </a:lnRef>
+            <a:fillRef idx="0">
+              <a:schemeClr val="accent1"/>
+            </a:fillRef>
+            <a:effectRef idx="0">
+              <a:schemeClr val="accent1"/>
+            </a:effectRef>
+            <a:fontRef idx="minor">
+              <a:schemeClr val="tx1"/>
+            </a:fontRef>
+          </p:style>
+        </p:cxnSp>
+        <p:grpSp>
+          <p:nvGrpSpPr>
+            <p:cNvPr id="30" name="Group 29">
+              <a:extLst>
+                <a:ext uri="{FF2B5EF4-FFF2-40B4-BE49-F238E27FC236}">
+                  <a16:creationId xmlns:a16="http://schemas.microsoft.com/office/drawing/2014/main" id="{A804316D-6B24-41C2-9C3D-274106818FE8}"/>
+                </a:ext>
+              </a:extLst>
+            </p:cNvPr>
+            <p:cNvGrpSpPr/>
+            <p:nvPr/>
+          </p:nvGrpSpPr>
+          <p:grpSpPr>
+            <a:xfrm>
+              <a:off x="8376287" y="2090365"/>
+              <a:ext cx="2977514" cy="3453747"/>
+              <a:chOff x="7744962" y="3382125"/>
+              <a:chExt cx="1723325" cy="1134289"/>
+            </a:xfrm>
+          </p:grpSpPr>
+          <p:grpSp>
+            <p:nvGrpSpPr>
+              <p:cNvPr id="32" name="Group 31">
+                <a:extLst>
+                  <a:ext uri="{FF2B5EF4-FFF2-40B4-BE49-F238E27FC236}">
+                    <a16:creationId xmlns:a16="http://schemas.microsoft.com/office/drawing/2014/main" id="{FACD5A32-149D-4170-AF93-E704298CF31E}"/>
+                  </a:ext>
+                </a:extLst>
+              </p:cNvPr>
+              <p:cNvGrpSpPr/>
+              <p:nvPr/>
+            </p:nvGrpSpPr>
+            <p:grpSpPr>
+              <a:xfrm>
+                <a:off x="7744962" y="3382125"/>
+                <a:ext cx="1723325" cy="1130351"/>
+                <a:chOff x="7744962" y="3381915"/>
+                <a:chExt cx="2073600" cy="1331198"/>
+              </a:xfrm>
+            </p:grpSpPr>
+            <p:sp>
+              <p:nvSpPr>
+                <p:cNvPr id="45" name="Rectangle 44">
+                  <a:extLst>
+                    <a:ext uri="{FF2B5EF4-FFF2-40B4-BE49-F238E27FC236}">
+                      <a16:creationId xmlns:a16="http://schemas.microsoft.com/office/drawing/2014/main" id="{4CE589A8-62A5-456D-AEAA-93DC309C5177}"/>
+                    </a:ext>
+                  </a:extLst>
+                </p:cNvPr>
+                <p:cNvSpPr/>
+                <p:nvPr/>
+              </p:nvSpPr>
+              <p:spPr>
+                <a:xfrm>
+                  <a:off x="7744964" y="3383312"/>
+                  <a:ext cx="2073598" cy="1329504"/>
+                </a:xfrm>
+                <a:prstGeom prst="rect">
+                  <a:avLst/>
+                </a:prstGeom>
+                <a:solidFill>
+                  <a:schemeClr val="bg2"/>
+                </a:solidFill>
+                <a:ln>
+                  <a:solidFill>
+                    <a:schemeClr val="bg2"/>
+                  </a:solidFill>
+                </a:ln>
+              </p:spPr>
+              <p:style>
+                <a:lnRef idx="2">
+                  <a:schemeClr val="accent1">
+                    <a:shade val="50000"/>
+                  </a:schemeClr>
+                </a:lnRef>
+                <a:fillRef idx="1">
+                  <a:schemeClr val="accent1"/>
+                </a:fillRef>
+                <a:effectRef idx="0">
+                  <a:schemeClr val="accent1"/>
+                </a:effectRef>
+                <a:fontRef idx="minor">
+                  <a:schemeClr val="lt1"/>
+                </a:fontRef>
+              </p:style>
+              <p:txBody>
+                <a:bodyPr rtlCol="0" anchor="ctr"/>
+                <a:lstStyle/>
+                <a:p>
+                  <a:pPr algn="ctr"/>
+                  <a:endParaRPr lang="en-US" i="1">
+                    <a:solidFill>
+                      <a:sysClr val="windowText" lastClr="000000"/>
+                    </a:solidFill>
+                  </a:endParaRPr>
+                </a:p>
+              </p:txBody>
+            </p:sp>
+            <p:sp>
+              <p:nvSpPr>
+                <p:cNvPr id="46" name="Rectangle 45">
+                  <a:extLst>
+                    <a:ext uri="{FF2B5EF4-FFF2-40B4-BE49-F238E27FC236}">
+                      <a16:creationId xmlns:a16="http://schemas.microsoft.com/office/drawing/2014/main" id="{59DF69D8-FC13-4BF1-A740-ECCAF491526C}"/>
+                    </a:ext>
+                  </a:extLst>
+                </p:cNvPr>
+                <p:cNvSpPr/>
+                <p:nvPr/>
+              </p:nvSpPr>
+              <p:spPr>
+                <a:xfrm>
+                  <a:off x="7744962" y="3381915"/>
+                  <a:ext cx="691200" cy="451005"/>
+                </a:xfrm>
+                <a:prstGeom prst="rect">
+                  <a:avLst/>
+                </a:prstGeom>
+                <a:solidFill>
+                  <a:schemeClr val="bg2">
+                    <a:lumMod val="90000"/>
+                  </a:schemeClr>
+                </a:solidFill>
+                <a:ln>
+                  <a:solidFill>
+                    <a:schemeClr val="bg2">
+                      <a:lumMod val="90000"/>
+                    </a:schemeClr>
+                  </a:solidFill>
+                </a:ln>
+              </p:spPr>
+              <p:style>
+                <a:lnRef idx="2">
+                  <a:schemeClr val="accent1">
+                    <a:shade val="50000"/>
+                  </a:schemeClr>
+                </a:lnRef>
+                <a:fillRef idx="1">
+                  <a:schemeClr val="accent1"/>
+                </a:fillRef>
+                <a:effectRef idx="0">
+                  <a:schemeClr val="accent1"/>
+                </a:effectRef>
+                <a:fontRef idx="minor">
+                  <a:schemeClr val="lt1"/>
+                </a:fontRef>
+              </p:style>
+              <p:txBody>
+                <a:bodyPr rtlCol="0" anchor="ctr"/>
+                <a:lstStyle/>
+                <a:p>
+                  <a:pPr algn="ctr"/>
+                  <a:endParaRPr lang="en-US" i="1">
+                    <a:solidFill>
+                      <a:schemeClr val="bg1"/>
+                    </a:solidFill>
+                  </a:endParaRPr>
+                </a:p>
+              </p:txBody>
+            </p:sp>
+            <p:sp>
+              <p:nvSpPr>
+                <p:cNvPr id="47" name="Rectangle 46">
+                  <a:extLst>
+                    <a:ext uri="{FF2B5EF4-FFF2-40B4-BE49-F238E27FC236}">
+                      <a16:creationId xmlns:a16="http://schemas.microsoft.com/office/drawing/2014/main" id="{13D9BB7D-35C1-416C-B59E-4C9AA81E46ED}"/>
+                    </a:ext>
+                  </a:extLst>
+                </p:cNvPr>
+                <p:cNvSpPr/>
+                <p:nvPr/>
+              </p:nvSpPr>
+              <p:spPr>
+                <a:xfrm>
+                  <a:off x="8436162" y="3832920"/>
+                  <a:ext cx="691200" cy="443715"/>
+                </a:xfrm>
+                <a:prstGeom prst="rect">
+                  <a:avLst/>
+                </a:prstGeom>
+                <a:solidFill>
+                  <a:schemeClr val="bg2">
+                    <a:lumMod val="90000"/>
+                  </a:schemeClr>
+                </a:solidFill>
+                <a:ln>
+                  <a:solidFill>
+                    <a:schemeClr val="bg2">
+                      <a:lumMod val="90000"/>
+                    </a:schemeClr>
+                  </a:solidFill>
+                </a:ln>
+              </p:spPr>
+              <p:style>
+                <a:lnRef idx="2">
+                  <a:schemeClr val="accent1">
+                    <a:shade val="50000"/>
+                  </a:schemeClr>
+                </a:lnRef>
+                <a:fillRef idx="1">
+                  <a:schemeClr val="accent1"/>
+                </a:fillRef>
+                <a:effectRef idx="0">
+                  <a:schemeClr val="accent1"/>
+                </a:effectRef>
+                <a:fontRef idx="minor">
+                  <a:schemeClr val="lt1"/>
+                </a:fontRef>
+              </p:style>
+              <p:txBody>
+                <a:bodyPr rtlCol="0" anchor="ctr"/>
+                <a:lstStyle/>
+                <a:p>
+                  <a:pPr algn="ctr"/>
+                  <a:endParaRPr lang="en-US" i="1">
+                    <a:solidFill>
+                      <a:schemeClr val="bg1"/>
+                    </a:solidFill>
+                  </a:endParaRPr>
+                </a:p>
+              </p:txBody>
+            </p:sp>
+            <p:sp>
+              <p:nvSpPr>
+                <p:cNvPr id="48" name="Rectangle 47">
+                  <a:extLst>
+                    <a:ext uri="{FF2B5EF4-FFF2-40B4-BE49-F238E27FC236}">
+                      <a16:creationId xmlns:a16="http://schemas.microsoft.com/office/drawing/2014/main" id="{355AB935-3EE8-4B50-82C4-128DD2E89CDE}"/>
+                    </a:ext>
+                  </a:extLst>
+                </p:cNvPr>
+                <p:cNvSpPr/>
+                <p:nvPr/>
+              </p:nvSpPr>
+              <p:spPr>
+                <a:xfrm>
+                  <a:off x="9127362" y="4281969"/>
+                  <a:ext cx="691200" cy="431144"/>
+                </a:xfrm>
+                <a:prstGeom prst="rect">
+                  <a:avLst/>
+                </a:prstGeom>
+                <a:solidFill>
+                  <a:schemeClr val="bg2">
+                    <a:lumMod val="90000"/>
+                  </a:schemeClr>
+                </a:solidFill>
+                <a:ln>
+                  <a:solidFill>
+                    <a:schemeClr val="bg2">
+                      <a:lumMod val="90000"/>
+                    </a:schemeClr>
+                  </a:solidFill>
+                </a:ln>
+              </p:spPr>
+              <p:style>
+                <a:lnRef idx="2">
+                  <a:schemeClr val="accent1">
+                    <a:shade val="50000"/>
+                  </a:schemeClr>
+                </a:lnRef>
+                <a:fillRef idx="1">
+                  <a:schemeClr val="accent1"/>
+                </a:fillRef>
+                <a:effectRef idx="0">
+                  <a:schemeClr val="accent1"/>
+                </a:effectRef>
+                <a:fontRef idx="minor">
+                  <a:schemeClr val="lt1"/>
+                </a:fontRef>
+              </p:style>
+              <p:txBody>
+                <a:bodyPr rtlCol="0" anchor="ctr"/>
+                <a:lstStyle/>
+                <a:p>
+                  <a:pPr algn="ctr"/>
+                  <a:endParaRPr lang="en-US" i="1">
+                    <a:solidFill>
+                      <a:schemeClr val="bg1"/>
+                    </a:solidFill>
+                  </a:endParaRPr>
+                </a:p>
+              </p:txBody>
+            </p:sp>
+          </p:grpSp>
+          <p:cxnSp>
+            <p:nvCxnSpPr>
+              <p:cNvPr id="33" name="Straight Connector 32">
+                <a:extLst>
+                  <a:ext uri="{FF2B5EF4-FFF2-40B4-BE49-F238E27FC236}">
+                    <a16:creationId xmlns:a16="http://schemas.microsoft.com/office/drawing/2014/main" id="{0FFF1708-A62C-43DC-8E63-1456E677C59A}"/>
+                  </a:ext>
+                </a:extLst>
+              </p:cNvPr>
+              <p:cNvCxnSpPr>
+                <a:cxnSpLocks/>
+              </p:cNvCxnSpPr>
+              <p:nvPr/>
+            </p:nvCxnSpPr>
+            <p:spPr>
+              <a:xfrm>
+                <a:off x="7888029" y="3387841"/>
+                <a:ext cx="0" cy="1125570"/>
+              </a:xfrm>
+              <a:prstGeom prst="line">
+                <a:avLst/>
+              </a:prstGeom>
+              <a:solidFill>
+                <a:schemeClr val="bg2">
+                  <a:lumMod val="90000"/>
+                </a:schemeClr>
+              </a:solidFill>
+              <a:ln>
+                <a:solidFill>
+                  <a:schemeClr val="bg2">
+                    <a:lumMod val="75000"/>
+                  </a:schemeClr>
+                </a:solidFill>
+              </a:ln>
+            </p:spPr>
+            <p:style>
+              <a:lnRef idx="1">
+                <a:schemeClr val="accent1"/>
+              </a:lnRef>
+              <a:fillRef idx="0">
+                <a:schemeClr val="accent1"/>
+              </a:fillRef>
+              <a:effectRef idx="0">
+                <a:schemeClr val="accent1"/>
+              </a:effectRef>
+              <a:fontRef idx="minor">
+                <a:schemeClr val="tx1"/>
+              </a:fontRef>
+            </p:style>
+          </p:cxnSp>
+          <p:cxnSp>
+            <p:nvCxnSpPr>
+              <p:cNvPr id="34" name="Straight Connector 33">
+                <a:extLst>
+                  <a:ext uri="{FF2B5EF4-FFF2-40B4-BE49-F238E27FC236}">
+                    <a16:creationId xmlns:a16="http://schemas.microsoft.com/office/drawing/2014/main" id="{DADB5959-5408-4823-ADF1-34B5A4751095}"/>
+                  </a:ext>
+                </a:extLst>
+              </p:cNvPr>
+              <p:cNvCxnSpPr>
+                <a:cxnSpLocks/>
+              </p:cNvCxnSpPr>
+              <p:nvPr/>
+            </p:nvCxnSpPr>
+            <p:spPr>
+              <a:xfrm>
+                <a:off x="8031096" y="3390844"/>
+                <a:ext cx="0" cy="1125570"/>
+              </a:xfrm>
+              <a:prstGeom prst="line">
+                <a:avLst/>
+              </a:prstGeom>
+              <a:solidFill>
+                <a:schemeClr val="bg2">
+                  <a:lumMod val="90000"/>
+                </a:schemeClr>
+              </a:solidFill>
+              <a:ln>
+                <a:solidFill>
+                  <a:schemeClr val="bg2">
+                    <a:lumMod val="75000"/>
+                  </a:schemeClr>
+                </a:solidFill>
+              </a:ln>
+            </p:spPr>
+            <p:style>
+              <a:lnRef idx="1">
+                <a:schemeClr val="accent1"/>
+              </a:lnRef>
+              <a:fillRef idx="0">
+                <a:schemeClr val="accent1"/>
+              </a:fillRef>
+              <a:effectRef idx="0">
+                <a:schemeClr val="accent1"/>
+              </a:effectRef>
+              <a:fontRef idx="minor">
+                <a:schemeClr val="tx1"/>
+              </a:fontRef>
+            </p:style>
+          </p:cxnSp>
+          <p:cxnSp>
+            <p:nvCxnSpPr>
+              <p:cNvPr id="35" name="Straight Connector 34">
+                <a:extLst>
+                  <a:ext uri="{FF2B5EF4-FFF2-40B4-BE49-F238E27FC236}">
+                    <a16:creationId xmlns:a16="http://schemas.microsoft.com/office/drawing/2014/main" id="{A518185B-10D8-4839-9BEF-46FC1D27B9EF}"/>
+                  </a:ext>
+                </a:extLst>
+              </p:cNvPr>
+              <p:cNvCxnSpPr>
+                <a:cxnSpLocks/>
+              </p:cNvCxnSpPr>
+              <p:nvPr/>
+            </p:nvCxnSpPr>
+            <p:spPr>
+              <a:xfrm>
+                <a:off x="8317230" y="3387841"/>
+                <a:ext cx="0" cy="1125570"/>
+              </a:xfrm>
+              <a:prstGeom prst="line">
+                <a:avLst/>
+              </a:prstGeom>
+              <a:solidFill>
+                <a:schemeClr val="bg2">
+                  <a:lumMod val="90000"/>
+                </a:schemeClr>
+              </a:solidFill>
+              <a:ln>
+                <a:solidFill>
+                  <a:schemeClr val="bg2">
+                    <a:lumMod val="75000"/>
+                  </a:schemeClr>
+                </a:solidFill>
+              </a:ln>
+            </p:spPr>
+            <p:style>
+              <a:lnRef idx="1">
+                <a:schemeClr val="accent1"/>
+              </a:lnRef>
+              <a:fillRef idx="0">
+                <a:schemeClr val="accent1"/>
+              </a:fillRef>
+              <a:effectRef idx="0">
+                <a:schemeClr val="accent1"/>
+              </a:effectRef>
+              <a:fontRef idx="minor">
+                <a:schemeClr val="tx1"/>
+              </a:fontRef>
+            </p:style>
+          </p:cxnSp>
+          <p:cxnSp>
+            <p:nvCxnSpPr>
+              <p:cNvPr id="36" name="Straight Connector 35">
+                <a:extLst>
+                  <a:ext uri="{FF2B5EF4-FFF2-40B4-BE49-F238E27FC236}">
+                    <a16:creationId xmlns:a16="http://schemas.microsoft.com/office/drawing/2014/main" id="{6B4FB8A8-1960-4F76-9AB7-802D2C6F2F25}"/>
+                  </a:ext>
+                </a:extLst>
+              </p:cNvPr>
+              <p:cNvCxnSpPr>
+                <a:cxnSpLocks/>
+              </p:cNvCxnSpPr>
+              <p:nvPr/>
+            </p:nvCxnSpPr>
+            <p:spPr>
+              <a:xfrm>
+                <a:off x="8461384" y="3387841"/>
+                <a:ext cx="0" cy="1125570"/>
+              </a:xfrm>
+              <a:prstGeom prst="line">
+                <a:avLst/>
+              </a:prstGeom>
+              <a:solidFill>
+                <a:schemeClr val="bg2">
+                  <a:lumMod val="90000"/>
+                </a:schemeClr>
+              </a:solidFill>
+              <a:ln>
+                <a:solidFill>
+                  <a:schemeClr val="bg2">
+                    <a:lumMod val="75000"/>
+                  </a:schemeClr>
+                </a:solidFill>
+              </a:ln>
+            </p:spPr>
+            <p:style>
+              <a:lnRef idx="1">
+                <a:schemeClr val="accent1"/>
+              </a:lnRef>
+              <a:fillRef idx="0">
+                <a:schemeClr val="accent1"/>
+              </a:fillRef>
+              <a:effectRef idx="0">
+                <a:schemeClr val="accent1"/>
+              </a:effectRef>
+              <a:fontRef idx="minor">
+                <a:schemeClr val="tx1"/>
+              </a:fontRef>
+            </p:style>
+          </p:cxnSp>
+          <p:cxnSp>
+            <p:nvCxnSpPr>
+              <p:cNvPr id="37" name="Straight Connector 36">
+                <a:extLst>
+                  <a:ext uri="{FF2B5EF4-FFF2-40B4-BE49-F238E27FC236}">
+                    <a16:creationId xmlns:a16="http://schemas.microsoft.com/office/drawing/2014/main" id="{00D4DB8B-64FA-4748-998E-0AC2F803938D}"/>
+                  </a:ext>
+                </a:extLst>
+              </p:cNvPr>
+              <p:cNvCxnSpPr>
+                <a:cxnSpLocks/>
+              </p:cNvCxnSpPr>
+              <p:nvPr/>
+            </p:nvCxnSpPr>
+            <p:spPr>
+              <a:xfrm>
+                <a:off x="8605538" y="3384838"/>
+                <a:ext cx="0" cy="1125570"/>
+              </a:xfrm>
+              <a:prstGeom prst="line">
+                <a:avLst/>
+              </a:prstGeom>
+              <a:solidFill>
+                <a:schemeClr val="bg2">
+                  <a:lumMod val="90000"/>
+                </a:schemeClr>
+              </a:solidFill>
+              <a:ln>
+                <a:solidFill>
+                  <a:schemeClr val="bg2">
+                    <a:lumMod val="75000"/>
+                  </a:schemeClr>
+                </a:solidFill>
+              </a:ln>
+            </p:spPr>
+            <p:style>
+              <a:lnRef idx="1">
+                <a:schemeClr val="accent1"/>
+              </a:lnRef>
+              <a:fillRef idx="0">
+                <a:schemeClr val="accent1"/>
+              </a:fillRef>
+              <a:effectRef idx="0">
+                <a:schemeClr val="accent1"/>
+              </a:effectRef>
+              <a:fontRef idx="minor">
+                <a:schemeClr val="tx1"/>
+              </a:fontRef>
+            </p:style>
+          </p:cxnSp>
+          <p:cxnSp>
+            <p:nvCxnSpPr>
+              <p:cNvPr id="38" name="Straight Connector 37">
+                <a:extLst>
+                  <a:ext uri="{FF2B5EF4-FFF2-40B4-BE49-F238E27FC236}">
+                    <a16:creationId xmlns:a16="http://schemas.microsoft.com/office/drawing/2014/main" id="{BFEE8F57-7991-48CB-A7A8-633FF0295839}"/>
+                  </a:ext>
+                </a:extLst>
+              </p:cNvPr>
+              <p:cNvCxnSpPr>
+                <a:cxnSpLocks/>
+              </p:cNvCxnSpPr>
+              <p:nvPr/>
+            </p:nvCxnSpPr>
+            <p:spPr>
+              <a:xfrm>
+                <a:off x="8749692" y="3384838"/>
+                <a:ext cx="0" cy="1125570"/>
+              </a:xfrm>
+              <a:prstGeom prst="line">
+                <a:avLst/>
+              </a:prstGeom>
+              <a:solidFill>
+                <a:schemeClr val="bg2">
+                  <a:lumMod val="90000"/>
+                </a:schemeClr>
+              </a:solidFill>
+              <a:ln>
+                <a:solidFill>
+                  <a:schemeClr val="bg2">
+                    <a:lumMod val="75000"/>
+                  </a:schemeClr>
+                </a:solidFill>
+              </a:ln>
+            </p:spPr>
+            <p:style>
+              <a:lnRef idx="1">
+                <a:schemeClr val="accent1"/>
+              </a:lnRef>
+              <a:fillRef idx="0">
+                <a:schemeClr val="accent1"/>
+              </a:fillRef>
+              <a:effectRef idx="0">
+                <a:schemeClr val="accent1"/>
+              </a:effectRef>
+              <a:fontRef idx="minor">
+                <a:schemeClr val="tx1"/>
+              </a:fontRef>
+            </p:style>
+          </p:cxnSp>
+          <p:cxnSp>
+            <p:nvCxnSpPr>
+              <p:cNvPr id="39" name="Straight Connector 38">
+                <a:extLst>
+                  <a:ext uri="{FF2B5EF4-FFF2-40B4-BE49-F238E27FC236}">
+                    <a16:creationId xmlns:a16="http://schemas.microsoft.com/office/drawing/2014/main" id="{B13B73CD-830B-4C61-B5C6-73E8328F9DFB}"/>
+                  </a:ext>
+                </a:extLst>
+              </p:cNvPr>
+              <p:cNvCxnSpPr>
+                <a:cxnSpLocks/>
+              </p:cNvCxnSpPr>
+              <p:nvPr/>
+            </p:nvCxnSpPr>
+            <p:spPr>
+              <a:xfrm>
+                <a:off x="8893845" y="3387841"/>
+                <a:ext cx="0" cy="1125570"/>
+              </a:xfrm>
+              <a:prstGeom prst="line">
+                <a:avLst/>
+              </a:prstGeom>
+              <a:solidFill>
+                <a:schemeClr val="bg2">
+                  <a:lumMod val="90000"/>
+                </a:schemeClr>
+              </a:solidFill>
+              <a:ln>
+                <a:solidFill>
+                  <a:schemeClr val="bg2">
+                    <a:lumMod val="75000"/>
+                  </a:schemeClr>
+                </a:solidFill>
+              </a:ln>
+            </p:spPr>
+            <p:style>
+              <a:lnRef idx="1">
+                <a:schemeClr val="accent1"/>
+              </a:lnRef>
+              <a:fillRef idx="0">
+                <a:schemeClr val="accent1"/>
+              </a:fillRef>
+              <a:effectRef idx="0">
+                <a:schemeClr val="accent1"/>
+              </a:effectRef>
+              <a:fontRef idx="minor">
+                <a:schemeClr val="tx1"/>
+              </a:fontRef>
+            </p:style>
+          </p:cxnSp>
+          <p:cxnSp>
+            <p:nvCxnSpPr>
+              <p:cNvPr id="40" name="Straight Connector 39">
+                <a:extLst>
+                  <a:ext uri="{FF2B5EF4-FFF2-40B4-BE49-F238E27FC236}">
+                    <a16:creationId xmlns:a16="http://schemas.microsoft.com/office/drawing/2014/main" id="{CD690094-80C9-47B9-A8BE-3A6D7E431110}"/>
+                  </a:ext>
+                </a:extLst>
+              </p:cNvPr>
+              <p:cNvCxnSpPr>
+                <a:cxnSpLocks/>
+              </p:cNvCxnSpPr>
+              <p:nvPr/>
+            </p:nvCxnSpPr>
+            <p:spPr>
+              <a:xfrm>
+                <a:off x="9041511" y="3384838"/>
+                <a:ext cx="0" cy="1125570"/>
+              </a:xfrm>
+              <a:prstGeom prst="line">
+                <a:avLst/>
+              </a:prstGeom>
+              <a:solidFill>
+                <a:schemeClr val="bg2">
+                  <a:lumMod val="90000"/>
+                </a:schemeClr>
+              </a:solidFill>
+              <a:ln>
+                <a:solidFill>
+                  <a:schemeClr val="bg2">
+                    <a:lumMod val="75000"/>
+                  </a:schemeClr>
+                </a:solidFill>
+              </a:ln>
+            </p:spPr>
+            <p:style>
+              <a:lnRef idx="1">
+                <a:schemeClr val="accent1"/>
+              </a:lnRef>
+              <a:fillRef idx="0">
+                <a:schemeClr val="accent1"/>
+              </a:fillRef>
+              <a:effectRef idx="0">
+                <a:schemeClr val="accent1"/>
+              </a:effectRef>
+              <a:fontRef idx="minor">
+                <a:schemeClr val="tx1"/>
+              </a:fontRef>
+            </p:style>
+          </p:cxnSp>
+          <p:cxnSp>
+            <p:nvCxnSpPr>
+              <p:cNvPr id="41" name="Straight Connector 40">
+                <a:extLst>
+                  <a:ext uri="{FF2B5EF4-FFF2-40B4-BE49-F238E27FC236}">
+                    <a16:creationId xmlns:a16="http://schemas.microsoft.com/office/drawing/2014/main" id="{4228D67C-025C-48B8-B3F1-CC8E14262B59}"/>
+                  </a:ext>
+                </a:extLst>
+              </p:cNvPr>
+              <p:cNvCxnSpPr>
+                <a:cxnSpLocks/>
+              </p:cNvCxnSpPr>
+              <p:nvPr/>
+            </p:nvCxnSpPr>
+            <p:spPr>
+              <a:xfrm>
+                <a:off x="9181066" y="3398379"/>
+                <a:ext cx="0" cy="1105764"/>
+              </a:xfrm>
+              <a:prstGeom prst="line">
+                <a:avLst/>
+              </a:prstGeom>
+              <a:solidFill>
+                <a:schemeClr val="bg2">
+                  <a:lumMod val="90000"/>
+                </a:schemeClr>
+              </a:solidFill>
+              <a:ln>
+                <a:solidFill>
+                  <a:schemeClr val="bg2">
+                    <a:lumMod val="75000"/>
+                  </a:schemeClr>
+                </a:solidFill>
+              </a:ln>
+            </p:spPr>
+            <p:style>
+              <a:lnRef idx="1">
+                <a:schemeClr val="accent1"/>
+              </a:lnRef>
+              <a:fillRef idx="0">
+                <a:schemeClr val="accent1"/>
+              </a:fillRef>
+              <a:effectRef idx="0">
+                <a:schemeClr val="accent1"/>
+              </a:effectRef>
+              <a:fontRef idx="minor">
+                <a:schemeClr val="tx1"/>
+              </a:fontRef>
+            </p:style>
+          </p:cxnSp>
+          <p:cxnSp>
+            <p:nvCxnSpPr>
+              <p:cNvPr id="42" name="Straight Connector 41">
+                <a:extLst>
+                  <a:ext uri="{FF2B5EF4-FFF2-40B4-BE49-F238E27FC236}">
+                    <a16:creationId xmlns:a16="http://schemas.microsoft.com/office/drawing/2014/main" id="{E7252C7C-CB1F-49A5-9EF2-CDE955A97552}"/>
+                  </a:ext>
+                </a:extLst>
+              </p:cNvPr>
+              <p:cNvCxnSpPr>
+                <a:cxnSpLocks/>
+              </p:cNvCxnSpPr>
+              <p:nvPr/>
+            </p:nvCxnSpPr>
+            <p:spPr>
+              <a:xfrm>
+                <a:off x="8174163" y="3387841"/>
+                <a:ext cx="0" cy="1125570"/>
+              </a:xfrm>
+              <a:prstGeom prst="line">
+                <a:avLst/>
+              </a:prstGeom>
+              <a:solidFill>
+                <a:schemeClr val="bg2">
+                  <a:lumMod val="90000"/>
+                </a:schemeClr>
+              </a:solidFill>
+              <a:ln>
+                <a:solidFill>
+                  <a:schemeClr val="bg2">
+                    <a:lumMod val="75000"/>
+                  </a:schemeClr>
+                </a:solidFill>
+              </a:ln>
+            </p:spPr>
+            <p:style>
+              <a:lnRef idx="1">
+                <a:schemeClr val="accent1"/>
+              </a:lnRef>
+              <a:fillRef idx="0">
+                <a:schemeClr val="accent1"/>
+              </a:fillRef>
+              <a:effectRef idx="0">
+                <a:schemeClr val="accent1"/>
+              </a:effectRef>
+              <a:fontRef idx="minor">
+                <a:schemeClr val="tx1"/>
+              </a:fontRef>
+            </p:style>
+          </p:cxnSp>
+          <p:cxnSp>
+            <p:nvCxnSpPr>
+              <p:cNvPr id="43" name="Straight Connector 42">
+                <a:extLst>
+                  <a:ext uri="{FF2B5EF4-FFF2-40B4-BE49-F238E27FC236}">
+                    <a16:creationId xmlns:a16="http://schemas.microsoft.com/office/drawing/2014/main" id="{1BAAB7AC-632A-4D82-BE9A-4EC63CC1D7C1}"/>
+                  </a:ext>
+                </a:extLst>
+              </p:cNvPr>
+              <p:cNvCxnSpPr>
+                <a:cxnSpLocks/>
+              </p:cNvCxnSpPr>
+              <p:nvPr/>
+            </p:nvCxnSpPr>
+            <p:spPr>
+              <a:xfrm>
+                <a:off x="9179979" y="3384838"/>
+                <a:ext cx="0" cy="1125570"/>
+              </a:xfrm>
+              <a:prstGeom prst="line">
+                <a:avLst/>
+              </a:prstGeom>
+              <a:solidFill>
+                <a:schemeClr val="bg2">
+                  <a:lumMod val="90000"/>
+                </a:schemeClr>
+              </a:solidFill>
+              <a:ln>
+                <a:solidFill>
+                  <a:schemeClr val="bg2">
+                    <a:lumMod val="75000"/>
+                  </a:schemeClr>
+                </a:solidFill>
+              </a:ln>
+            </p:spPr>
+            <p:style>
+              <a:lnRef idx="1">
+                <a:schemeClr val="accent1"/>
+              </a:lnRef>
+              <a:fillRef idx="0">
+                <a:schemeClr val="accent1"/>
+              </a:fillRef>
+              <a:effectRef idx="0">
+                <a:schemeClr val="accent1"/>
+              </a:effectRef>
+              <a:fontRef idx="minor">
+                <a:schemeClr val="tx1"/>
+              </a:fontRef>
+            </p:style>
+          </p:cxnSp>
+          <p:cxnSp>
+            <p:nvCxnSpPr>
+              <p:cNvPr id="44" name="Straight Connector 43">
+                <a:extLst>
+                  <a:ext uri="{FF2B5EF4-FFF2-40B4-BE49-F238E27FC236}">
+                    <a16:creationId xmlns:a16="http://schemas.microsoft.com/office/drawing/2014/main" id="{761405A1-9485-4A24-A3E4-6FF6CAEF24C4}"/>
+                  </a:ext>
+                </a:extLst>
+              </p:cNvPr>
+              <p:cNvCxnSpPr>
+                <a:cxnSpLocks/>
+              </p:cNvCxnSpPr>
+              <p:nvPr/>
+            </p:nvCxnSpPr>
+            <p:spPr>
+              <a:xfrm>
+                <a:off x="9324134" y="3384838"/>
+                <a:ext cx="0" cy="1125570"/>
+              </a:xfrm>
+              <a:prstGeom prst="line">
+                <a:avLst/>
+              </a:prstGeom>
+              <a:solidFill>
+                <a:schemeClr val="bg2">
+                  <a:lumMod val="90000"/>
+                </a:schemeClr>
+              </a:solidFill>
+              <a:ln>
+                <a:solidFill>
+                  <a:schemeClr val="bg2">
+                    <a:lumMod val="75000"/>
+                  </a:schemeClr>
+                </a:solidFill>
+              </a:ln>
+            </p:spPr>
+            <p:style>
+              <a:lnRef idx="1">
+                <a:schemeClr val="accent1"/>
+              </a:lnRef>
+              <a:fillRef idx="0">
+                <a:schemeClr val="accent1"/>
+              </a:fillRef>
+              <a:effectRef idx="0">
+                <a:schemeClr val="accent1"/>
+              </a:effectRef>
+              <a:fontRef idx="minor">
+                <a:schemeClr val="tx1"/>
+              </a:fontRef>
+            </p:style>
+          </p:cxnSp>
+        </p:grpSp>
+        <p:cxnSp>
+          <p:nvCxnSpPr>
+            <p:cNvPr id="31" name="Straight Connector 30">
+              <a:extLst>
+                <a:ext uri="{FF2B5EF4-FFF2-40B4-BE49-F238E27FC236}">
+                  <a16:creationId xmlns:a16="http://schemas.microsoft.com/office/drawing/2014/main" id="{27E35DEA-ACCA-4571-B63A-DB79E8A4C135}"/>
+                </a:ext>
+              </a:extLst>
+            </p:cNvPr>
+            <p:cNvCxnSpPr>
+              <a:cxnSpLocks/>
+            </p:cNvCxnSpPr>
+            <p:nvPr/>
+          </p:nvCxnSpPr>
+          <p:spPr>
+            <a:xfrm>
+              <a:off x="8363121" y="2107773"/>
+              <a:ext cx="0" cy="3427202"/>
+            </a:xfrm>
+            <a:prstGeom prst="line">
+              <a:avLst/>
+            </a:prstGeom>
+            <a:solidFill>
+              <a:schemeClr val="bg2">
+                <a:lumMod val="90000"/>
+              </a:schemeClr>
+            </a:solidFill>
+            <a:ln>
+              <a:solidFill>
+                <a:schemeClr val="bg2">
+                  <a:lumMod val="75000"/>
+                </a:schemeClr>
+              </a:solidFill>
+            </a:ln>
+          </p:spPr>
+          <p:style>
+            <a:lnRef idx="1">
+              <a:schemeClr val="accent1"/>
+            </a:lnRef>
+            <a:fillRef idx="0">
+              <a:schemeClr val="accent1"/>
+            </a:fillRef>
+            <a:effectRef idx="0">
+              <a:schemeClr val="accent1"/>
+            </a:effectRef>
+            <a:fontRef idx="minor">
+              <a:schemeClr val="tx1"/>
+            </a:fontRef>
+          </p:style>
+        </p:cxnSp>
+      </p:grpSp>
+      <p:grpSp>
+        <p:nvGrpSpPr>
+          <p:cNvPr id="49" name="Group 48">
+            <a:extLst>
+              <a:ext uri="{FF2B5EF4-FFF2-40B4-BE49-F238E27FC236}">
+                <a16:creationId xmlns:a16="http://schemas.microsoft.com/office/drawing/2014/main" id="{31F9FA3D-D07E-42C8-964C-4994616AF85E}"/>
+              </a:ext>
+            </a:extLst>
+          </p:cNvPr>
+          <p:cNvGrpSpPr/>
+          <p:nvPr/>
+        </p:nvGrpSpPr>
+        <p:grpSpPr>
+          <a:xfrm>
+            <a:off x="4277536" y="3854990"/>
+            <a:ext cx="2256647" cy="936000"/>
+            <a:chOff x="6096000" y="2090365"/>
+            <a:chExt cx="5257801" cy="3453747"/>
+          </a:xfrm>
+        </p:grpSpPr>
+        <p:sp>
+          <p:nvSpPr>
+            <p:cNvPr id="50" name="Rectangle 49">
+              <a:extLst>
+                <a:ext uri="{FF2B5EF4-FFF2-40B4-BE49-F238E27FC236}">
+                  <a16:creationId xmlns:a16="http://schemas.microsoft.com/office/drawing/2014/main" id="{C583E433-C484-4A0F-B2B4-DE9450D7B76C}"/>
+                </a:ext>
+              </a:extLst>
+            </p:cNvPr>
+            <p:cNvSpPr/>
+            <p:nvPr/>
+          </p:nvSpPr>
+          <p:spPr>
+            <a:xfrm>
+              <a:off x="6096000" y="2090365"/>
+              <a:ext cx="2267121" cy="3441762"/>
+            </a:xfrm>
+            <a:prstGeom prst="rect">
+              <a:avLst/>
+            </a:prstGeom>
+            <a:solidFill>
+              <a:schemeClr val="bg2">
+                <a:lumMod val="90000"/>
+              </a:schemeClr>
+            </a:solidFill>
+            <a:ln>
+              <a:solidFill>
+                <a:schemeClr val="bg2">
+                  <a:lumMod val="90000"/>
+                </a:schemeClr>
+              </a:solidFill>
+            </a:ln>
+          </p:spPr>
+          <p:style>
+            <a:lnRef idx="2">
+              <a:schemeClr val="accent1">
+                <a:shade val="50000"/>
+              </a:schemeClr>
+            </a:lnRef>
+            <a:fillRef idx="1">
+              <a:schemeClr val="accent1"/>
+            </a:fillRef>
+            <a:effectRef idx="0">
+              <a:schemeClr val="accent1"/>
+            </a:effectRef>
+            <a:fontRef idx="minor">
+              <a:schemeClr val="lt1"/>
+            </a:fontRef>
+          </p:style>
+          <p:txBody>
+            <a:bodyPr rtlCol="0" anchor="ctr"/>
+            <a:lstStyle/>
+            <a:p>
+              <a:pPr algn="ctr"/>
+              <a:endParaRPr lang="en-US" i="1">
+                <a:solidFill>
+                  <a:schemeClr val="bg1"/>
+                </a:solidFill>
+              </a:endParaRPr>
+            </a:p>
+          </p:txBody>
+        </p:sp>
+        <p:cxnSp>
+          <p:nvCxnSpPr>
+            <p:cNvPr id="51" name="Straight Connector 50">
+              <a:extLst>
+                <a:ext uri="{FF2B5EF4-FFF2-40B4-BE49-F238E27FC236}">
+                  <a16:creationId xmlns:a16="http://schemas.microsoft.com/office/drawing/2014/main" id="{055D26A3-31B5-4CA0-BDD6-396F02C74B92}"/>
+                </a:ext>
+              </a:extLst>
+            </p:cNvPr>
+            <p:cNvCxnSpPr>
+              <a:cxnSpLocks/>
+            </p:cNvCxnSpPr>
+            <p:nvPr/>
+          </p:nvCxnSpPr>
+          <p:spPr>
+            <a:xfrm>
+              <a:off x="6651589" y="2098629"/>
+              <a:ext cx="0" cy="3427202"/>
+            </a:xfrm>
+            <a:prstGeom prst="line">
+              <a:avLst/>
+            </a:prstGeom>
+            <a:solidFill>
+              <a:schemeClr val="bg2">
+                <a:lumMod val="90000"/>
+              </a:schemeClr>
+            </a:solidFill>
+            <a:ln>
+              <a:solidFill>
+                <a:schemeClr val="bg2">
+                  <a:lumMod val="75000"/>
+                </a:schemeClr>
+              </a:solidFill>
+            </a:ln>
+          </p:spPr>
+          <p:style>
+            <a:lnRef idx="1">
+              <a:schemeClr val="accent1"/>
+            </a:lnRef>
+            <a:fillRef idx="0">
+              <a:schemeClr val="accent1"/>
+            </a:fillRef>
+            <a:effectRef idx="0">
+              <a:schemeClr val="accent1"/>
+            </a:effectRef>
+            <a:fontRef idx="minor">
+              <a:schemeClr val="tx1"/>
+            </a:fontRef>
+          </p:style>
+        </p:cxnSp>
+        <p:cxnSp>
+          <p:nvCxnSpPr>
+            <p:cNvPr id="52" name="Straight Connector 51">
+              <a:extLst>
+                <a:ext uri="{FF2B5EF4-FFF2-40B4-BE49-F238E27FC236}">
+                  <a16:creationId xmlns:a16="http://schemas.microsoft.com/office/drawing/2014/main" id="{3984C121-7EFC-443C-92B8-3A04AB5836AC}"/>
+                </a:ext>
+              </a:extLst>
+            </p:cNvPr>
+            <p:cNvCxnSpPr>
+              <a:cxnSpLocks/>
+            </p:cNvCxnSpPr>
+            <p:nvPr/>
+          </p:nvCxnSpPr>
+          <p:spPr>
+            <a:xfrm>
+              <a:off x="7815431" y="2107773"/>
+              <a:ext cx="0" cy="3427202"/>
+            </a:xfrm>
+            <a:prstGeom prst="line">
+              <a:avLst/>
+            </a:prstGeom>
+            <a:solidFill>
+              <a:schemeClr val="bg2">
+                <a:lumMod val="90000"/>
+              </a:schemeClr>
+            </a:solidFill>
+            <a:ln>
+              <a:solidFill>
+                <a:schemeClr val="bg2">
+                  <a:lumMod val="75000"/>
+                </a:schemeClr>
+              </a:solidFill>
+            </a:ln>
+          </p:spPr>
+          <p:style>
+            <a:lnRef idx="1">
+              <a:schemeClr val="accent1"/>
+            </a:lnRef>
+            <a:fillRef idx="0">
+              <a:schemeClr val="accent1"/>
+            </a:fillRef>
+            <a:effectRef idx="0">
+              <a:schemeClr val="accent1"/>
+            </a:effectRef>
+            <a:fontRef idx="minor">
+              <a:schemeClr val="tx1"/>
+            </a:fontRef>
+          </p:style>
+        </p:cxnSp>
+        <p:cxnSp>
+          <p:nvCxnSpPr>
+            <p:cNvPr id="53" name="Straight Connector 52">
+              <a:extLst>
+                <a:ext uri="{FF2B5EF4-FFF2-40B4-BE49-F238E27FC236}">
+                  <a16:creationId xmlns:a16="http://schemas.microsoft.com/office/drawing/2014/main" id="{1544CEE1-A653-4C5B-83F6-48D9A204A9D2}"/>
+                </a:ext>
+              </a:extLst>
+            </p:cNvPr>
+            <p:cNvCxnSpPr>
+              <a:cxnSpLocks/>
+            </p:cNvCxnSpPr>
+            <p:nvPr/>
+          </p:nvCxnSpPr>
+          <p:spPr>
+            <a:xfrm>
+              <a:off x="7254575" y="2107773"/>
+              <a:ext cx="0" cy="3427202"/>
+            </a:xfrm>
+            <a:prstGeom prst="line">
+              <a:avLst/>
+            </a:prstGeom>
+            <a:solidFill>
+              <a:schemeClr val="bg2">
+                <a:lumMod val="90000"/>
+              </a:schemeClr>
+            </a:solidFill>
+            <a:ln>
+              <a:solidFill>
+                <a:schemeClr val="bg2">
+                  <a:lumMod val="75000"/>
+                </a:schemeClr>
+              </a:solidFill>
+            </a:ln>
+          </p:spPr>
+          <p:style>
+            <a:lnRef idx="1">
+              <a:schemeClr val="accent1"/>
+            </a:lnRef>
+            <a:fillRef idx="0">
+              <a:schemeClr val="accent1"/>
+            </a:fillRef>
+            <a:effectRef idx="0">
+              <a:schemeClr val="accent1"/>
+            </a:effectRef>
+            <a:fontRef idx="minor">
+              <a:schemeClr val="tx1"/>
+            </a:fontRef>
+          </p:style>
+        </p:cxnSp>
+        <p:grpSp>
+          <p:nvGrpSpPr>
+            <p:cNvPr id="54" name="Group 53">
+              <a:extLst>
+                <a:ext uri="{FF2B5EF4-FFF2-40B4-BE49-F238E27FC236}">
+                  <a16:creationId xmlns:a16="http://schemas.microsoft.com/office/drawing/2014/main" id="{11B54E26-FE17-4B84-949E-89BFA0B555AF}"/>
+                </a:ext>
+              </a:extLst>
+            </p:cNvPr>
+            <p:cNvGrpSpPr/>
+            <p:nvPr/>
+          </p:nvGrpSpPr>
+          <p:grpSpPr>
+            <a:xfrm>
+              <a:off x="8376287" y="2090365"/>
+              <a:ext cx="2977514" cy="3453747"/>
+              <a:chOff x="7744962" y="3382125"/>
+              <a:chExt cx="1723325" cy="1134289"/>
+            </a:xfrm>
+          </p:grpSpPr>
+          <p:grpSp>
+            <p:nvGrpSpPr>
+              <p:cNvPr id="56" name="Group 55">
+                <a:extLst>
+                  <a:ext uri="{FF2B5EF4-FFF2-40B4-BE49-F238E27FC236}">
+                    <a16:creationId xmlns:a16="http://schemas.microsoft.com/office/drawing/2014/main" id="{98AB3B04-D235-4551-AC22-537C2B60CAAE}"/>
+                  </a:ext>
+                </a:extLst>
+              </p:cNvPr>
+              <p:cNvGrpSpPr/>
+              <p:nvPr/>
+            </p:nvGrpSpPr>
+            <p:grpSpPr>
+              <a:xfrm>
+                <a:off x="7744962" y="3382125"/>
+                <a:ext cx="1723325" cy="1130351"/>
+                <a:chOff x="7744962" y="3381915"/>
+                <a:chExt cx="2073600" cy="1331198"/>
+              </a:xfrm>
+            </p:grpSpPr>
+            <p:sp>
+              <p:nvSpPr>
+                <p:cNvPr id="69" name="Rectangle 68">
+                  <a:extLst>
+                    <a:ext uri="{FF2B5EF4-FFF2-40B4-BE49-F238E27FC236}">
+                      <a16:creationId xmlns:a16="http://schemas.microsoft.com/office/drawing/2014/main" id="{E56A8520-1AF6-4727-9CA5-805AEFF9EE4E}"/>
+                    </a:ext>
+                  </a:extLst>
+                </p:cNvPr>
+                <p:cNvSpPr/>
+                <p:nvPr/>
+              </p:nvSpPr>
+              <p:spPr>
+                <a:xfrm>
+                  <a:off x="7744964" y="3383312"/>
+                  <a:ext cx="2073598" cy="1329504"/>
+                </a:xfrm>
+                <a:prstGeom prst="rect">
+                  <a:avLst/>
+                </a:prstGeom>
+                <a:solidFill>
+                  <a:schemeClr val="bg2"/>
+                </a:solidFill>
+                <a:ln>
+                  <a:solidFill>
+                    <a:schemeClr val="bg2"/>
+                  </a:solidFill>
+                </a:ln>
+              </p:spPr>
+              <p:style>
+                <a:lnRef idx="2">
+                  <a:schemeClr val="accent1">
+                    <a:shade val="50000"/>
+                  </a:schemeClr>
+                </a:lnRef>
+                <a:fillRef idx="1">
+                  <a:schemeClr val="accent1"/>
+                </a:fillRef>
+                <a:effectRef idx="0">
+                  <a:schemeClr val="accent1"/>
+                </a:effectRef>
+                <a:fontRef idx="minor">
+                  <a:schemeClr val="lt1"/>
+                </a:fontRef>
+              </p:style>
+              <p:txBody>
+                <a:bodyPr rtlCol="0" anchor="ctr"/>
+                <a:lstStyle/>
+                <a:p>
+                  <a:pPr algn="ctr"/>
+                  <a:endParaRPr lang="en-US" i="1">
+                    <a:solidFill>
+                      <a:sysClr val="windowText" lastClr="000000"/>
+                    </a:solidFill>
+                  </a:endParaRPr>
+                </a:p>
+              </p:txBody>
+            </p:sp>
+            <p:sp>
+              <p:nvSpPr>
+                <p:cNvPr id="70" name="Rectangle 69">
+                  <a:extLst>
+                    <a:ext uri="{FF2B5EF4-FFF2-40B4-BE49-F238E27FC236}">
+                      <a16:creationId xmlns:a16="http://schemas.microsoft.com/office/drawing/2014/main" id="{07853371-FEBD-4B61-B7C0-9228640AF2E1}"/>
+                    </a:ext>
+                  </a:extLst>
+                </p:cNvPr>
+                <p:cNvSpPr/>
+                <p:nvPr/>
+              </p:nvSpPr>
+              <p:spPr>
+                <a:xfrm>
+                  <a:off x="7744962" y="3381915"/>
+                  <a:ext cx="691200" cy="451005"/>
+                </a:xfrm>
+                <a:prstGeom prst="rect">
+                  <a:avLst/>
+                </a:prstGeom>
+                <a:solidFill>
+                  <a:schemeClr val="bg2">
+                    <a:lumMod val="90000"/>
+                  </a:schemeClr>
+                </a:solidFill>
+                <a:ln>
+                  <a:solidFill>
+                    <a:schemeClr val="bg2">
+                      <a:lumMod val="90000"/>
+                    </a:schemeClr>
+                  </a:solidFill>
+                </a:ln>
+              </p:spPr>
+              <p:style>
+                <a:lnRef idx="2">
+                  <a:schemeClr val="accent1">
+                    <a:shade val="50000"/>
+                  </a:schemeClr>
+                </a:lnRef>
+                <a:fillRef idx="1">
+                  <a:schemeClr val="accent1"/>
+                </a:fillRef>
+                <a:effectRef idx="0">
+                  <a:schemeClr val="accent1"/>
+                </a:effectRef>
+                <a:fontRef idx="minor">
+                  <a:schemeClr val="lt1"/>
+                </a:fontRef>
+              </p:style>
+              <p:txBody>
+                <a:bodyPr rtlCol="0" anchor="ctr"/>
+                <a:lstStyle/>
+                <a:p>
+                  <a:pPr algn="ctr"/>
+                  <a:endParaRPr lang="en-US" i="1">
+                    <a:solidFill>
+                      <a:schemeClr val="bg1"/>
+                    </a:solidFill>
+                  </a:endParaRPr>
+                </a:p>
+              </p:txBody>
+            </p:sp>
+            <p:sp>
+              <p:nvSpPr>
+                <p:cNvPr id="71" name="Rectangle 70">
+                  <a:extLst>
+                    <a:ext uri="{FF2B5EF4-FFF2-40B4-BE49-F238E27FC236}">
+                      <a16:creationId xmlns:a16="http://schemas.microsoft.com/office/drawing/2014/main" id="{14E83B87-C052-4010-89AC-01BE86576934}"/>
+                    </a:ext>
+                  </a:extLst>
+                </p:cNvPr>
+                <p:cNvSpPr/>
+                <p:nvPr/>
+              </p:nvSpPr>
+              <p:spPr>
+                <a:xfrm>
+                  <a:off x="8436162" y="3832920"/>
+                  <a:ext cx="691200" cy="443715"/>
+                </a:xfrm>
+                <a:prstGeom prst="rect">
+                  <a:avLst/>
+                </a:prstGeom>
+                <a:solidFill>
+                  <a:schemeClr val="bg2">
+                    <a:lumMod val="90000"/>
+                  </a:schemeClr>
+                </a:solidFill>
+                <a:ln>
+                  <a:solidFill>
+                    <a:schemeClr val="bg2">
+                      <a:lumMod val="90000"/>
+                    </a:schemeClr>
+                  </a:solidFill>
+                </a:ln>
+              </p:spPr>
+              <p:style>
+                <a:lnRef idx="2">
+                  <a:schemeClr val="accent1">
+                    <a:shade val="50000"/>
+                  </a:schemeClr>
+                </a:lnRef>
+                <a:fillRef idx="1">
+                  <a:schemeClr val="accent1"/>
+                </a:fillRef>
+                <a:effectRef idx="0">
+                  <a:schemeClr val="accent1"/>
+                </a:effectRef>
+                <a:fontRef idx="minor">
+                  <a:schemeClr val="lt1"/>
+                </a:fontRef>
+              </p:style>
+              <p:txBody>
+                <a:bodyPr rtlCol="0" anchor="ctr"/>
+                <a:lstStyle/>
+                <a:p>
+                  <a:pPr algn="ctr"/>
+                  <a:endParaRPr lang="en-US" i="1">
+                    <a:solidFill>
+                      <a:schemeClr val="bg1"/>
+                    </a:solidFill>
+                  </a:endParaRPr>
+                </a:p>
+              </p:txBody>
+            </p:sp>
+            <p:sp>
+              <p:nvSpPr>
+                <p:cNvPr id="72" name="Rectangle 71">
+                  <a:extLst>
+                    <a:ext uri="{FF2B5EF4-FFF2-40B4-BE49-F238E27FC236}">
+                      <a16:creationId xmlns:a16="http://schemas.microsoft.com/office/drawing/2014/main" id="{C8496CFE-1FDB-480D-A419-DCE0E38AD52E}"/>
+                    </a:ext>
+                  </a:extLst>
+                </p:cNvPr>
+                <p:cNvSpPr/>
+                <p:nvPr/>
+              </p:nvSpPr>
+              <p:spPr>
+                <a:xfrm>
+                  <a:off x="9127362" y="4281969"/>
+                  <a:ext cx="691200" cy="431144"/>
+                </a:xfrm>
+                <a:prstGeom prst="rect">
+                  <a:avLst/>
+                </a:prstGeom>
+                <a:solidFill>
+                  <a:schemeClr val="bg2">
+                    <a:lumMod val="90000"/>
+                  </a:schemeClr>
+                </a:solidFill>
+                <a:ln>
+                  <a:solidFill>
+                    <a:schemeClr val="bg2">
+                      <a:lumMod val="90000"/>
+                    </a:schemeClr>
+                  </a:solidFill>
+                </a:ln>
+              </p:spPr>
+              <p:style>
+                <a:lnRef idx="2">
+                  <a:schemeClr val="accent1">
+                    <a:shade val="50000"/>
+                  </a:schemeClr>
+                </a:lnRef>
+                <a:fillRef idx="1">
+                  <a:schemeClr val="accent1"/>
+                </a:fillRef>
+                <a:effectRef idx="0">
+                  <a:schemeClr val="accent1"/>
+                </a:effectRef>
+                <a:fontRef idx="minor">
+                  <a:schemeClr val="lt1"/>
+                </a:fontRef>
+              </p:style>
+              <p:txBody>
+                <a:bodyPr rtlCol="0" anchor="ctr"/>
+                <a:lstStyle/>
+                <a:p>
+                  <a:pPr algn="ctr"/>
+                  <a:endParaRPr lang="en-US" i="1">
+                    <a:solidFill>
+                      <a:schemeClr val="bg1"/>
+                    </a:solidFill>
+                  </a:endParaRPr>
+                </a:p>
+              </p:txBody>
+            </p:sp>
+          </p:grpSp>
+          <p:cxnSp>
+            <p:nvCxnSpPr>
+              <p:cNvPr id="57" name="Straight Connector 56">
+                <a:extLst>
+                  <a:ext uri="{FF2B5EF4-FFF2-40B4-BE49-F238E27FC236}">
+                    <a16:creationId xmlns:a16="http://schemas.microsoft.com/office/drawing/2014/main" id="{5A65103C-3CF6-4FDF-99F2-37CF77FE41C7}"/>
+                  </a:ext>
+                </a:extLst>
+              </p:cNvPr>
+              <p:cNvCxnSpPr>
+                <a:cxnSpLocks/>
+              </p:cNvCxnSpPr>
+              <p:nvPr/>
+            </p:nvCxnSpPr>
+            <p:spPr>
+              <a:xfrm>
+                <a:off x="7888029" y="3387841"/>
+                <a:ext cx="0" cy="1125570"/>
+              </a:xfrm>
+              <a:prstGeom prst="line">
+                <a:avLst/>
+              </a:prstGeom>
+              <a:solidFill>
+                <a:schemeClr val="bg2">
+                  <a:lumMod val="90000"/>
+                </a:schemeClr>
+              </a:solidFill>
+              <a:ln>
+                <a:solidFill>
+                  <a:schemeClr val="bg2">
+                    <a:lumMod val="75000"/>
+                  </a:schemeClr>
+                </a:solidFill>
+              </a:ln>
+            </p:spPr>
+            <p:style>
+              <a:lnRef idx="1">
+                <a:schemeClr val="accent1"/>
+              </a:lnRef>
+              <a:fillRef idx="0">
+                <a:schemeClr val="accent1"/>
+              </a:fillRef>
+              <a:effectRef idx="0">
+                <a:schemeClr val="accent1"/>
+              </a:effectRef>
+              <a:fontRef idx="minor">
+                <a:schemeClr val="tx1"/>
+              </a:fontRef>
+            </p:style>
+          </p:cxnSp>
+          <p:cxnSp>
+            <p:nvCxnSpPr>
+              <p:cNvPr id="58" name="Straight Connector 57">
+                <a:extLst>
+                  <a:ext uri="{FF2B5EF4-FFF2-40B4-BE49-F238E27FC236}">
+                    <a16:creationId xmlns:a16="http://schemas.microsoft.com/office/drawing/2014/main" id="{1B626533-0E5A-4731-A850-B31602CABC37}"/>
+                  </a:ext>
+                </a:extLst>
+              </p:cNvPr>
+              <p:cNvCxnSpPr>
+                <a:cxnSpLocks/>
+              </p:cNvCxnSpPr>
+              <p:nvPr/>
+            </p:nvCxnSpPr>
+            <p:spPr>
+              <a:xfrm>
+                <a:off x="8031096" y="3390844"/>
+                <a:ext cx="0" cy="1125570"/>
+              </a:xfrm>
+              <a:prstGeom prst="line">
+                <a:avLst/>
+              </a:prstGeom>
+              <a:solidFill>
+                <a:schemeClr val="bg2">
+                  <a:lumMod val="90000"/>
+                </a:schemeClr>
+              </a:solidFill>
+              <a:ln>
+                <a:solidFill>
+                  <a:schemeClr val="bg2">
+                    <a:lumMod val="75000"/>
+                  </a:schemeClr>
+                </a:solidFill>
+              </a:ln>
+            </p:spPr>
+            <p:style>
+              <a:lnRef idx="1">
+                <a:schemeClr val="accent1"/>
+              </a:lnRef>
+              <a:fillRef idx="0">
+                <a:schemeClr val="accent1"/>
+              </a:fillRef>
+              <a:effectRef idx="0">
+                <a:schemeClr val="accent1"/>
+              </a:effectRef>
+              <a:fontRef idx="minor">
+                <a:schemeClr val="tx1"/>
+              </a:fontRef>
+            </p:style>
+          </p:cxnSp>
+          <p:cxnSp>
+            <p:nvCxnSpPr>
+              <p:cNvPr id="59" name="Straight Connector 58">
+                <a:extLst>
+                  <a:ext uri="{FF2B5EF4-FFF2-40B4-BE49-F238E27FC236}">
+                    <a16:creationId xmlns:a16="http://schemas.microsoft.com/office/drawing/2014/main" id="{0491E374-94F2-4ED2-A4AA-693980062BF3}"/>
+                  </a:ext>
+                </a:extLst>
+              </p:cNvPr>
+              <p:cNvCxnSpPr>
+                <a:cxnSpLocks/>
+              </p:cNvCxnSpPr>
+              <p:nvPr/>
+            </p:nvCxnSpPr>
+            <p:spPr>
+              <a:xfrm>
+                <a:off x="8317230" y="3387841"/>
+                <a:ext cx="0" cy="1125570"/>
+              </a:xfrm>
+              <a:prstGeom prst="line">
+                <a:avLst/>
+              </a:prstGeom>
+              <a:solidFill>
+                <a:schemeClr val="bg2">
+                  <a:lumMod val="90000"/>
+                </a:schemeClr>
+              </a:solidFill>
+              <a:ln>
+                <a:solidFill>
+                  <a:schemeClr val="bg2">
+                    <a:lumMod val="75000"/>
+                  </a:schemeClr>
+                </a:solidFill>
+              </a:ln>
+            </p:spPr>
+            <p:style>
+              <a:lnRef idx="1">
+                <a:schemeClr val="accent1"/>
+              </a:lnRef>
+              <a:fillRef idx="0">
+                <a:schemeClr val="accent1"/>
+              </a:fillRef>
+              <a:effectRef idx="0">
+                <a:schemeClr val="accent1"/>
+              </a:effectRef>
+              <a:fontRef idx="minor">
+                <a:schemeClr val="tx1"/>
+              </a:fontRef>
+            </p:style>
+          </p:cxnSp>
+          <p:cxnSp>
+            <p:nvCxnSpPr>
+              <p:cNvPr id="60" name="Straight Connector 59">
+                <a:extLst>
+                  <a:ext uri="{FF2B5EF4-FFF2-40B4-BE49-F238E27FC236}">
+                    <a16:creationId xmlns:a16="http://schemas.microsoft.com/office/drawing/2014/main" id="{2CC95798-828F-40A4-BA03-31828D0669AD}"/>
+                  </a:ext>
+                </a:extLst>
+              </p:cNvPr>
+              <p:cNvCxnSpPr>
+                <a:cxnSpLocks/>
+              </p:cNvCxnSpPr>
+              <p:nvPr/>
+            </p:nvCxnSpPr>
+            <p:spPr>
+              <a:xfrm>
+                <a:off x="8461384" y="3387841"/>
+                <a:ext cx="0" cy="1125570"/>
+              </a:xfrm>
+              <a:prstGeom prst="line">
+                <a:avLst/>
+              </a:prstGeom>
+              <a:solidFill>
+                <a:schemeClr val="bg2">
+                  <a:lumMod val="90000"/>
+                </a:schemeClr>
+              </a:solidFill>
+              <a:ln>
+                <a:solidFill>
+                  <a:schemeClr val="bg2">
+                    <a:lumMod val="75000"/>
+                  </a:schemeClr>
+                </a:solidFill>
+              </a:ln>
+            </p:spPr>
+            <p:style>
+              <a:lnRef idx="1">
+                <a:schemeClr val="accent1"/>
+              </a:lnRef>
+              <a:fillRef idx="0">
+                <a:schemeClr val="accent1"/>
+              </a:fillRef>
+              <a:effectRef idx="0">
+                <a:schemeClr val="accent1"/>
+              </a:effectRef>
+              <a:fontRef idx="minor">
+                <a:schemeClr val="tx1"/>
+              </a:fontRef>
+            </p:style>
+          </p:cxnSp>
+          <p:cxnSp>
+            <p:nvCxnSpPr>
+              <p:cNvPr id="61" name="Straight Connector 60">
+                <a:extLst>
+                  <a:ext uri="{FF2B5EF4-FFF2-40B4-BE49-F238E27FC236}">
+                    <a16:creationId xmlns:a16="http://schemas.microsoft.com/office/drawing/2014/main" id="{05B369E0-C667-4F9E-8281-3B1966CFB237}"/>
+                  </a:ext>
+                </a:extLst>
+              </p:cNvPr>
+              <p:cNvCxnSpPr>
+                <a:cxnSpLocks/>
+              </p:cNvCxnSpPr>
+              <p:nvPr/>
+            </p:nvCxnSpPr>
+            <p:spPr>
+              <a:xfrm>
+                <a:off x="8605538" y="3384838"/>
+                <a:ext cx="0" cy="1125570"/>
+              </a:xfrm>
+              <a:prstGeom prst="line">
+                <a:avLst/>
+              </a:prstGeom>
+              <a:solidFill>
+                <a:schemeClr val="bg2">
+                  <a:lumMod val="90000"/>
+                </a:schemeClr>
+              </a:solidFill>
+              <a:ln>
+                <a:solidFill>
+                  <a:schemeClr val="bg2">
+                    <a:lumMod val="75000"/>
+                  </a:schemeClr>
+                </a:solidFill>
+              </a:ln>
+            </p:spPr>
+            <p:style>
+              <a:lnRef idx="1">
+                <a:schemeClr val="accent1"/>
+              </a:lnRef>
+              <a:fillRef idx="0">
+                <a:schemeClr val="accent1"/>
+              </a:fillRef>
+              <a:effectRef idx="0">
+                <a:schemeClr val="accent1"/>
+              </a:effectRef>
+              <a:fontRef idx="minor">
+                <a:schemeClr val="tx1"/>
+              </a:fontRef>
+            </p:style>
+          </p:cxnSp>
+          <p:cxnSp>
+            <p:nvCxnSpPr>
+              <p:cNvPr id="62" name="Straight Connector 61">
+                <a:extLst>
+                  <a:ext uri="{FF2B5EF4-FFF2-40B4-BE49-F238E27FC236}">
+                    <a16:creationId xmlns:a16="http://schemas.microsoft.com/office/drawing/2014/main" id="{E93C7360-AB43-4304-9650-8C03F69A9BAF}"/>
+                  </a:ext>
+                </a:extLst>
+              </p:cNvPr>
+              <p:cNvCxnSpPr>
+                <a:cxnSpLocks/>
+              </p:cNvCxnSpPr>
+              <p:nvPr/>
+            </p:nvCxnSpPr>
+            <p:spPr>
+              <a:xfrm>
+                <a:off x="8749692" y="3384838"/>
+                <a:ext cx="0" cy="1125570"/>
+              </a:xfrm>
+              <a:prstGeom prst="line">
+                <a:avLst/>
+              </a:prstGeom>
+              <a:solidFill>
+                <a:schemeClr val="bg2">
+                  <a:lumMod val="90000"/>
+                </a:schemeClr>
+              </a:solidFill>
+              <a:ln>
+                <a:solidFill>
+                  <a:schemeClr val="bg2">
+                    <a:lumMod val="75000"/>
+                  </a:schemeClr>
+                </a:solidFill>
+              </a:ln>
+            </p:spPr>
+            <p:style>
+              <a:lnRef idx="1">
+                <a:schemeClr val="accent1"/>
+              </a:lnRef>
+              <a:fillRef idx="0">
+                <a:schemeClr val="accent1"/>
+              </a:fillRef>
+              <a:effectRef idx="0">
+                <a:schemeClr val="accent1"/>
+              </a:effectRef>
+              <a:fontRef idx="minor">
+                <a:schemeClr val="tx1"/>
+              </a:fontRef>
+            </p:style>
+          </p:cxnSp>
+          <p:cxnSp>
+            <p:nvCxnSpPr>
+              <p:cNvPr id="63" name="Straight Connector 62">
+                <a:extLst>
+                  <a:ext uri="{FF2B5EF4-FFF2-40B4-BE49-F238E27FC236}">
+                    <a16:creationId xmlns:a16="http://schemas.microsoft.com/office/drawing/2014/main" id="{BC3B6E98-574B-43B1-93F2-3231E87D4AB7}"/>
+                  </a:ext>
+                </a:extLst>
+              </p:cNvPr>
+              <p:cNvCxnSpPr>
+                <a:cxnSpLocks/>
+              </p:cNvCxnSpPr>
+              <p:nvPr/>
+            </p:nvCxnSpPr>
+            <p:spPr>
+              <a:xfrm>
+                <a:off x="8893845" y="3387841"/>
+                <a:ext cx="0" cy="1125570"/>
+              </a:xfrm>
+              <a:prstGeom prst="line">
+                <a:avLst/>
+              </a:prstGeom>
+              <a:solidFill>
+                <a:schemeClr val="bg2">
+                  <a:lumMod val="90000"/>
+                </a:schemeClr>
+              </a:solidFill>
+              <a:ln>
+                <a:solidFill>
+                  <a:schemeClr val="bg2">
+                    <a:lumMod val="75000"/>
+                  </a:schemeClr>
+                </a:solidFill>
+              </a:ln>
+            </p:spPr>
+            <p:style>
+              <a:lnRef idx="1">
+                <a:schemeClr val="accent1"/>
+              </a:lnRef>
+              <a:fillRef idx="0">
+                <a:schemeClr val="accent1"/>
+              </a:fillRef>
+              <a:effectRef idx="0">
+                <a:schemeClr val="accent1"/>
+              </a:effectRef>
+              <a:fontRef idx="minor">
+                <a:schemeClr val="tx1"/>
+              </a:fontRef>
+            </p:style>
+          </p:cxnSp>
+          <p:cxnSp>
+            <p:nvCxnSpPr>
+              <p:cNvPr id="64" name="Straight Connector 63">
+                <a:extLst>
+                  <a:ext uri="{FF2B5EF4-FFF2-40B4-BE49-F238E27FC236}">
+                    <a16:creationId xmlns:a16="http://schemas.microsoft.com/office/drawing/2014/main" id="{71C27894-2D76-4677-BC58-518F01A30CE1}"/>
+                  </a:ext>
+                </a:extLst>
+              </p:cNvPr>
+              <p:cNvCxnSpPr>
+                <a:cxnSpLocks/>
+              </p:cNvCxnSpPr>
+              <p:nvPr/>
+            </p:nvCxnSpPr>
+            <p:spPr>
+              <a:xfrm>
+                <a:off x="9041511" y="3384838"/>
+                <a:ext cx="0" cy="1125570"/>
+              </a:xfrm>
+              <a:prstGeom prst="line">
+                <a:avLst/>
+              </a:prstGeom>
+              <a:solidFill>
+                <a:schemeClr val="bg2">
+                  <a:lumMod val="90000"/>
+                </a:schemeClr>
+              </a:solidFill>
+              <a:ln>
+                <a:solidFill>
+                  <a:schemeClr val="bg2">
+                    <a:lumMod val="75000"/>
+                  </a:schemeClr>
+                </a:solidFill>
+              </a:ln>
+            </p:spPr>
+            <p:style>
+              <a:lnRef idx="1">
+                <a:schemeClr val="accent1"/>
+              </a:lnRef>
+              <a:fillRef idx="0">
+                <a:schemeClr val="accent1"/>
+              </a:fillRef>
+              <a:effectRef idx="0">
+                <a:schemeClr val="accent1"/>
+              </a:effectRef>
+              <a:fontRef idx="minor">
+                <a:schemeClr val="tx1"/>
+              </a:fontRef>
+            </p:style>
+          </p:cxnSp>
+          <p:cxnSp>
+            <p:nvCxnSpPr>
+              <p:cNvPr id="65" name="Straight Connector 64">
+                <a:extLst>
+                  <a:ext uri="{FF2B5EF4-FFF2-40B4-BE49-F238E27FC236}">
+                    <a16:creationId xmlns:a16="http://schemas.microsoft.com/office/drawing/2014/main" id="{9FF251B5-86A9-4F9E-A8AD-34A023D1E3E0}"/>
+                  </a:ext>
+                </a:extLst>
+              </p:cNvPr>
+              <p:cNvCxnSpPr>
+                <a:cxnSpLocks/>
+              </p:cNvCxnSpPr>
+              <p:nvPr/>
+            </p:nvCxnSpPr>
+            <p:spPr>
+              <a:xfrm>
+                <a:off x="9181066" y="3398379"/>
+                <a:ext cx="0" cy="1105764"/>
+              </a:xfrm>
+              <a:prstGeom prst="line">
+                <a:avLst/>
+              </a:prstGeom>
+              <a:solidFill>
+                <a:schemeClr val="bg2">
+                  <a:lumMod val="90000"/>
+                </a:schemeClr>
+              </a:solidFill>
+              <a:ln>
+                <a:solidFill>
+                  <a:schemeClr val="bg2">
+                    <a:lumMod val="75000"/>
+                  </a:schemeClr>
+                </a:solidFill>
+              </a:ln>
+            </p:spPr>
+            <p:style>
+              <a:lnRef idx="1">
+                <a:schemeClr val="accent1"/>
+              </a:lnRef>
+              <a:fillRef idx="0">
+                <a:schemeClr val="accent1"/>
+              </a:fillRef>
+              <a:effectRef idx="0">
+                <a:schemeClr val="accent1"/>
+              </a:effectRef>
+              <a:fontRef idx="minor">
+                <a:schemeClr val="tx1"/>
+              </a:fontRef>
+            </p:style>
+          </p:cxnSp>
+          <p:cxnSp>
+            <p:nvCxnSpPr>
+              <p:cNvPr id="66" name="Straight Connector 65">
+                <a:extLst>
+                  <a:ext uri="{FF2B5EF4-FFF2-40B4-BE49-F238E27FC236}">
+                    <a16:creationId xmlns:a16="http://schemas.microsoft.com/office/drawing/2014/main" id="{765C04F0-8357-42D0-BC94-24CBB32132B0}"/>
+                  </a:ext>
+                </a:extLst>
+              </p:cNvPr>
+              <p:cNvCxnSpPr>
+                <a:cxnSpLocks/>
+              </p:cNvCxnSpPr>
+              <p:nvPr/>
+            </p:nvCxnSpPr>
+            <p:spPr>
+              <a:xfrm>
+                <a:off x="8174163" y="3387841"/>
+                <a:ext cx="0" cy="1125570"/>
+              </a:xfrm>
+              <a:prstGeom prst="line">
+                <a:avLst/>
+              </a:prstGeom>
+              <a:solidFill>
+                <a:schemeClr val="bg2">
+                  <a:lumMod val="90000"/>
+                </a:schemeClr>
+              </a:solidFill>
+              <a:ln>
+                <a:solidFill>
+                  <a:schemeClr val="bg2">
+                    <a:lumMod val="75000"/>
+                  </a:schemeClr>
+                </a:solidFill>
+              </a:ln>
+            </p:spPr>
+            <p:style>
+              <a:lnRef idx="1">
+                <a:schemeClr val="accent1"/>
+              </a:lnRef>
+              <a:fillRef idx="0">
+                <a:schemeClr val="accent1"/>
+              </a:fillRef>
+              <a:effectRef idx="0">
+                <a:schemeClr val="accent1"/>
+              </a:effectRef>
+              <a:fontRef idx="minor">
+                <a:schemeClr val="tx1"/>
+              </a:fontRef>
+            </p:style>
+          </p:cxnSp>
+          <p:cxnSp>
+            <p:nvCxnSpPr>
+              <p:cNvPr id="67" name="Straight Connector 66">
+                <a:extLst>
+                  <a:ext uri="{FF2B5EF4-FFF2-40B4-BE49-F238E27FC236}">
+                    <a16:creationId xmlns:a16="http://schemas.microsoft.com/office/drawing/2014/main" id="{A22AB375-90FB-463E-9D3A-EBCD9E9AFE64}"/>
+                  </a:ext>
+                </a:extLst>
+              </p:cNvPr>
+              <p:cNvCxnSpPr>
+                <a:cxnSpLocks/>
+              </p:cNvCxnSpPr>
+              <p:nvPr/>
+            </p:nvCxnSpPr>
+            <p:spPr>
+              <a:xfrm>
+                <a:off x="9179979" y="3384838"/>
+                <a:ext cx="0" cy="1125570"/>
+              </a:xfrm>
+              <a:prstGeom prst="line">
+                <a:avLst/>
+              </a:prstGeom>
+              <a:solidFill>
+                <a:schemeClr val="bg2">
+                  <a:lumMod val="90000"/>
+                </a:schemeClr>
+              </a:solidFill>
+              <a:ln>
+                <a:solidFill>
+                  <a:schemeClr val="bg2">
+                    <a:lumMod val="75000"/>
+                  </a:schemeClr>
+                </a:solidFill>
+              </a:ln>
+            </p:spPr>
+            <p:style>
+              <a:lnRef idx="1">
+                <a:schemeClr val="accent1"/>
+              </a:lnRef>
+              <a:fillRef idx="0">
+                <a:schemeClr val="accent1"/>
+              </a:fillRef>
+              <a:effectRef idx="0">
+                <a:schemeClr val="accent1"/>
+              </a:effectRef>
+              <a:fontRef idx="minor">
+                <a:schemeClr val="tx1"/>
+              </a:fontRef>
+            </p:style>
+          </p:cxnSp>
+          <p:cxnSp>
+            <p:nvCxnSpPr>
+              <p:cNvPr id="68" name="Straight Connector 67">
+                <a:extLst>
+                  <a:ext uri="{FF2B5EF4-FFF2-40B4-BE49-F238E27FC236}">
+                    <a16:creationId xmlns:a16="http://schemas.microsoft.com/office/drawing/2014/main" id="{185EA7CC-14CB-404A-B775-4EA0E25F6648}"/>
+                  </a:ext>
+                </a:extLst>
+              </p:cNvPr>
+              <p:cNvCxnSpPr>
+                <a:cxnSpLocks/>
+              </p:cNvCxnSpPr>
+              <p:nvPr/>
+            </p:nvCxnSpPr>
+            <p:spPr>
+              <a:xfrm>
+                <a:off x="9324134" y="3384838"/>
+                <a:ext cx="0" cy="1125570"/>
+              </a:xfrm>
+              <a:prstGeom prst="line">
+                <a:avLst/>
+              </a:prstGeom>
+              <a:solidFill>
+                <a:schemeClr val="bg2">
+                  <a:lumMod val="90000"/>
+                </a:schemeClr>
+              </a:solidFill>
+              <a:ln>
+                <a:solidFill>
+                  <a:schemeClr val="bg2">
+                    <a:lumMod val="75000"/>
+                  </a:schemeClr>
+                </a:solidFill>
+              </a:ln>
+            </p:spPr>
+            <p:style>
+              <a:lnRef idx="1">
+                <a:schemeClr val="accent1"/>
+              </a:lnRef>
+              <a:fillRef idx="0">
+                <a:schemeClr val="accent1"/>
+              </a:fillRef>
+              <a:effectRef idx="0">
+                <a:schemeClr val="accent1"/>
+              </a:effectRef>
+              <a:fontRef idx="minor">
+                <a:schemeClr val="tx1"/>
+              </a:fontRef>
+            </p:style>
+          </p:cxnSp>
+        </p:grpSp>
+        <p:cxnSp>
+          <p:nvCxnSpPr>
+            <p:cNvPr id="55" name="Straight Connector 54">
+              <a:extLst>
+                <a:ext uri="{FF2B5EF4-FFF2-40B4-BE49-F238E27FC236}">
+                  <a16:creationId xmlns:a16="http://schemas.microsoft.com/office/drawing/2014/main" id="{6B1B9499-AADB-48FE-A17E-F5C1E6DBBE5D}"/>
+                </a:ext>
+              </a:extLst>
+            </p:cNvPr>
+            <p:cNvCxnSpPr>
+              <a:cxnSpLocks/>
+            </p:cNvCxnSpPr>
+            <p:nvPr/>
+          </p:nvCxnSpPr>
+          <p:spPr>
+            <a:xfrm>
+              <a:off x="8363121" y="2107773"/>
+              <a:ext cx="0" cy="3427202"/>
+            </a:xfrm>
+            <a:prstGeom prst="line">
+              <a:avLst/>
+            </a:prstGeom>
+            <a:solidFill>
+              <a:schemeClr val="bg2">
+                <a:lumMod val="90000"/>
+              </a:schemeClr>
+            </a:solidFill>
+            <a:ln>
+              <a:solidFill>
+                <a:schemeClr val="bg2">
+                  <a:lumMod val="75000"/>
+                </a:schemeClr>
+              </a:solidFill>
+            </a:ln>
+          </p:spPr>
+          <p:style>
+            <a:lnRef idx="1">
+              <a:schemeClr val="accent1"/>
+            </a:lnRef>
+            <a:fillRef idx="0">
+              <a:schemeClr val="accent1"/>
+            </a:fillRef>
+            <a:effectRef idx="0">
+              <a:schemeClr val="accent1"/>
+            </a:effectRef>
+            <a:fontRef idx="minor">
+              <a:schemeClr val="tx1"/>
+            </a:fontRef>
+          </p:style>
+        </p:cxnSp>
+      </p:grpSp>
+      <p:pic>
+        <p:nvPicPr>
+          <p:cNvPr id="74" name="Graphic 73" descr="Single gear with solid fill">
+            <a:extLst>
+              <a:ext uri="{FF2B5EF4-FFF2-40B4-BE49-F238E27FC236}">
+                <a16:creationId xmlns:a16="http://schemas.microsoft.com/office/drawing/2014/main" id="{AF6A644D-C1A9-4446-A8A8-B2514ED3DF35}"/>
+              </a:ext>
+            </a:extLst>
+          </p:cNvPr>
+          <p:cNvPicPr>
+            <a:picLocks noChangeAspect="1"/>
+          </p:cNvPicPr>
+          <p:nvPr/>
+        </p:nvPicPr>
+        <p:blipFill>
+          <a:blip r:embed="rId3">
+            <a:extLst>
+              <a:ext uri="{28A0092B-C50C-407E-A947-70E740481C1C}">
+                <a14:useLocalDpi xmlns:a14="http://schemas.microsoft.com/office/drawing/2010/main" val="0"/>
+              </a:ext>
+              <a:ext uri="{96DAC541-7B7A-43D3-8B79-37D633B846F1}">
+                <asvg:svgBlip xmlns:asvg="http://schemas.microsoft.com/office/drawing/2016/SVG/main" r:embed="rId4"/>
+              </a:ext>
+            </a:extLst>
+          </a:blip>
+          <a:stretch>
+            <a:fillRect/>
+          </a:stretch>
+        </p:blipFill>
+        <p:spPr>
+          <a:xfrm>
+            <a:off x="3004881" y="2326261"/>
+            <a:ext cx="914400" cy="914400"/>
+          </a:xfrm>
+          <a:prstGeom prst="rect">
+            <a:avLst/>
+          </a:prstGeom>
+        </p:spPr>
+      </p:pic>
+      <p:pic>
+        <p:nvPicPr>
+          <p:cNvPr id="75" name="Graphic 74" descr="Single gear with solid fill">
+            <a:extLst>
+              <a:ext uri="{FF2B5EF4-FFF2-40B4-BE49-F238E27FC236}">
+                <a16:creationId xmlns:a16="http://schemas.microsoft.com/office/drawing/2014/main" id="{0F17B916-1B64-4851-9BB8-A08A38E00D06}"/>
+              </a:ext>
+            </a:extLst>
+          </p:cNvPr>
+          <p:cNvPicPr>
+            <a:picLocks noChangeAspect="1"/>
+          </p:cNvPicPr>
+          <p:nvPr/>
+        </p:nvPicPr>
+        <p:blipFill>
+          <a:blip r:embed="rId5">
+            <a:extLst>
+              <a:ext uri="{28A0092B-C50C-407E-A947-70E740481C1C}">
+                <a14:useLocalDpi xmlns:a14="http://schemas.microsoft.com/office/drawing/2010/main" val="0"/>
+              </a:ext>
+              <a:ext uri="{96DAC541-7B7A-43D3-8B79-37D633B846F1}">
+                <asvg:svgBlip xmlns:asvg="http://schemas.microsoft.com/office/drawing/2016/SVG/main" r:embed="rId6"/>
+              </a:ext>
+            </a:extLst>
+          </a:blip>
+          <a:stretch>
+            <a:fillRect/>
+          </a:stretch>
+        </p:blipFill>
+        <p:spPr>
+          <a:xfrm>
+            <a:off x="2991061" y="3922033"/>
+            <a:ext cx="914400" cy="914400"/>
+          </a:xfrm>
+          <a:prstGeom prst="rect">
+            <a:avLst/>
+          </a:prstGeom>
+        </p:spPr>
+      </p:pic>
+      <p:sp>
+        <p:nvSpPr>
+          <p:cNvPr id="76" name="Arrow: Left 75">
+            <a:extLst>
+              <a:ext uri="{FF2B5EF4-FFF2-40B4-BE49-F238E27FC236}">
+                <a16:creationId xmlns:a16="http://schemas.microsoft.com/office/drawing/2014/main" id="{1E271C1E-5670-4BC1-9F3E-9E9145292ED2}"/>
+              </a:ext>
+            </a:extLst>
+          </p:cNvPr>
+          <p:cNvSpPr/>
+          <p:nvPr/>
+        </p:nvSpPr>
+        <p:spPr>
+          <a:xfrm rot="20911762" flipH="1">
+            <a:off x="6520562" y="2447256"/>
+            <a:ext cx="1564190" cy="369332"/>
+          </a:xfrm>
+          <a:prstGeom prst="leftArrow">
+            <a:avLst>
+              <a:gd name="adj1" fmla="val 16038"/>
+              <a:gd name="adj2" fmla="val 66502"/>
+            </a:avLst>
+          </a:prstGeom>
+          <a:solidFill>
+            <a:schemeClr val="bg2">
+              <a:lumMod val="90000"/>
+            </a:schemeClr>
+          </a:solidFill>
+          <a:ln>
+            <a:solidFill>
+              <a:schemeClr val="bg2">
+                <a:lumMod val="90000"/>
+              </a:schemeClr>
+            </a:solidFill>
+          </a:ln>
+        </p:spPr>
+        <p:style>
+          <a:lnRef idx="2">
+            <a:schemeClr val="accent1">
+              <a:shade val="50000"/>
+            </a:schemeClr>
+          </a:lnRef>
+          <a:fillRef idx="1">
+            <a:schemeClr val="accent1"/>
+          </a:fillRef>
+          <a:effectRef idx="0">
+            <a:schemeClr val="accent1"/>
+          </a:effectRef>
+          <a:fontRef idx="minor">
+            <a:schemeClr val="lt1"/>
+          </a:fontRef>
+        </p:style>
+        <p:txBody>
+          <a:bodyPr rtlCol="0" anchor="ctr"/>
+          <a:lstStyle/>
+          <a:p>
+            <a:pPr algn="ctr"/>
+            <a:endParaRPr lang="en-US"/>
+          </a:p>
+        </p:txBody>
+      </p:sp>
+      <p:sp>
+        <p:nvSpPr>
+          <p:cNvPr id="77" name="Rectangle: Rounded Corners 76">
+            <a:extLst>
+              <a:ext uri="{FF2B5EF4-FFF2-40B4-BE49-F238E27FC236}">
+                <a16:creationId xmlns:a16="http://schemas.microsoft.com/office/drawing/2014/main" id="{BC21626D-A65D-4A84-A139-D174A386353F}"/>
+              </a:ext>
+            </a:extLst>
+          </p:cNvPr>
+          <p:cNvSpPr/>
+          <p:nvPr/>
+        </p:nvSpPr>
+        <p:spPr>
+          <a:xfrm>
+            <a:off x="8045050" y="2013090"/>
+            <a:ext cx="2116836" cy="961003"/>
+          </a:xfrm>
+          <a:prstGeom prst="roundRect">
+            <a:avLst/>
+          </a:prstGeom>
+          <a:solidFill>
+            <a:schemeClr val="bg2">
+              <a:lumMod val="90000"/>
+            </a:schemeClr>
+          </a:solidFill>
+          <a:ln>
+            <a:solidFill>
+              <a:schemeClr val="bg2">
+                <a:lumMod val="90000"/>
+              </a:schemeClr>
+            </a:solidFill>
+          </a:ln>
+        </p:spPr>
+        <p:style>
+          <a:lnRef idx="2">
+            <a:schemeClr val="accent1">
+              <a:shade val="50000"/>
+            </a:schemeClr>
+          </a:lnRef>
+          <a:fillRef idx="1">
+            <a:schemeClr val="accent1"/>
+          </a:fillRef>
+          <a:effectRef idx="0">
+            <a:schemeClr val="accent1"/>
+          </a:effectRef>
+          <a:fontRef idx="minor">
+            <a:schemeClr val="lt1"/>
+          </a:fontRef>
+        </p:style>
+        <p:txBody>
+          <a:bodyPr rtlCol="0" anchor="ctr"/>
+          <a:lstStyle/>
+          <a:p>
+            <a:pPr algn="ctr"/>
+            <a:r>
+              <a:rPr lang="de-DE" sz="2400" b="1">
+                <a:solidFill>
+                  <a:schemeClr val="bg1"/>
+                </a:solidFill>
+              </a:rPr>
+              <a:t>Learner</a:t>
+            </a:r>
+            <a:endParaRPr lang="de-DE" b="1">
+              <a:solidFill>
+                <a:schemeClr val="bg1"/>
+              </a:solidFill>
+            </a:endParaRPr>
+          </a:p>
+        </p:txBody>
+      </p:sp>
+      <p:sp>
+        <p:nvSpPr>
+          <p:cNvPr id="79" name="Arrow: Left 78">
+            <a:extLst>
+              <a:ext uri="{FF2B5EF4-FFF2-40B4-BE49-F238E27FC236}">
+                <a16:creationId xmlns:a16="http://schemas.microsoft.com/office/drawing/2014/main" id="{F2D26B5F-E6EA-48C6-B94B-B9A742ED904F}"/>
+              </a:ext>
+            </a:extLst>
+          </p:cNvPr>
+          <p:cNvSpPr/>
+          <p:nvPr/>
+        </p:nvSpPr>
+        <p:spPr>
+          <a:xfrm rot="5400000" flipH="1">
+            <a:off x="8834981" y="3093658"/>
+            <a:ext cx="590175" cy="369332"/>
+          </a:xfrm>
+          <a:prstGeom prst="leftArrow">
+            <a:avLst>
+              <a:gd name="adj1" fmla="val 16038"/>
+              <a:gd name="adj2" fmla="val 66502"/>
+            </a:avLst>
+          </a:prstGeom>
+          <a:solidFill>
+            <a:schemeClr val="bg2">
+              <a:lumMod val="90000"/>
+            </a:schemeClr>
+          </a:solidFill>
+          <a:ln>
+            <a:solidFill>
+              <a:schemeClr val="bg2">
+                <a:lumMod val="90000"/>
+              </a:schemeClr>
+            </a:solidFill>
+          </a:ln>
+        </p:spPr>
+        <p:style>
+          <a:lnRef idx="2">
+            <a:schemeClr val="accent1">
+              <a:shade val="50000"/>
+            </a:schemeClr>
+          </a:lnRef>
+          <a:fillRef idx="1">
+            <a:schemeClr val="accent1"/>
+          </a:fillRef>
+          <a:effectRef idx="0">
+            <a:schemeClr val="accent1"/>
+          </a:effectRef>
+          <a:fontRef idx="minor">
+            <a:schemeClr val="lt1"/>
+          </a:fontRef>
+        </p:style>
+        <p:txBody>
+          <a:bodyPr rtlCol="0" anchor="ctr"/>
+          <a:lstStyle/>
+          <a:p>
+            <a:pPr algn="ctr"/>
+            <a:endParaRPr lang="en-US"/>
+          </a:p>
+        </p:txBody>
+      </p:sp>
+      <p:sp>
+        <p:nvSpPr>
+          <p:cNvPr id="80" name="Rectangle: Rounded Corners 79">
+            <a:extLst>
+              <a:ext uri="{FF2B5EF4-FFF2-40B4-BE49-F238E27FC236}">
+                <a16:creationId xmlns:a16="http://schemas.microsoft.com/office/drawing/2014/main" id="{3AFB51C3-7F01-494F-8627-369ED00A575F}"/>
+              </a:ext>
+            </a:extLst>
+          </p:cNvPr>
+          <p:cNvSpPr/>
+          <p:nvPr/>
+        </p:nvSpPr>
+        <p:spPr>
+          <a:xfrm>
+            <a:off x="8097142" y="3562341"/>
+            <a:ext cx="2116836" cy="961003"/>
+          </a:xfrm>
+          <a:prstGeom prst="roundRect">
+            <a:avLst/>
+          </a:prstGeom>
+          <a:solidFill>
+            <a:schemeClr val="accent3"/>
+          </a:solidFill>
+          <a:ln>
+            <a:solidFill>
+              <a:schemeClr val="accent3"/>
+            </a:solidFill>
+          </a:ln>
+        </p:spPr>
+        <p:style>
+          <a:lnRef idx="2">
+            <a:schemeClr val="accent1">
+              <a:shade val="50000"/>
+            </a:schemeClr>
+          </a:lnRef>
+          <a:fillRef idx="1">
+            <a:schemeClr val="accent1"/>
+          </a:fillRef>
+          <a:effectRef idx="0">
+            <a:schemeClr val="accent1"/>
+          </a:effectRef>
+          <a:fontRef idx="minor">
+            <a:schemeClr val="lt1"/>
+          </a:fontRef>
+        </p:style>
+        <p:txBody>
+          <a:bodyPr rtlCol="0" anchor="ctr"/>
+          <a:lstStyle/>
+          <a:p>
+            <a:pPr algn="ctr"/>
+            <a:r>
+              <a:rPr lang="de-DE" sz="2400" b="1">
+                <a:solidFill>
+                  <a:schemeClr val="bg1"/>
+                </a:solidFill>
+              </a:rPr>
+              <a:t>Classifier</a:t>
+            </a:r>
+            <a:endParaRPr lang="de-DE" b="1">
+              <a:solidFill>
+                <a:schemeClr val="bg1"/>
+              </a:solidFill>
+            </a:endParaRPr>
+          </a:p>
+        </p:txBody>
+      </p:sp>
+      <p:sp>
+        <p:nvSpPr>
+          <p:cNvPr id="81" name="Arrow: Left 80">
+            <a:extLst>
+              <a:ext uri="{FF2B5EF4-FFF2-40B4-BE49-F238E27FC236}">
+                <a16:creationId xmlns:a16="http://schemas.microsoft.com/office/drawing/2014/main" id="{758EA8EE-4F3E-466F-AAA8-D087D54C01EB}"/>
+              </a:ext>
+            </a:extLst>
+          </p:cNvPr>
+          <p:cNvSpPr/>
+          <p:nvPr/>
+        </p:nvSpPr>
+        <p:spPr>
+          <a:xfrm rot="5400000" flipH="1">
+            <a:off x="8860472" y="4636947"/>
+            <a:ext cx="590175" cy="369332"/>
+          </a:xfrm>
+          <a:prstGeom prst="leftArrow">
+            <a:avLst>
+              <a:gd name="adj1" fmla="val 16038"/>
+              <a:gd name="adj2" fmla="val 66502"/>
+            </a:avLst>
+          </a:prstGeom>
+          <a:solidFill>
+            <a:srgbClr val="66CCFF"/>
+          </a:solidFill>
+          <a:ln>
+            <a:solidFill>
+              <a:srgbClr val="66CCFF"/>
+            </a:solidFill>
+          </a:ln>
+        </p:spPr>
+        <p:style>
+          <a:lnRef idx="2">
+            <a:schemeClr val="accent1">
+              <a:shade val="50000"/>
+            </a:schemeClr>
+          </a:lnRef>
+          <a:fillRef idx="1">
+            <a:schemeClr val="accent1"/>
+          </a:fillRef>
+          <a:effectRef idx="0">
+            <a:schemeClr val="accent1"/>
+          </a:effectRef>
+          <a:fontRef idx="minor">
+            <a:schemeClr val="lt1"/>
+          </a:fontRef>
+        </p:style>
+        <p:txBody>
+          <a:bodyPr rtlCol="0" anchor="ctr"/>
+          <a:lstStyle/>
+          <a:p>
+            <a:pPr algn="ctr"/>
+            <a:endParaRPr lang="en-US"/>
+          </a:p>
+        </p:txBody>
+      </p:sp>
+      <p:sp>
+        <p:nvSpPr>
+          <p:cNvPr id="82" name="Arrow: Left 81">
+            <a:extLst>
+              <a:ext uri="{FF2B5EF4-FFF2-40B4-BE49-F238E27FC236}">
+                <a16:creationId xmlns:a16="http://schemas.microsoft.com/office/drawing/2014/main" id="{2E813967-E9C6-4254-B7C8-C32351CF937E}"/>
+              </a:ext>
+            </a:extLst>
+          </p:cNvPr>
+          <p:cNvSpPr/>
+          <p:nvPr/>
+        </p:nvSpPr>
+        <p:spPr>
+          <a:xfrm rot="20911762" flipH="1">
+            <a:off x="6535882" y="4035751"/>
+            <a:ext cx="1564190" cy="369332"/>
+          </a:xfrm>
+          <a:prstGeom prst="leftArrow">
+            <a:avLst>
+              <a:gd name="adj1" fmla="val 16038"/>
+              <a:gd name="adj2" fmla="val 66502"/>
+            </a:avLst>
+          </a:prstGeom>
+          <a:solidFill>
+            <a:srgbClr val="66CCFF"/>
+          </a:solidFill>
+          <a:ln>
+            <a:solidFill>
+              <a:srgbClr val="66CCFF"/>
+            </a:solidFill>
+          </a:ln>
+        </p:spPr>
+        <p:style>
+          <a:lnRef idx="2">
+            <a:schemeClr val="accent1">
+              <a:shade val="50000"/>
+            </a:schemeClr>
+          </a:lnRef>
+          <a:fillRef idx="1">
+            <a:schemeClr val="accent1"/>
+          </a:fillRef>
+          <a:effectRef idx="0">
+            <a:schemeClr val="accent1"/>
+          </a:effectRef>
+          <a:fontRef idx="minor">
+            <a:schemeClr val="lt1"/>
+          </a:fontRef>
+        </p:style>
+        <p:txBody>
+          <a:bodyPr rtlCol="0" anchor="ctr"/>
+          <a:lstStyle/>
+          <a:p>
+            <a:pPr algn="ctr"/>
+            <a:endParaRPr lang="en-US"/>
+          </a:p>
+        </p:txBody>
+      </p:sp>
+      <p:sp>
+        <p:nvSpPr>
+          <p:cNvPr id="83" name="Rectangle: Rounded Corners 82">
+            <a:extLst>
+              <a:ext uri="{FF2B5EF4-FFF2-40B4-BE49-F238E27FC236}">
+                <a16:creationId xmlns:a16="http://schemas.microsoft.com/office/drawing/2014/main" id="{9AA34F3E-37F5-40DC-B6BA-966931D7C517}"/>
+              </a:ext>
+            </a:extLst>
+          </p:cNvPr>
+          <p:cNvSpPr/>
+          <p:nvPr/>
+        </p:nvSpPr>
+        <p:spPr>
+          <a:xfrm>
+            <a:off x="8097141" y="5119883"/>
+            <a:ext cx="2116836" cy="961002"/>
+          </a:xfrm>
+          <a:prstGeom prst="roundRect">
+            <a:avLst/>
+          </a:prstGeom>
+          <a:solidFill>
+            <a:srgbClr val="66CCFF"/>
+          </a:solidFill>
+          <a:ln>
+            <a:solidFill>
+              <a:srgbClr val="66CCFF"/>
+            </a:solidFill>
+          </a:ln>
+        </p:spPr>
+        <p:style>
+          <a:lnRef idx="2">
+            <a:schemeClr val="accent1">
+              <a:shade val="50000"/>
+            </a:schemeClr>
+          </a:lnRef>
+          <a:fillRef idx="1">
+            <a:schemeClr val="accent1"/>
+          </a:fillRef>
+          <a:effectRef idx="0">
+            <a:schemeClr val="accent1"/>
+          </a:effectRef>
+          <a:fontRef idx="minor">
+            <a:schemeClr val="lt1"/>
+          </a:fontRef>
+        </p:style>
+        <p:txBody>
+          <a:bodyPr rtlCol="0" anchor="ctr"/>
+          <a:lstStyle/>
+          <a:p>
+            <a:pPr algn="ctr"/>
+            <a:r>
+              <a:rPr lang="de-DE" sz="2400" b="1">
+                <a:solidFill>
+                  <a:schemeClr val="bg1"/>
+                </a:solidFill>
+              </a:rPr>
+              <a:t>Evaluation</a:t>
+            </a:r>
+            <a:endParaRPr lang="de-DE" b="1">
+              <a:solidFill>
+                <a:schemeClr val="bg1"/>
+              </a:solidFill>
+            </a:endParaRPr>
+          </a:p>
+        </p:txBody>
+      </p:sp>
+    </p:spTree>
+    <p:extLst>
+      <p:ext uri="{BB962C8B-B14F-4D97-AF65-F5344CB8AC3E}">
+        <p14:creationId xmlns:p14="http://schemas.microsoft.com/office/powerpoint/2010/main" val="4041600275"/>
+      </p:ext>
+    </p:extLst>
+  </p:cSld>
+  <p:clrMapOvr>
+    <a:masterClrMapping/>
+  </p:clrMapOvr>
+</p:sld>
+</file>
+
+<file path=ppt/slides/slide28.xml><?xml version="1.0" encoding="utf-8"?>
+<p:sld xmlns:a="http://schemas.openxmlformats.org/drawingml/2006/main" xmlns:r="http://schemas.openxmlformats.org/officeDocument/2006/relationships" xmlns:p="http://schemas.openxmlformats.org/presentationml/2006/main">
+  <p:cSld>
+    <p:spTree>
+      <p:nvGrpSpPr>
+        <p:cNvPr id="1" name=""/>
+        <p:cNvGrpSpPr/>
+        <p:nvPr/>
+      </p:nvGrpSpPr>
+      <p:grpSpPr>
+        <a:xfrm>
+          <a:off x="0" y="0"/>
+          <a:ext cx="0" cy="0"/>
+          <a:chOff x="0" y="0"/>
+          <a:chExt cx="0" cy="0"/>
+        </a:xfrm>
+      </p:grpSpPr>
+      <p:sp>
+        <p:nvSpPr>
+          <p:cNvPr id="4" name="Foliennummernplatzhalter 3"/>
+          <p:cNvSpPr>
+            <a:spLocks noGrp="1"/>
+          </p:cNvSpPr>
+          <p:nvPr>
+            <p:ph type="sldNum" sz="quarter" idx="12"/>
+          </p:nvPr>
+        </p:nvSpPr>
+        <p:spPr/>
+        <p:txBody>
+          <a:bodyPr/>
+          <a:lstStyle/>
+          <a:p>
+            <a:fld id="{C9E0B00B-E6DF-4183-A694-3DE28BEFB357}" type="slidenum">
+              <a:rPr lang="en-US" smtClean="0"/>
+              <a:t>28</a:t>
+            </a:fld>
+            <a:endParaRPr lang="en-US"/>
+          </a:p>
+        </p:txBody>
+      </p:sp>
+      <p:sp>
+        <p:nvSpPr>
+          <p:cNvPr id="9" name="Titel 1">
+            <a:extLst>
+              <a:ext uri="{FF2B5EF4-FFF2-40B4-BE49-F238E27FC236}">
+                <a16:creationId xmlns:a16="http://schemas.microsoft.com/office/drawing/2014/main" id="{7807725C-718A-4D77-AD01-05225CF68388}"/>
+              </a:ext>
+            </a:extLst>
+          </p:cNvPr>
+          <p:cNvSpPr>
+            <a:spLocks noGrp="1"/>
+          </p:cNvSpPr>
+          <p:nvPr>
+            <p:ph type="title"/>
+          </p:nvPr>
+        </p:nvSpPr>
+        <p:spPr>
+          <a:xfrm>
+            <a:off x="1066800" y="561524"/>
+            <a:ext cx="10287000" cy="1129164"/>
+          </a:xfrm>
+        </p:spPr>
+        <p:txBody>
+          <a:bodyPr>
+            <a:normAutofit/>
+          </a:bodyPr>
+          <a:lstStyle/>
+          <a:p>
+            <a:r>
+              <a:rPr lang="en-US"/>
+              <a:t>Performance Evaluation  </a:t>
+            </a:r>
+            <a:r>
+              <a:rPr lang="en-US" b="1"/>
+              <a:t>Metrics</a:t>
+            </a:r>
+          </a:p>
+        </p:txBody>
+      </p:sp>
+      <p:sp>
+        <p:nvSpPr>
+          <p:cNvPr id="10" name="Content Placeholder 2">
+            <a:extLst>
+              <a:ext uri="{FF2B5EF4-FFF2-40B4-BE49-F238E27FC236}">
+                <a16:creationId xmlns:a16="http://schemas.microsoft.com/office/drawing/2014/main" id="{67443131-1CA9-405F-8B23-66FD98AB33DC}"/>
+              </a:ext>
+            </a:extLst>
+          </p:cNvPr>
+          <p:cNvSpPr>
+            <a:spLocks noGrp="1"/>
+          </p:cNvSpPr>
+          <p:nvPr>
+            <p:ph idx="1"/>
+          </p:nvPr>
+        </p:nvSpPr>
+        <p:spPr>
+          <a:xfrm>
+            <a:off x="1066798" y="1990724"/>
+            <a:ext cx="10086977" cy="4867275"/>
+          </a:xfrm>
+        </p:spPr>
+        <p:txBody>
+          <a:bodyPr>
+            <a:normAutofit/>
+          </a:bodyPr>
+          <a:lstStyle/>
+          <a:p>
+            <a:r>
+              <a:rPr lang="de-DE"/>
+              <a:t>Many different ones, reflecting what kind of error we wish to </a:t>
+            </a:r>
+            <a:br>
+              <a:rPr lang="de-DE"/>
+            </a:br>
+            <a:r>
+              <a:rPr lang="de-DE"/>
+              <a:t>keep small</a:t>
+            </a:r>
+          </a:p>
+          <a:p>
+            <a:r>
+              <a:rPr lang="de-DE"/>
+              <a:t>Special metrics for binary classification: </a:t>
+            </a:r>
+            <a:r>
+              <a:rPr lang="de-DE" b="1"/>
+              <a:t>ROC</a:t>
+            </a:r>
+            <a:r>
+              <a:rPr lang="de-DE"/>
+              <a:t>-based</a:t>
+            </a:r>
+          </a:p>
+          <a:p>
+            <a:pPr marL="457200" lvl="1" indent="0">
+              <a:buNone/>
+            </a:pPr>
+            <a:br>
+              <a:rPr lang="de-DE"/>
+            </a:br>
+            <a:endParaRPr lang="de-DE"/>
+          </a:p>
+          <a:p>
+            <a:endParaRPr lang="de-DE"/>
+          </a:p>
+          <a:p>
+            <a:pPr lvl="1"/>
+            <a:endParaRPr lang="en-US"/>
+          </a:p>
+        </p:txBody>
+      </p:sp>
+      <p:graphicFrame>
+        <p:nvGraphicFramePr>
+          <p:cNvPr id="11" name="Tabelle 4">
+            <a:extLst>
+              <a:ext uri="{FF2B5EF4-FFF2-40B4-BE49-F238E27FC236}">
+                <a16:creationId xmlns:a16="http://schemas.microsoft.com/office/drawing/2014/main" id="{CE108B06-A8A2-4508-B8EF-C37FC8B063B3}"/>
+              </a:ext>
+            </a:extLst>
+          </p:cNvPr>
+          <p:cNvGraphicFramePr>
+            <a:graphicFrameLocks noGrp="1"/>
+          </p:cNvGraphicFramePr>
+          <p:nvPr>
+            <p:extLst>
+              <p:ext uri="{D42A27DB-BD31-4B8C-83A1-F6EECF244321}">
+                <p14:modId xmlns:p14="http://schemas.microsoft.com/office/powerpoint/2010/main" val="3707522096"/>
+              </p:ext>
+            </p:extLst>
+          </p:nvPr>
+        </p:nvGraphicFramePr>
+        <p:xfrm>
+          <a:off x="1383416" y="3941065"/>
+          <a:ext cx="6809607" cy="1911096"/>
+        </p:xfrm>
+        <a:graphic>
+          <a:graphicData uri="http://schemas.openxmlformats.org/drawingml/2006/table">
+            <a:tbl>
+              <a:tblPr firstRow="1" bandRow="1">
+                <a:tableStyleId>{5940675A-B579-460E-94D1-54222C63F5DA}</a:tableStyleId>
+              </a:tblPr>
+              <a:tblGrid>
+                <a:gridCol w="2269869">
+                  <a:extLst>
+                    <a:ext uri="{9D8B030D-6E8A-4147-A177-3AD203B41FA5}">
+                      <a16:colId xmlns:a16="http://schemas.microsoft.com/office/drawing/2014/main" val="2887603973"/>
+                    </a:ext>
+                  </a:extLst>
+                </a:gridCol>
+                <a:gridCol w="2269869">
+                  <a:extLst>
+                    <a:ext uri="{9D8B030D-6E8A-4147-A177-3AD203B41FA5}">
+                      <a16:colId xmlns:a16="http://schemas.microsoft.com/office/drawing/2014/main" val="2331717474"/>
+                    </a:ext>
+                  </a:extLst>
+                </a:gridCol>
+                <a:gridCol w="2269869">
+                  <a:extLst>
+                    <a:ext uri="{9D8B030D-6E8A-4147-A177-3AD203B41FA5}">
+                      <a16:colId xmlns:a16="http://schemas.microsoft.com/office/drawing/2014/main" val="999555329"/>
+                    </a:ext>
+                  </a:extLst>
+                </a:gridCol>
+              </a:tblGrid>
+              <a:tr h="637032">
+                <a:tc>
+                  <a:txBody>
+                    <a:bodyPr/>
+                    <a:lstStyle/>
+                    <a:p>
+                      <a:pPr algn="l"/>
+                      <a:endParaRPr lang="en-US" sz="2000" dirty="0"/>
+                    </a:p>
+                  </a:txBody>
+                  <a:tcPr anchor="ctr">
+                    <a:lnL w="12700" cap="flat" cmpd="sng" algn="ctr">
+                      <a:noFill/>
+                      <a:prstDash val="solid"/>
+                      <a:round/>
+                      <a:headEnd type="none" w="med" len="med"/>
+                      <a:tailEnd type="none" w="med" len="med"/>
+                    </a:lnL>
+                    <a:lnR w="12700" cap="flat" cmpd="sng" algn="ctr">
+                      <a:solidFill>
+                        <a:schemeClr val="tx1"/>
+                      </a:solidFill>
+                      <a:prstDash val="solid"/>
+                      <a:round/>
+                      <a:headEnd type="none" w="med" len="med"/>
+                      <a:tailEnd type="none" w="med" len="med"/>
+                    </a:lnR>
+                    <a:lnT w="12700" cap="flat" cmpd="sng" algn="ctr">
+                      <a:noFill/>
+                      <a:prstDash val="solid"/>
+                      <a:round/>
+                      <a:headEnd type="none" w="med" len="med"/>
+                      <a:tailEnd type="none" w="med" len="med"/>
+                    </a:lnT>
+                    <a:lnB w="12700" cap="flat" cmpd="sng" algn="ctr">
+                      <a:solidFill>
+                        <a:schemeClr val="tx1"/>
+                      </a:solidFill>
+                      <a:prstDash val="solid"/>
+                      <a:round/>
+                      <a:headEnd type="none" w="med" len="med"/>
+                      <a:tailEnd type="none" w="med" len="med"/>
+                    </a:lnB>
+                    <a:lnTlToBr w="12700" cmpd="sng">
+                      <a:noFill/>
+                      <a:prstDash val="solid"/>
+                    </a:lnTlToBr>
+                    <a:lnBlToTr w="12700" cmpd="sng">
+                      <a:noFill/>
+                      <a:prstDash val="solid"/>
+                    </a:lnBlToTr>
+                  </a:tcPr>
+                </a:tc>
+                <a:tc>
+                  <a:txBody>
+                    <a:bodyPr/>
+                    <a:lstStyle/>
+                    <a:p>
+                      <a:pPr algn="l"/>
+                      <a:r>
+                        <a:rPr lang="en-US" sz="2000" b="1"/>
+                        <a:t>Actual: YES</a:t>
+                      </a:r>
+                      <a:endParaRPr lang="en-US" sz="2000" b="1" dirty="0"/>
+                    </a:p>
+                  </a:txBody>
+                  <a:tcPr anchor="ctr">
+                    <a:lnL w="12700" cap="flat" cmpd="sng" algn="ctr">
+                      <a:solidFill>
+                        <a:schemeClr val="tx1"/>
+                      </a:solidFill>
+                      <a:prstDash val="solid"/>
+                      <a:round/>
+                      <a:headEnd type="none" w="med" len="med"/>
+                      <a:tailEnd type="none" w="med" len="med"/>
+                    </a:lnL>
+                    <a:lnR w="12700" cap="flat" cmpd="sng" algn="ctr">
+                      <a:solidFill>
+                        <a:schemeClr val="tx1"/>
+                      </a:solidFill>
+                      <a:prstDash val="solid"/>
+                      <a:round/>
+                      <a:headEnd type="none" w="med" len="med"/>
+                      <a:tailEnd type="none" w="med" len="med"/>
+                    </a:lnR>
+                    <a:lnT w="12700" cap="flat" cmpd="sng" algn="ctr">
+                      <a:noFill/>
+                      <a:prstDash val="solid"/>
+                      <a:round/>
+                      <a:headEnd type="none" w="med" len="med"/>
+                      <a:tailEnd type="none" w="med" len="med"/>
+                    </a:lnT>
+                    <a:lnB w="12700" cap="flat" cmpd="sng" algn="ctr">
+                      <a:solidFill>
+                        <a:schemeClr val="tx1"/>
+                      </a:solidFill>
+                      <a:prstDash val="solid"/>
+                      <a:round/>
+                      <a:headEnd type="none" w="med" len="med"/>
+                      <a:tailEnd type="none" w="med" len="med"/>
+                    </a:lnB>
+                    <a:lnTlToBr w="12700" cmpd="sng">
+                      <a:noFill/>
+                      <a:prstDash val="solid"/>
+                    </a:lnTlToBr>
+                    <a:lnBlToTr w="12700" cmpd="sng">
+                      <a:noFill/>
+                      <a:prstDash val="solid"/>
+                    </a:lnBlToTr>
+                  </a:tcPr>
+                </a:tc>
+                <a:tc>
+                  <a:txBody>
+                    <a:bodyPr/>
+                    <a:lstStyle/>
+                    <a:p>
+                      <a:pPr algn="l"/>
+                      <a:r>
+                        <a:rPr lang="en-US" sz="2000" b="1"/>
+                        <a:t>Actual:</a:t>
+                      </a:r>
+                      <a:r>
+                        <a:rPr lang="en-US" sz="2000" b="1" baseline="0"/>
+                        <a:t> NO</a:t>
+                      </a:r>
+                      <a:endParaRPr lang="en-US" sz="2000" b="1" dirty="0"/>
+                    </a:p>
+                  </a:txBody>
+                  <a:tcPr anchor="ctr">
+                    <a:lnL w="12700" cap="flat" cmpd="sng" algn="ctr">
+                      <a:solidFill>
+                        <a:schemeClr val="tx1"/>
+                      </a:solidFill>
+                      <a:prstDash val="solid"/>
+                      <a:round/>
+                      <a:headEnd type="none" w="med" len="med"/>
+                      <a:tailEnd type="none" w="med" len="med"/>
+                    </a:lnL>
+                    <a:lnR w="12700" cap="flat" cmpd="sng" algn="ctr">
+                      <a:noFill/>
+                      <a:prstDash val="solid"/>
+                      <a:round/>
+                      <a:headEnd type="none" w="med" len="med"/>
+                      <a:tailEnd type="none" w="med" len="med"/>
+                    </a:lnR>
+                    <a:lnT w="12700" cap="flat" cmpd="sng" algn="ctr">
+                      <a:noFill/>
+                      <a:prstDash val="solid"/>
+                      <a:round/>
+                      <a:headEnd type="none" w="med" len="med"/>
+                      <a:tailEnd type="none" w="med" len="med"/>
+                    </a:lnT>
+                    <a:lnB w="12700" cap="flat" cmpd="sng" algn="ctr">
+                      <a:solidFill>
+                        <a:schemeClr val="tx1"/>
+                      </a:solidFill>
+                      <a:prstDash val="solid"/>
+                      <a:round/>
+                      <a:headEnd type="none" w="med" len="med"/>
+                      <a:tailEnd type="none" w="med" len="med"/>
+                    </a:lnB>
+                    <a:lnTlToBr w="12700" cmpd="sng">
+                      <a:noFill/>
+                      <a:prstDash val="solid"/>
+                    </a:lnTlToBr>
+                    <a:lnBlToTr w="12700" cmpd="sng">
+                      <a:noFill/>
+                      <a:prstDash val="solid"/>
+                    </a:lnBlToTr>
+                  </a:tcPr>
+                </a:tc>
+                <a:extLst>
+                  <a:ext uri="{0D108BD9-81ED-4DB2-BD59-A6C34878D82A}">
+                    <a16:rowId xmlns:a16="http://schemas.microsoft.com/office/drawing/2014/main" val="244449267"/>
+                  </a:ext>
+                </a:extLst>
+              </a:tr>
+              <a:tr h="637032">
+                <a:tc>
+                  <a:txBody>
+                    <a:bodyPr/>
+                    <a:lstStyle/>
+                    <a:p>
+                      <a:pPr algn="l"/>
+                      <a:r>
+                        <a:rPr lang="en-US" sz="2000" b="1"/>
+                        <a:t>Predicted: YES</a:t>
+                      </a:r>
+                      <a:endParaRPr lang="en-US" sz="2000" b="1" dirty="0"/>
+                    </a:p>
+                  </a:txBody>
+                  <a:tcPr anchor="ctr">
+                    <a:lnL w="12700" cap="flat" cmpd="sng" algn="ctr">
+                      <a:noFill/>
+                      <a:prstDash val="solid"/>
+                      <a:round/>
+                      <a:headEnd type="none" w="med" len="med"/>
+                      <a:tailEnd type="none" w="med" len="med"/>
+                    </a:lnL>
+                    <a:lnR w="12700" cap="flat" cmpd="sng" algn="ctr">
+                      <a:solidFill>
+                        <a:schemeClr val="tx1"/>
+                      </a:solidFill>
+                      <a:prstDash val="solid"/>
+                      <a:round/>
+                      <a:headEnd type="none" w="med" len="med"/>
+                      <a:tailEnd type="none" w="med" len="med"/>
+                    </a:lnR>
+                    <a:lnT w="12700" cap="flat" cmpd="sng" algn="ctr">
+                      <a:solidFill>
+                        <a:schemeClr val="tx1"/>
+                      </a:solidFill>
+                      <a:prstDash val="solid"/>
+                      <a:round/>
+                      <a:headEnd type="none" w="med" len="med"/>
+                      <a:tailEnd type="none" w="med" len="med"/>
+                    </a:lnT>
+                    <a:lnB w="12700" cap="flat" cmpd="sng" algn="ctr">
+                      <a:solidFill>
+                        <a:schemeClr val="tx1"/>
+                      </a:solidFill>
+                      <a:prstDash val="solid"/>
+                      <a:round/>
+                      <a:headEnd type="none" w="med" len="med"/>
+                      <a:tailEnd type="none" w="med" len="med"/>
+                    </a:lnB>
+                    <a:lnTlToBr w="12700" cmpd="sng">
+                      <a:noFill/>
+                      <a:prstDash val="solid"/>
+                    </a:lnTlToBr>
+                    <a:lnBlToTr w="12700" cmpd="sng">
+                      <a:noFill/>
+                      <a:prstDash val="solid"/>
+                    </a:lnBlToTr>
+                  </a:tcPr>
+                </a:tc>
+                <a:tc>
+                  <a:txBody>
+                    <a:bodyPr/>
+                    <a:lstStyle/>
+                    <a:p>
+                      <a:pPr algn="l"/>
+                      <a:r>
+                        <a:rPr lang="en-US" sz="2000" b="0"/>
+                        <a:t>True Positive (TP)</a:t>
+                      </a:r>
+                      <a:endParaRPr lang="en-US" sz="2000" b="0" dirty="0"/>
+                    </a:p>
+                  </a:txBody>
+                  <a:tcPr anchor="ctr">
+                    <a:lnL w="12700" cap="flat" cmpd="sng" algn="ctr">
+                      <a:solidFill>
+                        <a:schemeClr val="tx1"/>
+                      </a:solidFill>
+                      <a:prstDash val="solid"/>
+                      <a:round/>
+                      <a:headEnd type="none" w="med" len="med"/>
+                      <a:tailEnd type="none" w="med" len="med"/>
+                    </a:lnL>
+                    <a:lnR w="12700" cap="flat" cmpd="sng" algn="ctr">
+                      <a:solidFill>
+                        <a:schemeClr val="tx1"/>
+                      </a:solidFill>
+                      <a:prstDash val="solid"/>
+                      <a:round/>
+                      <a:headEnd type="none" w="med" len="med"/>
+                      <a:tailEnd type="none" w="med" len="med"/>
+                    </a:lnR>
+                    <a:lnT w="12700" cap="flat" cmpd="sng" algn="ctr">
+                      <a:solidFill>
+                        <a:schemeClr val="tx1"/>
+                      </a:solidFill>
+                      <a:prstDash val="solid"/>
+                      <a:round/>
+                      <a:headEnd type="none" w="med" len="med"/>
+                      <a:tailEnd type="none" w="med" len="med"/>
+                    </a:lnT>
+                    <a:lnB w="12700" cap="flat" cmpd="sng" algn="ctr">
+                      <a:solidFill>
+                        <a:schemeClr val="tx1"/>
+                      </a:solidFill>
+                      <a:prstDash val="solid"/>
+                      <a:round/>
+                      <a:headEnd type="none" w="med" len="med"/>
+                      <a:tailEnd type="none" w="med" len="med"/>
+                    </a:lnB>
+                    <a:lnTlToBr w="12700" cmpd="sng">
+                      <a:noFill/>
+                      <a:prstDash val="solid"/>
+                    </a:lnTlToBr>
+                    <a:lnBlToTr w="12700" cmpd="sng">
+                      <a:noFill/>
+                      <a:prstDash val="solid"/>
+                    </a:lnBlToTr>
+                    <a:solidFill>
+                      <a:schemeClr val="bg2"/>
+                    </a:solidFill>
+                  </a:tcPr>
+                </a:tc>
+                <a:tc>
+                  <a:txBody>
+                    <a:bodyPr/>
+                    <a:lstStyle/>
+                    <a:p>
+                      <a:pPr algn="l"/>
+                      <a:r>
+                        <a:rPr lang="en-US" sz="2000" b="0"/>
+                        <a:t>False</a:t>
+                      </a:r>
+                      <a:r>
+                        <a:rPr lang="en-US" sz="2000" b="0" baseline="0"/>
+                        <a:t> Positive (FP)</a:t>
+                      </a:r>
+                      <a:endParaRPr lang="en-US" sz="2000" b="0" dirty="0"/>
+                    </a:p>
+                  </a:txBody>
+                  <a:tcPr anchor="ctr">
+                    <a:lnL w="12700" cap="flat" cmpd="sng" algn="ctr">
+                      <a:solidFill>
+                        <a:schemeClr val="tx1"/>
+                      </a:solidFill>
+                      <a:prstDash val="solid"/>
+                      <a:round/>
+                      <a:headEnd type="none" w="med" len="med"/>
+                      <a:tailEnd type="none" w="med" len="med"/>
+                    </a:lnL>
+                    <a:lnR w="12700" cap="flat" cmpd="sng" algn="ctr">
+                      <a:noFill/>
+                      <a:prstDash val="solid"/>
+                      <a:round/>
+                      <a:headEnd type="none" w="med" len="med"/>
+                      <a:tailEnd type="none" w="med" len="med"/>
+                    </a:lnR>
+                    <a:lnT w="12700" cap="flat" cmpd="sng" algn="ctr">
+                      <a:solidFill>
+                        <a:schemeClr val="tx1"/>
+                      </a:solidFill>
+                      <a:prstDash val="solid"/>
+                      <a:round/>
+                      <a:headEnd type="none" w="med" len="med"/>
+                      <a:tailEnd type="none" w="med" len="med"/>
+                    </a:lnT>
+                    <a:lnB w="12700" cap="flat" cmpd="sng" algn="ctr">
+                      <a:solidFill>
+                        <a:schemeClr val="tx1"/>
+                      </a:solidFill>
+                      <a:prstDash val="solid"/>
+                      <a:round/>
+                      <a:headEnd type="none" w="med" len="med"/>
+                      <a:tailEnd type="none" w="med" len="med"/>
+                    </a:lnB>
+                    <a:lnTlToBr w="12700" cmpd="sng">
+                      <a:noFill/>
+                      <a:prstDash val="solid"/>
+                    </a:lnTlToBr>
+                    <a:lnBlToTr w="12700" cmpd="sng">
+                      <a:noFill/>
+                      <a:prstDash val="solid"/>
+                    </a:lnBlToTr>
+                  </a:tcPr>
+                </a:tc>
+                <a:extLst>
+                  <a:ext uri="{0D108BD9-81ED-4DB2-BD59-A6C34878D82A}">
+                    <a16:rowId xmlns:a16="http://schemas.microsoft.com/office/drawing/2014/main" val="3292931016"/>
+                  </a:ext>
+                </a:extLst>
+              </a:tr>
+              <a:tr h="637032">
+                <a:tc>
+                  <a:txBody>
+                    <a:bodyPr/>
+                    <a:lstStyle/>
+                    <a:p>
+                      <a:pPr marL="0" marR="0" lvl="0" indent="0" algn="l" defTabSz="914400" rtl="0" eaLnBrk="1" fontAlgn="auto" latinLnBrk="0" hangingPunct="1">
+                        <a:lnSpc>
+                          <a:spcPct val="100000"/>
+                        </a:lnSpc>
+                        <a:spcBef>
+                          <a:spcPts val="0"/>
+                        </a:spcBef>
+                        <a:spcAft>
+                          <a:spcPts val="0"/>
+                        </a:spcAft>
+                        <a:buClrTx/>
+                        <a:buSzTx/>
+                        <a:buFontTx/>
+                        <a:buNone/>
+                        <a:tabLst/>
+                        <a:defRPr/>
+                      </a:pPr>
+                      <a:r>
+                        <a:rPr lang="en-US" sz="2000" b="1"/>
+                        <a:t>Predicted: </a:t>
+                      </a:r>
+                      <a:r>
+                        <a:rPr lang="en-US" sz="2000" b="1" baseline="0"/>
+                        <a:t>NO</a:t>
+                      </a:r>
+                      <a:endParaRPr lang="en-US" sz="2000" b="1" dirty="0"/>
+                    </a:p>
+                  </a:txBody>
+                  <a:tcPr anchor="ctr">
+                    <a:lnL w="12700" cap="flat" cmpd="sng" algn="ctr">
+                      <a:noFill/>
+                      <a:prstDash val="solid"/>
+                      <a:round/>
+                      <a:headEnd type="none" w="med" len="med"/>
+                      <a:tailEnd type="none" w="med" len="med"/>
+                    </a:lnL>
+                    <a:lnR w="12700" cap="flat" cmpd="sng" algn="ctr">
+                      <a:solidFill>
+                        <a:schemeClr val="tx1"/>
+                      </a:solidFill>
+                      <a:prstDash val="solid"/>
+                      <a:round/>
+                      <a:headEnd type="none" w="med" len="med"/>
+                      <a:tailEnd type="none" w="med" len="med"/>
+                    </a:lnR>
+                    <a:lnT w="12700" cap="flat" cmpd="sng" algn="ctr">
+                      <a:solidFill>
+                        <a:schemeClr val="tx1"/>
+                      </a:solidFill>
+                      <a:prstDash val="solid"/>
+                      <a:round/>
+                      <a:headEnd type="none" w="med" len="med"/>
+                      <a:tailEnd type="none" w="med" len="med"/>
+                    </a:lnT>
+                    <a:lnB w="12700" cap="flat" cmpd="sng" algn="ctr">
+                      <a:noFill/>
+                      <a:prstDash val="solid"/>
+                      <a:round/>
+                      <a:headEnd type="none" w="med" len="med"/>
+                      <a:tailEnd type="none" w="med" len="med"/>
+                    </a:lnB>
+                    <a:lnTlToBr w="12700" cmpd="sng">
+                      <a:noFill/>
+                      <a:prstDash val="solid"/>
+                    </a:lnTlToBr>
+                    <a:lnBlToTr w="12700" cmpd="sng">
+                      <a:noFill/>
+                      <a:prstDash val="solid"/>
+                    </a:lnBlToTr>
+                  </a:tcPr>
+                </a:tc>
+                <a:tc>
+                  <a:txBody>
+                    <a:bodyPr/>
+                    <a:lstStyle/>
+                    <a:p>
+                      <a:pPr algn="l"/>
+                      <a:r>
+                        <a:rPr lang="en-US" sz="2000" b="0"/>
+                        <a:t>False </a:t>
+                      </a:r>
+                      <a:r>
+                        <a:rPr lang="en-US" sz="2000" b="0" baseline="0"/>
+                        <a:t>Negative</a:t>
+                      </a:r>
+                      <a:r>
+                        <a:rPr lang="en-US" sz="2000" b="0"/>
+                        <a:t> (FN)</a:t>
+                      </a:r>
+                      <a:endParaRPr lang="en-US" sz="2000" b="0" dirty="0"/>
+                    </a:p>
+                  </a:txBody>
+                  <a:tcPr anchor="ctr">
+                    <a:lnL w="12700" cap="flat" cmpd="sng" algn="ctr">
+                      <a:solidFill>
+                        <a:schemeClr val="tx1"/>
+                      </a:solidFill>
+                      <a:prstDash val="solid"/>
+                      <a:round/>
+                      <a:headEnd type="none" w="med" len="med"/>
+                      <a:tailEnd type="none" w="med" len="med"/>
+                    </a:lnL>
+                    <a:lnR w="12700" cap="flat" cmpd="sng" algn="ctr">
+                      <a:solidFill>
+                        <a:schemeClr val="tx1"/>
+                      </a:solidFill>
+                      <a:prstDash val="solid"/>
+                      <a:round/>
+                      <a:headEnd type="none" w="med" len="med"/>
+                      <a:tailEnd type="none" w="med" len="med"/>
+                    </a:lnR>
+                    <a:lnT w="12700" cap="flat" cmpd="sng" algn="ctr">
+                      <a:solidFill>
+                        <a:schemeClr val="tx1"/>
+                      </a:solidFill>
+                      <a:prstDash val="solid"/>
+                      <a:round/>
+                      <a:headEnd type="none" w="med" len="med"/>
+                      <a:tailEnd type="none" w="med" len="med"/>
+                    </a:lnT>
+                    <a:lnB w="12700" cap="flat" cmpd="sng" algn="ctr">
+                      <a:noFill/>
+                      <a:prstDash val="solid"/>
+                      <a:round/>
+                      <a:headEnd type="none" w="med" len="med"/>
+                      <a:tailEnd type="none" w="med" len="med"/>
+                    </a:lnB>
+                    <a:lnTlToBr w="12700" cmpd="sng">
+                      <a:noFill/>
+                      <a:prstDash val="solid"/>
+                    </a:lnTlToBr>
+                    <a:lnBlToTr w="12700" cmpd="sng">
+                      <a:noFill/>
+                      <a:prstDash val="solid"/>
+                    </a:lnBlToTr>
+                  </a:tcPr>
+                </a:tc>
+                <a:tc>
+                  <a:txBody>
+                    <a:bodyPr/>
+                    <a:lstStyle/>
+                    <a:p>
+                      <a:pPr algn="l"/>
+                      <a:r>
+                        <a:rPr lang="en-US" sz="2000" b="0"/>
+                        <a:t>True </a:t>
+                      </a:r>
+                      <a:r>
+                        <a:rPr lang="en-US" sz="2000" b="0" baseline="0"/>
+                        <a:t>Negative</a:t>
+                      </a:r>
+                      <a:r>
+                        <a:rPr lang="en-US" sz="2000" b="0"/>
+                        <a:t> (TN)</a:t>
+                      </a:r>
+                      <a:endParaRPr lang="en-US" sz="2000" b="0" dirty="0"/>
+                    </a:p>
+                  </a:txBody>
+                  <a:tcPr anchor="ctr">
+                    <a:lnL w="12700" cap="flat" cmpd="sng" algn="ctr">
+                      <a:solidFill>
+                        <a:schemeClr val="tx1"/>
+                      </a:solidFill>
+                      <a:prstDash val="solid"/>
+                      <a:round/>
+                      <a:headEnd type="none" w="med" len="med"/>
+                      <a:tailEnd type="none" w="med" len="med"/>
+                    </a:lnL>
+                    <a:lnR w="12700" cap="flat" cmpd="sng" algn="ctr">
+                      <a:noFill/>
+                      <a:prstDash val="solid"/>
+                      <a:round/>
+                      <a:headEnd type="none" w="med" len="med"/>
+                      <a:tailEnd type="none" w="med" len="med"/>
+                    </a:lnR>
+                    <a:lnT w="12700" cap="flat" cmpd="sng" algn="ctr">
+                      <a:solidFill>
+                        <a:schemeClr val="tx1"/>
+                      </a:solidFill>
+                      <a:prstDash val="solid"/>
+                      <a:round/>
+                      <a:headEnd type="none" w="med" len="med"/>
+                      <a:tailEnd type="none" w="med" len="med"/>
+                    </a:lnT>
+                    <a:lnB w="12700" cap="flat" cmpd="sng" algn="ctr">
+                      <a:noFill/>
+                      <a:prstDash val="solid"/>
+                      <a:round/>
+                      <a:headEnd type="none" w="med" len="med"/>
+                      <a:tailEnd type="none" w="med" len="med"/>
+                    </a:lnB>
+                    <a:lnTlToBr w="12700" cmpd="sng">
+                      <a:noFill/>
+                      <a:prstDash val="solid"/>
+                    </a:lnTlToBr>
+                    <a:lnBlToTr w="12700" cmpd="sng">
+                      <a:noFill/>
+                      <a:prstDash val="solid"/>
+                    </a:lnBlToTr>
+                    <a:solidFill>
+                      <a:schemeClr val="bg2"/>
+                    </a:solidFill>
+                  </a:tcPr>
+                </a:tc>
+                <a:extLst>
+                  <a:ext uri="{0D108BD9-81ED-4DB2-BD59-A6C34878D82A}">
+                    <a16:rowId xmlns:a16="http://schemas.microsoft.com/office/drawing/2014/main" val="615695225"/>
+                  </a:ext>
+                </a:extLst>
+              </a:tr>
+            </a:tbl>
+          </a:graphicData>
+        </a:graphic>
+      </p:graphicFrame>
+      <p:grpSp>
+        <p:nvGrpSpPr>
+          <p:cNvPr id="31" name="Group 30">
+            <a:extLst>
+              <a:ext uri="{FF2B5EF4-FFF2-40B4-BE49-F238E27FC236}">
+                <a16:creationId xmlns:a16="http://schemas.microsoft.com/office/drawing/2014/main" id="{EAF9EBE6-682D-4485-A252-0B083EC60D49}"/>
+              </a:ext>
+            </a:extLst>
+          </p:cNvPr>
+          <p:cNvGrpSpPr/>
+          <p:nvPr/>
+        </p:nvGrpSpPr>
+        <p:grpSpPr>
+          <a:xfrm>
+            <a:off x="9064200" y="4032506"/>
+            <a:ext cx="1836000" cy="1819655"/>
+            <a:chOff x="8988552" y="3968497"/>
+            <a:chExt cx="1836000" cy="1819655"/>
+          </a:xfrm>
+        </p:grpSpPr>
+        <p:cxnSp>
+          <p:nvCxnSpPr>
+            <p:cNvPr id="19" name="Straight Arrow Connector 18">
+              <a:extLst>
+                <a:ext uri="{FF2B5EF4-FFF2-40B4-BE49-F238E27FC236}">
+                  <a16:creationId xmlns:a16="http://schemas.microsoft.com/office/drawing/2014/main" id="{5F31DAB6-56F9-4D5F-8417-0983E87235BC}"/>
+                </a:ext>
+              </a:extLst>
+            </p:cNvPr>
+            <p:cNvCxnSpPr/>
+            <p:nvPr/>
+          </p:nvCxnSpPr>
+          <p:spPr>
+            <a:xfrm>
+              <a:off x="8988552" y="5788152"/>
+              <a:ext cx="1836000" cy="0"/>
+            </a:xfrm>
+            <a:prstGeom prst="straightConnector1">
+              <a:avLst/>
+            </a:prstGeom>
+            <a:ln w="28575">
+              <a:solidFill>
+                <a:schemeClr val="bg2">
+                  <a:lumMod val="90000"/>
+                </a:schemeClr>
+              </a:solidFill>
+              <a:headEnd type="none" w="med" len="med"/>
+              <a:tailEnd type="arrow" w="med" len="med"/>
+            </a:ln>
+          </p:spPr>
+          <p:style>
+            <a:lnRef idx="1">
+              <a:schemeClr val="accent1"/>
+            </a:lnRef>
+            <a:fillRef idx="0">
+              <a:schemeClr val="accent1"/>
+            </a:fillRef>
+            <a:effectRef idx="0">
+              <a:schemeClr val="accent1"/>
+            </a:effectRef>
+            <a:fontRef idx="minor">
+              <a:schemeClr val="tx1"/>
+            </a:fontRef>
+          </p:style>
+        </p:cxnSp>
+        <p:cxnSp>
+          <p:nvCxnSpPr>
+            <p:cNvPr id="20" name="Straight Arrow Connector 19">
+              <a:extLst>
+                <a:ext uri="{FF2B5EF4-FFF2-40B4-BE49-F238E27FC236}">
+                  <a16:creationId xmlns:a16="http://schemas.microsoft.com/office/drawing/2014/main" id="{470FFB5A-967A-4BC3-8EA6-1D7C2C3977F7}"/>
+                </a:ext>
+              </a:extLst>
+            </p:cNvPr>
+            <p:cNvCxnSpPr>
+              <a:cxnSpLocks/>
+            </p:cNvCxnSpPr>
+            <p:nvPr/>
+          </p:nvCxnSpPr>
+          <p:spPr>
+            <a:xfrm flipV="1">
+              <a:off x="8988552" y="3968497"/>
+              <a:ext cx="0" cy="1800000"/>
+            </a:xfrm>
+            <a:prstGeom prst="straightConnector1">
+              <a:avLst/>
+            </a:prstGeom>
+            <a:ln w="28575">
+              <a:solidFill>
+                <a:schemeClr val="bg2">
+                  <a:lumMod val="90000"/>
+                </a:schemeClr>
+              </a:solidFill>
+              <a:headEnd type="none" w="med" len="med"/>
+              <a:tailEnd type="arrow" w="med" len="med"/>
+            </a:ln>
+          </p:spPr>
+          <p:style>
+            <a:lnRef idx="1">
+              <a:schemeClr val="accent1"/>
+            </a:lnRef>
+            <a:fillRef idx="0">
+              <a:schemeClr val="accent1"/>
+            </a:fillRef>
+            <a:effectRef idx="0">
+              <a:schemeClr val="accent1"/>
+            </a:effectRef>
+            <a:fontRef idx="minor">
+              <a:schemeClr val="tx1"/>
+            </a:fontRef>
+          </p:style>
+        </p:cxnSp>
+        <p:sp>
+          <p:nvSpPr>
+            <p:cNvPr id="26" name="Freeform: Shape 25">
+              <a:extLst>
+                <a:ext uri="{FF2B5EF4-FFF2-40B4-BE49-F238E27FC236}">
+                  <a16:creationId xmlns:a16="http://schemas.microsoft.com/office/drawing/2014/main" id="{07F23DB1-F42C-4F76-B2C2-92084B1C2BEC}"/>
+                </a:ext>
+              </a:extLst>
+            </p:cNvPr>
+            <p:cNvSpPr/>
+            <p:nvPr/>
+          </p:nvSpPr>
+          <p:spPr>
+            <a:xfrm>
+              <a:off x="8988552" y="4200081"/>
+              <a:ext cx="1737360" cy="1588071"/>
+            </a:xfrm>
+            <a:custGeom>
+              <a:avLst/>
+              <a:gdLst>
+                <a:gd name="connsiteX0" fmla="*/ 0 w 1737360"/>
+                <a:gd name="connsiteY0" fmla="*/ 1588071 h 1588071"/>
+                <a:gd name="connsiteX1" fmla="*/ 137160 w 1737360"/>
+                <a:gd name="connsiteY1" fmla="*/ 554799 h 1588071"/>
+                <a:gd name="connsiteX2" fmla="*/ 356616 w 1737360"/>
+                <a:gd name="connsiteY2" fmla="*/ 70167 h 1588071"/>
+                <a:gd name="connsiteX3" fmla="*/ 1042416 w 1737360"/>
+                <a:gd name="connsiteY3" fmla="*/ 6159 h 1588071"/>
+                <a:gd name="connsiteX4" fmla="*/ 1737360 w 1737360"/>
+                <a:gd name="connsiteY4" fmla="*/ 6159 h 1588071"/>
+              </a:gdLst>
+              <a:ahLst/>
+              <a:cxnLst>
+                <a:cxn ang="0">
+                  <a:pos x="connsiteX0" y="connsiteY0"/>
+                </a:cxn>
+                <a:cxn ang="0">
+                  <a:pos x="connsiteX1" y="connsiteY1"/>
+                </a:cxn>
+                <a:cxn ang="0">
+                  <a:pos x="connsiteX2" y="connsiteY2"/>
+                </a:cxn>
+                <a:cxn ang="0">
+                  <a:pos x="connsiteX3" y="connsiteY3"/>
+                </a:cxn>
+                <a:cxn ang="0">
+                  <a:pos x="connsiteX4" y="connsiteY4"/>
+                </a:cxn>
+              </a:cxnLst>
+              <a:rect l="l" t="t" r="r" b="b"/>
+              <a:pathLst>
+                <a:path w="1737360" h="1588071">
+                  <a:moveTo>
+                    <a:pt x="0" y="1588071"/>
+                  </a:moveTo>
+                  <a:cubicBezTo>
+                    <a:pt x="38862" y="1197927"/>
+                    <a:pt x="77724" y="807783"/>
+                    <a:pt x="137160" y="554799"/>
+                  </a:cubicBezTo>
+                  <a:cubicBezTo>
+                    <a:pt x="196596" y="301815"/>
+                    <a:pt x="205740" y="161607"/>
+                    <a:pt x="356616" y="70167"/>
+                  </a:cubicBezTo>
+                  <a:cubicBezTo>
+                    <a:pt x="507492" y="-21273"/>
+                    <a:pt x="812292" y="16827"/>
+                    <a:pt x="1042416" y="6159"/>
+                  </a:cubicBezTo>
+                  <a:cubicBezTo>
+                    <a:pt x="1272540" y="-4509"/>
+                    <a:pt x="1504950" y="825"/>
+                    <a:pt x="1737360" y="6159"/>
+                  </a:cubicBezTo>
+                </a:path>
+              </a:pathLst>
+            </a:custGeom>
+            <a:solidFill>
+              <a:srgbClr val="66CCFF">
+                <a:alpha val="40000"/>
+              </a:srgbClr>
+            </a:solidFill>
+            <a:ln>
+              <a:noFill/>
+            </a:ln>
+          </p:spPr>
+          <p:style>
+            <a:lnRef idx="2">
+              <a:schemeClr val="accent1">
+                <a:shade val="50000"/>
+              </a:schemeClr>
+            </a:lnRef>
+            <a:fillRef idx="1">
+              <a:schemeClr val="accent1"/>
+            </a:fillRef>
+            <a:effectRef idx="0">
+              <a:schemeClr val="accent1"/>
+            </a:effectRef>
+            <a:fontRef idx="minor">
+              <a:schemeClr val="lt1"/>
+            </a:fontRef>
+          </p:style>
+          <p:txBody>
+            <a:bodyPr rtlCol="0" anchor="ctr"/>
+            <a:lstStyle/>
+            <a:p>
+              <a:pPr algn="ctr"/>
+              <a:endParaRPr lang="en-US"/>
+            </a:p>
+          </p:txBody>
+        </p:sp>
+        <p:sp>
+          <p:nvSpPr>
+            <p:cNvPr id="27" name="Right Triangle 26">
+              <a:extLst>
+                <a:ext uri="{FF2B5EF4-FFF2-40B4-BE49-F238E27FC236}">
+                  <a16:creationId xmlns:a16="http://schemas.microsoft.com/office/drawing/2014/main" id="{A7E2B885-0E2A-4BB1-BDD6-66D21F0B6AF8}"/>
+                </a:ext>
+              </a:extLst>
+            </p:cNvPr>
+            <p:cNvSpPr/>
+            <p:nvPr/>
+          </p:nvSpPr>
+          <p:spPr>
+            <a:xfrm rot="16200000">
+              <a:off x="9064996" y="4121983"/>
+              <a:ext cx="1588070" cy="1733758"/>
+            </a:xfrm>
+            <a:prstGeom prst="rtTriangle">
+              <a:avLst/>
+            </a:prstGeom>
+            <a:solidFill>
+              <a:srgbClr val="66CCFF">
+                <a:alpha val="40000"/>
+              </a:srgbClr>
+            </a:solidFill>
+            <a:ln>
+              <a:noFill/>
+            </a:ln>
+          </p:spPr>
+          <p:style>
+            <a:lnRef idx="2">
+              <a:schemeClr val="accent1">
+                <a:shade val="50000"/>
+              </a:schemeClr>
+            </a:lnRef>
+            <a:fillRef idx="1">
+              <a:schemeClr val="accent1"/>
+            </a:fillRef>
+            <a:effectRef idx="0">
+              <a:schemeClr val="accent1"/>
+            </a:effectRef>
+            <a:fontRef idx="minor">
+              <a:schemeClr val="lt1"/>
+            </a:fontRef>
+          </p:style>
+          <p:txBody>
+            <a:bodyPr rtlCol="0" anchor="ctr"/>
+            <a:lstStyle/>
+            <a:p>
+              <a:pPr algn="ctr"/>
+              <a:endParaRPr lang="en-US"/>
+            </a:p>
+          </p:txBody>
+        </p:sp>
+        <p:cxnSp>
+          <p:nvCxnSpPr>
+            <p:cNvPr id="29" name="Straight Connector 28">
+              <a:extLst>
+                <a:ext uri="{FF2B5EF4-FFF2-40B4-BE49-F238E27FC236}">
+                  <a16:creationId xmlns:a16="http://schemas.microsoft.com/office/drawing/2014/main" id="{F200EFEC-A584-48F5-ACEE-A1C29B6EA0B0}"/>
+                </a:ext>
+              </a:extLst>
+            </p:cNvPr>
+            <p:cNvCxnSpPr>
+              <a:cxnSpLocks/>
+              <a:stCxn id="27" idx="0"/>
+              <a:endCxn id="27" idx="4"/>
+            </p:cNvCxnSpPr>
+            <p:nvPr/>
+          </p:nvCxnSpPr>
+          <p:spPr>
+            <a:xfrm flipV="1">
+              <a:off x="8992152" y="4194827"/>
+              <a:ext cx="1733758" cy="1588070"/>
+            </a:xfrm>
+            <a:prstGeom prst="line">
+              <a:avLst/>
+            </a:prstGeom>
+            <a:ln w="28575">
+              <a:solidFill>
+                <a:srgbClr val="66CCFF"/>
+              </a:solidFill>
+              <a:prstDash val="sysDash"/>
+            </a:ln>
+          </p:spPr>
+          <p:style>
+            <a:lnRef idx="1">
+              <a:schemeClr val="accent1"/>
+            </a:lnRef>
+            <a:fillRef idx="0">
+              <a:schemeClr val="accent1"/>
+            </a:fillRef>
+            <a:effectRef idx="0">
+              <a:schemeClr val="accent1"/>
+            </a:effectRef>
+            <a:fontRef idx="minor">
+              <a:schemeClr val="tx1"/>
+            </a:fontRef>
+          </p:style>
+        </p:cxnSp>
+      </p:grpSp>
+    </p:spTree>
+    <p:extLst>
+      <p:ext uri="{BB962C8B-B14F-4D97-AF65-F5344CB8AC3E}">
+        <p14:creationId xmlns:p14="http://schemas.microsoft.com/office/powerpoint/2010/main" val="3077102917"/>
+      </p:ext>
+    </p:extLst>
+  </p:cSld>
+  <p:clrMapOvr>
+    <a:masterClrMapping/>
+  </p:clrMapOvr>
+</p:sld>
+</file>
+
+<file path=ppt/slides/slide29.xml><?xml version="1.0" encoding="utf-8"?>
+<p:sld xmlns:a="http://schemas.openxmlformats.org/drawingml/2006/main" xmlns:r="http://schemas.openxmlformats.org/officeDocument/2006/relationships" xmlns:p="http://schemas.openxmlformats.org/presentationml/2006/main">
+  <p:cSld>
+    <p:spTree>
+      <p:nvGrpSpPr>
+        <p:cNvPr id="1" name=""/>
+        <p:cNvGrpSpPr/>
+        <p:nvPr/>
+      </p:nvGrpSpPr>
+      <p:grpSpPr>
+        <a:xfrm>
+          <a:off x="0" y="0"/>
+          <a:ext cx="0" cy="0"/>
+          <a:chOff x="0" y="0"/>
+          <a:chExt cx="0" cy="0"/>
+        </a:xfrm>
+      </p:grpSpPr>
+      <p:sp>
+        <p:nvSpPr>
+          <p:cNvPr id="4" name="Foliennummernplatzhalter 3"/>
+          <p:cNvSpPr>
+            <a:spLocks noGrp="1"/>
+          </p:cNvSpPr>
+          <p:nvPr>
+            <p:ph type="sldNum" sz="quarter" idx="12"/>
+          </p:nvPr>
+        </p:nvSpPr>
+        <p:spPr/>
+        <p:txBody>
+          <a:bodyPr/>
+          <a:lstStyle/>
+          <a:p>
+            <a:fld id="{C9E0B00B-E6DF-4183-A694-3DE28BEFB357}" type="slidenum">
+              <a:rPr lang="en-US" smtClean="0"/>
+              <a:t>29</a:t>
+            </a:fld>
+            <a:endParaRPr lang="en-US"/>
+          </a:p>
+        </p:txBody>
+      </p:sp>
+      <p:sp>
+        <p:nvSpPr>
+          <p:cNvPr id="9" name="Titel 1">
+            <a:extLst>
+              <a:ext uri="{FF2B5EF4-FFF2-40B4-BE49-F238E27FC236}">
+                <a16:creationId xmlns:a16="http://schemas.microsoft.com/office/drawing/2014/main" id="{7807725C-718A-4D77-AD01-05225CF68388}"/>
+              </a:ext>
+            </a:extLst>
+          </p:cNvPr>
+          <p:cNvSpPr>
+            <a:spLocks noGrp="1"/>
+          </p:cNvSpPr>
+          <p:nvPr>
+            <p:ph type="title"/>
+          </p:nvPr>
+        </p:nvSpPr>
+        <p:spPr>
+          <a:xfrm>
+            <a:off x="1066800" y="561524"/>
+            <a:ext cx="10287000" cy="1129164"/>
+          </a:xfrm>
+        </p:spPr>
+        <p:txBody>
+          <a:bodyPr>
+            <a:normAutofit/>
+          </a:bodyPr>
+          <a:lstStyle/>
+          <a:p>
+            <a:r>
+              <a:rPr lang="en-US"/>
+              <a:t>Performance Evaluation  </a:t>
+            </a:r>
+            <a:r>
+              <a:rPr lang="en-US" b="1"/>
+              <a:t>Metrics</a:t>
+            </a:r>
+          </a:p>
+        </p:txBody>
+      </p:sp>
+      <p:pic>
+        <p:nvPicPr>
+          <p:cNvPr id="3" name="Picture 2">
+            <a:extLst>
+              <a:ext uri="{FF2B5EF4-FFF2-40B4-BE49-F238E27FC236}">
+                <a16:creationId xmlns:a16="http://schemas.microsoft.com/office/drawing/2014/main" id="{C9D2E9D0-9A2C-47AE-8969-AF11BAF744E1}"/>
+              </a:ext>
+            </a:extLst>
+          </p:cNvPr>
+          <p:cNvPicPr>
+            <a:picLocks noChangeAspect="1"/>
+          </p:cNvPicPr>
+          <p:nvPr/>
+        </p:nvPicPr>
+        <p:blipFill>
+          <a:blip r:embed="rId3"/>
+          <a:stretch>
+            <a:fillRect/>
+          </a:stretch>
+        </p:blipFill>
+        <p:spPr>
+          <a:xfrm>
+            <a:off x="1066800" y="1943464"/>
+            <a:ext cx="8363527" cy="4353012"/>
+          </a:xfrm>
+          <a:prstGeom prst="rect">
+            <a:avLst/>
+          </a:prstGeom>
+        </p:spPr>
+      </p:pic>
+      <p:sp>
+        <p:nvSpPr>
+          <p:cNvPr id="8" name="TextBox 7">
+            <a:extLst>
+              <a:ext uri="{FF2B5EF4-FFF2-40B4-BE49-F238E27FC236}">
+                <a16:creationId xmlns:a16="http://schemas.microsoft.com/office/drawing/2014/main" id="{F02A5EEA-5DA5-4F63-B2E4-CD7224D03BFC}"/>
+              </a:ext>
+            </a:extLst>
+          </p:cNvPr>
+          <p:cNvSpPr txBox="1"/>
+          <p:nvPr/>
+        </p:nvSpPr>
+        <p:spPr>
+          <a:xfrm>
+            <a:off x="9347200" y="5834811"/>
+            <a:ext cx="2006600" cy="461665"/>
+          </a:xfrm>
+          <a:prstGeom prst="rect">
+            <a:avLst/>
+          </a:prstGeom>
+          <a:noFill/>
+        </p:spPr>
+        <p:txBody>
+          <a:bodyPr wrap="square">
+            <a:spAutoFit/>
+          </a:bodyPr>
+          <a:lstStyle/>
+          <a:p>
+            <a:pPr algn="r"/>
+            <a:r>
+              <a:rPr lang="en-US" sz="1200" i="1"/>
+              <a:t>https://en.wikipedia.org/wiki/F-score#Diagnostic_testing</a:t>
+            </a:r>
+          </a:p>
+        </p:txBody>
+      </p:sp>
+    </p:spTree>
+    <p:extLst>
+      <p:ext uri="{BB962C8B-B14F-4D97-AF65-F5344CB8AC3E}">
+        <p14:creationId xmlns:p14="http://schemas.microsoft.com/office/powerpoint/2010/main" val="2165612646"/>
+      </p:ext>
+    </p:extLst>
+  </p:cSld>
+  <p:clrMapOvr>
+    <a:masterClrMapping/>
+  </p:clrMapOvr>
+</p:sld>
+</file>
+
+<file path=ppt/slides/slide3.xml><?xml version="1.0" encoding="utf-8"?>
+<p:sld xmlns:a="http://schemas.openxmlformats.org/drawingml/2006/main" xmlns:r="http://schemas.openxmlformats.org/officeDocument/2006/relationships" xmlns:p="http://schemas.openxmlformats.org/presentationml/2006/main">
+  <p:cSld>
+    <p:spTree>
+      <p:nvGrpSpPr>
+        <p:cNvPr id="1" name=""/>
+        <p:cNvGrpSpPr/>
+        <p:nvPr/>
+      </p:nvGrpSpPr>
+      <p:grpSpPr>
+        <a:xfrm>
+          <a:off x="0" y="0"/>
+          <a:ext cx="0" cy="0"/>
+          <a:chOff x="0" y="0"/>
+          <a:chExt cx="0" cy="0"/>
+        </a:xfrm>
+      </p:grpSpPr>
+      <p:sp>
+        <p:nvSpPr>
+          <p:cNvPr id="2" name="Titel 1"/>
+          <p:cNvSpPr>
+            <a:spLocks noGrp="1"/>
+          </p:cNvSpPr>
+          <p:nvPr>
+            <p:ph type="title"/>
+          </p:nvPr>
+        </p:nvSpPr>
+        <p:spPr>
+          <a:xfrm>
+            <a:off x="1066800" y="1990724"/>
+            <a:ext cx="10280650" cy="2886075"/>
+          </a:xfrm>
+        </p:spPr>
+        <p:txBody>
+          <a:bodyPr/>
+          <a:lstStyle/>
+          <a:p>
+            <a:r>
+              <a:rPr lang="en-GB" b="1">
+                <a:effectLst>
+                  <a:outerShdw blurRad="38100" dist="38100" dir="2700000" algn="tl">
+                    <a:srgbClr val="000000">
+                      <a:alpha val="43137"/>
+                    </a:srgbClr>
+                  </a:outerShdw>
+                </a:effectLst>
+              </a:rPr>
+              <a:t>Part II-3: Sentiment Analysis</a:t>
+            </a:r>
+            <a:endParaRPr lang="en-US" b="1">
+              <a:effectLst>
+                <a:outerShdw blurRad="38100" dist="38100" dir="2700000" algn="tl">
+                  <a:srgbClr val="000000">
+                    <a:alpha val="43137"/>
+                  </a:srgbClr>
+                </a:outerShdw>
+              </a:effectLst>
+            </a:endParaRPr>
+          </a:p>
+        </p:txBody>
+      </p:sp>
+      <p:sp>
+        <p:nvSpPr>
+          <p:cNvPr id="3" name="Textplatzhalter 2"/>
+          <p:cNvSpPr>
+            <a:spLocks noGrp="1"/>
+          </p:cNvSpPr>
+          <p:nvPr>
+            <p:ph type="body" idx="1"/>
+          </p:nvPr>
+        </p:nvSpPr>
+        <p:spPr>
+          <a:xfrm>
+            <a:off x="1066798" y="4876799"/>
+            <a:ext cx="10280651" cy="1212851"/>
+          </a:xfrm>
+        </p:spPr>
+        <p:txBody>
+          <a:bodyPr/>
+          <a:lstStyle/>
+          <a:p>
+            <a:r>
+              <a:rPr lang="en-US" b="1">
+                <a:effectLst>
+                  <a:outerShdw blurRad="38100" dist="38100" dir="2700000" algn="tl">
+                    <a:srgbClr val="000000">
+                      <a:alpha val="43137"/>
+                    </a:srgbClr>
+                  </a:outerShdw>
+                </a:effectLst>
+              </a:rPr>
+              <a:t>Word Embeddings</a:t>
+            </a:r>
+          </a:p>
+        </p:txBody>
+      </p:sp>
+      <p:sp>
+        <p:nvSpPr>
+          <p:cNvPr id="4" name="Foliennummernplatzhalter 3"/>
+          <p:cNvSpPr>
+            <a:spLocks noGrp="1"/>
+          </p:cNvSpPr>
+          <p:nvPr>
+            <p:ph type="sldNum" sz="quarter" idx="12"/>
+          </p:nvPr>
+        </p:nvSpPr>
+        <p:spPr/>
+        <p:txBody>
+          <a:bodyPr/>
+          <a:lstStyle/>
+          <a:p>
+            <a:fld id="{C9E0B00B-E6DF-4183-A694-3DE28BEFB357}" type="slidenum">
+              <a:rPr lang="en-US" smtClean="0"/>
+              <a:t>3</a:t>
+            </a:fld>
+            <a:endParaRPr lang="en-US"/>
+          </a:p>
+        </p:txBody>
+      </p:sp>
+    </p:spTree>
+    <p:extLst>
+      <p:ext uri="{BB962C8B-B14F-4D97-AF65-F5344CB8AC3E}">
+        <p14:creationId xmlns:p14="http://schemas.microsoft.com/office/powerpoint/2010/main" val="2635496787"/>
+      </p:ext>
+    </p:extLst>
+  </p:cSld>
+  <p:clrMapOvr>
+    <a:masterClrMapping/>
+  </p:clrMapOvr>
+</p:sld>
+</file>
+
+<file path=ppt/slides/slide30.xml><?xml version="1.0" encoding="utf-8"?>
+<p:sld xmlns:a="http://schemas.openxmlformats.org/drawingml/2006/main" xmlns:r="http://schemas.openxmlformats.org/officeDocument/2006/relationships" xmlns:p="http://schemas.openxmlformats.org/presentationml/2006/main">
+  <p:cSld>
+    <p:spTree>
+      <p:nvGrpSpPr>
+        <p:cNvPr id="1" name=""/>
+        <p:cNvGrpSpPr/>
+        <p:nvPr/>
+      </p:nvGrpSpPr>
+      <p:grpSpPr>
+        <a:xfrm>
+          <a:off x="0" y="0"/>
+          <a:ext cx="0" cy="0"/>
+          <a:chOff x="0" y="0"/>
+          <a:chExt cx="0" cy="0"/>
+        </a:xfrm>
+      </p:grpSpPr>
+      <p:sp>
+        <p:nvSpPr>
+          <p:cNvPr id="4" name="Foliennummernplatzhalter 3"/>
+          <p:cNvSpPr>
+            <a:spLocks noGrp="1"/>
+          </p:cNvSpPr>
+          <p:nvPr>
+            <p:ph type="sldNum" sz="quarter" idx="12"/>
+          </p:nvPr>
+        </p:nvSpPr>
+        <p:spPr/>
+        <p:txBody>
+          <a:bodyPr/>
+          <a:lstStyle/>
+          <a:p>
+            <a:fld id="{C9E0B00B-E6DF-4183-A694-3DE28BEFB357}" type="slidenum">
+              <a:rPr lang="en-US" smtClean="0"/>
+              <a:t>30</a:t>
+            </a:fld>
+            <a:endParaRPr lang="en-US"/>
+          </a:p>
+        </p:txBody>
+      </p:sp>
+      <p:sp>
+        <p:nvSpPr>
           <p:cNvPr id="12" name="Titel 1">
             <a:extLst>
               <a:ext uri="{FF2B5EF4-FFF2-40B4-BE49-F238E27FC236}">
@@ -16014,11 +21764,11 @@
           <a:p>
             <a:r>
               <a:rPr lang="en-US"/>
-              <a:t>Training &amp; Prediction  </a:t>
+              <a:t>Performance Evaluation  </a:t>
             </a:r>
             <a:r>
               <a:rPr lang="en-US" b="1"/>
-              <a:t>Exercise</a:t>
+              <a:t>Example</a:t>
             </a:r>
           </a:p>
         </p:txBody>
@@ -16076,7 +21826,199 @@
                   <a:schemeClr val="tx1"/>
                 </a:solidFill>
               </a:rPr>
-              <a:t>Exercise 5: ML Training &amp; Prediction</a:t>
+              <a:t>Demo 10: ML Evaluation</a:t>
+            </a:r>
+            <a:endParaRPr lang="en-US" sz="4000" b="1">
+              <a:solidFill>
+                <a:schemeClr val="tx1"/>
+              </a:solidFill>
+            </a:endParaRPr>
+          </a:p>
+        </p:txBody>
+      </p:sp>
+      <p:pic>
+        <p:nvPicPr>
+          <p:cNvPr id="9" name="Graphic 8" descr="Play with solid fill">
+            <a:extLst>
+              <a:ext uri="{FF2B5EF4-FFF2-40B4-BE49-F238E27FC236}">
+                <a16:creationId xmlns:a16="http://schemas.microsoft.com/office/drawing/2014/main" id="{5987626F-A389-40EE-AED1-4EC2BDAD023F}"/>
+              </a:ext>
+            </a:extLst>
+          </p:cNvPr>
+          <p:cNvPicPr>
+            <a:picLocks noChangeAspect="1"/>
+          </p:cNvPicPr>
+          <p:nvPr/>
+        </p:nvPicPr>
+        <p:blipFill>
+          <a:blip r:embed="rId3">
+            <a:extLst>
+              <a:ext uri="{28A0092B-C50C-407E-A947-70E740481C1C}">
+                <a14:useLocalDpi xmlns:a14="http://schemas.microsoft.com/office/drawing/2010/main" val="0"/>
+              </a:ext>
+              <a:ext uri="{96DAC541-7B7A-43D3-8B79-37D633B846F1}">
+                <asvg:svgBlip xmlns:asvg="http://schemas.microsoft.com/office/drawing/2016/SVG/main" r:embed="rId4"/>
+              </a:ext>
+            </a:extLst>
+          </a:blip>
+          <a:stretch>
+            <a:fillRect/>
+          </a:stretch>
+        </p:blipFill>
+        <p:spPr>
+          <a:xfrm>
+            <a:off x="923914" y="2276468"/>
+            <a:ext cx="2305062" cy="2305062"/>
+          </a:xfrm>
+          <a:prstGeom prst="rect">
+            <a:avLst/>
+          </a:prstGeom>
+        </p:spPr>
+      </p:pic>
+    </p:spTree>
+    <p:extLst>
+      <p:ext uri="{BB962C8B-B14F-4D97-AF65-F5344CB8AC3E}">
+        <p14:creationId xmlns:p14="http://schemas.microsoft.com/office/powerpoint/2010/main" val="4058031041"/>
+      </p:ext>
+    </p:extLst>
+  </p:cSld>
+  <p:clrMapOvr>
+    <a:masterClrMapping/>
+  </p:clrMapOvr>
+</p:sld>
+</file>
+
+<file path=ppt/slides/slide31.xml><?xml version="1.0" encoding="utf-8"?>
+<p:sld xmlns:a="http://schemas.openxmlformats.org/drawingml/2006/main" xmlns:r="http://schemas.openxmlformats.org/officeDocument/2006/relationships" xmlns:p="http://schemas.openxmlformats.org/presentationml/2006/main">
+  <p:cSld>
+    <p:spTree>
+      <p:nvGrpSpPr>
+        <p:cNvPr id="1" name=""/>
+        <p:cNvGrpSpPr/>
+        <p:nvPr/>
+      </p:nvGrpSpPr>
+      <p:grpSpPr>
+        <a:xfrm>
+          <a:off x="0" y="0"/>
+          <a:ext cx="0" cy="0"/>
+          <a:chOff x="0" y="0"/>
+          <a:chExt cx="0" cy="0"/>
+        </a:xfrm>
+      </p:grpSpPr>
+      <p:sp>
+        <p:nvSpPr>
+          <p:cNvPr id="4" name="Foliennummernplatzhalter 3"/>
+          <p:cNvSpPr>
+            <a:spLocks noGrp="1"/>
+          </p:cNvSpPr>
+          <p:nvPr>
+            <p:ph type="sldNum" sz="quarter" idx="12"/>
+          </p:nvPr>
+        </p:nvSpPr>
+        <p:spPr/>
+        <p:txBody>
+          <a:bodyPr/>
+          <a:lstStyle/>
+          <a:p>
+            <a:fld id="{C9E0B00B-E6DF-4183-A694-3DE28BEFB357}" type="slidenum">
+              <a:rPr lang="en-US" smtClean="0"/>
+              <a:t>31</a:t>
+            </a:fld>
+            <a:endParaRPr lang="en-US"/>
+          </a:p>
+        </p:txBody>
+      </p:sp>
+      <p:sp>
+        <p:nvSpPr>
+          <p:cNvPr id="12" name="Titel 1">
+            <a:extLst>
+              <a:ext uri="{FF2B5EF4-FFF2-40B4-BE49-F238E27FC236}">
+                <a16:creationId xmlns:a16="http://schemas.microsoft.com/office/drawing/2014/main" id="{478EA67A-3C39-4D0A-996A-C363F30A14B2}"/>
+              </a:ext>
+            </a:extLst>
+          </p:cNvPr>
+          <p:cNvSpPr>
+            <a:spLocks noGrp="1"/>
+          </p:cNvSpPr>
+          <p:nvPr>
+            <p:ph type="title"/>
+          </p:nvPr>
+        </p:nvSpPr>
+        <p:spPr>
+          <a:xfrm>
+            <a:off x="1066800" y="561524"/>
+            <a:ext cx="10287000" cy="1129164"/>
+          </a:xfrm>
+        </p:spPr>
+        <p:txBody>
+          <a:bodyPr/>
+          <a:lstStyle/>
+          <a:p>
+            <a:r>
+              <a:rPr lang="en-US"/>
+              <a:t>ML Pipeline  </a:t>
+            </a:r>
+            <a:r>
+              <a:rPr lang="en-US" b="1"/>
+              <a:t>Exercise</a:t>
+            </a:r>
+          </a:p>
+        </p:txBody>
+      </p:sp>
+      <p:sp>
+        <p:nvSpPr>
+          <p:cNvPr id="7" name="Rectangle 6">
+            <a:extLst>
+              <a:ext uri="{FF2B5EF4-FFF2-40B4-BE49-F238E27FC236}">
+                <a16:creationId xmlns:a16="http://schemas.microsoft.com/office/drawing/2014/main" id="{399D5C87-EDAB-4C4B-A55D-E6DBDD9D5ABA}"/>
+              </a:ext>
+            </a:extLst>
+          </p:cNvPr>
+          <p:cNvSpPr/>
+          <p:nvPr/>
+        </p:nvSpPr>
+        <p:spPr>
+          <a:xfrm>
+            <a:off x="3228976" y="1992993"/>
+            <a:ext cx="8153400" cy="2872013"/>
+          </a:xfrm>
+          <a:prstGeom prst="rect">
+            <a:avLst/>
+          </a:prstGeom>
+          <a:solidFill>
+            <a:schemeClr val="bg2"/>
+          </a:solidFill>
+          <a:ln w="19050">
+            <a:solidFill>
+              <a:schemeClr val="bg2"/>
+            </a:solidFill>
+          </a:ln>
+        </p:spPr>
+        <p:style>
+          <a:lnRef idx="2">
+            <a:schemeClr val="dk1"/>
+          </a:lnRef>
+          <a:fillRef idx="1">
+            <a:schemeClr val="lt1"/>
+          </a:fillRef>
+          <a:effectRef idx="0">
+            <a:schemeClr val="dk1"/>
+          </a:effectRef>
+          <a:fontRef idx="minor">
+            <a:schemeClr val="dk1"/>
+          </a:fontRef>
+        </p:style>
+        <p:txBody>
+          <a:bodyPr rtlCol="0" anchor="ctr"/>
+          <a:lstStyle/>
+          <a:p>
+            <a:r>
+              <a:rPr lang="de-DE" sz="4000" b="1">
+                <a:solidFill>
+                  <a:schemeClr val="tx1"/>
+                </a:solidFill>
+              </a:rPr>
+              <a:t>Exercise 5: ML Pipeline</a:t>
             </a:r>
             <a:endParaRPr lang="en-US" sz="4000">
               <a:solidFill>
@@ -16138,7 +22080,7 @@
 </p:sld>
 </file>
 
-<file path=ppt/slides/slide27.xml><?xml version="1.0" encoding="utf-8"?>
+<file path=ppt/slides/slide32.xml><?xml version="1.0" encoding="utf-8"?>
 <p:sld xmlns:a="http://schemas.openxmlformats.org/drawingml/2006/main" xmlns:r="http://schemas.openxmlformats.org/officeDocument/2006/relationships" xmlns:p="http://schemas.openxmlformats.org/presentationml/2006/main">
   <p:cSld>
     <p:spTree>
@@ -16172,7 +22114,7 @@
           <a:p>
             <a:fld id="{C9E0B00B-E6DF-4183-A694-3DE28BEFB357}" type="slidenum">
               <a:rPr lang="en-US" smtClean="0"/>
-              <a:t>27</a:t>
+              <a:t>32</a:t>
             </a:fld>
             <a:endParaRPr lang="en-US"/>
           </a:p>
@@ -16208,240 +22150,11 @@
           <a:p>
             <a:r>
               <a:rPr lang="en-US"/>
-              <a:t>Performance Evaluation  </a:t>
+              <a:t>Visualization  </a:t>
             </a:r>
             <a:r>
               <a:rPr lang="en-US" b="1"/>
-              <a:t>Idea</a:t>
-            </a:r>
-          </a:p>
-        </p:txBody>
-      </p:sp>
-      <p:sp>
-        <p:nvSpPr>
-          <p:cNvPr id="10" name="Content Placeholder 2">
-            <a:extLst>
-              <a:ext uri="{FF2B5EF4-FFF2-40B4-BE49-F238E27FC236}">
-                <a16:creationId xmlns:a16="http://schemas.microsoft.com/office/drawing/2014/main" id="{67443131-1CA9-405F-8B23-66FD98AB33DC}"/>
-              </a:ext>
-            </a:extLst>
-          </p:cNvPr>
-          <p:cNvSpPr>
-            <a:spLocks noGrp="1"/>
-          </p:cNvSpPr>
-          <p:nvPr>
-            <p:ph idx="1"/>
-          </p:nvPr>
-        </p:nvSpPr>
-        <p:spPr>
-          <a:xfrm>
-            <a:off x="1066798" y="1990724"/>
-            <a:ext cx="10086977" cy="4867275"/>
-          </a:xfrm>
-        </p:spPr>
-        <p:txBody>
-          <a:bodyPr>
-            <a:normAutofit/>
-          </a:bodyPr>
-          <a:lstStyle/>
-          <a:p>
-            <a:r>
-              <a:rPr lang="de-DE"/>
-              <a:t>Components of a learner</a:t>
-            </a:r>
-          </a:p>
-          <a:p>
-            <a:pPr lvl="1"/>
-            <a:r>
-              <a:rPr lang="de-DE" b="1"/>
-              <a:t>Hypothesis space</a:t>
-            </a:r>
-            <a:r>
-              <a:rPr lang="de-DE"/>
-              <a:t>: </a:t>
-            </a:r>
-            <a:r>
-              <a:rPr lang="en-US"/>
-              <a:t>defines (and restricts!) what kind of model can be learned from the data</a:t>
-            </a:r>
-            <a:r>
-              <a:rPr lang="de-DE"/>
-              <a:t>, e.g.,</a:t>
-            </a:r>
-          </a:p>
-          <a:p>
-            <a:pPr lvl="2"/>
-            <a:r>
-              <a:rPr lang="de-DE"/>
-              <a:t>Logistic regression model</a:t>
-            </a:r>
-          </a:p>
-          <a:p>
-            <a:pPr lvl="2"/>
-            <a:r>
-              <a:rPr lang="de-DE"/>
-              <a:t>Decision tree</a:t>
-            </a:r>
-          </a:p>
-          <a:p>
-            <a:pPr lvl="2"/>
-            <a:r>
-              <a:rPr lang="de-DE"/>
-              <a:t>Random forest</a:t>
-            </a:r>
-          </a:p>
-          <a:p>
-            <a:pPr lvl="1"/>
-            <a:r>
-              <a:rPr lang="de-DE" b="1"/>
-              <a:t>Risk</a:t>
-            </a:r>
-            <a:r>
-              <a:rPr lang="de-DE"/>
-              <a:t>: </a:t>
-            </a:r>
-            <a:r>
-              <a:rPr lang="en-US"/>
-              <a:t>quantifies by how much our predictions deviate from the true target</a:t>
-            </a:r>
-            <a:br>
-              <a:rPr lang="en-US"/>
-            </a:br>
-            <a:r>
-              <a:rPr lang="en-US">
-                <a:sym typeface="Symbol" panose="05050102010706020507" pitchFamily="18" charset="2"/>
-              </a:rPr>
-              <a:t> To be minimized</a:t>
-            </a:r>
-          </a:p>
-          <a:p>
-            <a:pPr lvl="1"/>
-            <a:r>
-              <a:rPr lang="en-US" b="1">
-                <a:sym typeface="Symbol" panose="05050102010706020507" pitchFamily="18" charset="2"/>
-              </a:rPr>
-              <a:t>Optimization</a:t>
-            </a:r>
-            <a:r>
-              <a:rPr lang="en-US">
-                <a:sym typeface="Symbol" panose="05050102010706020507" pitchFamily="18" charset="2"/>
-              </a:rPr>
-              <a:t>: defines how to search for the best model</a:t>
-            </a:r>
-          </a:p>
-          <a:p>
-            <a:r>
-              <a:rPr lang="en-US" b="1">
-                <a:sym typeface="Symbol" panose="05050102010706020507" pitchFamily="18" charset="2"/>
-              </a:rPr>
-              <a:t>Result</a:t>
-            </a:r>
-            <a:r>
-              <a:rPr lang="en-US">
-                <a:sym typeface="Symbol" panose="05050102010706020507" pitchFamily="18" charset="2"/>
-              </a:rPr>
-              <a:t>: model with trained parameters</a:t>
-            </a:r>
-            <a:br>
-              <a:rPr lang="de-DE"/>
-            </a:br>
-            <a:endParaRPr lang="de-DE"/>
-          </a:p>
-          <a:p>
-            <a:endParaRPr lang="de-DE"/>
-          </a:p>
-          <a:p>
-            <a:pPr lvl="1"/>
-            <a:endParaRPr lang="en-US"/>
-          </a:p>
-        </p:txBody>
-      </p:sp>
-    </p:spTree>
-    <p:extLst>
-      <p:ext uri="{BB962C8B-B14F-4D97-AF65-F5344CB8AC3E}">
-        <p14:creationId xmlns:p14="http://schemas.microsoft.com/office/powerpoint/2010/main" val="200602647"/>
-      </p:ext>
-    </p:extLst>
-  </p:cSld>
-  <p:clrMapOvr>
-    <a:masterClrMapping/>
-  </p:clrMapOvr>
-</p:sld>
-</file>
-
-<file path=ppt/slides/slide28.xml><?xml version="1.0" encoding="utf-8"?>
-<p:sld xmlns:a="http://schemas.openxmlformats.org/drawingml/2006/main" xmlns:r="http://schemas.openxmlformats.org/officeDocument/2006/relationships" xmlns:p="http://schemas.openxmlformats.org/presentationml/2006/main">
-  <p:cSld>
-    <p:spTree>
-      <p:nvGrpSpPr>
-        <p:cNvPr id="1" name=""/>
-        <p:cNvGrpSpPr/>
-        <p:nvPr/>
-      </p:nvGrpSpPr>
-      <p:grpSpPr>
-        <a:xfrm>
-          <a:off x="0" y="0"/>
-          <a:ext cx="0" cy="0"/>
-          <a:chOff x="0" y="0"/>
-          <a:chExt cx="0" cy="0"/>
-        </a:xfrm>
-      </p:grpSpPr>
-      <p:sp>
-        <p:nvSpPr>
-          <p:cNvPr id="4" name="Foliennummernplatzhalter 3"/>
-          <p:cNvSpPr>
-            <a:spLocks noGrp="1"/>
-          </p:cNvSpPr>
-          <p:nvPr>
-            <p:ph type="sldNum" sz="quarter" idx="12"/>
-          </p:nvPr>
-        </p:nvSpPr>
-        <p:spPr/>
-        <p:txBody>
-          <a:bodyPr/>
-          <a:lstStyle/>
-          <a:p>
-            <a:fld id="{C9E0B00B-E6DF-4183-A694-3DE28BEFB357}" type="slidenum">
-              <a:rPr lang="en-US" smtClean="0"/>
-              <a:t>28</a:t>
-            </a:fld>
-            <a:endParaRPr lang="en-US"/>
-          </a:p>
-        </p:txBody>
-      </p:sp>
-      <p:sp>
-        <p:nvSpPr>
-          <p:cNvPr id="12" name="Titel 1">
-            <a:extLst>
-              <a:ext uri="{FF2B5EF4-FFF2-40B4-BE49-F238E27FC236}">
-                <a16:creationId xmlns:a16="http://schemas.microsoft.com/office/drawing/2014/main" id="{478EA67A-3C39-4D0A-996A-C363F30A14B2}"/>
-              </a:ext>
-            </a:extLst>
-          </p:cNvPr>
-          <p:cNvSpPr>
-            <a:spLocks noGrp="1"/>
-          </p:cNvSpPr>
-          <p:nvPr>
-            <p:ph type="title"/>
-          </p:nvPr>
-        </p:nvSpPr>
-        <p:spPr>
-          <a:xfrm>
-            <a:off x="1066800" y="561524"/>
-            <a:ext cx="10287000" cy="1129164"/>
-          </a:xfrm>
-        </p:spPr>
-        <p:txBody>
-          <a:bodyPr/>
-          <a:lstStyle/>
-          <a:p>
-            <a:r>
-              <a:rPr lang="en-US"/>
-              <a:t>Performance Evaluation  </a:t>
-            </a:r>
-            <a:r>
-              <a:rPr lang="en-US" b="1"/>
-              <a:t>Example</a:t>
+              <a:t>Plotting Results</a:t>
             </a:r>
           </a:p>
         </p:txBody>
@@ -16451,7 +22164,7 @@
           <p:cNvPr id="7" name="Rectangle 6">
             <a:extLst>
               <a:ext uri="{FF2B5EF4-FFF2-40B4-BE49-F238E27FC236}">
-                <a16:creationId xmlns:a16="http://schemas.microsoft.com/office/drawing/2014/main" id="{399D5C87-EDAB-4C4B-A55D-E6DBDD9D5ABA}"/>
+                <a16:creationId xmlns:a16="http://schemas.microsoft.com/office/drawing/2014/main" id="{3EE551B9-2D7A-46EA-A522-1AD24D484B4E}"/>
               </a:ext>
             </a:extLst>
           </p:cNvPr>
@@ -16499,7 +22212,7 @@
                   <a:schemeClr val="tx1"/>
                 </a:solidFill>
               </a:rPr>
-              <a:t>Demo 10: ML Evaluation</a:t>
+              <a:t>Demo 11: Visualizing Results</a:t>
             </a:r>
             <a:endParaRPr lang="en-US" sz="4000" b="1">
               <a:solidFill>
@@ -16511,10 +22224,10 @@
       </p:sp>
       <p:pic>
         <p:nvPicPr>
-          <p:cNvPr id="9" name="Graphic 8" descr="Play with solid fill">
+          <p:cNvPr id="8" name="Graphic 7" descr="Play with solid fill">
             <a:extLst>
               <a:ext uri="{FF2B5EF4-FFF2-40B4-BE49-F238E27FC236}">
-                <a16:creationId xmlns:a16="http://schemas.microsoft.com/office/drawing/2014/main" id="{5987626F-A389-40EE-AED1-4EC2BDAD023F}"/>
+                <a16:creationId xmlns:a16="http://schemas.microsoft.com/office/drawing/2014/main" id="{A014A299-FFAE-483F-811E-94B0F39D39E5}"/>
               </a:ext>
             </a:extLst>
           </p:cNvPr>
@@ -16551,7 +22264,7 @@
     </p:spTree>
     <p:extLst>
       <p:ext uri="{BB962C8B-B14F-4D97-AF65-F5344CB8AC3E}">
-        <p14:creationId xmlns:p14="http://schemas.microsoft.com/office/powerpoint/2010/main" val="4058031041"/>
+        <p14:creationId xmlns:p14="http://schemas.microsoft.com/office/powerpoint/2010/main" val="1700586736"/>
       </p:ext>
     </p:extLst>
   </p:cSld>
@@ -16561,7 +22274,7 @@
 </p:sld>
 </file>
 
-<file path=ppt/slides/slide29.xml><?xml version="1.0" encoding="utf-8"?>
+<file path=ppt/slides/slide33.xml><?xml version="1.0" encoding="utf-8"?>
 <p:sld xmlns:a="http://schemas.openxmlformats.org/drawingml/2006/main" xmlns:r="http://schemas.openxmlformats.org/officeDocument/2006/relationships" xmlns:p="http://schemas.openxmlformats.org/presentationml/2006/main">
   <p:cSld>
     <p:spTree>
@@ -16580,6 +22293,85 @@
       </p:grpSpPr>
       <p:sp>
         <p:nvSpPr>
+          <p:cNvPr id="2" name="Titel 1"/>
+          <p:cNvSpPr>
+            <a:spLocks noGrp="1"/>
+          </p:cNvSpPr>
+          <p:nvPr>
+            <p:ph type="title"/>
+          </p:nvPr>
+        </p:nvSpPr>
+        <p:spPr>
+          <a:xfrm>
+            <a:off x="1066800" y="1990724"/>
+            <a:ext cx="10280650" cy="2886075"/>
+          </a:xfrm>
+        </p:spPr>
+        <p:txBody>
+          <a:bodyPr/>
+          <a:lstStyle/>
+          <a:p>
+            <a:r>
+              <a:rPr lang="en-GB" b="1">
+                <a:effectLst>
+                  <a:outerShdw blurRad="38100" dist="38100" dir="2700000" algn="tl">
+                    <a:srgbClr val="000000">
+                      <a:alpha val="43137"/>
+                    </a:srgbClr>
+                  </a:outerShdw>
+                </a:effectLst>
+              </a:rPr>
+              <a:t>Part II-3: Sentiment Analysis</a:t>
+            </a:r>
+            <a:endParaRPr lang="en-US" b="1">
+              <a:effectLst>
+                <a:outerShdw blurRad="38100" dist="38100" dir="2700000" algn="tl">
+                  <a:srgbClr val="000000">
+                    <a:alpha val="43137"/>
+                  </a:srgbClr>
+                </a:outerShdw>
+              </a:effectLst>
+            </a:endParaRPr>
+          </a:p>
+        </p:txBody>
+      </p:sp>
+      <p:sp>
+        <p:nvSpPr>
+          <p:cNvPr id="3" name="Textplatzhalter 2"/>
+          <p:cNvSpPr>
+            <a:spLocks noGrp="1"/>
+          </p:cNvSpPr>
+          <p:nvPr>
+            <p:ph type="body" idx="1"/>
+          </p:nvPr>
+        </p:nvSpPr>
+        <p:spPr>
+          <a:xfrm>
+            <a:off x="1066798" y="4876799"/>
+            <a:ext cx="10280651" cy="1212851"/>
+          </a:xfrm>
+        </p:spPr>
+        <p:txBody>
+          <a:bodyPr/>
+          <a:lstStyle/>
+          <a:p>
+            <a:r>
+              <a:rPr lang="en-US" b="1">
+                <a:effectLst>
+                  <a:outerShdw blurRad="38100" dist="38100" dir="2700000" algn="tl">
+                    <a:srgbClr val="000000">
+                      <a:alpha val="43137"/>
+                    </a:srgbClr>
+                  </a:outerShdw>
+                </a:effectLst>
+              </a:rPr>
+              <a:t>Excursus: AutoML Pipeline</a:t>
+            </a:r>
+          </a:p>
+        </p:txBody>
+      </p:sp>
+      <p:sp>
+        <p:nvSpPr>
           <p:cNvPr id="4" name="Foliennummernplatzhalter 3"/>
           <p:cNvSpPr>
             <a:spLocks noGrp="1"/>
@@ -16595,155 +22387,16 @@
           <a:p>
             <a:fld id="{C9E0B00B-E6DF-4183-A694-3DE28BEFB357}" type="slidenum">
               <a:rPr lang="en-US" smtClean="0"/>
-              <a:t>29</a:t>
+              <a:t>33</a:t>
             </a:fld>
             <a:endParaRPr lang="en-US"/>
           </a:p>
         </p:txBody>
       </p:sp>
-      <p:sp>
-        <p:nvSpPr>
-          <p:cNvPr id="12" name="Titel 1">
-            <a:extLst>
-              <a:ext uri="{FF2B5EF4-FFF2-40B4-BE49-F238E27FC236}">
-                <a16:creationId xmlns:a16="http://schemas.microsoft.com/office/drawing/2014/main" id="{478EA67A-3C39-4D0A-996A-C363F30A14B2}"/>
-              </a:ext>
-            </a:extLst>
-          </p:cNvPr>
-          <p:cNvSpPr>
-            <a:spLocks noGrp="1"/>
-          </p:cNvSpPr>
-          <p:nvPr>
-            <p:ph type="title"/>
-          </p:nvPr>
-        </p:nvSpPr>
-        <p:spPr>
-          <a:xfrm>
-            <a:off x="1066800" y="561524"/>
-            <a:ext cx="10287000" cy="1129164"/>
-          </a:xfrm>
-        </p:spPr>
-        <p:txBody>
-          <a:bodyPr/>
-          <a:lstStyle/>
-          <a:p>
-            <a:r>
-              <a:rPr lang="en-US"/>
-              <a:t>Performance Evaluation  </a:t>
-            </a:r>
-            <a:r>
-              <a:rPr lang="en-US" b="1"/>
-              <a:t>Exercise</a:t>
-            </a:r>
-          </a:p>
-        </p:txBody>
-      </p:sp>
-      <p:sp>
-        <p:nvSpPr>
-          <p:cNvPr id="7" name="Rectangle 6">
-            <a:extLst>
-              <a:ext uri="{FF2B5EF4-FFF2-40B4-BE49-F238E27FC236}">
-                <a16:creationId xmlns:a16="http://schemas.microsoft.com/office/drawing/2014/main" id="{399D5C87-EDAB-4C4B-A55D-E6DBDD9D5ABA}"/>
-              </a:ext>
-            </a:extLst>
-          </p:cNvPr>
-          <p:cNvSpPr/>
-          <p:nvPr/>
-        </p:nvSpPr>
-        <p:spPr>
-          <a:xfrm>
-            <a:off x="3228976" y="1992993"/>
-            <a:ext cx="8153400" cy="2872013"/>
-          </a:xfrm>
-          <a:prstGeom prst="rect">
-            <a:avLst/>
-          </a:prstGeom>
-          <a:solidFill>
-            <a:schemeClr val="bg2"/>
-          </a:solidFill>
-          <a:ln w="19050">
-            <a:solidFill>
-              <a:schemeClr val="bg2"/>
-            </a:solidFill>
-          </a:ln>
-        </p:spPr>
-        <p:style>
-          <a:lnRef idx="2">
-            <a:schemeClr val="dk1"/>
-          </a:lnRef>
-          <a:fillRef idx="1">
-            <a:schemeClr val="lt1"/>
-          </a:fillRef>
-          <a:effectRef idx="0">
-            <a:schemeClr val="dk1"/>
-          </a:effectRef>
-          <a:fontRef idx="minor">
-            <a:schemeClr val="dk1"/>
-          </a:fontRef>
-        </p:style>
-        <p:txBody>
-          <a:bodyPr rtlCol="0" anchor="ctr"/>
-          <a:lstStyle/>
-          <a:p>
-            <a:r>
-              <a:rPr lang="de-DE" sz="4000" b="1">
-                <a:solidFill>
-                  <a:schemeClr val="tx1"/>
-                </a:solidFill>
-              </a:rPr>
-              <a:t>Exercise 6: ML Evaluation</a:t>
-            </a:r>
-            <a:endParaRPr lang="en-US" sz="4000">
-              <a:solidFill>
-                <a:schemeClr val="tx1"/>
-              </a:solidFill>
-            </a:endParaRPr>
-          </a:p>
-        </p:txBody>
-      </p:sp>
-      <p:pic>
-        <p:nvPicPr>
-          <p:cNvPr id="6" name="Graphic 5" descr="Game controller with solid fill">
-            <a:extLst>
-              <a:ext uri="{FF2B5EF4-FFF2-40B4-BE49-F238E27FC236}">
-                <a16:creationId xmlns:a16="http://schemas.microsoft.com/office/drawing/2014/main" id="{449635E3-0ECF-4549-A66D-053B46FAF69D}"/>
-              </a:ext>
-            </a:extLst>
-          </p:cNvPr>
-          <p:cNvPicPr>
-            <a:picLocks noChangeAspect="1"/>
-          </p:cNvPicPr>
-          <p:nvPr/>
-        </p:nvPicPr>
-        <p:blipFill>
-          <a:blip r:embed="rId3">
-            <a:extLst>
-              <a:ext uri="{28A0092B-C50C-407E-A947-70E740481C1C}">
-                <a14:useLocalDpi xmlns:a14="http://schemas.microsoft.com/office/drawing/2010/main" val="0"/>
-              </a:ext>
-              <a:ext uri="{96DAC541-7B7A-43D3-8B79-37D633B846F1}">
-                <asvg:svgBlip xmlns:asvg="http://schemas.microsoft.com/office/drawing/2016/SVG/main" r:embed="rId4"/>
-              </a:ext>
-            </a:extLst>
-          </a:blip>
-          <a:stretch>
-            <a:fillRect/>
-          </a:stretch>
-        </p:blipFill>
-        <p:spPr>
-          <a:xfrm>
-            <a:off x="1066800" y="2481284"/>
-            <a:ext cx="1894360" cy="1895432"/>
-          </a:xfrm>
-          <a:prstGeom prst="rect">
-            <a:avLst/>
-          </a:prstGeom>
-        </p:spPr>
-      </p:pic>
     </p:spTree>
     <p:extLst>
       <p:ext uri="{BB962C8B-B14F-4D97-AF65-F5344CB8AC3E}">
-        <p14:creationId xmlns:p14="http://schemas.microsoft.com/office/powerpoint/2010/main" val="34023541"/>
+        <p14:creationId xmlns:p14="http://schemas.microsoft.com/office/powerpoint/2010/main" val="3533798371"/>
       </p:ext>
     </p:extLst>
   </p:cSld>
@@ -16753,7 +22406,7 @@
 </p:sld>
 </file>
 
-<file path=ppt/slides/slide3.xml><?xml version="1.0" encoding="utf-8"?>
+<file path=ppt/slides/slide34.xml><?xml version="1.0" encoding="utf-8"?>
 <p:sld xmlns:a="http://schemas.openxmlformats.org/drawingml/2006/main" xmlns:r="http://schemas.openxmlformats.org/officeDocument/2006/relationships" xmlns:p="http://schemas.openxmlformats.org/presentationml/2006/main">
   <p:cSld>
     <p:spTree>
@@ -16772,85 +22425,6 @@
       </p:grpSpPr>
       <p:sp>
         <p:nvSpPr>
-          <p:cNvPr id="2" name="Titel 1"/>
-          <p:cNvSpPr>
-            <a:spLocks noGrp="1"/>
-          </p:cNvSpPr>
-          <p:nvPr>
-            <p:ph type="title"/>
-          </p:nvPr>
-        </p:nvSpPr>
-        <p:spPr>
-          <a:xfrm>
-            <a:off x="1066800" y="1990724"/>
-            <a:ext cx="10280650" cy="2886075"/>
-          </a:xfrm>
-        </p:spPr>
-        <p:txBody>
-          <a:bodyPr/>
-          <a:lstStyle/>
-          <a:p>
-            <a:r>
-              <a:rPr lang="en-GB" b="1">
-                <a:effectLst>
-                  <a:outerShdw blurRad="38100" dist="38100" dir="2700000" algn="tl">
-                    <a:srgbClr val="000000">
-                      <a:alpha val="43137"/>
-                    </a:srgbClr>
-                  </a:outerShdw>
-                </a:effectLst>
-              </a:rPr>
-              <a:t>Part II-3: Sentiment Analysis</a:t>
-            </a:r>
-            <a:endParaRPr lang="en-US" b="1">
-              <a:effectLst>
-                <a:outerShdw blurRad="38100" dist="38100" dir="2700000" algn="tl">
-                  <a:srgbClr val="000000">
-                    <a:alpha val="43137"/>
-                  </a:srgbClr>
-                </a:outerShdw>
-              </a:effectLst>
-            </a:endParaRPr>
-          </a:p>
-        </p:txBody>
-      </p:sp>
-      <p:sp>
-        <p:nvSpPr>
-          <p:cNvPr id="3" name="Textplatzhalter 2"/>
-          <p:cNvSpPr>
-            <a:spLocks noGrp="1"/>
-          </p:cNvSpPr>
-          <p:nvPr>
-            <p:ph type="body" idx="1"/>
-          </p:nvPr>
-        </p:nvSpPr>
-        <p:spPr>
-          <a:xfrm>
-            <a:off x="1066798" y="4876799"/>
-            <a:ext cx="10280651" cy="1212851"/>
-          </a:xfrm>
-        </p:spPr>
-        <p:txBody>
-          <a:bodyPr/>
-          <a:lstStyle/>
-          <a:p>
-            <a:r>
-              <a:rPr lang="en-US" b="1">
-                <a:effectLst>
-                  <a:outerShdw blurRad="38100" dist="38100" dir="2700000" algn="tl">
-                    <a:srgbClr val="000000">
-                      <a:alpha val="43137"/>
-                    </a:srgbClr>
-                  </a:outerShdw>
-                </a:effectLst>
-              </a:rPr>
-              <a:t>Word Embeddings</a:t>
-            </a:r>
-          </a:p>
-        </p:txBody>
-      </p:sp>
-      <p:sp>
-        <p:nvSpPr>
           <p:cNvPr id="4" name="Foliennummernplatzhalter 3"/>
           <p:cNvSpPr>
             <a:spLocks noGrp="1"/>
@@ -16866,16 +22440,204 @@
           <a:p>
             <a:fld id="{C9E0B00B-E6DF-4183-A694-3DE28BEFB357}" type="slidenum">
               <a:rPr lang="en-US" smtClean="0"/>
-              <a:t>3</a:t>
+              <a:t>34</a:t>
             </a:fld>
             <a:endParaRPr lang="en-US"/>
           </a:p>
         </p:txBody>
       </p:sp>
+      <p:sp>
+        <p:nvSpPr>
+          <p:cNvPr id="9" name="Titel 1">
+            <a:extLst>
+              <a:ext uri="{FF2B5EF4-FFF2-40B4-BE49-F238E27FC236}">
+                <a16:creationId xmlns:a16="http://schemas.microsoft.com/office/drawing/2014/main" id="{7807725C-718A-4D77-AD01-05225CF68388}"/>
+              </a:ext>
+            </a:extLst>
+          </p:cNvPr>
+          <p:cNvSpPr>
+            <a:spLocks noGrp="1"/>
+          </p:cNvSpPr>
+          <p:nvPr>
+            <p:ph type="title"/>
+          </p:nvPr>
+        </p:nvSpPr>
+        <p:spPr>
+          <a:xfrm>
+            <a:off x="1066800" y="561524"/>
+            <a:ext cx="10287000" cy="1129164"/>
+          </a:xfrm>
+        </p:spPr>
+        <p:txBody>
+          <a:bodyPr>
+            <a:normAutofit/>
+          </a:bodyPr>
+          <a:lstStyle/>
+          <a:p>
+            <a:r>
+              <a:rPr lang="en-US"/>
+              <a:t>AutoML Pipeline  </a:t>
+            </a:r>
+            <a:r>
+              <a:rPr lang="en-US" b="1"/>
+              <a:t>Motivation</a:t>
+            </a:r>
+          </a:p>
+        </p:txBody>
+      </p:sp>
+      <p:sp>
+        <p:nvSpPr>
+          <p:cNvPr id="10" name="Content Placeholder 2">
+            <a:extLst>
+              <a:ext uri="{FF2B5EF4-FFF2-40B4-BE49-F238E27FC236}">
+                <a16:creationId xmlns:a16="http://schemas.microsoft.com/office/drawing/2014/main" id="{67443131-1CA9-405F-8B23-66FD98AB33DC}"/>
+              </a:ext>
+            </a:extLst>
+          </p:cNvPr>
+          <p:cNvSpPr>
+            <a:spLocks noGrp="1"/>
+          </p:cNvSpPr>
+          <p:nvPr>
+            <p:ph idx="1"/>
+          </p:nvPr>
+        </p:nvSpPr>
+        <p:spPr>
+          <a:xfrm>
+            <a:off x="1066798" y="1990724"/>
+            <a:ext cx="10086977" cy="4867275"/>
+          </a:xfrm>
+        </p:spPr>
+        <p:txBody>
+          <a:bodyPr>
+            <a:normAutofit/>
+          </a:bodyPr>
+          <a:lstStyle/>
+          <a:p>
+            <a:r>
+              <a:rPr lang="de-DE" b="1"/>
+              <a:t>Recall</a:t>
+            </a:r>
+            <a:r>
+              <a:rPr lang="de-DE"/>
+              <a:t>: static vs dynamic features</a:t>
+            </a:r>
+          </a:p>
+          <a:p>
+            <a:r>
+              <a:rPr lang="de-DE"/>
+              <a:t>Frequently, we are in situations where</a:t>
+            </a:r>
+          </a:p>
+          <a:p>
+            <a:pPr lvl="1"/>
+            <a:r>
+              <a:rPr lang="de-DE"/>
+              <a:t>we tune/evaluate multiple learners, and</a:t>
+            </a:r>
+          </a:p>
+          <a:p>
+            <a:pPr lvl="1"/>
+            <a:r>
+              <a:rPr lang="de-DE"/>
+              <a:t>feature generation affects surrounding </a:t>
+            </a:r>
+            <a:br>
+              <a:rPr lang="de-DE"/>
+            </a:br>
+            <a:r>
+              <a:rPr lang="de-DE"/>
+              <a:t>observations.</a:t>
+            </a:r>
+          </a:p>
+          <a:p>
+            <a:r>
+              <a:rPr lang="de-DE"/>
+              <a:t>These steps typically call for repeated train-test splits </a:t>
+            </a:r>
+            <a:br>
+              <a:rPr lang="de-DE"/>
+            </a:br>
+            <a:r>
+              <a:rPr lang="de-DE"/>
+              <a:t>(</a:t>
+            </a:r>
+            <a:r>
+              <a:rPr lang="de-DE" b="1"/>
+              <a:t>resampling</a:t>
+            </a:r>
+            <a:r>
+              <a:rPr lang="de-DE"/>
+              <a:t>, nested resampling).</a:t>
+            </a:r>
+          </a:p>
+          <a:p>
+            <a:r>
+              <a:rPr lang="de-DE"/>
+              <a:t>For predictions to remain unbiased this requires repeated </a:t>
+            </a:r>
+            <a:br>
+              <a:rPr lang="de-DE"/>
+            </a:br>
+            <a:r>
+              <a:rPr lang="de-DE"/>
+              <a:t>training &amp; evaluation of the entire (AutoML) </a:t>
+            </a:r>
+            <a:r>
+              <a:rPr lang="de-DE" b="1"/>
+              <a:t>pipeline</a:t>
+            </a:r>
+            <a:r>
+              <a:rPr lang="de-DE"/>
+              <a:t>.</a:t>
+            </a:r>
+            <a:br>
+              <a:rPr lang="de-DE"/>
+            </a:br>
+            <a:endParaRPr lang="de-DE"/>
+          </a:p>
+          <a:p>
+            <a:endParaRPr lang="de-DE"/>
+          </a:p>
+          <a:p>
+            <a:pPr lvl="1"/>
+            <a:endParaRPr lang="en-US"/>
+          </a:p>
+        </p:txBody>
+      </p:sp>
+      <p:pic>
+        <p:nvPicPr>
+          <p:cNvPr id="3" name="Picture 2">
+            <a:extLst>
+              <a:ext uri="{FF2B5EF4-FFF2-40B4-BE49-F238E27FC236}">
+                <a16:creationId xmlns:a16="http://schemas.microsoft.com/office/drawing/2014/main" id="{E6080344-D94B-4C16-9FA2-AA35585AF52A}"/>
+              </a:ext>
+            </a:extLst>
+          </p:cNvPr>
+          <p:cNvPicPr>
+            <a:picLocks noChangeAspect="1"/>
+          </p:cNvPicPr>
+          <p:nvPr/>
+        </p:nvPicPr>
+        <p:blipFill>
+          <a:blip r:embed="rId3"/>
+          <a:stretch>
+            <a:fillRect/>
+          </a:stretch>
+        </p:blipFill>
+        <p:spPr>
+          <a:xfrm>
+            <a:off x="7804196" y="1990724"/>
+            <a:ext cx="3549604" cy="1438276"/>
+          </a:xfrm>
+          <a:prstGeom prst="rect">
+            <a:avLst/>
+          </a:prstGeom>
+        </p:spPr>
+      </p:pic>
     </p:spTree>
     <p:extLst>
       <p:ext uri="{BB962C8B-B14F-4D97-AF65-F5344CB8AC3E}">
-        <p14:creationId xmlns:p14="http://schemas.microsoft.com/office/powerpoint/2010/main" val="2635496787"/>
+        <p14:creationId xmlns:p14="http://schemas.microsoft.com/office/powerpoint/2010/main" val="3346119704"/>
       </p:ext>
     </p:extLst>
   </p:cSld>
@@ -16885,7 +22647,7 @@
 </p:sld>
 </file>
 
-<file path=ppt/slides/slide30.xml><?xml version="1.0" encoding="utf-8"?>
+<file path=ppt/slides/slide35.xml><?xml version="1.0" encoding="utf-8"?>
 <p:sld xmlns:a="http://schemas.openxmlformats.org/drawingml/2006/main" xmlns:r="http://schemas.openxmlformats.org/officeDocument/2006/relationships" xmlns:p="http://schemas.openxmlformats.org/presentationml/2006/main">
   <p:cSld>
     <p:spTree>
@@ -16904,85 +22666,6 @@
       </p:grpSpPr>
       <p:sp>
         <p:nvSpPr>
-          <p:cNvPr id="2" name="Titel 1"/>
-          <p:cNvSpPr>
-            <a:spLocks noGrp="1"/>
-          </p:cNvSpPr>
-          <p:nvPr>
-            <p:ph type="title"/>
-          </p:nvPr>
-        </p:nvSpPr>
-        <p:spPr>
-          <a:xfrm>
-            <a:off x="1066800" y="1990724"/>
-            <a:ext cx="10280650" cy="2886075"/>
-          </a:xfrm>
-        </p:spPr>
-        <p:txBody>
-          <a:bodyPr/>
-          <a:lstStyle/>
-          <a:p>
-            <a:r>
-              <a:rPr lang="en-GB" b="1">
-                <a:effectLst>
-                  <a:outerShdw blurRad="38100" dist="38100" dir="2700000" algn="tl">
-                    <a:srgbClr val="000000">
-                      <a:alpha val="43137"/>
-                    </a:srgbClr>
-                  </a:outerShdw>
-                </a:effectLst>
-              </a:rPr>
-              <a:t>Part II-3: Sentiment Analysis</a:t>
-            </a:r>
-            <a:endParaRPr lang="en-US" b="1">
-              <a:effectLst>
-                <a:outerShdw blurRad="38100" dist="38100" dir="2700000" algn="tl">
-                  <a:srgbClr val="000000">
-                    <a:alpha val="43137"/>
-                  </a:srgbClr>
-                </a:outerShdw>
-              </a:effectLst>
-            </a:endParaRPr>
-          </a:p>
-        </p:txBody>
-      </p:sp>
-      <p:sp>
-        <p:nvSpPr>
-          <p:cNvPr id="3" name="Textplatzhalter 2"/>
-          <p:cNvSpPr>
-            <a:spLocks noGrp="1"/>
-          </p:cNvSpPr>
-          <p:nvPr>
-            <p:ph type="body" idx="1"/>
-          </p:nvPr>
-        </p:nvSpPr>
-        <p:spPr>
-          <a:xfrm>
-            <a:off x="1066798" y="4876799"/>
-            <a:ext cx="10280651" cy="1212851"/>
-          </a:xfrm>
-        </p:spPr>
-        <p:txBody>
-          <a:bodyPr/>
-          <a:lstStyle/>
-          <a:p>
-            <a:r>
-              <a:rPr lang="en-US" b="1">
-                <a:effectLst>
-                  <a:outerShdw blurRad="38100" dist="38100" dir="2700000" algn="tl">
-                    <a:srgbClr val="000000">
-                      <a:alpha val="43137"/>
-                    </a:srgbClr>
-                  </a:outerShdw>
-                </a:effectLst>
-              </a:rPr>
-              <a:t>Excursus: AutoML Pipeline</a:t>
-            </a:r>
-          </a:p>
-        </p:txBody>
-      </p:sp>
-      <p:sp>
-        <p:nvSpPr>
           <p:cNvPr id="4" name="Foliennummernplatzhalter 3"/>
           <p:cNvSpPr>
             <a:spLocks noGrp="1"/>
@@ -16998,16 +22681,267 @@
           <a:p>
             <a:fld id="{C9E0B00B-E6DF-4183-A694-3DE28BEFB357}" type="slidenum">
               <a:rPr lang="en-US" smtClean="0"/>
-              <a:t>30</a:t>
+              <a:t>35</a:t>
             </a:fld>
             <a:endParaRPr lang="en-US"/>
+          </a:p>
+        </p:txBody>
+      </p:sp>
+      <p:sp>
+        <p:nvSpPr>
+          <p:cNvPr id="9" name="Titel 1">
+            <a:extLst>
+              <a:ext uri="{FF2B5EF4-FFF2-40B4-BE49-F238E27FC236}">
+                <a16:creationId xmlns:a16="http://schemas.microsoft.com/office/drawing/2014/main" id="{7807725C-718A-4D77-AD01-05225CF68388}"/>
+              </a:ext>
+            </a:extLst>
+          </p:cNvPr>
+          <p:cNvSpPr>
+            <a:spLocks noGrp="1"/>
+          </p:cNvSpPr>
+          <p:nvPr>
+            <p:ph type="title"/>
+          </p:nvPr>
+        </p:nvSpPr>
+        <p:spPr>
+          <a:xfrm>
+            <a:off x="1066800" y="561524"/>
+            <a:ext cx="10287000" cy="1129164"/>
+          </a:xfrm>
+        </p:spPr>
+        <p:txBody>
+          <a:bodyPr>
+            <a:normAutofit/>
+          </a:bodyPr>
+          <a:lstStyle/>
+          <a:p>
+            <a:r>
+              <a:rPr lang="en-US"/>
+              <a:t>AutoML Pipeline  </a:t>
+            </a:r>
+            <a:r>
+              <a:rPr lang="en-US" b="1"/>
+              <a:t>Graph Learners</a:t>
+            </a:r>
+          </a:p>
+        </p:txBody>
+      </p:sp>
+      <p:sp>
+        <p:nvSpPr>
+          <p:cNvPr id="10" name="Content Placeholder 2">
+            <a:extLst>
+              <a:ext uri="{FF2B5EF4-FFF2-40B4-BE49-F238E27FC236}">
+                <a16:creationId xmlns:a16="http://schemas.microsoft.com/office/drawing/2014/main" id="{67443131-1CA9-405F-8B23-66FD98AB33DC}"/>
+              </a:ext>
+            </a:extLst>
+          </p:cNvPr>
+          <p:cNvSpPr>
+            <a:spLocks noGrp="1"/>
+          </p:cNvSpPr>
+          <p:nvPr>
+            <p:ph idx="1"/>
+          </p:nvPr>
+        </p:nvSpPr>
+        <p:spPr>
+          <a:xfrm>
+            <a:off x="1066798" y="1990724"/>
+            <a:ext cx="10086977" cy="4867275"/>
+          </a:xfrm>
+        </p:spPr>
+        <p:txBody>
+          <a:bodyPr>
+            <a:normAutofit/>
+          </a:bodyPr>
+          <a:lstStyle/>
+          <a:p>
+            <a:r>
+              <a:rPr lang="de-DE"/>
+              <a:t>Building pipelines via </a:t>
+            </a:r>
+            <a:r>
+              <a:rPr lang="de-DE" b="1"/>
+              <a:t>graph learners</a:t>
+            </a:r>
+          </a:p>
+          <a:p>
+            <a:pPr lvl="1"/>
+            <a:r>
+              <a:rPr lang="de-DE"/>
+              <a:t>Encompassing all steps from </a:t>
+            </a:r>
+            <a:br>
+              <a:rPr lang="de-DE"/>
+            </a:br>
+            <a:r>
+              <a:rPr lang="de-DE"/>
+              <a:t>pre-processing to evaluation</a:t>
+            </a:r>
+          </a:p>
+          <a:p>
+            <a:pPr lvl="1"/>
+            <a:r>
+              <a:rPr lang="de-DE"/>
+              <a:t>Modular building approach</a:t>
+            </a:r>
+          </a:p>
+          <a:p>
+            <a:pPr lvl="1"/>
+            <a:r>
+              <a:rPr lang="de-DE"/>
+              <a:t>All methods (training, prediction, tuning, ...) </a:t>
+            </a:r>
+            <a:br>
+              <a:rPr lang="de-DE"/>
+            </a:br>
+            <a:r>
+              <a:rPr lang="de-DE"/>
+              <a:t>applicable as usual</a:t>
+            </a:r>
+          </a:p>
+          <a:p>
+            <a:r>
+              <a:rPr lang="de-DE"/>
+              <a:t>Automatization of entire procedure </a:t>
+            </a:r>
+            <a:br>
+              <a:rPr lang="de-DE"/>
+            </a:br>
+            <a:r>
+              <a:rPr lang="de-DE"/>
+              <a:t>possible to large extent</a:t>
+            </a:r>
+            <a:br>
+              <a:rPr lang="de-DE"/>
+            </a:br>
+            <a:endParaRPr lang="de-DE"/>
+          </a:p>
+          <a:p>
+            <a:endParaRPr lang="de-DE"/>
+          </a:p>
+          <a:p>
+            <a:pPr lvl="1"/>
+            <a:endParaRPr lang="en-US"/>
+          </a:p>
+        </p:txBody>
+      </p:sp>
+      <p:pic>
+        <p:nvPicPr>
+          <p:cNvPr id="3" name="Picture 2">
+            <a:extLst>
+              <a:ext uri="{FF2B5EF4-FFF2-40B4-BE49-F238E27FC236}">
+                <a16:creationId xmlns:a16="http://schemas.microsoft.com/office/drawing/2014/main" id="{4840B926-8518-480C-BF7D-4BD16FA202B1}"/>
+              </a:ext>
+            </a:extLst>
+          </p:cNvPr>
+          <p:cNvPicPr>
+            <a:picLocks noChangeAspect="1"/>
+          </p:cNvPicPr>
+          <p:nvPr/>
+        </p:nvPicPr>
+        <p:blipFill>
+          <a:blip r:embed="rId3"/>
+          <a:stretch>
+            <a:fillRect/>
+          </a:stretch>
+        </p:blipFill>
+        <p:spPr>
+          <a:xfrm>
+            <a:off x="7905347" y="2186969"/>
+            <a:ext cx="3448453" cy="2942815"/>
+          </a:xfrm>
+          <a:prstGeom prst="rect">
+            <a:avLst/>
+          </a:prstGeom>
+        </p:spPr>
+      </p:pic>
+      <p:pic>
+        <p:nvPicPr>
+          <p:cNvPr id="16" name="Graphic 15" descr="Game controller with solid fill">
+            <a:extLst>
+              <a:ext uri="{FF2B5EF4-FFF2-40B4-BE49-F238E27FC236}">
+                <a16:creationId xmlns:a16="http://schemas.microsoft.com/office/drawing/2014/main" id="{3D3A7CA9-86FD-4425-A768-35D92A4763E5}"/>
+              </a:ext>
+            </a:extLst>
+          </p:cNvPr>
+          <p:cNvPicPr>
+            <a:picLocks noChangeAspect="1"/>
+          </p:cNvPicPr>
+          <p:nvPr/>
+        </p:nvPicPr>
+        <p:blipFill>
+          <a:blip r:embed="rId4">
+            <a:extLst>
+              <a:ext uri="{28A0092B-C50C-407E-A947-70E740481C1C}">
+                <a14:useLocalDpi xmlns:a14="http://schemas.microsoft.com/office/drawing/2010/main" val="0"/>
+              </a:ext>
+              <a:ext uri="{96DAC541-7B7A-43D3-8B79-37D633B846F1}">
+                <asvg:svgBlip xmlns:asvg="http://schemas.microsoft.com/office/drawing/2016/SVG/main" r:embed="rId5"/>
+              </a:ext>
+            </a:extLst>
+          </a:blip>
+          <a:stretch>
+            <a:fillRect/>
+          </a:stretch>
+        </p:blipFill>
+        <p:spPr>
+          <a:xfrm>
+            <a:off x="1066798" y="5581694"/>
+            <a:ext cx="714378" cy="714782"/>
+          </a:xfrm>
+          <a:prstGeom prst="rect">
+            <a:avLst/>
+          </a:prstGeom>
+        </p:spPr>
+      </p:pic>
+      <p:sp>
+        <p:nvSpPr>
+          <p:cNvPr id="17" name="TextBox 16">
+            <a:extLst>
+              <a:ext uri="{FF2B5EF4-FFF2-40B4-BE49-F238E27FC236}">
+                <a16:creationId xmlns:a16="http://schemas.microsoft.com/office/drawing/2014/main" id="{6A8E379A-DA4E-4E75-B43B-77A1268C388D}"/>
+              </a:ext>
+            </a:extLst>
+          </p:cNvPr>
+          <p:cNvSpPr txBox="1"/>
+          <p:nvPr/>
+        </p:nvSpPr>
+        <p:spPr>
+          <a:xfrm>
+            <a:off x="2018554" y="5708252"/>
+            <a:ext cx="9411445" cy="461665"/>
+          </a:xfrm>
+          <a:prstGeom prst="rect">
+            <a:avLst/>
+          </a:prstGeom>
+          <a:noFill/>
+        </p:spPr>
+        <p:txBody>
+          <a:bodyPr wrap="square">
+            <a:spAutoFit/>
+          </a:bodyPr>
+          <a:lstStyle/>
+          <a:p>
+            <a:r>
+              <a:rPr lang="en-US" sz="2400" i="1"/>
+              <a:t>tutorial on creating AutoML systems on </a:t>
+            </a:r>
+            <a:r>
+              <a:rPr lang="en-US" sz="2400" i="1">
+                <a:hlinkClick r:id="rId6"/>
+              </a:rPr>
+              <a:t>https://mlr3gallery.mlr-org.com/</a:t>
+            </a:r>
+            <a:r>
+              <a:rPr lang="en-US" sz="2400" i="1"/>
+              <a:t> </a:t>
+            </a:r>
           </a:p>
         </p:txBody>
       </p:sp>
     </p:spTree>
     <p:extLst>
       <p:ext uri="{BB962C8B-B14F-4D97-AF65-F5344CB8AC3E}">
-        <p14:creationId xmlns:p14="http://schemas.microsoft.com/office/powerpoint/2010/main" val="3533798371"/>
+        <p14:creationId xmlns:p14="http://schemas.microsoft.com/office/powerpoint/2010/main" val="1529374076"/>
       </p:ext>
     </p:extLst>
   </p:cSld>
@@ -17017,7 +22951,7 @@
 </p:sld>
 </file>
 
-<file path=ppt/slides/slide31.xml><?xml version="1.0" encoding="utf-8"?>
+<file path=ppt/slides/slide36.xml><?xml version="1.0" encoding="utf-8"?>
 <p:sld xmlns:a="http://schemas.openxmlformats.org/drawingml/2006/main" xmlns:r="http://schemas.openxmlformats.org/officeDocument/2006/relationships" xmlns:p="http://schemas.openxmlformats.org/presentationml/2006/main">
   <p:cSld>
     <p:spTree>
@@ -17130,7 +23064,7 @@
           <a:p>
             <a:fld id="{C9E0B00B-E6DF-4183-A694-3DE28BEFB357}" type="slidenum">
               <a:rPr lang="en-US" smtClean="0"/>
-              <a:t>31</a:t>
+              <a:t>36</a:t>
             </a:fld>
             <a:endParaRPr lang="en-US"/>
           </a:p>
@@ -17149,7 +23083,7 @@
 </p:sld>
 </file>
 
-<file path=ppt/slides/slide32.xml><?xml version="1.0" encoding="utf-8"?>
+<file path=ppt/slides/slide37.xml><?xml version="1.0" encoding="utf-8"?>
 <p:sld xmlns:a="http://schemas.openxmlformats.org/drawingml/2006/main" xmlns:r="http://schemas.openxmlformats.org/officeDocument/2006/relationships" xmlns:p="http://schemas.openxmlformats.org/presentationml/2006/main">
   <p:cSld>
     <p:spTree>
@@ -17199,7 +23133,7 @@
             </a:pPr>
             <a:r>
               <a:rPr lang="en-US" sz="2000"/>
-              <a:t>Miner, G., Elder IV, J., Fast, A., Hill, T., Nisbet, R. and Delen, D. (2012): Practical Text Mining and Statistical Analysis for Non-Structured Text Data Applications, Academic Press. </a:t>
+              <a:t>Bishop, C. (2006): Pattern Recognition and Machine Learning, Springer.</a:t>
             </a:r>
           </a:p>
           <a:p>
@@ -17208,15 +23142,15 @@
             </a:pPr>
             <a:r>
               <a:rPr lang="en-US" sz="2000"/>
-              <a:t>Pennington, J., Socher, R., and Manning, C. (2014): GloVe. Global Vectors for Word Representation. </a:t>
-            </a:r>
-            <a:r>
-              <a:rPr lang="en-US" sz="2000" i="1"/>
-              <a:t>Proceedings of the 2014 Conference on Empirical Methods in Natural Language Processing (EMNLP)</a:t>
+              <a:t>Hastie, T., Tibshirani, R, and Friedman, J. (2017): The Elements of Statistical Learning. Data Mining, Inference, and Prediction, 2</a:t>
+            </a:r>
+            <a:r>
+              <a:rPr lang="en-US" sz="2000" baseline="30000"/>
+              <a:t>nd</a:t>
             </a:r>
             <a:r>
               <a:rPr lang="en-US" sz="2000"/>
-              <a:t>, pp. 1532–1543.</a:t>
+              <a:t> ed., Springer.</a:t>
             </a:r>
           </a:p>
           <a:p>
@@ -17225,7 +23159,7 @@
             </a:pPr>
             <a:r>
               <a:rPr lang="en-US" sz="2000"/>
-              <a:t>Pennington, J., Socher, R., and Manning, C. (2014): Pre-trained word vectors. https://nlp.stanford.edu/projects/glove.</a:t>
+              <a:t>Japkowicz, N., and Shah, M. (2011): Evaluationg Learning Algorithms. A Classification Perspective, Cambridge University Press.</a:t>
             </a:r>
           </a:p>
           <a:p>
@@ -17234,8 +23168,41 @@
             </a:pPr>
             <a:r>
               <a:rPr lang="en-US" sz="2000"/>
-              <a:t>Sarkar, D. (2016): Text Analytics with Python. A Practitioner's Guide to Natural Language Processing, Apress.</a:t>
-            </a:r>
+              <a:t>Mikolov, T., Chen, K., Corrado, G., and Dean, J. (2013): Efficient Estimation of Word Representations in Vector Space, arXiv:1301.3781.</a:t>
+            </a:r>
+          </a:p>
+          <a:p>
+            <a:pPr marL="0" indent="0">
+              <a:buNone/>
+            </a:pPr>
+            <a:r>
+              <a:rPr lang="en-US" sz="2000"/>
+              <a:t>Pennington, J., Socher, R., and Manning, C. (2014): GloVe: Global Vectors for Word Representation</a:t>
+            </a:r>
+          </a:p>
+          <a:p>
+            <a:pPr marL="0" indent="0">
+              <a:buNone/>
+            </a:pPr>
+            <a:r>
+              <a:rPr lang="en-US" sz="2000"/>
+              <a:t>https://introduction-to-machine-learning.netlify.app/</a:t>
+            </a:r>
+          </a:p>
+          <a:p>
+            <a:pPr marL="0" indent="0">
+              <a:buNone/>
+            </a:pPr>
+            <a:r>
+              <a:rPr lang="en-US" sz="2000"/>
+              <a:t>https://mlr3book.mlr-org.com/</a:t>
+            </a:r>
+          </a:p>
+          <a:p>
+            <a:pPr marL="0" indent="0">
+              <a:buNone/>
+            </a:pPr>
+            <a:endParaRPr lang="en-US" sz="2000"/>
           </a:p>
           <a:p>
             <a:pPr marL="0" indent="0">
@@ -17280,7 +23247,7 @@
           <a:p>
             <a:fld id="{C9E0B00B-E6DF-4183-A694-3DE28BEFB357}" type="slidenum">
               <a:rPr lang="en-US" smtClean="0"/>
-              <a:t>32</a:t>
+              <a:t>37</a:t>
             </a:fld>
             <a:endParaRPr lang="en-US"/>
           </a:p>
@@ -17665,7 +23632,7 @@
             <a:pPr lvl="1"/>
             <a:r>
               <a:rPr lang="en-US"/>
-              <a:t>Each document represented by the </a:t>
+              <a:t>Each document represented by </a:t>
             </a:r>
             <a:r>
               <a:rPr lang="en-US" b="1"/>
@@ -17673,7 +23640,7 @@
             </a:r>
             <a:r>
               <a:rPr lang="en-US"/>
-              <a:t>(occurrence of all the distinct words that are present in the document)</a:t>
+              <a:t>(occurrence of all distinct words present in the document)</a:t>
             </a:r>
           </a:p>
           <a:p>

--- a/5_seminar/Contents_Part_02/slides/slides_II_3.pptx
+++ b/5_seminar/Contents_Part_02/slides/slides_II_3.pptx
@@ -244,7 +244,7 @@
           <a:p>
             <a:fld id="{7A5B87F2-13FD-4A24-9F19-39B31C60B536}" type="datetimeFigureOut">
               <a:rPr lang="en-US" smtClean="0"/>
-              <a:t>5/3/2021</a:t>
+              <a:t>5/4/2021</a:t>
             </a:fld>
             <a:endParaRPr lang="en-US"/>
           </a:p>
@@ -3813,7 +3813,7 @@
           <a:p>
             <a:fld id="{5A1811BA-6AD9-41A7-B7A2-456C8523519C}" type="datetime1">
               <a:rPr lang="en-US" smtClean="0"/>
-              <a:t>5/3/2021</a:t>
+              <a:t>5/4/2021</a:t>
             </a:fld>
             <a:endParaRPr lang="en-US"/>
           </a:p>
@@ -3983,7 +3983,7 @@
           <a:p>
             <a:fld id="{B0494441-C196-4BB0-93EE-AF22360207AB}" type="datetime1">
               <a:rPr lang="en-US" smtClean="0"/>
-              <a:t>5/3/2021</a:t>
+              <a:t>5/4/2021</a:t>
             </a:fld>
             <a:endParaRPr lang="en-US"/>
           </a:p>
@@ -4163,7 +4163,7 @@
           <a:p>
             <a:fld id="{D7B9282B-C3CE-4F56-8DD1-5349F982F1D2}" type="datetime1">
               <a:rPr lang="en-US" smtClean="0"/>
-              <a:t>5/3/2021</a:t>
+              <a:t>5/4/2021</a:t>
             </a:fld>
             <a:endParaRPr lang="en-US"/>
           </a:p>
@@ -4333,7 +4333,7 @@
           <a:p>
             <a:fld id="{E6E86D6A-786F-4E85-AF3B-385015383ABA}" type="datetime1">
               <a:rPr lang="en-US" smtClean="0"/>
-              <a:t>5/3/2021</a:t>
+              <a:t>5/4/2021</a:t>
             </a:fld>
             <a:endParaRPr lang="en-US"/>
           </a:p>
@@ -4579,7 +4579,7 @@
           <a:p>
             <a:fld id="{051FFEB0-9C80-4A34-A5C7-72D52D52FC7D}" type="datetime1">
               <a:rPr lang="en-US" smtClean="0"/>
-              <a:t>5/3/2021</a:t>
+              <a:t>5/4/2021</a:t>
             </a:fld>
             <a:endParaRPr lang="en-US"/>
           </a:p>
@@ -4811,7 +4811,7 @@
           <a:p>
             <a:fld id="{084267AD-C299-471B-ABA1-D0EA94C7EDCF}" type="datetime1">
               <a:rPr lang="en-US" smtClean="0"/>
-              <a:t>5/3/2021</a:t>
+              <a:t>5/4/2021</a:t>
             </a:fld>
             <a:endParaRPr lang="en-US"/>
           </a:p>
@@ -5178,7 +5178,7 @@
           <a:p>
             <a:fld id="{6468DBC7-10F8-46A1-8CE1-DBB0A6F0EF3E}" type="datetime1">
               <a:rPr lang="en-US" smtClean="0"/>
-              <a:t>5/3/2021</a:t>
+              <a:t>5/4/2021</a:t>
             </a:fld>
             <a:endParaRPr lang="en-US"/>
           </a:p>
@@ -5296,7 +5296,7 @@
           <a:p>
             <a:fld id="{0A97ED80-8DDA-43A7-A78F-B0542D691D0E}" type="datetime1">
               <a:rPr lang="en-US" smtClean="0"/>
-              <a:t>5/3/2021</a:t>
+              <a:t>5/4/2021</a:t>
             </a:fld>
             <a:endParaRPr lang="en-US"/>
           </a:p>
@@ -5391,7 +5391,7 @@
           <a:p>
             <a:fld id="{0AF827E6-45BA-40D2-98F2-BE4FFF095577}" type="datetime1">
               <a:rPr lang="en-US" smtClean="0"/>
-              <a:t>5/3/2021</a:t>
+              <a:t>5/4/2021</a:t>
             </a:fld>
             <a:endParaRPr lang="en-US"/>
           </a:p>
@@ -5668,7 +5668,7 @@
           <a:p>
             <a:fld id="{42BD114C-22EA-4B1A-A45B-ED6465C7BB4E}" type="datetime1">
               <a:rPr lang="en-US" smtClean="0"/>
-              <a:t>5/3/2021</a:t>
+              <a:t>5/4/2021</a:t>
             </a:fld>
             <a:endParaRPr lang="en-US"/>
           </a:p>
@@ -5921,7 +5921,7 @@
           <a:p>
             <a:fld id="{F46F8903-38BE-4FD8-98FC-E4EF771B2D8C}" type="datetime1">
               <a:rPr lang="en-US" smtClean="0"/>
-              <a:t>5/3/2021</a:t>
+              <a:t>5/4/2021</a:t>
             </a:fld>
             <a:endParaRPr lang="en-US"/>
           </a:p>
@@ -6134,7 +6134,7 @@
           <a:p>
             <a:fld id="{A91AC8C7-9CA9-4E83-8CE3-AD3BE4150B39}" type="datetime1">
               <a:rPr lang="en-US" smtClean="0"/>
-              <a:t>5/3/2021</a:t>
+              <a:t>5/4/2021</a:t>
             </a:fld>
             <a:endParaRPr lang="en-US"/>
           </a:p>
@@ -7341,7 +7341,13 @@
             <a:pPr lvl="1"/>
             <a:r>
               <a:rPr lang="de-DE"/>
-              <a:t>Unifying idea: data observed in (extremely) high-dimensional space but truly much lower-dimensional   </a:t>
+              <a:t>Unifying idea: data observed in (extremely) high-dimensional space but truly much lower-dimensional  </a:t>
+            </a:r>
+            <a:r>
+              <a:rPr lang="de-DE">
+                <a:sym typeface="Symbol" panose="05050102010706020507" pitchFamily="18" charset="2"/>
+              </a:rPr>
+              <a:t></a:t>
             </a:r>
             <a:r>
               <a:rPr lang="de-DE" b="1">
@@ -7350,7 +7356,7 @@
                 </a:solidFill>
                 <a:sym typeface="Symbol" panose="05050102010706020507" pitchFamily="18" charset="2"/>
               </a:rPr>
-              <a:t>   </a:t>
+              <a:t>  </a:t>
             </a:r>
             <a:r>
               <a:rPr lang="de-DE">
@@ -9064,7 +9070,7 @@
             </a:r>
             <a:r>
               <a:rPr lang="en-US"/>
-              <a:t>null vector for unknown words)</a:t>
+              <a:t>zero vector for unknown words)</a:t>
             </a:r>
             <a:endParaRPr lang="de-DE"/>
           </a:p>
@@ -16662,13 +16668,17 @@
           <a:p>
             <a:r>
               <a:rPr lang="de-DE"/>
-              <a:t>Measured using the test set(s)</a:t>
-            </a:r>
-          </a:p>
-          <a:p>
+              <a:t>Measured on test set(s)</a:t>
+            </a:r>
+          </a:p>
+          <a:p>
+            <a:r>
+              <a:rPr lang="de-DE" i="1"/>
+              <a:t>Aka</a:t>
+            </a:r>
             <a:r>
               <a:rPr lang="de-DE"/>
-              <a:t>Aka </a:t>
+              <a:t> </a:t>
             </a:r>
             <a:r>
               <a:rPr lang="de-DE" b="1"/>
@@ -20074,7 +20084,7 @@
                   <a:schemeClr val="bg1"/>
                 </a:solidFill>
               </a:rPr>
-              <a:t>Classifier</a:t>
+              <a:t>Model</a:t>
             </a:r>
             <a:endParaRPr lang="de-DE" b="1">
               <a:solidFill>
@@ -22532,7 +22542,7 @@
             <a:pPr lvl="1"/>
             <a:r>
               <a:rPr lang="de-DE"/>
-              <a:t>we tune/evaluate multiple learners, and</a:t>
+              <a:t>we tune/evaluate multiple learners, and/or</a:t>
             </a:r>
           </a:p>
           <a:p>
@@ -22573,7 +22583,7 @@
           <a:p>
             <a:r>
               <a:rPr lang="de-DE"/>
-              <a:t>For predictions to remain unbiased this requires repeated </a:t>
+              <a:t>For predictions to remain unbiased this requires</a:t>
             </a:r>
             <a:br>
               <a:rPr lang="de-DE"/>
@@ -22626,7 +22636,7 @@
         </p:blipFill>
         <p:spPr>
           <a:xfrm>
-            <a:off x="7804196" y="1990724"/>
+            <a:off x="7804196" y="2100452"/>
             <a:ext cx="3549604" cy="1438276"/>
           </a:xfrm>
           <a:prstGeom prst="rect">
@@ -23640,7 +23650,7 @@
             </a:r>
             <a:r>
               <a:rPr lang="en-US"/>
-              <a:t>(occurrence of all distinct words present in the document)</a:t>
+              <a:t>(occurrence of all distinct words present in document)</a:t>
             </a:r>
           </a:p>
           <a:p>
@@ -26223,7 +26233,7 @@
             </a:r>
             <a:r>
               <a:rPr lang="en-GB"/>
-              <a:t>model the semantic importance of a word in a numeric form</a:t>
+              <a:t>model semantic importance of words in numeric form</a:t>
             </a:r>
             <a:br>
               <a:rPr lang="en-GB"/>

--- a/5_seminar/Contents_Part_02/slides/slides_II_3.pptx
+++ b/5_seminar/Contents_Part_02/slides/slides_II_3.pptx
@@ -16444,7 +16444,7 @@
                   <a:schemeClr val="tx1"/>
                 </a:solidFill>
               </a:rPr>
-              <a:t>Demo 9: ML Training &amp; Prediction</a:t>
+              <a:t>Demo 9: Sentiment Analysis -   Training &amp; Prediction</a:t>
             </a:r>
             <a:endParaRPr lang="en-US" sz="4000" b="1">
               <a:solidFill>
